--- a/動態網頁.pptx
+++ b/動態網頁.pptx
@@ -12,6 +12,7 @@
     <p:sldId id="260" r:id="rId6"/>
     <p:sldId id="261" r:id="rId7"/>
     <p:sldId id="262" r:id="rId8"/>
+    <p:sldId id="263" r:id="rId9"/>
   </p:sldIdLst>
   <p:sldSz cx="9144000" cy="6858000" type="screen4x3"/>
   <p:notesSz cx="6858000" cy="9144000"/>
@@ -308,7 +309,7 @@
           <a:p>
             <a:fld id="{5BBEAD13-0566-4C6C-97E7-55F17F24B09F}" type="datetimeFigureOut">
               <a:rPr lang="zh-TW" altLang="en-US" smtClean="0"/>
-              <a:t>2021/7/24</a:t>
+              <a:t>2021/7/25</a:t>
             </a:fld>
             <a:endParaRPr lang="zh-TW" altLang="en-US"/>
           </a:p>
@@ -471,7 +472,7 @@
           <a:p>
             <a:fld id="{5BBEAD13-0566-4C6C-97E7-55F17F24B09F}" type="datetimeFigureOut">
               <a:rPr lang="zh-TW" altLang="en-US" smtClean="0"/>
-              <a:t>2021/7/24</a:t>
+              <a:t>2021/7/25</a:t>
             </a:fld>
             <a:endParaRPr lang="zh-TW" altLang="en-US"/>
           </a:p>
@@ -644,7 +645,7 @@
           <a:p>
             <a:fld id="{5BBEAD13-0566-4C6C-97E7-55F17F24B09F}" type="datetimeFigureOut">
               <a:rPr lang="zh-TW" altLang="en-US" smtClean="0"/>
-              <a:t>2021/7/24</a:t>
+              <a:t>2021/7/25</a:t>
             </a:fld>
             <a:endParaRPr lang="zh-TW" altLang="en-US"/>
           </a:p>
@@ -807,7 +808,7 @@
           <a:p>
             <a:fld id="{5BBEAD13-0566-4C6C-97E7-55F17F24B09F}" type="datetimeFigureOut">
               <a:rPr lang="zh-TW" altLang="en-US" smtClean="0"/>
-              <a:t>2021/7/24</a:t>
+              <a:t>2021/7/25</a:t>
             </a:fld>
             <a:endParaRPr lang="zh-TW" altLang="en-US"/>
           </a:p>
@@ -1047,7 +1048,7 @@
           <a:p>
             <a:fld id="{5BBEAD13-0566-4C6C-97E7-55F17F24B09F}" type="datetimeFigureOut">
               <a:rPr lang="zh-TW" altLang="en-US" smtClean="0"/>
-              <a:t>2021/7/24</a:t>
+              <a:t>2021/7/25</a:t>
             </a:fld>
             <a:endParaRPr lang="zh-TW" altLang="en-US"/>
           </a:p>
@@ -1327,7 +1328,7 @@
           <a:p>
             <a:fld id="{5BBEAD13-0566-4C6C-97E7-55F17F24B09F}" type="datetimeFigureOut">
               <a:rPr lang="zh-TW" altLang="en-US" smtClean="0"/>
-              <a:t>2021/7/24</a:t>
+              <a:t>2021/7/25</a:t>
             </a:fld>
             <a:endParaRPr lang="zh-TW" altLang="en-US"/>
           </a:p>
@@ -1741,7 +1742,7 @@
           <a:p>
             <a:fld id="{5BBEAD13-0566-4C6C-97E7-55F17F24B09F}" type="datetimeFigureOut">
               <a:rPr lang="zh-TW" altLang="en-US" smtClean="0"/>
-              <a:t>2021/7/24</a:t>
+              <a:t>2021/7/25</a:t>
             </a:fld>
             <a:endParaRPr lang="zh-TW" altLang="en-US"/>
           </a:p>
@@ -1853,7 +1854,7 @@
           <a:p>
             <a:fld id="{5BBEAD13-0566-4C6C-97E7-55F17F24B09F}" type="datetimeFigureOut">
               <a:rPr lang="zh-TW" altLang="en-US" smtClean="0"/>
-              <a:t>2021/7/24</a:t>
+              <a:t>2021/7/25</a:t>
             </a:fld>
             <a:endParaRPr lang="zh-TW" altLang="en-US"/>
           </a:p>
@@ -1943,7 +1944,7 @@
           <a:p>
             <a:fld id="{5BBEAD13-0566-4C6C-97E7-55F17F24B09F}" type="datetimeFigureOut">
               <a:rPr lang="zh-TW" altLang="en-US" smtClean="0"/>
-              <a:t>2021/7/24</a:t>
+              <a:t>2021/7/25</a:t>
             </a:fld>
             <a:endParaRPr lang="zh-TW" altLang="en-US"/>
           </a:p>
@@ -2213,7 +2214,7 @@
           <a:p>
             <a:fld id="{5BBEAD13-0566-4C6C-97E7-55F17F24B09F}" type="datetimeFigureOut">
               <a:rPr lang="zh-TW" altLang="en-US" smtClean="0"/>
-              <a:t>2021/7/24</a:t>
+              <a:t>2021/7/25</a:t>
             </a:fld>
             <a:endParaRPr lang="zh-TW" altLang="en-US"/>
           </a:p>
@@ -2460,7 +2461,7 @@
           <a:p>
             <a:fld id="{5BBEAD13-0566-4C6C-97E7-55F17F24B09F}" type="datetimeFigureOut">
               <a:rPr lang="zh-TW" altLang="en-US" smtClean="0"/>
-              <a:t>2021/7/24</a:t>
+              <a:t>2021/7/25</a:t>
             </a:fld>
             <a:endParaRPr lang="zh-TW" altLang="en-US"/>
           </a:p>
@@ -2666,7 +2667,7 @@
           <a:p>
             <a:fld id="{5BBEAD13-0566-4C6C-97E7-55F17F24B09F}" type="datetimeFigureOut">
               <a:rPr lang="zh-TW" altLang="en-US" smtClean="0"/>
-              <a:t>2021/7/24</a:t>
+              <a:t>2021/7/25</a:t>
             </a:fld>
             <a:endParaRPr lang="zh-TW" altLang="en-US"/>
           </a:p>
@@ -3846,7 +3847,7 @@
                 <a:latin typeface="Times New Roman" pitchFamily="18" charset="0"/>
                 <a:cs typeface="Times New Roman" pitchFamily="18" charset="0"/>
               </a:rPr>
-              <a:t>的變數是 </a:t>
+              <a:t>的結果是 </a:t>
             </a:r>
             <a:r>
               <a:rPr lang="en-US" altLang="zh-TW" sz="2000" dirty="0" err="1">
@@ -4876,12 +4877,28 @@
             <a:r>
               <a:rPr lang="en-US" altLang="zh-TW" sz="2000" dirty="0">
                 <a:solidFill>
-                  <a:srgbClr val="FF0000"/>
+                  <a:srgbClr val="00B050"/>
                 </a:solidFill>
                 <a:latin typeface="Times New Roman" pitchFamily="18" charset="0"/>
                 <a:cs typeface="Times New Roman" pitchFamily="18" charset="0"/>
               </a:rPr>
               <a:t>Date</a:t>
+            </a:r>
+          </a:p>
+          <a:p>
+            <a:pPr marL="342900" indent="-160338">
+              <a:buFont typeface="Arial" panose="020B0604020202020204" pitchFamily="34" charset="0"/>
+              <a:buChar char="•"/>
+            </a:pPr>
+            <a:r>
+              <a:rPr lang="en-US" altLang="zh-TW" sz="2000" dirty="0">
+                <a:solidFill>
+                  <a:srgbClr val="00B050"/>
+                </a:solidFill>
+                <a:latin typeface="Times New Roman" pitchFamily="18" charset="0"/>
+                <a:cs typeface="Times New Roman" pitchFamily="18" charset="0"/>
+              </a:rPr>
+              <a:t>Math</a:t>
             </a:r>
           </a:p>
           <a:p>
@@ -5541,19 +5558,6 @@
             </a:r>
           </a:p>
           <a:p>
-            <a:r>
-              <a:rPr lang="zh-TW" altLang="en-US" sz="2000" dirty="0">
-                <a:solidFill>
-                  <a:schemeClr val="tx1">
-                    <a:lumMod val="95000"/>
-                    <a:lumOff val="5000"/>
-                  </a:schemeClr>
-                </a:solidFill>
-                <a:latin typeface="Times New Roman" pitchFamily="18" charset="0"/>
-                <a:cs typeface="Times New Roman" pitchFamily="18" charset="0"/>
-              </a:rPr>
-              <a:t>邏輯：</a:t>
-            </a:r>
             <a:endParaRPr lang="en-US" altLang="zh-TW" sz="2000" dirty="0">
               <a:solidFill>
                 <a:schemeClr val="tx1">
@@ -5577,35 +5581,7 @@
                 <a:latin typeface="Times New Roman" pitchFamily="18" charset="0"/>
                 <a:cs typeface="Times New Roman" pitchFamily="18" charset="0"/>
               </a:rPr>
-              <a:t>    </a:t>
-            </a:r>
-            <a:r>
-              <a:rPr lang="en-US" altLang="zh-TW" sz="2000" dirty="0">
-                <a:solidFill>
-                  <a:schemeClr val="tx1">
-                    <a:lumMod val="95000"/>
-                    <a:lumOff val="5000"/>
-                  </a:schemeClr>
-                </a:solidFill>
-                <a:latin typeface="Times New Roman" pitchFamily="18" charset="0"/>
-                <a:cs typeface="Times New Roman" pitchFamily="18" charset="0"/>
-              </a:rPr>
-              <a:t>&amp;&amp; , || , !</a:t>
-            </a:r>
-          </a:p>
-          <a:p>
-            <a:r>
-              <a:rPr lang="zh-TW" altLang="en-US" sz="2000" dirty="0">
-                <a:solidFill>
-                  <a:schemeClr val="tx1">
-                    <a:lumMod val="95000"/>
-                    <a:lumOff val="5000"/>
-                  </a:schemeClr>
-                </a:solidFill>
-                <a:latin typeface="Times New Roman" pitchFamily="18" charset="0"/>
-                <a:cs typeface="Times New Roman" pitchFamily="18" charset="0"/>
-              </a:rPr>
-              <a:t>比較：</a:t>
+              <a:t>邏輯：</a:t>
             </a:r>
             <a:endParaRPr lang="en-US" altLang="zh-TW" sz="2000" dirty="0">
               <a:solidFill>
@@ -5643,20 +5619,24 @@
                 <a:latin typeface="Times New Roman" pitchFamily="18" charset="0"/>
                 <a:cs typeface="Times New Roman" pitchFamily="18" charset="0"/>
               </a:rPr>
-              <a:t>&gt; , &lt; , &gt;= , &lt;= , == , != , </a:t>
-            </a:r>
-            <a:r>
-              <a:rPr lang="en-US" altLang="zh-TW" sz="2000" dirty="0">
-                <a:solidFill>
-                  <a:srgbClr val="FF0000"/>
-                </a:solidFill>
-                <a:latin typeface="Times New Roman" pitchFamily="18" charset="0"/>
-                <a:cs typeface="Times New Roman" pitchFamily="18" charset="0"/>
-              </a:rPr>
-              <a:t>===</a:t>
-            </a:r>
-            <a:r>
-              <a:rPr lang="en-US" altLang="zh-TW" sz="2000" dirty="0">
+              <a:t>&amp;&amp; , || , !</a:t>
+            </a:r>
+          </a:p>
+          <a:p>
+            <a:endParaRPr lang="en-US" altLang="zh-TW" sz="2000" dirty="0">
+              <a:solidFill>
+                <a:schemeClr val="tx1">
+                  <a:lumMod val="95000"/>
+                  <a:lumOff val="5000"/>
+                </a:schemeClr>
+              </a:solidFill>
+              <a:latin typeface="Times New Roman" pitchFamily="18" charset="0"/>
+              <a:cs typeface="Times New Roman" pitchFamily="18" charset="0"/>
+            </a:endParaRPr>
+          </a:p>
+          <a:p>
+            <a:r>
+              <a:rPr lang="zh-TW" altLang="en-US" sz="2000" dirty="0">
                 <a:solidFill>
                   <a:schemeClr val="tx1">
                     <a:lumMod val="95000"/>
@@ -5666,6 +5646,67 @@
                 <a:latin typeface="Times New Roman" pitchFamily="18" charset="0"/>
                 <a:cs typeface="Times New Roman" pitchFamily="18" charset="0"/>
               </a:rPr>
+              <a:t>比較：</a:t>
+            </a:r>
+            <a:endParaRPr lang="en-US" altLang="zh-TW" sz="2000" dirty="0">
+              <a:solidFill>
+                <a:schemeClr val="tx1">
+                  <a:lumMod val="95000"/>
+                  <a:lumOff val="5000"/>
+                </a:schemeClr>
+              </a:solidFill>
+              <a:latin typeface="Times New Roman" pitchFamily="18" charset="0"/>
+              <a:cs typeface="Times New Roman" pitchFamily="18" charset="0"/>
+            </a:endParaRPr>
+          </a:p>
+          <a:p>
+            <a:r>
+              <a:rPr lang="zh-TW" altLang="en-US" sz="2000" dirty="0">
+                <a:solidFill>
+                  <a:schemeClr val="tx1">
+                    <a:lumMod val="95000"/>
+                    <a:lumOff val="5000"/>
+                  </a:schemeClr>
+                </a:solidFill>
+                <a:latin typeface="Times New Roman" pitchFamily="18" charset="0"/>
+                <a:cs typeface="Times New Roman" pitchFamily="18" charset="0"/>
+              </a:rPr>
+              <a:t>    </a:t>
+            </a:r>
+            <a:r>
+              <a:rPr lang="en-US" altLang="zh-TW" sz="2000" dirty="0">
+                <a:solidFill>
+                  <a:schemeClr val="tx1">
+                    <a:lumMod val="95000"/>
+                    <a:lumOff val="5000"/>
+                  </a:schemeClr>
+                </a:solidFill>
+                <a:latin typeface="Times New Roman" pitchFamily="18" charset="0"/>
+                <a:cs typeface="Times New Roman" pitchFamily="18" charset="0"/>
+              </a:rPr>
+              <a:t>&gt; , &lt; , &gt;= , &lt;= , == , != , </a:t>
+            </a:r>
+            <a:r>
+              <a:rPr lang="en-US" altLang="zh-TW" sz="2000" dirty="0">
+                <a:solidFill>
+                  <a:srgbClr val="FF0000"/>
+                </a:solidFill>
+                <a:latin typeface="Times New Roman" pitchFamily="18" charset="0"/>
+                <a:cs typeface="Times New Roman" pitchFamily="18" charset="0"/>
+              </a:rPr>
+              <a:t>===</a:t>
+            </a:r>
+            <a:r>
+              <a:rPr lang="en-US" altLang="zh-TW" sz="2000" dirty="0">
+                <a:solidFill>
+                  <a:schemeClr val="tx1">
+                    <a:lumMod val="95000"/>
+                    <a:lumOff val="5000"/>
+                  </a:schemeClr>
+                </a:solidFill>
+                <a:latin typeface="Times New Roman" pitchFamily="18" charset="0"/>
+                <a:cs typeface="Times New Roman" pitchFamily="18" charset="0"/>
+              </a:rPr>
               <a:t> , </a:t>
             </a:r>
             <a:r>
@@ -5680,13 +5721,6 @@
             </a:r>
           </a:p>
           <a:p>
-            <a:r>
-              <a:rPr lang="zh-TW" altLang="en-US" sz="2000" dirty="0">
-                <a:latin typeface="Times New Roman" pitchFamily="18" charset="0"/>
-                <a:cs typeface="Times New Roman" pitchFamily="18" charset="0"/>
-              </a:rPr>
-              <a:t>指定：</a:t>
-            </a:r>
             <a:endParaRPr lang="en-US" altLang="zh-TW" sz="2000" dirty="0">
               <a:latin typeface="Times New Roman" pitchFamily="18" charset="0"/>
               <a:cs typeface="Times New Roman" pitchFamily="18" charset="0"/>
@@ -5698,23 +5732,7 @@
                 <a:latin typeface="Times New Roman" pitchFamily="18" charset="0"/>
                 <a:cs typeface="Times New Roman" pitchFamily="18" charset="0"/>
               </a:rPr>
-              <a:t>    </a:t>
-            </a:r>
-            <a:r>
-              <a:rPr lang="en-US" altLang="zh-TW" sz="2000" dirty="0">
-                <a:latin typeface="Times New Roman" pitchFamily="18" charset="0"/>
-                <a:cs typeface="Times New Roman" pitchFamily="18" charset="0"/>
-              </a:rPr>
-              <a:t>= , += , -= , *= , /= , %= , &amp;= , |=</a:t>
-            </a:r>
-          </a:p>
-          <a:p>
-            <a:r>
-              <a:rPr lang="zh-TW" altLang="en-US" sz="2000" dirty="0">
-                <a:latin typeface="Times New Roman" pitchFamily="18" charset="0"/>
-                <a:cs typeface="Times New Roman" pitchFamily="18" charset="0"/>
-              </a:rPr>
-              <a:t>三元：</a:t>
+              <a:t>指定：</a:t>
             </a:r>
             <a:endParaRPr lang="en-US" altLang="zh-TW" sz="2000" dirty="0">
               <a:latin typeface="Times New Roman" pitchFamily="18" charset="0"/>
@@ -5722,17 +5740,343 @@
             </a:endParaRPr>
           </a:p>
           <a:p>
+            <a:r>
+              <a:rPr lang="zh-TW" altLang="en-US" sz="2000" dirty="0">
+                <a:latin typeface="Times New Roman" pitchFamily="18" charset="0"/>
+                <a:cs typeface="Times New Roman" pitchFamily="18" charset="0"/>
+              </a:rPr>
+              <a:t>    </a:t>
+            </a:r>
+            <a:r>
+              <a:rPr lang="en-US" altLang="zh-TW" sz="2000" dirty="0">
+                <a:latin typeface="Times New Roman" pitchFamily="18" charset="0"/>
+                <a:cs typeface="Times New Roman" pitchFamily="18" charset="0"/>
+              </a:rPr>
+              <a:t>= , += , -= , *= , /= , %= , &amp;= , |=</a:t>
+            </a:r>
+          </a:p>
+          <a:p>
             <a:endParaRPr lang="en-US" altLang="zh-TW" sz="2000" dirty="0">
               <a:latin typeface="Times New Roman" pitchFamily="18" charset="0"/>
               <a:cs typeface="Times New Roman" pitchFamily="18" charset="0"/>
             </a:endParaRPr>
           </a:p>
+          <a:p>
+            <a:r>
+              <a:rPr lang="zh-TW" altLang="en-US" sz="2000" dirty="0">
+                <a:latin typeface="Times New Roman" pitchFamily="18" charset="0"/>
+                <a:cs typeface="Times New Roman" pitchFamily="18" charset="0"/>
+              </a:rPr>
+              <a:t>三元：</a:t>
+            </a:r>
+          </a:p>
+          <a:p>
+            <a:r>
+              <a:rPr lang="zh-TW" altLang="en-US" sz="2000" dirty="0">
+                <a:latin typeface="Times New Roman" pitchFamily="18" charset="0"/>
+                <a:cs typeface="Times New Roman" pitchFamily="18" charset="0"/>
+              </a:rPr>
+              <a:t>        </a:t>
+            </a:r>
+            <a:r>
+              <a:rPr lang="en-US" altLang="zh-TW" sz="2000" dirty="0">
+                <a:latin typeface="Times New Roman" pitchFamily="18" charset="0"/>
+                <a:cs typeface="Times New Roman" pitchFamily="18" charset="0"/>
+              </a:rPr>
+              <a:t>let </a:t>
+            </a:r>
+            <a:r>
+              <a:rPr lang="zh-TW" altLang="en-US" sz="2000" dirty="0">
+                <a:latin typeface="Times New Roman" pitchFamily="18" charset="0"/>
+                <a:cs typeface="Times New Roman" pitchFamily="18" charset="0"/>
+              </a:rPr>
+              <a:t>變數名稱 </a:t>
+            </a:r>
+            <a:r>
+              <a:rPr lang="en-US" altLang="zh-TW" sz="2000" dirty="0">
+                <a:latin typeface="Times New Roman" pitchFamily="18" charset="0"/>
+                <a:cs typeface="Times New Roman" pitchFamily="18" charset="0"/>
+              </a:rPr>
+              <a:t>= (</a:t>
+            </a:r>
+            <a:r>
+              <a:rPr lang="zh-TW" altLang="en-US" sz="2000" dirty="0">
+                <a:latin typeface="Times New Roman" pitchFamily="18" charset="0"/>
+                <a:cs typeface="Times New Roman" pitchFamily="18" charset="0"/>
+              </a:rPr>
+              <a:t>條件運算</a:t>
+            </a:r>
+            <a:r>
+              <a:rPr lang="en-US" altLang="zh-TW" sz="2000" dirty="0">
+                <a:latin typeface="Times New Roman" pitchFamily="18" charset="0"/>
+                <a:cs typeface="Times New Roman" pitchFamily="18" charset="0"/>
+              </a:rPr>
+              <a:t>) ? (true</a:t>
+            </a:r>
+            <a:r>
+              <a:rPr lang="zh-TW" altLang="en-US" sz="2000" dirty="0">
+                <a:latin typeface="Times New Roman" pitchFamily="18" charset="0"/>
+                <a:cs typeface="Times New Roman" pitchFamily="18" charset="0"/>
+              </a:rPr>
+              <a:t>的結果</a:t>
+            </a:r>
+            <a:r>
+              <a:rPr lang="en-US" altLang="zh-TW" sz="2000" dirty="0">
+                <a:latin typeface="Times New Roman" pitchFamily="18" charset="0"/>
+                <a:cs typeface="Times New Roman" pitchFamily="18" charset="0"/>
+              </a:rPr>
+              <a:t>) : (false</a:t>
+            </a:r>
+            <a:r>
+              <a:rPr lang="zh-TW" altLang="en-US" sz="2000" dirty="0">
+                <a:latin typeface="Times New Roman" pitchFamily="18" charset="0"/>
+                <a:cs typeface="Times New Roman" pitchFamily="18" charset="0"/>
+              </a:rPr>
+              <a:t>的結果</a:t>
+            </a:r>
+            <a:r>
+              <a:rPr lang="en-US" altLang="zh-TW" sz="2000" dirty="0">
+                <a:latin typeface="Times New Roman" pitchFamily="18" charset="0"/>
+                <a:cs typeface="Times New Roman" pitchFamily="18" charset="0"/>
+              </a:rPr>
+              <a:t>);</a:t>
+            </a:r>
+          </a:p>
+          <a:p>
+            <a:endParaRPr lang="en-US" altLang="zh-TW" sz="2000" dirty="0">
+              <a:latin typeface="Times New Roman" pitchFamily="18" charset="0"/>
+              <a:cs typeface="Times New Roman" pitchFamily="18" charset="0"/>
+            </a:endParaRPr>
+          </a:p>
         </p:txBody>
       </p:sp>
     </p:spTree>
     <p:extLst>
       <p:ext uri="{BB962C8B-B14F-4D97-AF65-F5344CB8AC3E}">
         <p14:creationId xmlns:p14="http://schemas.microsoft.com/office/powerpoint/2010/main" val="88005672"/>
+      </p:ext>
+    </p:extLst>
+  </p:cSld>
+  <p:clrMapOvr>
+    <a:masterClrMapping/>
+  </p:clrMapOvr>
+</p:sld>
+</file>
+
+<file path=ppt/slides/slide8.xml><?xml version="1.0" encoding="utf-8"?>
+<p:sld xmlns:a="http://schemas.openxmlformats.org/drawingml/2006/main" xmlns:r="http://schemas.openxmlformats.org/officeDocument/2006/relationships" xmlns:p="http://schemas.openxmlformats.org/presentationml/2006/main">
+  <p:cSld>
+    <p:spTree>
+      <p:nvGrpSpPr>
+        <p:cNvPr id="1" name=""/>
+        <p:cNvGrpSpPr/>
+        <p:nvPr/>
+      </p:nvGrpSpPr>
+      <p:grpSpPr>
+        <a:xfrm>
+          <a:off x="0" y="0"/>
+          <a:ext cx="0" cy="0"/>
+          <a:chOff x="0" y="0"/>
+          <a:chExt cx="0" cy="0"/>
+        </a:xfrm>
+      </p:grpSpPr>
+      <p:sp>
+        <p:nvSpPr>
+          <p:cNvPr id="4" name="文字方塊 3"/>
+          <p:cNvSpPr txBox="1"/>
+          <p:nvPr/>
+        </p:nvSpPr>
+        <p:spPr>
+          <a:xfrm>
+            <a:off x="0" y="0"/>
+            <a:ext cx="9144000" cy="836712"/>
+          </a:xfrm>
+          <a:prstGeom prst="rect">
+            <a:avLst/>
+          </a:prstGeom>
+          <a:noFill/>
+        </p:spPr>
+        <p:txBody>
+          <a:bodyPr wrap="square" rtlCol="0" anchor="ctr">
+            <a:noAutofit/>
+          </a:bodyPr>
+          <a:lstStyle/>
+          <a:p>
+            <a:pPr algn="ctr"/>
+            <a:r>
+              <a:rPr lang="en-US" altLang="zh-TW" sz="2400" dirty="0">
+                <a:latin typeface="Times New Roman" pitchFamily="18" charset="0"/>
+                <a:cs typeface="Times New Roman" pitchFamily="18" charset="0"/>
+              </a:rPr>
+              <a:t>Control Flow</a:t>
+            </a:r>
+            <a:endParaRPr lang="zh-TW" altLang="en-US" sz="2400" dirty="0">
+              <a:latin typeface="Times New Roman" pitchFamily="18" charset="0"/>
+              <a:cs typeface="Times New Roman" pitchFamily="18" charset="0"/>
+            </a:endParaRPr>
+          </a:p>
+        </p:txBody>
+      </p:sp>
+      <p:sp>
+        <p:nvSpPr>
+          <p:cNvPr id="5" name="文字方塊 4"/>
+          <p:cNvSpPr txBox="1"/>
+          <p:nvPr/>
+        </p:nvSpPr>
+        <p:spPr>
+          <a:xfrm>
+            <a:off x="8711952" y="6573902"/>
+            <a:ext cx="432048" cy="276999"/>
+          </a:xfrm>
+          <a:prstGeom prst="rect">
+            <a:avLst/>
+          </a:prstGeom>
+          <a:noFill/>
+        </p:spPr>
+        <p:txBody>
+          <a:bodyPr wrap="square" rtlCol="0" anchor="ctr">
+            <a:spAutoFit/>
+          </a:bodyPr>
+          <a:lstStyle/>
+          <a:p>
+            <a:pPr algn="ctr"/>
+            <a:r>
+              <a:rPr lang="en-US" altLang="zh-TW" sz="1200" dirty="0">
+                <a:latin typeface="Times New Roman" pitchFamily="18" charset="0"/>
+                <a:cs typeface="Times New Roman" pitchFamily="18" charset="0"/>
+              </a:rPr>
+              <a:t>8</a:t>
+            </a:r>
+            <a:endParaRPr lang="zh-TW" altLang="en-US" sz="1200" dirty="0">
+              <a:latin typeface="Times New Roman" pitchFamily="18" charset="0"/>
+              <a:cs typeface="Times New Roman" pitchFamily="18" charset="0"/>
+            </a:endParaRPr>
+          </a:p>
+        </p:txBody>
+      </p:sp>
+      <p:sp>
+        <p:nvSpPr>
+          <p:cNvPr id="6" name="文字方塊 5"/>
+          <p:cNvSpPr txBox="1"/>
+          <p:nvPr/>
+        </p:nvSpPr>
+        <p:spPr>
+          <a:xfrm>
+            <a:off x="503548" y="1124744"/>
+            <a:ext cx="8136904" cy="5328592"/>
+          </a:xfrm>
+          <a:prstGeom prst="rect">
+            <a:avLst/>
+          </a:prstGeom>
+          <a:noFill/>
+        </p:spPr>
+        <p:txBody>
+          <a:bodyPr wrap="square" rtlCol="0" anchor="t">
+            <a:noAutofit/>
+          </a:bodyPr>
+          <a:lstStyle/>
+          <a:p>
+            <a:r>
+              <a:rPr lang="zh-TW" altLang="en-US" sz="2000" dirty="0">
+                <a:latin typeface="Times New Roman" pitchFamily="18" charset="0"/>
+                <a:cs typeface="Times New Roman" pitchFamily="18" charset="0"/>
+              </a:rPr>
+              <a:t>你懂的，就是那些，直接看例子：</a:t>
+            </a:r>
+            <a:endParaRPr lang="en-US" altLang="zh-TW" sz="2000" dirty="0">
+              <a:latin typeface="Times New Roman" pitchFamily="18" charset="0"/>
+              <a:cs typeface="Times New Roman" pitchFamily="18" charset="0"/>
+            </a:endParaRPr>
+          </a:p>
+          <a:p>
+            <a:endParaRPr lang="en-US" altLang="zh-TW" sz="2000" dirty="0">
+              <a:latin typeface="Times New Roman" pitchFamily="18" charset="0"/>
+              <a:cs typeface="Times New Roman" pitchFamily="18" charset="0"/>
+            </a:endParaRPr>
+          </a:p>
+          <a:p>
+            <a:pPr marL="342900" indent="-166688">
+              <a:buFont typeface="Arial" panose="020B0604020202020204" pitchFamily="34" charset="0"/>
+              <a:buChar char="•"/>
+            </a:pPr>
+            <a:r>
+              <a:rPr lang="en-US" altLang="zh-TW" sz="2000" dirty="0">
+                <a:latin typeface="Times New Roman" pitchFamily="18" charset="0"/>
+                <a:cs typeface="Times New Roman" pitchFamily="18" charset="0"/>
+              </a:rPr>
+              <a:t>if</a:t>
+            </a:r>
+          </a:p>
+          <a:p>
+            <a:pPr marL="342900" indent="-166688">
+              <a:buFont typeface="Arial" panose="020B0604020202020204" pitchFamily="34" charset="0"/>
+              <a:buChar char="•"/>
+            </a:pPr>
+            <a:r>
+              <a:rPr lang="en-US" altLang="zh-TW" sz="2000" dirty="0">
+                <a:latin typeface="Times New Roman" pitchFamily="18" charset="0"/>
+                <a:cs typeface="Times New Roman" pitchFamily="18" charset="0"/>
+              </a:rPr>
+              <a:t>switch</a:t>
+            </a:r>
+          </a:p>
+          <a:p>
+            <a:pPr marL="342900" indent="-166688">
+              <a:buFont typeface="Arial" panose="020B0604020202020204" pitchFamily="34" charset="0"/>
+              <a:buChar char="•"/>
+            </a:pPr>
+            <a:r>
+              <a:rPr lang="en-US" altLang="zh-TW" sz="2000" dirty="0">
+                <a:latin typeface="Times New Roman" pitchFamily="18" charset="0"/>
+                <a:cs typeface="Times New Roman" pitchFamily="18" charset="0"/>
+              </a:rPr>
+              <a:t>for</a:t>
+            </a:r>
+          </a:p>
+          <a:p>
+            <a:pPr marL="342900" indent="-166688">
+              <a:buFont typeface="Arial" panose="020B0604020202020204" pitchFamily="34" charset="0"/>
+              <a:buChar char="•"/>
+            </a:pPr>
+            <a:r>
+              <a:rPr lang="en-US" altLang="zh-TW" sz="2000" dirty="0">
+                <a:latin typeface="Times New Roman" pitchFamily="18" charset="0"/>
+                <a:cs typeface="Times New Roman" pitchFamily="18" charset="0"/>
+              </a:rPr>
+              <a:t>while</a:t>
+            </a:r>
+          </a:p>
+          <a:p>
+            <a:pPr marL="342900" indent="-166688">
+              <a:buFont typeface="Arial" panose="020B0604020202020204" pitchFamily="34" charset="0"/>
+              <a:buChar char="•"/>
+            </a:pPr>
+            <a:r>
+              <a:rPr lang="en-US" altLang="zh-TW" sz="2000" dirty="0">
+                <a:latin typeface="Times New Roman" pitchFamily="18" charset="0"/>
+                <a:cs typeface="Times New Roman" pitchFamily="18" charset="0"/>
+              </a:rPr>
+              <a:t>do......while</a:t>
+            </a:r>
+          </a:p>
+          <a:p>
+            <a:endParaRPr lang="en-US" altLang="zh-TW" sz="2000" dirty="0">
+              <a:latin typeface="Times New Roman" pitchFamily="18" charset="0"/>
+              <a:cs typeface="Times New Roman" pitchFamily="18" charset="0"/>
+            </a:endParaRPr>
+          </a:p>
+          <a:p>
+            <a:endParaRPr lang="en-US" altLang="zh-TW" sz="2000" dirty="0">
+              <a:latin typeface="Times New Roman" pitchFamily="18" charset="0"/>
+              <a:cs typeface="Times New Roman" pitchFamily="18" charset="0"/>
+            </a:endParaRPr>
+          </a:p>
+        </p:txBody>
+      </p:sp>
+    </p:spTree>
+    <p:extLst>
+      <p:ext uri="{BB962C8B-B14F-4D97-AF65-F5344CB8AC3E}">
+        <p14:creationId xmlns:p14="http://schemas.microsoft.com/office/powerpoint/2010/main" val="3442134643"/>
       </p:ext>
     </p:extLst>
   </p:cSld>

--- a/動態網頁.pptx
+++ b/動態網頁.pptx
@@ -13,6 +13,8 @@
     <p:sldId id="261" r:id="rId7"/>
     <p:sldId id="262" r:id="rId8"/>
     <p:sldId id="263" r:id="rId9"/>
+    <p:sldId id="264" r:id="rId10"/>
+    <p:sldId id="265" r:id="rId11"/>
   </p:sldIdLst>
   <p:sldSz cx="9144000" cy="6858000" type="screen4x3"/>
   <p:notesSz cx="6858000" cy="9144000"/>
@@ -309,7 +311,7 @@
           <a:p>
             <a:fld id="{5BBEAD13-0566-4C6C-97E7-55F17F24B09F}" type="datetimeFigureOut">
               <a:rPr lang="zh-TW" altLang="en-US" smtClean="0"/>
-              <a:t>2021/7/25</a:t>
+              <a:t>2021/7/26</a:t>
             </a:fld>
             <a:endParaRPr lang="zh-TW" altLang="en-US"/>
           </a:p>
@@ -472,7 +474,7 @@
           <a:p>
             <a:fld id="{5BBEAD13-0566-4C6C-97E7-55F17F24B09F}" type="datetimeFigureOut">
               <a:rPr lang="zh-TW" altLang="en-US" smtClean="0"/>
-              <a:t>2021/7/25</a:t>
+              <a:t>2021/7/26</a:t>
             </a:fld>
             <a:endParaRPr lang="zh-TW" altLang="en-US"/>
           </a:p>
@@ -645,7 +647,7 @@
           <a:p>
             <a:fld id="{5BBEAD13-0566-4C6C-97E7-55F17F24B09F}" type="datetimeFigureOut">
               <a:rPr lang="zh-TW" altLang="en-US" smtClean="0"/>
-              <a:t>2021/7/25</a:t>
+              <a:t>2021/7/26</a:t>
             </a:fld>
             <a:endParaRPr lang="zh-TW" altLang="en-US"/>
           </a:p>
@@ -808,7 +810,7 @@
           <a:p>
             <a:fld id="{5BBEAD13-0566-4C6C-97E7-55F17F24B09F}" type="datetimeFigureOut">
               <a:rPr lang="zh-TW" altLang="en-US" smtClean="0"/>
-              <a:t>2021/7/25</a:t>
+              <a:t>2021/7/26</a:t>
             </a:fld>
             <a:endParaRPr lang="zh-TW" altLang="en-US"/>
           </a:p>
@@ -1048,7 +1050,7 @@
           <a:p>
             <a:fld id="{5BBEAD13-0566-4C6C-97E7-55F17F24B09F}" type="datetimeFigureOut">
               <a:rPr lang="zh-TW" altLang="en-US" smtClean="0"/>
-              <a:t>2021/7/25</a:t>
+              <a:t>2021/7/26</a:t>
             </a:fld>
             <a:endParaRPr lang="zh-TW" altLang="en-US"/>
           </a:p>
@@ -1328,7 +1330,7 @@
           <a:p>
             <a:fld id="{5BBEAD13-0566-4C6C-97E7-55F17F24B09F}" type="datetimeFigureOut">
               <a:rPr lang="zh-TW" altLang="en-US" smtClean="0"/>
-              <a:t>2021/7/25</a:t>
+              <a:t>2021/7/26</a:t>
             </a:fld>
             <a:endParaRPr lang="zh-TW" altLang="en-US"/>
           </a:p>
@@ -1742,7 +1744,7 @@
           <a:p>
             <a:fld id="{5BBEAD13-0566-4C6C-97E7-55F17F24B09F}" type="datetimeFigureOut">
               <a:rPr lang="zh-TW" altLang="en-US" smtClean="0"/>
-              <a:t>2021/7/25</a:t>
+              <a:t>2021/7/26</a:t>
             </a:fld>
             <a:endParaRPr lang="zh-TW" altLang="en-US"/>
           </a:p>
@@ -1854,7 +1856,7 @@
           <a:p>
             <a:fld id="{5BBEAD13-0566-4C6C-97E7-55F17F24B09F}" type="datetimeFigureOut">
               <a:rPr lang="zh-TW" altLang="en-US" smtClean="0"/>
-              <a:t>2021/7/25</a:t>
+              <a:t>2021/7/26</a:t>
             </a:fld>
             <a:endParaRPr lang="zh-TW" altLang="en-US"/>
           </a:p>
@@ -1944,7 +1946,7 @@
           <a:p>
             <a:fld id="{5BBEAD13-0566-4C6C-97E7-55F17F24B09F}" type="datetimeFigureOut">
               <a:rPr lang="zh-TW" altLang="en-US" smtClean="0"/>
-              <a:t>2021/7/25</a:t>
+              <a:t>2021/7/26</a:t>
             </a:fld>
             <a:endParaRPr lang="zh-TW" altLang="en-US"/>
           </a:p>
@@ -2214,7 +2216,7 @@
           <a:p>
             <a:fld id="{5BBEAD13-0566-4C6C-97E7-55F17F24B09F}" type="datetimeFigureOut">
               <a:rPr lang="zh-TW" altLang="en-US" smtClean="0"/>
-              <a:t>2021/7/25</a:t>
+              <a:t>2021/7/26</a:t>
             </a:fld>
             <a:endParaRPr lang="zh-TW" altLang="en-US"/>
           </a:p>
@@ -2461,7 +2463,7 @@
           <a:p>
             <a:fld id="{5BBEAD13-0566-4C6C-97E7-55F17F24B09F}" type="datetimeFigureOut">
               <a:rPr lang="zh-TW" altLang="en-US" smtClean="0"/>
-              <a:t>2021/7/25</a:t>
+              <a:t>2021/7/26</a:t>
             </a:fld>
             <a:endParaRPr lang="zh-TW" altLang="en-US"/>
           </a:p>
@@ -2667,7 +2669,7 @@
           <a:p>
             <a:fld id="{5BBEAD13-0566-4C6C-97E7-55F17F24B09F}" type="datetimeFigureOut">
               <a:rPr lang="zh-TW" altLang="en-US" smtClean="0"/>
-              <a:t>2021/7/25</a:t>
+              <a:t>2021/7/26</a:t>
             </a:fld>
             <a:endParaRPr lang="zh-TW" altLang="en-US"/>
           </a:p>
@@ -3120,6 +3122,573 @@
 </p:sld>
 </file>
 
+<file path=ppt/slides/slide10.xml><?xml version="1.0" encoding="utf-8"?>
+<p:sld xmlns:a="http://schemas.openxmlformats.org/drawingml/2006/main" xmlns:r="http://schemas.openxmlformats.org/officeDocument/2006/relationships" xmlns:p="http://schemas.openxmlformats.org/presentationml/2006/main">
+  <p:cSld>
+    <p:spTree>
+      <p:nvGrpSpPr>
+        <p:cNvPr id="1" name=""/>
+        <p:cNvGrpSpPr/>
+        <p:nvPr/>
+      </p:nvGrpSpPr>
+      <p:grpSpPr>
+        <a:xfrm>
+          <a:off x="0" y="0"/>
+          <a:ext cx="0" cy="0"/>
+          <a:chOff x="0" y="0"/>
+          <a:chExt cx="0" cy="0"/>
+        </a:xfrm>
+      </p:grpSpPr>
+      <p:sp>
+        <p:nvSpPr>
+          <p:cNvPr id="4" name="文字方塊 3"/>
+          <p:cNvSpPr txBox="1"/>
+          <p:nvPr/>
+        </p:nvSpPr>
+        <p:spPr>
+          <a:xfrm>
+            <a:off x="0" y="0"/>
+            <a:ext cx="9144000" cy="836712"/>
+          </a:xfrm>
+          <a:prstGeom prst="rect">
+            <a:avLst/>
+          </a:prstGeom>
+          <a:noFill/>
+        </p:spPr>
+        <p:txBody>
+          <a:bodyPr wrap="square" rtlCol="0" anchor="ctr">
+            <a:noAutofit/>
+          </a:bodyPr>
+          <a:lstStyle/>
+          <a:p>
+            <a:pPr algn="ctr"/>
+            <a:r>
+              <a:rPr lang="en-US" altLang="zh-TW" sz="2400" dirty="0">
+                <a:latin typeface="Times New Roman" pitchFamily="18" charset="0"/>
+                <a:cs typeface="Times New Roman" pitchFamily="18" charset="0"/>
+              </a:rPr>
+              <a:t>Control Element</a:t>
+            </a:r>
+            <a:endParaRPr lang="zh-TW" altLang="en-US" sz="2400" dirty="0">
+              <a:latin typeface="Times New Roman" pitchFamily="18" charset="0"/>
+              <a:cs typeface="Times New Roman" pitchFamily="18" charset="0"/>
+            </a:endParaRPr>
+          </a:p>
+        </p:txBody>
+      </p:sp>
+      <p:sp>
+        <p:nvSpPr>
+          <p:cNvPr id="5" name="文字方塊 4"/>
+          <p:cNvSpPr txBox="1"/>
+          <p:nvPr/>
+        </p:nvSpPr>
+        <p:spPr>
+          <a:xfrm>
+            <a:off x="8711952" y="6573902"/>
+            <a:ext cx="432048" cy="276999"/>
+          </a:xfrm>
+          <a:prstGeom prst="rect">
+            <a:avLst/>
+          </a:prstGeom>
+          <a:noFill/>
+        </p:spPr>
+        <p:txBody>
+          <a:bodyPr wrap="square" rtlCol="0" anchor="ctr">
+            <a:spAutoFit/>
+          </a:bodyPr>
+          <a:lstStyle/>
+          <a:p>
+            <a:pPr algn="ctr"/>
+            <a:r>
+              <a:rPr lang="en-US" altLang="zh-TW" sz="1200" dirty="0">
+                <a:latin typeface="Times New Roman" pitchFamily="18" charset="0"/>
+                <a:cs typeface="Times New Roman" pitchFamily="18" charset="0"/>
+              </a:rPr>
+              <a:t>10</a:t>
+            </a:r>
+            <a:endParaRPr lang="zh-TW" altLang="en-US" sz="1200" dirty="0">
+              <a:latin typeface="Times New Roman" pitchFamily="18" charset="0"/>
+              <a:cs typeface="Times New Roman" pitchFamily="18" charset="0"/>
+            </a:endParaRPr>
+          </a:p>
+        </p:txBody>
+      </p:sp>
+      <p:sp>
+        <p:nvSpPr>
+          <p:cNvPr id="6" name="文字方塊 5"/>
+          <p:cNvSpPr txBox="1"/>
+          <p:nvPr/>
+        </p:nvSpPr>
+        <p:spPr>
+          <a:xfrm>
+            <a:off x="503548" y="1124744"/>
+            <a:ext cx="8136904" cy="5328592"/>
+          </a:xfrm>
+          <a:prstGeom prst="rect">
+            <a:avLst/>
+          </a:prstGeom>
+          <a:noFill/>
+        </p:spPr>
+        <p:txBody>
+          <a:bodyPr wrap="square" rtlCol="0" anchor="t">
+            <a:noAutofit/>
+          </a:bodyPr>
+          <a:lstStyle/>
+          <a:p>
+            <a:r>
+              <a:rPr lang="zh-TW" altLang="en-US" sz="2000" dirty="0">
+                <a:latin typeface="Times New Roman" pitchFamily="18" charset="0"/>
+                <a:cs typeface="Times New Roman" pitchFamily="18" charset="0"/>
+              </a:rPr>
+              <a:t>修改 </a:t>
+            </a:r>
+            <a:r>
+              <a:rPr lang="en-US" altLang="zh-TW" sz="2000" dirty="0">
+                <a:latin typeface="Times New Roman" pitchFamily="18" charset="0"/>
+                <a:cs typeface="Times New Roman" pitchFamily="18" charset="0"/>
+              </a:rPr>
+              <a:t>Element </a:t>
+            </a:r>
+            <a:r>
+              <a:rPr lang="zh-TW" altLang="en-US" sz="2000" dirty="0">
+                <a:latin typeface="Times New Roman" pitchFamily="18" charset="0"/>
+                <a:cs typeface="Times New Roman" pitchFamily="18" charset="0"/>
+              </a:rPr>
+              <a:t>內容：</a:t>
+            </a:r>
+            <a:endParaRPr lang="en-US" altLang="zh-TW" sz="2000" dirty="0">
+              <a:latin typeface="Times New Roman" pitchFamily="18" charset="0"/>
+              <a:cs typeface="Times New Roman" pitchFamily="18" charset="0"/>
+            </a:endParaRPr>
+          </a:p>
+          <a:p>
+            <a:r>
+              <a:rPr lang="zh-TW" altLang="en-US" sz="2000" dirty="0">
+                <a:latin typeface="Times New Roman" pitchFamily="18" charset="0"/>
+                <a:cs typeface="Times New Roman" pitchFamily="18" charset="0"/>
+              </a:rPr>
+              <a:t>    </a:t>
+            </a:r>
+            <a:r>
+              <a:rPr lang="en-US" altLang="zh-TW" sz="2000" dirty="0" err="1">
+                <a:latin typeface="Times New Roman" pitchFamily="18" charset="0"/>
+                <a:cs typeface="Times New Roman" pitchFamily="18" charset="0"/>
+              </a:rPr>
+              <a:t>Element</a:t>
+            </a:r>
+            <a:r>
+              <a:rPr lang="en-US" altLang="zh-TW" sz="2000" dirty="0" err="1">
+                <a:solidFill>
+                  <a:srgbClr val="FF0000"/>
+                </a:solidFill>
+                <a:latin typeface="Times New Roman" pitchFamily="18" charset="0"/>
+                <a:cs typeface="Times New Roman" pitchFamily="18" charset="0"/>
+              </a:rPr>
+              <a:t>.innerText</a:t>
+            </a:r>
+            <a:r>
+              <a:rPr lang="en-US" altLang="zh-TW" sz="2000" dirty="0">
+                <a:latin typeface="Times New Roman" pitchFamily="18" charset="0"/>
+                <a:cs typeface="Times New Roman" pitchFamily="18" charset="0"/>
+              </a:rPr>
+              <a:t> = "</a:t>
+            </a:r>
+            <a:r>
+              <a:rPr lang="zh-TW" altLang="en-US" sz="2000" dirty="0">
+                <a:latin typeface="Times New Roman" pitchFamily="18" charset="0"/>
+                <a:cs typeface="Times New Roman" pitchFamily="18" charset="0"/>
+              </a:rPr>
+              <a:t>文字</a:t>
+            </a:r>
+            <a:r>
+              <a:rPr lang="en-US" altLang="zh-TW" sz="2000" dirty="0">
+                <a:latin typeface="Times New Roman" pitchFamily="18" charset="0"/>
+                <a:cs typeface="Times New Roman" pitchFamily="18" charset="0"/>
+              </a:rPr>
+              <a:t>";</a:t>
+            </a:r>
+          </a:p>
+          <a:p>
+            <a:r>
+              <a:rPr lang="zh-TW" altLang="en-US" sz="2000" dirty="0">
+                <a:latin typeface="Times New Roman" pitchFamily="18" charset="0"/>
+                <a:cs typeface="Times New Roman" pitchFamily="18" charset="0"/>
+              </a:rPr>
+              <a:t>    </a:t>
+            </a:r>
+            <a:r>
+              <a:rPr lang="en-US" altLang="zh-TW" sz="2000" dirty="0" err="1">
+                <a:latin typeface="Times New Roman" pitchFamily="18" charset="0"/>
+                <a:cs typeface="Times New Roman" pitchFamily="18" charset="0"/>
+              </a:rPr>
+              <a:t>Element</a:t>
+            </a:r>
+            <a:r>
+              <a:rPr lang="en-US" altLang="zh-TW" sz="2000" dirty="0" err="1">
+                <a:solidFill>
+                  <a:srgbClr val="FF0000"/>
+                </a:solidFill>
+                <a:latin typeface="Times New Roman" pitchFamily="18" charset="0"/>
+                <a:cs typeface="Times New Roman" pitchFamily="18" charset="0"/>
+              </a:rPr>
+              <a:t>.innerHTML</a:t>
+            </a:r>
+            <a:r>
+              <a:rPr lang="en-US" altLang="zh-TW" sz="2000" dirty="0">
+                <a:latin typeface="Times New Roman" pitchFamily="18" charset="0"/>
+                <a:cs typeface="Times New Roman" pitchFamily="18" charset="0"/>
+              </a:rPr>
+              <a:t> = "</a:t>
+            </a:r>
+            <a:r>
+              <a:rPr lang="zh-TW" altLang="en-US" sz="2000" dirty="0">
+                <a:latin typeface="Times New Roman" pitchFamily="18" charset="0"/>
+                <a:cs typeface="Times New Roman" pitchFamily="18" charset="0"/>
+              </a:rPr>
+              <a:t>文字</a:t>
+            </a:r>
+            <a:r>
+              <a:rPr lang="en-US" altLang="zh-TW" sz="2000" dirty="0">
+                <a:latin typeface="Times New Roman" pitchFamily="18" charset="0"/>
+                <a:cs typeface="Times New Roman" pitchFamily="18" charset="0"/>
+              </a:rPr>
+              <a:t>";</a:t>
+            </a:r>
+          </a:p>
+          <a:p>
+            <a:r>
+              <a:rPr lang="zh-TW" altLang="en-US" sz="2000" dirty="0">
+                <a:latin typeface="Times New Roman" pitchFamily="18" charset="0"/>
+                <a:cs typeface="Times New Roman" pitchFamily="18" charset="0"/>
+              </a:rPr>
+              <a:t>    </a:t>
+            </a:r>
+            <a:r>
+              <a:rPr lang="en-US" altLang="zh-TW" sz="2000" dirty="0" err="1">
+                <a:latin typeface="Times New Roman" pitchFamily="18" charset="0"/>
+                <a:cs typeface="Times New Roman" pitchFamily="18" charset="0"/>
+              </a:rPr>
+              <a:t>Element</a:t>
+            </a:r>
+            <a:r>
+              <a:rPr lang="en-US" altLang="zh-TW" sz="2000" dirty="0" err="1">
+                <a:solidFill>
+                  <a:srgbClr val="FF0000"/>
+                </a:solidFill>
+                <a:latin typeface="Times New Roman" pitchFamily="18" charset="0"/>
+                <a:cs typeface="Times New Roman" pitchFamily="18" charset="0"/>
+              </a:rPr>
+              <a:t>.value</a:t>
+            </a:r>
+            <a:r>
+              <a:rPr lang="en-US" altLang="zh-TW" sz="2000" dirty="0">
+                <a:latin typeface="Times New Roman" pitchFamily="18" charset="0"/>
+                <a:cs typeface="Times New Roman" pitchFamily="18" charset="0"/>
+              </a:rPr>
+              <a:t> = "</a:t>
+            </a:r>
+            <a:r>
+              <a:rPr lang="zh-TW" altLang="en-US" sz="2000" dirty="0">
+                <a:latin typeface="Times New Roman" pitchFamily="18" charset="0"/>
+                <a:cs typeface="Times New Roman" pitchFamily="18" charset="0"/>
+              </a:rPr>
+              <a:t>文字</a:t>
+            </a:r>
+            <a:r>
+              <a:rPr lang="en-US" altLang="zh-TW" sz="2000" dirty="0">
+                <a:latin typeface="Times New Roman" pitchFamily="18" charset="0"/>
+                <a:cs typeface="Times New Roman" pitchFamily="18" charset="0"/>
+              </a:rPr>
+              <a:t>";</a:t>
+            </a:r>
+          </a:p>
+          <a:p>
+            <a:endParaRPr lang="en-US" altLang="zh-TW" sz="2000" dirty="0">
+              <a:latin typeface="Times New Roman" pitchFamily="18" charset="0"/>
+              <a:cs typeface="Times New Roman" pitchFamily="18" charset="0"/>
+            </a:endParaRPr>
+          </a:p>
+          <a:p>
+            <a:r>
+              <a:rPr lang="zh-TW" altLang="en-US" sz="2000" dirty="0">
+                <a:latin typeface="Times New Roman" pitchFamily="18" charset="0"/>
+                <a:cs typeface="Times New Roman" pitchFamily="18" charset="0"/>
+              </a:rPr>
+              <a:t>新增 </a:t>
+            </a:r>
+            <a:r>
+              <a:rPr lang="en-US" altLang="zh-TW" sz="2000" dirty="0">
+                <a:latin typeface="Times New Roman" pitchFamily="18" charset="0"/>
+                <a:cs typeface="Times New Roman" pitchFamily="18" charset="0"/>
+              </a:rPr>
+              <a:t>Element Object</a:t>
+            </a:r>
+            <a:r>
+              <a:rPr lang="zh-TW" altLang="en-US" sz="2000" dirty="0">
+                <a:latin typeface="Times New Roman" pitchFamily="18" charset="0"/>
+                <a:cs typeface="Times New Roman" pitchFamily="18" charset="0"/>
+              </a:rPr>
+              <a:t>：</a:t>
+            </a:r>
+            <a:endParaRPr lang="en-US" altLang="zh-TW" sz="2000" dirty="0">
+              <a:latin typeface="Times New Roman" pitchFamily="18" charset="0"/>
+              <a:cs typeface="Times New Roman" pitchFamily="18" charset="0"/>
+            </a:endParaRPr>
+          </a:p>
+          <a:p>
+            <a:r>
+              <a:rPr lang="zh-TW" altLang="en-US" sz="2000" dirty="0">
+                <a:latin typeface="Times New Roman" pitchFamily="18" charset="0"/>
+                <a:cs typeface="Times New Roman" pitchFamily="18" charset="0"/>
+              </a:rPr>
+              <a:t>    </a:t>
+            </a:r>
+            <a:r>
+              <a:rPr lang="en-US" altLang="zh-TW" sz="2000" dirty="0" err="1">
+                <a:solidFill>
+                  <a:srgbClr val="FF0000"/>
+                </a:solidFill>
+                <a:latin typeface="Times New Roman" pitchFamily="18" charset="0"/>
+                <a:cs typeface="Times New Roman" pitchFamily="18" charset="0"/>
+              </a:rPr>
+              <a:t>document.createElement</a:t>
+            </a:r>
+            <a:r>
+              <a:rPr lang="en-US" altLang="zh-TW" sz="2000" dirty="0">
+                <a:solidFill>
+                  <a:srgbClr val="FF0000"/>
+                </a:solidFill>
+                <a:latin typeface="Times New Roman" pitchFamily="18" charset="0"/>
+                <a:cs typeface="Times New Roman" pitchFamily="18" charset="0"/>
+              </a:rPr>
+              <a:t>(</a:t>
+            </a:r>
+            <a:r>
+              <a:rPr lang="en-US" altLang="zh-TW" sz="2000" dirty="0">
+                <a:solidFill>
+                  <a:srgbClr val="00B050"/>
+                </a:solidFill>
+                <a:latin typeface="Times New Roman" pitchFamily="18" charset="0"/>
+                <a:cs typeface="Times New Roman" pitchFamily="18" charset="0"/>
+              </a:rPr>
+              <a:t>"Element </a:t>
+            </a:r>
+            <a:r>
+              <a:rPr lang="zh-TW" altLang="en-US" sz="2000" dirty="0">
+                <a:solidFill>
+                  <a:srgbClr val="00B050"/>
+                </a:solidFill>
+                <a:latin typeface="Times New Roman" pitchFamily="18" charset="0"/>
+                <a:cs typeface="Times New Roman" pitchFamily="18" charset="0"/>
+              </a:rPr>
+              <a:t>名稱</a:t>
+            </a:r>
+            <a:r>
+              <a:rPr lang="en-US" altLang="zh-TW" sz="2000" dirty="0">
+                <a:solidFill>
+                  <a:srgbClr val="00B050"/>
+                </a:solidFill>
+                <a:latin typeface="Times New Roman" pitchFamily="18" charset="0"/>
+                <a:cs typeface="Times New Roman" pitchFamily="18" charset="0"/>
+              </a:rPr>
+              <a:t>"</a:t>
+            </a:r>
+            <a:r>
+              <a:rPr lang="en-US" altLang="zh-TW" sz="2000" dirty="0">
+                <a:solidFill>
+                  <a:srgbClr val="FF0000"/>
+                </a:solidFill>
+                <a:latin typeface="Times New Roman" pitchFamily="18" charset="0"/>
+                <a:cs typeface="Times New Roman" pitchFamily="18" charset="0"/>
+              </a:rPr>
+              <a:t>);</a:t>
+            </a:r>
+          </a:p>
+          <a:p>
+            <a:endParaRPr lang="en-US" altLang="zh-TW" sz="2000" dirty="0">
+              <a:latin typeface="Times New Roman" pitchFamily="18" charset="0"/>
+              <a:cs typeface="Times New Roman" pitchFamily="18" charset="0"/>
+            </a:endParaRPr>
+          </a:p>
+          <a:p>
+            <a:r>
+              <a:rPr lang="zh-TW" altLang="en-US" sz="2000" dirty="0">
+                <a:latin typeface="Times New Roman" pitchFamily="18" charset="0"/>
+                <a:cs typeface="Times New Roman" pitchFamily="18" charset="0"/>
+              </a:rPr>
+              <a:t>新增 </a:t>
+            </a:r>
+            <a:r>
+              <a:rPr lang="en-US" altLang="zh-TW" sz="2000" dirty="0">
+                <a:latin typeface="Times New Roman" pitchFamily="18" charset="0"/>
+                <a:cs typeface="Times New Roman" pitchFamily="18" charset="0"/>
+              </a:rPr>
+              <a:t>Child Element</a:t>
+            </a:r>
+            <a:r>
+              <a:rPr lang="zh-TW" altLang="en-US" sz="2000" dirty="0">
+                <a:latin typeface="Times New Roman" pitchFamily="18" charset="0"/>
+                <a:cs typeface="Times New Roman" pitchFamily="18" charset="0"/>
+              </a:rPr>
+              <a:t>：</a:t>
+            </a:r>
+            <a:endParaRPr lang="en-US" altLang="zh-TW" sz="2000" dirty="0">
+              <a:latin typeface="Times New Roman" pitchFamily="18" charset="0"/>
+              <a:cs typeface="Times New Roman" pitchFamily="18" charset="0"/>
+            </a:endParaRPr>
+          </a:p>
+          <a:p>
+            <a:r>
+              <a:rPr lang="zh-TW" altLang="en-US" sz="2000" dirty="0">
+                <a:latin typeface="Times New Roman" pitchFamily="18" charset="0"/>
+                <a:cs typeface="Times New Roman" pitchFamily="18" charset="0"/>
+              </a:rPr>
+              <a:t>    </a:t>
+            </a:r>
+            <a:r>
+              <a:rPr lang="en-US" altLang="zh-TW" sz="2000" dirty="0" err="1">
+                <a:solidFill>
+                  <a:srgbClr val="00B050"/>
+                </a:solidFill>
+                <a:latin typeface="Times New Roman" pitchFamily="18" charset="0"/>
+                <a:cs typeface="Times New Roman" pitchFamily="18" charset="0"/>
+              </a:rPr>
+              <a:t>FatherElement</a:t>
+            </a:r>
+            <a:r>
+              <a:rPr lang="en-US" altLang="zh-TW" sz="2000" dirty="0" err="1">
+                <a:solidFill>
+                  <a:srgbClr val="FF0000"/>
+                </a:solidFill>
+                <a:latin typeface="Times New Roman" pitchFamily="18" charset="0"/>
+                <a:cs typeface="Times New Roman" pitchFamily="18" charset="0"/>
+              </a:rPr>
+              <a:t>.appendChild</a:t>
+            </a:r>
+            <a:r>
+              <a:rPr lang="en-US" altLang="zh-TW" sz="2000" dirty="0">
+                <a:solidFill>
+                  <a:srgbClr val="FF0000"/>
+                </a:solidFill>
+                <a:latin typeface="Times New Roman" pitchFamily="18" charset="0"/>
+                <a:cs typeface="Times New Roman" pitchFamily="18" charset="0"/>
+              </a:rPr>
+              <a:t>(</a:t>
+            </a:r>
+            <a:r>
+              <a:rPr lang="en-US" altLang="zh-TW" sz="2000" dirty="0" err="1">
+                <a:solidFill>
+                  <a:srgbClr val="00B050"/>
+                </a:solidFill>
+                <a:latin typeface="Times New Roman" pitchFamily="18" charset="0"/>
+                <a:cs typeface="Times New Roman" pitchFamily="18" charset="0"/>
+              </a:rPr>
+              <a:t>ChildElement</a:t>
+            </a:r>
+            <a:r>
+              <a:rPr lang="en-US" altLang="zh-TW" sz="2000" dirty="0">
+                <a:solidFill>
+                  <a:srgbClr val="FF0000"/>
+                </a:solidFill>
+                <a:latin typeface="Times New Roman" pitchFamily="18" charset="0"/>
+                <a:cs typeface="Times New Roman" pitchFamily="18" charset="0"/>
+              </a:rPr>
+              <a:t>);</a:t>
+            </a:r>
+          </a:p>
+          <a:p>
+            <a:endParaRPr lang="en-US" altLang="zh-TW" sz="2000" dirty="0">
+              <a:solidFill>
+                <a:srgbClr val="FF0000"/>
+              </a:solidFill>
+              <a:latin typeface="Times New Roman" pitchFamily="18" charset="0"/>
+              <a:cs typeface="Times New Roman" pitchFamily="18" charset="0"/>
+            </a:endParaRPr>
+          </a:p>
+          <a:p>
+            <a:r>
+              <a:rPr lang="en-US" altLang="zh-TW" sz="2000" dirty="0">
+                <a:latin typeface="Times New Roman" pitchFamily="18" charset="0"/>
+                <a:cs typeface="Times New Roman" pitchFamily="18" charset="0"/>
+              </a:rPr>
+              <a:t>※</a:t>
+            </a:r>
+            <a:r>
+              <a:rPr lang="zh-TW" altLang="en-US" sz="2000" dirty="0">
+                <a:latin typeface="Times New Roman" pitchFamily="18" charset="0"/>
+                <a:cs typeface="Times New Roman" pitchFamily="18" charset="0"/>
+              </a:rPr>
+              <a:t>新增 </a:t>
+            </a:r>
+            <a:r>
+              <a:rPr lang="en-US" altLang="zh-TW" sz="2000" dirty="0">
+                <a:latin typeface="Times New Roman" pitchFamily="18" charset="0"/>
+                <a:cs typeface="Times New Roman" pitchFamily="18" charset="0"/>
+              </a:rPr>
+              <a:t>Element </a:t>
+            </a:r>
+            <a:r>
+              <a:rPr lang="zh-TW" altLang="en-US" sz="2000" dirty="0">
+                <a:latin typeface="Times New Roman" pitchFamily="18" charset="0"/>
+                <a:cs typeface="Times New Roman" pitchFamily="18" charset="0"/>
+              </a:rPr>
+              <a:t>建議用 </a:t>
+            </a:r>
+            <a:r>
+              <a:rPr lang="en-US" altLang="zh-TW" sz="2000" dirty="0">
+                <a:latin typeface="Times New Roman" pitchFamily="18" charset="0"/>
+                <a:cs typeface="Times New Roman" pitchFamily="18" charset="0"/>
+              </a:rPr>
+              <a:t>bottom-up</a:t>
+            </a:r>
+            <a:r>
+              <a:rPr lang="zh-TW" altLang="en-US" sz="2000">
+                <a:latin typeface="Times New Roman" pitchFamily="18" charset="0"/>
+                <a:cs typeface="Times New Roman" pitchFamily="18" charset="0"/>
+              </a:rPr>
+              <a:t> 順序，</a:t>
+            </a:r>
+            <a:r>
+              <a:rPr lang="zh-TW" altLang="en-US" sz="2000" dirty="0">
+                <a:latin typeface="Times New Roman" pitchFamily="18" charset="0"/>
+                <a:cs typeface="Times New Roman" pitchFamily="18" charset="0"/>
+              </a:rPr>
+              <a:t>會比 </a:t>
+            </a:r>
+            <a:r>
+              <a:rPr lang="en-US" altLang="zh-TW" sz="2000" dirty="0">
+                <a:latin typeface="Times New Roman" pitchFamily="18" charset="0"/>
+                <a:cs typeface="Times New Roman" pitchFamily="18" charset="0"/>
+              </a:rPr>
+              <a:t>top-down </a:t>
+            </a:r>
+            <a:r>
+              <a:rPr lang="zh-TW" altLang="en-US" sz="2000" dirty="0">
+                <a:latin typeface="Times New Roman" pitchFamily="18" charset="0"/>
+                <a:cs typeface="Times New Roman" pitchFamily="18" charset="0"/>
+              </a:rPr>
+              <a:t>來的容易理解</a:t>
+            </a:r>
+            <a:endParaRPr lang="en-US" altLang="zh-TW" sz="2000" dirty="0">
+              <a:latin typeface="Times New Roman" pitchFamily="18" charset="0"/>
+              <a:cs typeface="Times New Roman" pitchFamily="18" charset="0"/>
+            </a:endParaRPr>
+          </a:p>
+        </p:txBody>
+      </p:sp>
+    </p:spTree>
+    <p:extLst>
+      <p:ext uri="{BB962C8B-B14F-4D97-AF65-F5344CB8AC3E}">
+        <p14:creationId xmlns:p14="http://schemas.microsoft.com/office/powerpoint/2010/main" val="2626748666"/>
+      </p:ext>
+    </p:extLst>
+  </p:cSld>
+  <p:clrMapOvr>
+    <a:masterClrMapping/>
+  </p:clrMapOvr>
+</p:sld>
+</file>
+
 <file path=ppt/slides/slide2.xml><?xml version="1.0" encoding="utf-8"?>
 <p:sld xmlns:a="http://schemas.openxmlformats.org/drawingml/2006/main" xmlns:r="http://schemas.openxmlformats.org/officeDocument/2006/relationships" xmlns:p="http://schemas.openxmlformats.org/presentationml/2006/main">
   <p:cSld>
@@ -3891,9 +4460,6 @@
               <a:t>ReferenceError</a:t>
             </a:r>
             <a:endParaRPr lang="en-US" altLang="zh-TW" sz="2000" dirty="0">
-              <a:solidFill>
-                <a:srgbClr val="FF0000"/>
-              </a:solidFill>
               <a:latin typeface="Times New Roman" pitchFamily="18" charset="0"/>
               <a:cs typeface="Times New Roman" pitchFamily="18" charset="0"/>
             </a:endParaRPr>
@@ -6060,6 +6626,19 @@
             </a:r>
           </a:p>
           <a:p>
+            <a:pPr marL="342900" indent="-166688">
+              <a:buFont typeface="Arial" panose="020B0604020202020204" pitchFamily="34" charset="0"/>
+              <a:buChar char="•"/>
+            </a:pPr>
+            <a:r>
+              <a:rPr lang="en-US" altLang="zh-TW" sz="2000" dirty="0">
+                <a:latin typeface="Times New Roman" pitchFamily="18" charset="0"/>
+                <a:cs typeface="Times New Roman" pitchFamily="18" charset="0"/>
+              </a:rPr>
+              <a:t>try......catch</a:t>
+            </a:r>
+          </a:p>
+          <a:p>
             <a:endParaRPr lang="en-US" altLang="zh-TW" sz="2000" dirty="0">
               <a:latin typeface="Times New Roman" pitchFamily="18" charset="0"/>
               <a:cs typeface="Times New Roman" pitchFamily="18" charset="0"/>
@@ -6077,6 +6656,483 @@
     <p:extLst>
       <p:ext uri="{BB962C8B-B14F-4D97-AF65-F5344CB8AC3E}">
         <p14:creationId xmlns:p14="http://schemas.microsoft.com/office/powerpoint/2010/main" val="3442134643"/>
+      </p:ext>
+    </p:extLst>
+  </p:cSld>
+  <p:clrMapOvr>
+    <a:masterClrMapping/>
+  </p:clrMapOvr>
+</p:sld>
+</file>
+
+<file path=ppt/slides/slide9.xml><?xml version="1.0" encoding="utf-8"?>
+<p:sld xmlns:a="http://schemas.openxmlformats.org/drawingml/2006/main" xmlns:r="http://schemas.openxmlformats.org/officeDocument/2006/relationships" xmlns:p="http://schemas.openxmlformats.org/presentationml/2006/main">
+  <p:cSld>
+    <p:spTree>
+      <p:nvGrpSpPr>
+        <p:cNvPr id="1" name=""/>
+        <p:cNvGrpSpPr/>
+        <p:nvPr/>
+      </p:nvGrpSpPr>
+      <p:grpSpPr>
+        <a:xfrm>
+          <a:off x="0" y="0"/>
+          <a:ext cx="0" cy="0"/>
+          <a:chOff x="0" y="0"/>
+          <a:chExt cx="0" cy="0"/>
+        </a:xfrm>
+      </p:grpSpPr>
+      <p:sp>
+        <p:nvSpPr>
+          <p:cNvPr id="4" name="文字方塊 3"/>
+          <p:cNvSpPr txBox="1"/>
+          <p:nvPr/>
+        </p:nvSpPr>
+        <p:spPr>
+          <a:xfrm>
+            <a:off x="0" y="0"/>
+            <a:ext cx="9144000" cy="836712"/>
+          </a:xfrm>
+          <a:prstGeom prst="rect">
+            <a:avLst/>
+          </a:prstGeom>
+          <a:noFill/>
+        </p:spPr>
+        <p:txBody>
+          <a:bodyPr wrap="square" rtlCol="0" anchor="ctr">
+            <a:noAutofit/>
+          </a:bodyPr>
+          <a:lstStyle/>
+          <a:p>
+            <a:pPr algn="ctr"/>
+            <a:r>
+              <a:rPr lang="en-US" altLang="zh-TW" sz="2400" dirty="0">
+                <a:latin typeface="Times New Roman" pitchFamily="18" charset="0"/>
+                <a:cs typeface="Times New Roman" pitchFamily="18" charset="0"/>
+              </a:rPr>
+              <a:t>Document Object</a:t>
+            </a:r>
+            <a:endParaRPr lang="zh-TW" altLang="en-US" sz="2400" dirty="0">
+              <a:latin typeface="Times New Roman" pitchFamily="18" charset="0"/>
+              <a:cs typeface="Times New Roman" pitchFamily="18" charset="0"/>
+            </a:endParaRPr>
+          </a:p>
+        </p:txBody>
+      </p:sp>
+      <p:sp>
+        <p:nvSpPr>
+          <p:cNvPr id="5" name="文字方塊 4"/>
+          <p:cNvSpPr txBox="1"/>
+          <p:nvPr/>
+        </p:nvSpPr>
+        <p:spPr>
+          <a:xfrm>
+            <a:off x="8711952" y="6573902"/>
+            <a:ext cx="432048" cy="276999"/>
+          </a:xfrm>
+          <a:prstGeom prst="rect">
+            <a:avLst/>
+          </a:prstGeom>
+          <a:noFill/>
+        </p:spPr>
+        <p:txBody>
+          <a:bodyPr wrap="square" rtlCol="0" anchor="ctr">
+            <a:spAutoFit/>
+          </a:bodyPr>
+          <a:lstStyle/>
+          <a:p>
+            <a:pPr algn="ctr"/>
+            <a:r>
+              <a:rPr lang="en-US" altLang="zh-TW" sz="1200" dirty="0">
+                <a:latin typeface="Times New Roman" pitchFamily="18" charset="0"/>
+                <a:cs typeface="Times New Roman" pitchFamily="18" charset="0"/>
+              </a:rPr>
+              <a:t>9</a:t>
+            </a:r>
+            <a:endParaRPr lang="zh-TW" altLang="en-US" sz="1200" dirty="0">
+              <a:latin typeface="Times New Roman" pitchFamily="18" charset="0"/>
+              <a:cs typeface="Times New Roman" pitchFamily="18" charset="0"/>
+            </a:endParaRPr>
+          </a:p>
+        </p:txBody>
+      </p:sp>
+      <p:sp>
+        <p:nvSpPr>
+          <p:cNvPr id="6" name="文字方塊 5"/>
+          <p:cNvSpPr txBox="1"/>
+          <p:nvPr/>
+        </p:nvSpPr>
+        <p:spPr>
+          <a:xfrm>
+            <a:off x="503548" y="1124744"/>
+            <a:ext cx="8136904" cy="5328592"/>
+          </a:xfrm>
+          <a:prstGeom prst="rect">
+            <a:avLst/>
+          </a:prstGeom>
+          <a:noFill/>
+        </p:spPr>
+        <p:txBody>
+          <a:bodyPr wrap="square" rtlCol="0" anchor="t">
+            <a:noAutofit/>
+          </a:bodyPr>
+          <a:lstStyle/>
+          <a:p>
+            <a:r>
+              <a:rPr lang="en-US" altLang="zh-TW" sz="2000" dirty="0">
+                <a:latin typeface="Times New Roman" pitchFamily="18" charset="0"/>
+                <a:cs typeface="Times New Roman" pitchFamily="18" charset="0"/>
+              </a:rPr>
+              <a:t>JavaScript</a:t>
+            </a:r>
+            <a:r>
+              <a:rPr lang="zh-TW" altLang="en-US" sz="2000" dirty="0">
+                <a:latin typeface="Times New Roman" pitchFamily="18" charset="0"/>
+                <a:cs typeface="Times New Roman" pitchFamily="18" charset="0"/>
+              </a:rPr>
+              <a:t> 提供許多選取 </a:t>
+            </a:r>
+            <a:r>
+              <a:rPr lang="en-US" altLang="zh-TW" sz="2000" dirty="0">
+                <a:latin typeface="Times New Roman" pitchFamily="18" charset="0"/>
+                <a:cs typeface="Times New Roman" pitchFamily="18" charset="0"/>
+              </a:rPr>
+              <a:t>HTML</a:t>
+            </a:r>
+            <a:r>
+              <a:rPr lang="zh-TW" altLang="en-US" sz="2000" dirty="0">
+                <a:latin typeface="Times New Roman" pitchFamily="18" charset="0"/>
+                <a:cs typeface="Times New Roman" pitchFamily="18" charset="0"/>
+              </a:rPr>
+              <a:t> </a:t>
+            </a:r>
+            <a:r>
+              <a:rPr lang="en-US" altLang="zh-TW" sz="2000" dirty="0">
+                <a:latin typeface="Times New Roman" pitchFamily="18" charset="0"/>
+                <a:cs typeface="Times New Roman" pitchFamily="18" charset="0"/>
+              </a:rPr>
+              <a:t>DOM</a:t>
+            </a:r>
+            <a:r>
+              <a:rPr lang="zh-TW" altLang="en-US" sz="2000" dirty="0">
+                <a:latin typeface="Times New Roman" pitchFamily="18" charset="0"/>
+                <a:cs typeface="Times New Roman" pitchFamily="18" charset="0"/>
+              </a:rPr>
+              <a:t> 的語法，選取網頁上的 </a:t>
+            </a:r>
+            <a:r>
+              <a:rPr lang="en-US" altLang="zh-TW" sz="2000" dirty="0">
+                <a:latin typeface="Times New Roman" pitchFamily="18" charset="0"/>
+                <a:cs typeface="Times New Roman" pitchFamily="18" charset="0"/>
+              </a:rPr>
+              <a:t>Element</a:t>
+            </a:r>
+            <a:r>
+              <a:rPr lang="zh-TW" altLang="en-US" sz="2000" dirty="0">
+                <a:latin typeface="Times New Roman" pitchFamily="18" charset="0"/>
+                <a:cs typeface="Times New Roman" pitchFamily="18" charset="0"/>
+              </a:rPr>
+              <a:t>：</a:t>
+            </a:r>
+            <a:endParaRPr lang="en-US" altLang="zh-TW" sz="2000" dirty="0">
+              <a:latin typeface="Times New Roman" pitchFamily="18" charset="0"/>
+              <a:cs typeface="Times New Roman" pitchFamily="18" charset="0"/>
+            </a:endParaRPr>
+          </a:p>
+          <a:p>
+            <a:r>
+              <a:rPr lang="en-US" altLang="zh-TW" sz="2000" dirty="0">
+                <a:latin typeface="Times New Roman" pitchFamily="18" charset="0"/>
+                <a:cs typeface="Times New Roman" pitchFamily="18" charset="0"/>
+              </a:rPr>
+              <a:t>        </a:t>
+            </a:r>
+            <a:r>
+              <a:rPr lang="en-US" altLang="zh-TW" sz="2000" dirty="0" err="1">
+                <a:latin typeface="Times New Roman" pitchFamily="18" charset="0"/>
+                <a:cs typeface="Times New Roman" pitchFamily="18" charset="0"/>
+              </a:rPr>
+              <a:t>document.head</a:t>
+            </a:r>
+            <a:r>
+              <a:rPr lang="en-US" altLang="zh-TW" sz="2000" dirty="0">
+                <a:latin typeface="Times New Roman" pitchFamily="18" charset="0"/>
+                <a:cs typeface="Times New Roman" pitchFamily="18" charset="0"/>
+              </a:rPr>
+              <a:t>;</a:t>
+            </a:r>
+          </a:p>
+          <a:p>
+            <a:r>
+              <a:rPr lang="en-US" altLang="zh-TW" sz="2000" dirty="0">
+                <a:latin typeface="Times New Roman" pitchFamily="18" charset="0"/>
+                <a:cs typeface="Times New Roman" pitchFamily="18" charset="0"/>
+              </a:rPr>
+              <a:t>        </a:t>
+            </a:r>
+            <a:r>
+              <a:rPr lang="en-US" altLang="zh-TW" sz="2000" dirty="0" err="1">
+                <a:latin typeface="Times New Roman" pitchFamily="18" charset="0"/>
+                <a:cs typeface="Times New Roman" pitchFamily="18" charset="0"/>
+              </a:rPr>
+              <a:t>document.body</a:t>
+            </a:r>
+            <a:r>
+              <a:rPr lang="en-US" altLang="zh-TW" sz="2000" dirty="0">
+                <a:latin typeface="Times New Roman" pitchFamily="18" charset="0"/>
+                <a:cs typeface="Times New Roman" pitchFamily="18" charset="0"/>
+              </a:rPr>
+              <a:t>;</a:t>
+            </a:r>
+          </a:p>
+          <a:p>
+            <a:r>
+              <a:rPr lang="en-US" altLang="zh-TW" sz="2000" dirty="0">
+                <a:latin typeface="Times New Roman" pitchFamily="18" charset="0"/>
+                <a:cs typeface="Times New Roman" pitchFamily="18" charset="0"/>
+              </a:rPr>
+              <a:t>        </a:t>
+            </a:r>
+            <a:r>
+              <a:rPr lang="en-US" altLang="zh-TW" sz="2000" dirty="0" err="1">
+                <a:latin typeface="Times New Roman" pitchFamily="18" charset="0"/>
+                <a:cs typeface="Times New Roman" pitchFamily="18" charset="0"/>
+              </a:rPr>
+              <a:t>document.title</a:t>
+            </a:r>
+            <a:r>
+              <a:rPr lang="en-US" altLang="zh-TW" sz="2000" dirty="0">
+                <a:latin typeface="Times New Roman" pitchFamily="18" charset="0"/>
+                <a:cs typeface="Times New Roman" pitchFamily="18" charset="0"/>
+              </a:rPr>
+              <a:t>;</a:t>
+            </a:r>
+          </a:p>
+          <a:p>
+            <a:endParaRPr lang="en-US" altLang="zh-TW" sz="2000" dirty="0">
+              <a:latin typeface="Times New Roman" pitchFamily="18" charset="0"/>
+              <a:cs typeface="Times New Roman" pitchFamily="18" charset="0"/>
+            </a:endParaRPr>
+          </a:p>
+          <a:p>
+            <a:r>
+              <a:rPr lang="en-US" altLang="zh-TW" sz="2000" dirty="0">
+                <a:latin typeface="Times New Roman" pitchFamily="18" charset="0"/>
+                <a:cs typeface="Times New Roman" pitchFamily="18" charset="0"/>
+              </a:rPr>
+              <a:t>        </a:t>
+            </a:r>
+            <a:r>
+              <a:rPr lang="en-US" altLang="zh-TW" sz="2000" dirty="0" err="1">
+                <a:solidFill>
+                  <a:srgbClr val="FF0000"/>
+                </a:solidFill>
+                <a:latin typeface="Times New Roman" pitchFamily="18" charset="0"/>
+                <a:cs typeface="Times New Roman" pitchFamily="18" charset="0"/>
+              </a:rPr>
+              <a:t>document.getElementById</a:t>
+            </a:r>
+            <a:r>
+              <a:rPr lang="en-US" altLang="zh-TW" sz="2000" dirty="0">
+                <a:solidFill>
+                  <a:srgbClr val="FF0000"/>
+                </a:solidFill>
+                <a:latin typeface="Times New Roman" pitchFamily="18" charset="0"/>
+                <a:cs typeface="Times New Roman" pitchFamily="18" charset="0"/>
+              </a:rPr>
+              <a:t>("");</a:t>
+            </a:r>
+          </a:p>
+          <a:p>
+            <a:r>
+              <a:rPr lang="en-US" altLang="zh-TW" sz="2000" dirty="0">
+                <a:latin typeface="Times New Roman" pitchFamily="18" charset="0"/>
+                <a:cs typeface="Times New Roman" pitchFamily="18" charset="0"/>
+              </a:rPr>
+              <a:t>        </a:t>
+            </a:r>
+            <a:r>
+              <a:rPr lang="en-US" altLang="zh-TW" sz="2000" dirty="0" err="1">
+                <a:solidFill>
+                  <a:srgbClr val="FF0000"/>
+                </a:solidFill>
+                <a:latin typeface="Times New Roman" pitchFamily="18" charset="0"/>
+                <a:cs typeface="Times New Roman" pitchFamily="18" charset="0"/>
+              </a:rPr>
+              <a:t>document.getElementsByClassName</a:t>
+            </a:r>
+            <a:r>
+              <a:rPr lang="en-US" altLang="zh-TW" sz="2000" dirty="0">
+                <a:solidFill>
+                  <a:srgbClr val="FF0000"/>
+                </a:solidFill>
+                <a:latin typeface="Times New Roman" pitchFamily="18" charset="0"/>
+                <a:cs typeface="Times New Roman" pitchFamily="18" charset="0"/>
+              </a:rPr>
+              <a:t>("");</a:t>
+            </a:r>
+          </a:p>
+          <a:p>
+            <a:r>
+              <a:rPr lang="en-US" altLang="zh-TW" sz="2000" dirty="0">
+                <a:latin typeface="Times New Roman" pitchFamily="18" charset="0"/>
+                <a:cs typeface="Times New Roman" pitchFamily="18" charset="0"/>
+              </a:rPr>
+              <a:t>        </a:t>
+            </a:r>
+            <a:r>
+              <a:rPr lang="en-US" altLang="zh-TW" sz="2000" dirty="0" err="1">
+                <a:latin typeface="Times New Roman" pitchFamily="18" charset="0"/>
+                <a:cs typeface="Times New Roman" pitchFamily="18" charset="0"/>
+              </a:rPr>
+              <a:t>document.getElementsByName</a:t>
+            </a:r>
+            <a:r>
+              <a:rPr lang="en-US" altLang="zh-TW" sz="2000" dirty="0">
+                <a:latin typeface="Times New Roman" pitchFamily="18" charset="0"/>
+                <a:cs typeface="Times New Roman" pitchFamily="18" charset="0"/>
+              </a:rPr>
+              <a:t>("");</a:t>
+            </a:r>
+          </a:p>
+          <a:p>
+            <a:r>
+              <a:rPr lang="en-US" altLang="zh-TW" sz="2000" dirty="0">
+                <a:latin typeface="Times New Roman" pitchFamily="18" charset="0"/>
+                <a:cs typeface="Times New Roman" pitchFamily="18" charset="0"/>
+              </a:rPr>
+              <a:t>        </a:t>
+            </a:r>
+            <a:r>
+              <a:rPr lang="en-US" altLang="zh-TW" sz="2000" dirty="0" err="1">
+                <a:latin typeface="Times New Roman" pitchFamily="18" charset="0"/>
+                <a:cs typeface="Times New Roman" pitchFamily="18" charset="0"/>
+              </a:rPr>
+              <a:t>document.getElementsByTagName</a:t>
+            </a:r>
+            <a:r>
+              <a:rPr lang="en-US" altLang="zh-TW" sz="2000" dirty="0">
+                <a:latin typeface="Times New Roman" pitchFamily="18" charset="0"/>
+                <a:cs typeface="Times New Roman" pitchFamily="18" charset="0"/>
+              </a:rPr>
+              <a:t>("");</a:t>
+            </a:r>
+          </a:p>
+          <a:p>
+            <a:endParaRPr lang="en-US" altLang="zh-TW" sz="2000" dirty="0">
+              <a:latin typeface="Times New Roman" pitchFamily="18" charset="0"/>
+              <a:cs typeface="Times New Roman" pitchFamily="18" charset="0"/>
+            </a:endParaRPr>
+          </a:p>
+          <a:p>
+            <a:r>
+              <a:rPr lang="en-US" altLang="zh-TW" sz="2000" dirty="0">
+                <a:latin typeface="Times New Roman" pitchFamily="18" charset="0"/>
+                <a:cs typeface="Times New Roman" pitchFamily="18" charset="0"/>
+              </a:rPr>
+              <a:t>        </a:t>
+            </a:r>
+            <a:r>
+              <a:rPr lang="en-US" altLang="zh-TW" sz="2000" dirty="0" err="1">
+                <a:latin typeface="Times New Roman" pitchFamily="18" charset="0"/>
+                <a:cs typeface="Times New Roman" pitchFamily="18" charset="0"/>
+              </a:rPr>
+              <a:t>document.querySelector</a:t>
+            </a:r>
+            <a:r>
+              <a:rPr lang="en-US" altLang="zh-TW" sz="2000" dirty="0">
+                <a:latin typeface="Times New Roman" pitchFamily="18" charset="0"/>
+                <a:cs typeface="Times New Roman" pitchFamily="18" charset="0"/>
+              </a:rPr>
+              <a:t>("");</a:t>
+            </a:r>
+          </a:p>
+          <a:p>
+            <a:r>
+              <a:rPr lang="en-US" altLang="zh-TW" sz="2000" dirty="0">
+                <a:latin typeface="Times New Roman" pitchFamily="18" charset="0"/>
+                <a:cs typeface="Times New Roman" pitchFamily="18" charset="0"/>
+              </a:rPr>
+              <a:t>        </a:t>
+            </a:r>
+            <a:r>
+              <a:rPr lang="en-US" altLang="zh-TW" sz="2000" dirty="0" err="1">
+                <a:solidFill>
+                  <a:srgbClr val="FF0000"/>
+                </a:solidFill>
+                <a:latin typeface="Times New Roman" pitchFamily="18" charset="0"/>
+                <a:cs typeface="Times New Roman" pitchFamily="18" charset="0"/>
+              </a:rPr>
+              <a:t>document.querySelectorAll</a:t>
+            </a:r>
+            <a:r>
+              <a:rPr lang="en-US" altLang="zh-TW" sz="2000" dirty="0">
+                <a:solidFill>
+                  <a:srgbClr val="FF0000"/>
+                </a:solidFill>
+                <a:latin typeface="Times New Roman" pitchFamily="18" charset="0"/>
+                <a:cs typeface="Times New Roman" pitchFamily="18" charset="0"/>
+              </a:rPr>
+              <a:t>("");</a:t>
+            </a:r>
+          </a:p>
+          <a:p>
+            <a:endParaRPr lang="en-US" altLang="zh-TW" sz="2000" dirty="0">
+              <a:latin typeface="Times New Roman" pitchFamily="18" charset="0"/>
+              <a:cs typeface="Times New Roman" pitchFamily="18" charset="0"/>
+            </a:endParaRPr>
+          </a:p>
+          <a:p>
+            <a:r>
+              <a:rPr lang="en-US" altLang="zh-TW" sz="2000" dirty="0">
+                <a:latin typeface="Times New Roman" pitchFamily="18" charset="0"/>
+                <a:cs typeface="Times New Roman" pitchFamily="18" charset="0"/>
+              </a:rPr>
+              <a:t>※</a:t>
+            </a:r>
+            <a:r>
+              <a:rPr lang="zh-TW" altLang="en-US" sz="2000" dirty="0">
+                <a:latin typeface="Times New Roman" pitchFamily="18" charset="0"/>
+                <a:cs typeface="Times New Roman" pitchFamily="18" charset="0"/>
+              </a:rPr>
+              <a:t>使用選取時，請注意選取的結果是否為</a:t>
+            </a:r>
+            <a:r>
+              <a:rPr lang="zh-TW" altLang="en-US" sz="2000" dirty="0">
+                <a:solidFill>
+                  <a:srgbClr val="FF0000"/>
+                </a:solidFill>
+                <a:latin typeface="Times New Roman" pitchFamily="18" charset="0"/>
+                <a:cs typeface="Times New Roman" pitchFamily="18" charset="0"/>
+              </a:rPr>
+              <a:t>陣列</a:t>
+            </a:r>
+            <a:endParaRPr lang="en-US" altLang="zh-TW" sz="2000" dirty="0">
+              <a:solidFill>
+                <a:srgbClr val="FF0000"/>
+              </a:solidFill>
+              <a:latin typeface="Times New Roman" pitchFamily="18" charset="0"/>
+              <a:cs typeface="Times New Roman" pitchFamily="18" charset="0"/>
+            </a:endParaRPr>
+          </a:p>
+          <a:p>
+            <a:endParaRPr lang="en-US" altLang="zh-TW" sz="2000" dirty="0">
+              <a:latin typeface="Times New Roman" pitchFamily="18" charset="0"/>
+              <a:cs typeface="Times New Roman" pitchFamily="18" charset="0"/>
+            </a:endParaRPr>
+          </a:p>
+          <a:p>
+            <a:endParaRPr lang="en-US" altLang="zh-TW" sz="2000" dirty="0">
+              <a:latin typeface="Times New Roman" pitchFamily="18" charset="0"/>
+              <a:cs typeface="Times New Roman" pitchFamily="18" charset="0"/>
+            </a:endParaRPr>
+          </a:p>
+        </p:txBody>
+      </p:sp>
+    </p:spTree>
+    <p:extLst>
+      <p:ext uri="{BB962C8B-B14F-4D97-AF65-F5344CB8AC3E}">
+        <p14:creationId xmlns:p14="http://schemas.microsoft.com/office/powerpoint/2010/main" val="1780340507"/>
       </p:ext>
     </p:extLst>
   </p:cSld>

--- a/動態網頁.pptx
+++ b/動態網頁.pptx
@@ -15,6 +15,8 @@
     <p:sldId id="263" r:id="rId9"/>
     <p:sldId id="264" r:id="rId10"/>
     <p:sldId id="265" r:id="rId11"/>
+    <p:sldId id="266" r:id="rId12"/>
+    <p:sldId id="267" r:id="rId13"/>
   </p:sldIdLst>
   <p:sldSz cx="9144000" cy="6858000" type="screen4x3"/>
   <p:notesSz cx="6858000" cy="9144000"/>
@@ -3680,6 +3682,619 @@
     <p:extLst>
       <p:ext uri="{BB962C8B-B14F-4D97-AF65-F5344CB8AC3E}">
         <p14:creationId xmlns:p14="http://schemas.microsoft.com/office/powerpoint/2010/main" val="2626748666"/>
+      </p:ext>
+    </p:extLst>
+  </p:cSld>
+  <p:clrMapOvr>
+    <a:masterClrMapping/>
+  </p:clrMapOvr>
+</p:sld>
+</file>
+
+<file path=ppt/slides/slide11.xml><?xml version="1.0" encoding="utf-8"?>
+<p:sld xmlns:a="http://schemas.openxmlformats.org/drawingml/2006/main" xmlns:r="http://schemas.openxmlformats.org/officeDocument/2006/relationships" xmlns:p="http://schemas.openxmlformats.org/presentationml/2006/main">
+  <p:cSld>
+    <p:spTree>
+      <p:nvGrpSpPr>
+        <p:cNvPr id="1" name=""/>
+        <p:cNvGrpSpPr/>
+        <p:nvPr/>
+      </p:nvGrpSpPr>
+      <p:grpSpPr>
+        <a:xfrm>
+          <a:off x="0" y="0"/>
+          <a:ext cx="0" cy="0"/>
+          <a:chOff x="0" y="0"/>
+          <a:chExt cx="0" cy="0"/>
+        </a:xfrm>
+      </p:grpSpPr>
+      <p:sp>
+        <p:nvSpPr>
+          <p:cNvPr id="4" name="文字方塊 3"/>
+          <p:cNvSpPr txBox="1"/>
+          <p:nvPr/>
+        </p:nvSpPr>
+        <p:spPr>
+          <a:xfrm>
+            <a:off x="0" y="0"/>
+            <a:ext cx="9144000" cy="836712"/>
+          </a:xfrm>
+          <a:prstGeom prst="rect">
+            <a:avLst/>
+          </a:prstGeom>
+          <a:noFill/>
+        </p:spPr>
+        <p:txBody>
+          <a:bodyPr wrap="square" rtlCol="0" anchor="ctr">
+            <a:noAutofit/>
+          </a:bodyPr>
+          <a:lstStyle/>
+          <a:p>
+            <a:pPr algn="ctr"/>
+            <a:r>
+              <a:rPr lang="en-US" altLang="zh-TW" sz="2400" dirty="0">
+                <a:latin typeface="Times New Roman" pitchFamily="18" charset="0"/>
+                <a:cs typeface="Times New Roman" pitchFamily="18" charset="0"/>
+              </a:rPr>
+              <a:t>Event</a:t>
+            </a:r>
+            <a:endParaRPr lang="zh-TW" altLang="en-US" sz="2400" dirty="0">
+              <a:latin typeface="Times New Roman" pitchFamily="18" charset="0"/>
+              <a:cs typeface="Times New Roman" pitchFamily="18" charset="0"/>
+            </a:endParaRPr>
+          </a:p>
+        </p:txBody>
+      </p:sp>
+      <p:sp>
+        <p:nvSpPr>
+          <p:cNvPr id="5" name="文字方塊 4"/>
+          <p:cNvSpPr txBox="1"/>
+          <p:nvPr/>
+        </p:nvSpPr>
+        <p:spPr>
+          <a:xfrm>
+            <a:off x="8711952" y="6573902"/>
+            <a:ext cx="432048" cy="276999"/>
+          </a:xfrm>
+          <a:prstGeom prst="rect">
+            <a:avLst/>
+          </a:prstGeom>
+          <a:noFill/>
+        </p:spPr>
+        <p:txBody>
+          <a:bodyPr wrap="square" rtlCol="0" anchor="ctr">
+            <a:spAutoFit/>
+          </a:bodyPr>
+          <a:lstStyle/>
+          <a:p>
+            <a:pPr algn="ctr"/>
+            <a:r>
+              <a:rPr lang="en-US" altLang="zh-TW" sz="1200" dirty="0">
+                <a:latin typeface="Times New Roman" pitchFamily="18" charset="0"/>
+                <a:cs typeface="Times New Roman" pitchFamily="18" charset="0"/>
+              </a:rPr>
+              <a:t>11</a:t>
+            </a:r>
+            <a:endParaRPr lang="zh-TW" altLang="en-US" sz="1200" dirty="0">
+              <a:latin typeface="Times New Roman" pitchFamily="18" charset="0"/>
+              <a:cs typeface="Times New Roman" pitchFamily="18" charset="0"/>
+            </a:endParaRPr>
+          </a:p>
+        </p:txBody>
+      </p:sp>
+      <p:sp>
+        <p:nvSpPr>
+          <p:cNvPr id="6" name="文字方塊 5"/>
+          <p:cNvSpPr txBox="1"/>
+          <p:nvPr/>
+        </p:nvSpPr>
+        <p:spPr>
+          <a:xfrm>
+            <a:off x="503548" y="1124744"/>
+            <a:ext cx="8136904" cy="5328592"/>
+          </a:xfrm>
+          <a:prstGeom prst="rect">
+            <a:avLst/>
+          </a:prstGeom>
+          <a:noFill/>
+        </p:spPr>
+        <p:txBody>
+          <a:bodyPr wrap="square" rtlCol="0" anchor="t">
+            <a:noAutofit/>
+          </a:bodyPr>
+          <a:lstStyle/>
+          <a:p>
+            <a:r>
+              <a:rPr lang="zh-TW" altLang="en-US" sz="2000" dirty="0">
+                <a:latin typeface="Times New Roman" pitchFamily="18" charset="0"/>
+                <a:cs typeface="Times New Roman" pitchFamily="18" charset="0"/>
+              </a:rPr>
+              <a:t>以下用按鍵事件當例子，常見的寫法有 </a:t>
+            </a:r>
+            <a:r>
+              <a:rPr lang="en-US" altLang="zh-TW" sz="2000" dirty="0">
+                <a:latin typeface="Times New Roman" pitchFamily="18" charset="0"/>
+                <a:cs typeface="Times New Roman" pitchFamily="18" charset="0"/>
+              </a:rPr>
+              <a:t>3</a:t>
+            </a:r>
+            <a:r>
+              <a:rPr lang="zh-TW" altLang="en-US" sz="2000" dirty="0">
+                <a:latin typeface="Times New Roman" pitchFamily="18" charset="0"/>
+                <a:cs typeface="Times New Roman" pitchFamily="18" charset="0"/>
+              </a:rPr>
+              <a:t> 種：</a:t>
+            </a:r>
+            <a:endParaRPr lang="en-US" altLang="zh-TW" sz="2000" dirty="0">
+              <a:latin typeface="Times New Roman" pitchFamily="18" charset="0"/>
+              <a:cs typeface="Times New Roman" pitchFamily="18" charset="0"/>
+            </a:endParaRPr>
+          </a:p>
+          <a:p>
+            <a:r>
+              <a:rPr lang="en-US" altLang="zh-TW" sz="2000" dirty="0">
+                <a:latin typeface="Times New Roman" pitchFamily="18" charset="0"/>
+                <a:cs typeface="Times New Roman" pitchFamily="18" charset="0"/>
+              </a:rPr>
+              <a:t>        &lt;button </a:t>
+            </a:r>
+            <a:r>
+              <a:rPr lang="en-US" altLang="zh-TW" sz="2000" dirty="0">
+                <a:solidFill>
+                  <a:srgbClr val="FF0000"/>
+                </a:solidFill>
+                <a:latin typeface="Times New Roman" pitchFamily="18" charset="0"/>
+                <a:cs typeface="Times New Roman" pitchFamily="18" charset="0"/>
+              </a:rPr>
+              <a:t>onclick="</a:t>
+            </a:r>
+            <a:r>
+              <a:rPr lang="en-US" altLang="zh-TW" sz="2000" dirty="0" err="1">
+                <a:solidFill>
+                  <a:srgbClr val="00B050"/>
+                </a:solidFill>
+                <a:latin typeface="Times New Roman" pitchFamily="18" charset="0"/>
+                <a:cs typeface="Times New Roman" pitchFamily="18" charset="0"/>
+              </a:rPr>
+              <a:t>FunctionName</a:t>
+            </a:r>
+            <a:r>
+              <a:rPr lang="en-US" altLang="zh-TW" sz="2000" dirty="0">
+                <a:solidFill>
+                  <a:srgbClr val="0070C0"/>
+                </a:solidFill>
+                <a:latin typeface="Times New Roman" pitchFamily="18" charset="0"/>
+                <a:cs typeface="Times New Roman" pitchFamily="18" charset="0"/>
+              </a:rPr>
+              <a:t>()</a:t>
+            </a:r>
+            <a:r>
+              <a:rPr lang="en-US" altLang="zh-TW" sz="2000" dirty="0">
+                <a:solidFill>
+                  <a:srgbClr val="FF0000"/>
+                </a:solidFill>
+                <a:latin typeface="Times New Roman" pitchFamily="18" charset="0"/>
+                <a:cs typeface="Times New Roman" pitchFamily="18" charset="0"/>
+              </a:rPr>
+              <a:t>"</a:t>
+            </a:r>
+            <a:r>
+              <a:rPr lang="en-US" altLang="zh-TW" sz="2000" dirty="0">
+                <a:latin typeface="Times New Roman" pitchFamily="18" charset="0"/>
+                <a:cs typeface="Times New Roman" pitchFamily="18" charset="0"/>
+              </a:rPr>
+              <a:t>&gt;button5&lt;/button&gt;</a:t>
+            </a:r>
+          </a:p>
+          <a:p>
+            <a:r>
+              <a:rPr lang="en-US" altLang="zh-TW" sz="2000" dirty="0">
+                <a:latin typeface="Times New Roman" pitchFamily="18" charset="0"/>
+                <a:cs typeface="Times New Roman" pitchFamily="18" charset="0"/>
+              </a:rPr>
+              <a:t>    &lt;script&gt;</a:t>
+            </a:r>
+          </a:p>
+          <a:p>
+            <a:r>
+              <a:rPr lang="en-US" altLang="zh-TW" sz="2000" dirty="0">
+                <a:latin typeface="Times New Roman" pitchFamily="18" charset="0"/>
+                <a:cs typeface="Times New Roman" pitchFamily="18" charset="0"/>
+              </a:rPr>
+              <a:t>        function</a:t>
+            </a:r>
+            <a:r>
+              <a:rPr lang="en-US" altLang="zh-TW" sz="2000" dirty="0">
+                <a:solidFill>
+                  <a:srgbClr val="00B050"/>
+                </a:solidFill>
+                <a:latin typeface="Times New Roman" pitchFamily="18" charset="0"/>
+                <a:cs typeface="Times New Roman" pitchFamily="18" charset="0"/>
+              </a:rPr>
+              <a:t> </a:t>
+            </a:r>
+            <a:r>
+              <a:rPr lang="en-US" altLang="zh-TW" sz="2000" dirty="0" err="1">
+                <a:solidFill>
+                  <a:srgbClr val="00B050"/>
+                </a:solidFill>
+                <a:latin typeface="Times New Roman" pitchFamily="18" charset="0"/>
+                <a:cs typeface="Times New Roman" pitchFamily="18" charset="0"/>
+              </a:rPr>
+              <a:t>FunctionName</a:t>
+            </a:r>
+            <a:r>
+              <a:rPr lang="en-US" altLang="zh-TW" sz="2000" dirty="0">
+                <a:solidFill>
+                  <a:srgbClr val="00B050"/>
+                </a:solidFill>
+                <a:latin typeface="Times New Roman" pitchFamily="18" charset="0"/>
+                <a:cs typeface="Times New Roman" pitchFamily="18" charset="0"/>
+              </a:rPr>
+              <a:t>()</a:t>
+            </a:r>
+            <a:r>
+              <a:rPr lang="en-US" altLang="zh-TW" sz="2000" dirty="0">
+                <a:latin typeface="Times New Roman" pitchFamily="18" charset="0"/>
+                <a:cs typeface="Times New Roman" pitchFamily="18" charset="0"/>
+              </a:rPr>
+              <a:t>{</a:t>
+            </a:r>
+          </a:p>
+          <a:p>
+            <a:r>
+              <a:rPr lang="en-US" altLang="zh-TW" sz="2000" dirty="0">
+                <a:latin typeface="Times New Roman" pitchFamily="18" charset="0"/>
+                <a:cs typeface="Times New Roman" pitchFamily="18" charset="0"/>
+              </a:rPr>
+              <a:t>            statement</a:t>
+            </a:r>
+          </a:p>
+          <a:p>
+            <a:r>
+              <a:rPr lang="en-US" altLang="zh-TW" sz="2000" dirty="0">
+                <a:latin typeface="Times New Roman" pitchFamily="18" charset="0"/>
+                <a:cs typeface="Times New Roman" pitchFamily="18" charset="0"/>
+              </a:rPr>
+              <a:t>        }</a:t>
+            </a:r>
+          </a:p>
+          <a:p>
+            <a:endParaRPr lang="en-US" altLang="zh-TW" sz="2000" dirty="0">
+              <a:latin typeface="Times New Roman" pitchFamily="18" charset="0"/>
+              <a:cs typeface="Times New Roman" pitchFamily="18" charset="0"/>
+            </a:endParaRPr>
+          </a:p>
+          <a:p>
+            <a:r>
+              <a:rPr lang="en-US" altLang="zh-TW" sz="2000" dirty="0">
+                <a:latin typeface="Times New Roman" pitchFamily="18" charset="0"/>
+                <a:cs typeface="Times New Roman" pitchFamily="18" charset="0"/>
+              </a:rPr>
+              <a:t>        </a:t>
+            </a:r>
+            <a:r>
+              <a:rPr lang="en-US" altLang="zh-TW" sz="2000" dirty="0" err="1">
+                <a:latin typeface="Times New Roman" pitchFamily="18" charset="0"/>
+                <a:cs typeface="Times New Roman" pitchFamily="18" charset="0"/>
+              </a:rPr>
+              <a:t>Element</a:t>
+            </a:r>
+            <a:r>
+              <a:rPr lang="en-US" altLang="zh-TW" sz="2000" dirty="0" err="1">
+                <a:solidFill>
+                  <a:srgbClr val="FF0000"/>
+                </a:solidFill>
+                <a:latin typeface="Times New Roman" pitchFamily="18" charset="0"/>
+                <a:cs typeface="Times New Roman" pitchFamily="18" charset="0"/>
+              </a:rPr>
+              <a:t>.onclick</a:t>
+            </a:r>
+            <a:r>
+              <a:rPr lang="en-US" altLang="zh-TW" sz="2000" dirty="0">
+                <a:latin typeface="Times New Roman" pitchFamily="18" charset="0"/>
+                <a:cs typeface="Times New Roman" pitchFamily="18" charset="0"/>
+              </a:rPr>
+              <a:t> = </a:t>
+            </a:r>
+            <a:r>
+              <a:rPr lang="en-US" altLang="zh-TW" sz="2000" dirty="0" err="1">
+                <a:solidFill>
+                  <a:srgbClr val="00B050"/>
+                </a:solidFill>
+                <a:latin typeface="Times New Roman" pitchFamily="18" charset="0"/>
+                <a:cs typeface="Times New Roman" pitchFamily="18" charset="0"/>
+              </a:rPr>
+              <a:t>FunctionName</a:t>
+            </a:r>
+            <a:r>
+              <a:rPr lang="en-US" altLang="zh-TW" sz="2000" dirty="0">
+                <a:latin typeface="Times New Roman" pitchFamily="18" charset="0"/>
+                <a:cs typeface="Times New Roman" pitchFamily="18" charset="0"/>
+              </a:rPr>
+              <a:t>;</a:t>
+            </a:r>
+          </a:p>
+          <a:p>
+            <a:endParaRPr lang="en-US" altLang="zh-TW" sz="2000" dirty="0">
+              <a:latin typeface="Times New Roman" pitchFamily="18" charset="0"/>
+              <a:cs typeface="Times New Roman" pitchFamily="18" charset="0"/>
+            </a:endParaRPr>
+          </a:p>
+          <a:p>
+            <a:r>
+              <a:rPr lang="en-US" altLang="zh-TW" sz="2000" dirty="0">
+                <a:latin typeface="Times New Roman" pitchFamily="18" charset="0"/>
+                <a:cs typeface="Times New Roman" pitchFamily="18" charset="0"/>
+              </a:rPr>
+              <a:t>        </a:t>
+            </a:r>
+            <a:r>
+              <a:rPr lang="en-US" altLang="zh-TW" sz="2000" dirty="0" err="1">
+                <a:latin typeface="Times New Roman" pitchFamily="18" charset="0"/>
+                <a:cs typeface="Times New Roman" pitchFamily="18" charset="0"/>
+              </a:rPr>
+              <a:t>Element</a:t>
+            </a:r>
+            <a:r>
+              <a:rPr lang="en-US" altLang="zh-TW" sz="2000" dirty="0" err="1">
+                <a:solidFill>
+                  <a:srgbClr val="FF0000"/>
+                </a:solidFill>
+                <a:latin typeface="Times New Roman" pitchFamily="18" charset="0"/>
+                <a:cs typeface="Times New Roman" pitchFamily="18" charset="0"/>
+              </a:rPr>
+              <a:t>.addEventListener</a:t>
+            </a:r>
+            <a:r>
+              <a:rPr lang="en-US" altLang="zh-TW" sz="2000" dirty="0">
+                <a:solidFill>
+                  <a:srgbClr val="FF0000"/>
+                </a:solidFill>
+                <a:latin typeface="Times New Roman" pitchFamily="18" charset="0"/>
+                <a:cs typeface="Times New Roman" pitchFamily="18" charset="0"/>
+              </a:rPr>
+              <a:t>("click", </a:t>
+            </a:r>
+            <a:r>
+              <a:rPr lang="en-US" altLang="zh-TW" sz="2000" dirty="0" err="1">
+                <a:solidFill>
+                  <a:srgbClr val="00B050"/>
+                </a:solidFill>
+                <a:latin typeface="Times New Roman" pitchFamily="18" charset="0"/>
+                <a:cs typeface="Times New Roman" pitchFamily="18" charset="0"/>
+              </a:rPr>
+              <a:t>FunctionName</a:t>
+            </a:r>
+            <a:r>
+              <a:rPr lang="en-US" altLang="zh-TW" sz="2000" dirty="0">
+                <a:solidFill>
+                  <a:srgbClr val="FF0000"/>
+                </a:solidFill>
+                <a:latin typeface="Times New Roman" pitchFamily="18" charset="0"/>
+                <a:cs typeface="Times New Roman" pitchFamily="18" charset="0"/>
+              </a:rPr>
+              <a:t>)</a:t>
+            </a:r>
+            <a:r>
+              <a:rPr lang="en-US" altLang="zh-TW" sz="2000" dirty="0">
+                <a:latin typeface="Times New Roman" pitchFamily="18" charset="0"/>
+                <a:cs typeface="Times New Roman" pitchFamily="18" charset="0"/>
+              </a:rPr>
+              <a:t>;</a:t>
+            </a:r>
+          </a:p>
+          <a:p>
+            <a:r>
+              <a:rPr lang="en-US" altLang="zh-TW" sz="2000" dirty="0">
+                <a:latin typeface="Times New Roman" pitchFamily="18" charset="0"/>
+                <a:cs typeface="Times New Roman" pitchFamily="18" charset="0"/>
+              </a:rPr>
+              <a:t>    &lt;/script&gt;</a:t>
+            </a:r>
+          </a:p>
+        </p:txBody>
+      </p:sp>
+    </p:spTree>
+    <p:extLst>
+      <p:ext uri="{BB962C8B-B14F-4D97-AF65-F5344CB8AC3E}">
+        <p14:creationId xmlns:p14="http://schemas.microsoft.com/office/powerpoint/2010/main" val="1218575628"/>
+      </p:ext>
+    </p:extLst>
+  </p:cSld>
+  <p:clrMapOvr>
+    <a:masterClrMapping/>
+  </p:clrMapOvr>
+</p:sld>
+</file>
+
+<file path=ppt/slides/slide12.xml><?xml version="1.0" encoding="utf-8"?>
+<p:sld xmlns:a="http://schemas.openxmlformats.org/drawingml/2006/main" xmlns:r="http://schemas.openxmlformats.org/officeDocument/2006/relationships" xmlns:p="http://schemas.openxmlformats.org/presentationml/2006/main">
+  <p:cSld>
+    <p:spTree>
+      <p:nvGrpSpPr>
+        <p:cNvPr id="1" name=""/>
+        <p:cNvGrpSpPr/>
+        <p:nvPr/>
+      </p:nvGrpSpPr>
+      <p:grpSpPr>
+        <a:xfrm>
+          <a:off x="0" y="0"/>
+          <a:ext cx="0" cy="0"/>
+          <a:chOff x="0" y="0"/>
+          <a:chExt cx="0" cy="0"/>
+        </a:xfrm>
+      </p:grpSpPr>
+      <p:sp>
+        <p:nvSpPr>
+          <p:cNvPr id="4" name="文字方塊 3"/>
+          <p:cNvSpPr txBox="1"/>
+          <p:nvPr/>
+        </p:nvSpPr>
+        <p:spPr>
+          <a:xfrm>
+            <a:off x="0" y="0"/>
+            <a:ext cx="9144000" cy="836712"/>
+          </a:xfrm>
+          <a:prstGeom prst="rect">
+            <a:avLst/>
+          </a:prstGeom>
+          <a:noFill/>
+        </p:spPr>
+        <p:txBody>
+          <a:bodyPr wrap="square" rtlCol="0" anchor="ctr">
+            <a:noAutofit/>
+          </a:bodyPr>
+          <a:lstStyle/>
+          <a:p>
+            <a:pPr algn="ctr"/>
+            <a:r>
+              <a:rPr lang="en-US" altLang="zh-TW" sz="2400">
+                <a:latin typeface="Times New Roman" pitchFamily="18" charset="0"/>
+                <a:cs typeface="Times New Roman" pitchFamily="18" charset="0"/>
+              </a:rPr>
+              <a:t>Event</a:t>
+            </a:r>
+            <a:endParaRPr lang="zh-TW" altLang="en-US" sz="2400" dirty="0">
+              <a:latin typeface="Times New Roman" pitchFamily="18" charset="0"/>
+              <a:cs typeface="Times New Roman" pitchFamily="18" charset="0"/>
+            </a:endParaRPr>
+          </a:p>
+        </p:txBody>
+      </p:sp>
+      <p:sp>
+        <p:nvSpPr>
+          <p:cNvPr id="5" name="文字方塊 4"/>
+          <p:cNvSpPr txBox="1"/>
+          <p:nvPr/>
+        </p:nvSpPr>
+        <p:spPr>
+          <a:xfrm>
+            <a:off x="8711952" y="6573902"/>
+            <a:ext cx="432048" cy="276999"/>
+          </a:xfrm>
+          <a:prstGeom prst="rect">
+            <a:avLst/>
+          </a:prstGeom>
+          <a:noFill/>
+        </p:spPr>
+        <p:txBody>
+          <a:bodyPr wrap="square" rtlCol="0" anchor="ctr">
+            <a:spAutoFit/>
+          </a:bodyPr>
+          <a:lstStyle/>
+          <a:p>
+            <a:pPr algn="ctr"/>
+            <a:r>
+              <a:rPr lang="en-US" altLang="zh-TW" sz="1200" dirty="0">
+                <a:latin typeface="Times New Roman" pitchFamily="18" charset="0"/>
+                <a:cs typeface="Times New Roman" pitchFamily="18" charset="0"/>
+              </a:rPr>
+              <a:t>11</a:t>
+            </a:r>
+            <a:endParaRPr lang="zh-TW" altLang="en-US" sz="1200" dirty="0">
+              <a:latin typeface="Times New Roman" pitchFamily="18" charset="0"/>
+              <a:cs typeface="Times New Roman" pitchFamily="18" charset="0"/>
+            </a:endParaRPr>
+          </a:p>
+        </p:txBody>
+      </p:sp>
+      <p:sp>
+        <p:nvSpPr>
+          <p:cNvPr id="6" name="文字方塊 5"/>
+          <p:cNvSpPr txBox="1"/>
+          <p:nvPr/>
+        </p:nvSpPr>
+        <p:spPr>
+          <a:xfrm>
+            <a:off x="503548" y="1124744"/>
+            <a:ext cx="8136904" cy="5328592"/>
+          </a:xfrm>
+          <a:prstGeom prst="rect">
+            <a:avLst/>
+          </a:prstGeom>
+          <a:noFill/>
+        </p:spPr>
+        <p:txBody>
+          <a:bodyPr wrap="square" rtlCol="0" anchor="t">
+            <a:noAutofit/>
+          </a:bodyPr>
+          <a:lstStyle/>
+          <a:p>
+            <a:endParaRPr lang="en-US" altLang="zh-TW" sz="2000" dirty="0">
+              <a:latin typeface="Times New Roman" pitchFamily="18" charset="0"/>
+              <a:cs typeface="Times New Roman" pitchFamily="18" charset="0"/>
+            </a:endParaRPr>
+          </a:p>
+          <a:p>
+            <a:r>
+              <a:rPr lang="en-US" altLang="zh-TW" sz="2000" dirty="0">
+                <a:latin typeface="Times New Roman" pitchFamily="18" charset="0"/>
+                <a:cs typeface="Times New Roman" pitchFamily="18" charset="0"/>
+              </a:rPr>
+              <a:t>        </a:t>
+            </a:r>
+            <a:r>
+              <a:rPr lang="en-US" altLang="zh-TW" sz="2000" dirty="0" err="1">
+                <a:latin typeface="Times New Roman" pitchFamily="18" charset="0"/>
+                <a:cs typeface="Times New Roman" pitchFamily="18" charset="0"/>
+              </a:rPr>
+              <a:t>Element</a:t>
+            </a:r>
+            <a:r>
+              <a:rPr lang="en-US" altLang="zh-TW" sz="2000" dirty="0" err="1">
+                <a:solidFill>
+                  <a:srgbClr val="FF0000"/>
+                </a:solidFill>
+                <a:latin typeface="Times New Roman" pitchFamily="18" charset="0"/>
+                <a:cs typeface="Times New Roman" pitchFamily="18" charset="0"/>
+              </a:rPr>
+              <a:t>.addEventListener</a:t>
+            </a:r>
+            <a:r>
+              <a:rPr lang="en-US" altLang="zh-TW" sz="2000" dirty="0">
+                <a:solidFill>
+                  <a:srgbClr val="FF0000"/>
+                </a:solidFill>
+                <a:latin typeface="Times New Roman" pitchFamily="18" charset="0"/>
+                <a:cs typeface="Times New Roman" pitchFamily="18" charset="0"/>
+              </a:rPr>
+              <a:t>("click", </a:t>
+            </a:r>
+            <a:r>
+              <a:rPr lang="en-US" altLang="zh-TW" sz="2000" dirty="0" err="1">
+                <a:solidFill>
+                  <a:srgbClr val="00B050"/>
+                </a:solidFill>
+                <a:latin typeface="Times New Roman" pitchFamily="18" charset="0"/>
+                <a:cs typeface="Times New Roman" pitchFamily="18" charset="0"/>
+              </a:rPr>
+              <a:t>FunctionName</a:t>
+            </a:r>
+            <a:r>
+              <a:rPr lang="en-US" altLang="zh-TW" sz="2000" dirty="0">
+                <a:solidFill>
+                  <a:srgbClr val="FF0000"/>
+                </a:solidFill>
+                <a:latin typeface="Times New Roman" pitchFamily="18" charset="0"/>
+                <a:cs typeface="Times New Roman" pitchFamily="18" charset="0"/>
+              </a:rPr>
+              <a:t>)</a:t>
+            </a:r>
+            <a:r>
+              <a:rPr lang="en-US" altLang="zh-TW" sz="2000" dirty="0">
+                <a:latin typeface="Times New Roman" pitchFamily="18" charset="0"/>
+                <a:cs typeface="Times New Roman" pitchFamily="18" charset="0"/>
+              </a:rPr>
+              <a:t>;</a:t>
+            </a:r>
+          </a:p>
+        </p:txBody>
+      </p:sp>
+    </p:spTree>
+    <p:extLst>
+      <p:ext uri="{BB962C8B-B14F-4D97-AF65-F5344CB8AC3E}">
+        <p14:creationId xmlns:p14="http://schemas.microsoft.com/office/powerpoint/2010/main" val="1058011812"/>
       </p:ext>
     </p:extLst>
   </p:cSld>

--- a/動態網頁.pptx
+++ b/動態網頁.pptx
@@ -117,7 +117,7 @@
   </p:defaultTextStyle>
   <p:extLst>
     <p:ext uri="{EFAFB233-063F-42B5-8137-9DF3F51BA10A}">
-      <p15:sldGuideLst xmlns:p15="http://schemas.microsoft.com/office/powerpoint/2012/main">
+      <p15:sldGuideLst xmlns="" xmlns:p15="http://schemas.microsoft.com/office/powerpoint/2012/main">
         <p15:guide id="1" orient="horz" pos="2160">
           <p15:clr>
             <a:srgbClr val="A4A3A4"/>
@@ -313,7 +313,7 @@
           <a:p>
             <a:fld id="{5BBEAD13-0566-4C6C-97E7-55F17F24B09F}" type="datetimeFigureOut">
               <a:rPr lang="zh-TW" altLang="en-US" smtClean="0"/>
-              <a:t>2021/7/26</a:t>
+              <a:t>2021/7/27</a:t>
             </a:fld>
             <a:endParaRPr lang="zh-TW" altLang="en-US"/>
           </a:p>
@@ -476,7 +476,7 @@
           <a:p>
             <a:fld id="{5BBEAD13-0566-4C6C-97E7-55F17F24B09F}" type="datetimeFigureOut">
               <a:rPr lang="zh-TW" altLang="en-US" smtClean="0"/>
-              <a:t>2021/7/26</a:t>
+              <a:t>2021/7/27</a:t>
             </a:fld>
             <a:endParaRPr lang="zh-TW" altLang="en-US"/>
           </a:p>
@@ -649,7 +649,7 @@
           <a:p>
             <a:fld id="{5BBEAD13-0566-4C6C-97E7-55F17F24B09F}" type="datetimeFigureOut">
               <a:rPr lang="zh-TW" altLang="en-US" smtClean="0"/>
-              <a:t>2021/7/26</a:t>
+              <a:t>2021/7/27</a:t>
             </a:fld>
             <a:endParaRPr lang="zh-TW" altLang="en-US"/>
           </a:p>
@@ -812,7 +812,7 @@
           <a:p>
             <a:fld id="{5BBEAD13-0566-4C6C-97E7-55F17F24B09F}" type="datetimeFigureOut">
               <a:rPr lang="zh-TW" altLang="en-US" smtClean="0"/>
-              <a:t>2021/7/26</a:t>
+              <a:t>2021/7/27</a:t>
             </a:fld>
             <a:endParaRPr lang="zh-TW" altLang="en-US"/>
           </a:p>
@@ -1052,7 +1052,7 @@
           <a:p>
             <a:fld id="{5BBEAD13-0566-4C6C-97E7-55F17F24B09F}" type="datetimeFigureOut">
               <a:rPr lang="zh-TW" altLang="en-US" smtClean="0"/>
-              <a:t>2021/7/26</a:t>
+              <a:t>2021/7/27</a:t>
             </a:fld>
             <a:endParaRPr lang="zh-TW" altLang="en-US"/>
           </a:p>
@@ -1332,7 +1332,7 @@
           <a:p>
             <a:fld id="{5BBEAD13-0566-4C6C-97E7-55F17F24B09F}" type="datetimeFigureOut">
               <a:rPr lang="zh-TW" altLang="en-US" smtClean="0"/>
-              <a:t>2021/7/26</a:t>
+              <a:t>2021/7/27</a:t>
             </a:fld>
             <a:endParaRPr lang="zh-TW" altLang="en-US"/>
           </a:p>
@@ -1746,7 +1746,7 @@
           <a:p>
             <a:fld id="{5BBEAD13-0566-4C6C-97E7-55F17F24B09F}" type="datetimeFigureOut">
               <a:rPr lang="zh-TW" altLang="en-US" smtClean="0"/>
-              <a:t>2021/7/26</a:t>
+              <a:t>2021/7/27</a:t>
             </a:fld>
             <a:endParaRPr lang="zh-TW" altLang="en-US"/>
           </a:p>
@@ -1858,7 +1858,7 @@
           <a:p>
             <a:fld id="{5BBEAD13-0566-4C6C-97E7-55F17F24B09F}" type="datetimeFigureOut">
               <a:rPr lang="zh-TW" altLang="en-US" smtClean="0"/>
-              <a:t>2021/7/26</a:t>
+              <a:t>2021/7/27</a:t>
             </a:fld>
             <a:endParaRPr lang="zh-TW" altLang="en-US"/>
           </a:p>
@@ -1948,7 +1948,7 @@
           <a:p>
             <a:fld id="{5BBEAD13-0566-4C6C-97E7-55F17F24B09F}" type="datetimeFigureOut">
               <a:rPr lang="zh-TW" altLang="en-US" smtClean="0"/>
-              <a:t>2021/7/26</a:t>
+              <a:t>2021/7/27</a:t>
             </a:fld>
             <a:endParaRPr lang="zh-TW" altLang="en-US"/>
           </a:p>
@@ -2218,7 +2218,7 @@
           <a:p>
             <a:fld id="{5BBEAD13-0566-4C6C-97E7-55F17F24B09F}" type="datetimeFigureOut">
               <a:rPr lang="zh-TW" altLang="en-US" smtClean="0"/>
-              <a:t>2021/7/26</a:t>
+              <a:t>2021/7/27</a:t>
             </a:fld>
             <a:endParaRPr lang="zh-TW" altLang="en-US"/>
           </a:p>
@@ -2465,7 +2465,7 @@
           <a:p>
             <a:fld id="{5BBEAD13-0566-4C6C-97E7-55F17F24B09F}" type="datetimeFigureOut">
               <a:rPr lang="zh-TW" altLang="en-US" smtClean="0"/>
-              <a:t>2021/7/26</a:t>
+              <a:t>2021/7/27</a:t>
             </a:fld>
             <a:endParaRPr lang="zh-TW" altLang="en-US"/>
           </a:p>
@@ -2671,7 +2671,7 @@
           <a:p>
             <a:fld id="{5BBEAD13-0566-4C6C-97E7-55F17F24B09F}" type="datetimeFigureOut">
               <a:rPr lang="zh-TW" altLang="en-US" smtClean="0"/>
-              <a:t>2021/7/26</a:t>
+              <a:t>2021/7/27</a:t>
             </a:fld>
             <a:endParaRPr lang="zh-TW" altLang="en-US"/>
           </a:p>
@@ -3541,24 +3541,24 @@
           </a:p>
           <a:p>
             <a:r>
-              <a:rPr lang="zh-TW" altLang="en-US" sz="2000" dirty="0">
+              <a:rPr lang="zh-TW" altLang="en-US" sz="2000" dirty="0" smtClean="0">
                 <a:latin typeface="Times New Roman" pitchFamily="18" charset="0"/>
                 <a:cs typeface="Times New Roman" pitchFamily="18" charset="0"/>
               </a:rPr>
               <a:t>    </a:t>
             </a:r>
             <a:r>
-              <a:rPr lang="en-US" altLang="zh-TW" sz="2000" dirty="0" err="1">
+              <a:rPr lang="en-US" altLang="zh-TW" sz="2000" dirty="0" err="1" smtClean="0">
                 <a:solidFill>
                   <a:srgbClr val="00B050"/>
                 </a:solidFill>
                 <a:latin typeface="Times New Roman" pitchFamily="18" charset="0"/>
                 <a:cs typeface="Times New Roman" pitchFamily="18" charset="0"/>
               </a:rPr>
-              <a:t>FatherElement</a:t>
-            </a:r>
-            <a:r>
-              <a:rPr lang="en-US" altLang="zh-TW" sz="2000" dirty="0" err="1">
+              <a:t>ParentElement</a:t>
+            </a:r>
+            <a:r>
+              <a:rPr lang="en-US" altLang="zh-TW" sz="2000" dirty="0" err="1" smtClean="0">
                 <a:solidFill>
                   <a:srgbClr val="FF0000"/>
                 </a:solidFill>
@@ -3568,7 +3568,7 @@
               <a:t>.appendChild</a:t>
             </a:r>
             <a:r>
-              <a:rPr lang="en-US" altLang="zh-TW" sz="2000" dirty="0">
+              <a:rPr lang="en-US" altLang="zh-TW" sz="2000" dirty="0" smtClean="0">
                 <a:solidFill>
                   <a:srgbClr val="FF0000"/>
                 </a:solidFill>
@@ -3578,7 +3578,7 @@
               <a:t>(</a:t>
             </a:r>
             <a:r>
-              <a:rPr lang="en-US" altLang="zh-TW" sz="2000" dirty="0" err="1">
+              <a:rPr lang="en-US" altLang="zh-TW" sz="2000" dirty="0" err="1" smtClean="0">
                 <a:solidFill>
                   <a:srgbClr val="00B050"/>
                 </a:solidFill>
@@ -3644,18 +3644,11 @@
               <a:t>bottom-up</a:t>
             </a:r>
             <a:r>
-              <a:rPr lang="zh-TW" altLang="en-US" sz="2000">
-                <a:latin typeface="Times New Roman" pitchFamily="18" charset="0"/>
-                <a:cs typeface="Times New Roman" pitchFamily="18" charset="0"/>
-              </a:rPr>
-              <a:t> 順序，</a:t>
-            </a:r>
-            <a:r>
-              <a:rPr lang="zh-TW" altLang="en-US" sz="2000" dirty="0">
-                <a:latin typeface="Times New Roman" pitchFamily="18" charset="0"/>
-                <a:cs typeface="Times New Roman" pitchFamily="18" charset="0"/>
-              </a:rPr>
-              <a:t>會比 </a:t>
+              <a:rPr lang="zh-TW" altLang="en-US" sz="2000" dirty="0">
+                <a:latin typeface="Times New Roman" pitchFamily="18" charset="0"/>
+                <a:cs typeface="Times New Roman" pitchFamily="18" charset="0"/>
+              </a:rPr>
+              <a:t> 順序，會比 </a:t>
             </a:r>
             <a:r>
               <a:rPr lang="en-US" altLang="zh-TW" sz="2000" dirty="0">
@@ -4090,8 +4083,104 @@
                 <a:latin typeface="Times New Roman" pitchFamily="18" charset="0"/>
                 <a:cs typeface="Times New Roman" pitchFamily="18" charset="0"/>
               </a:rPr>
-              <a:t>    &lt;/script&gt;</a:t>
-            </a:r>
+              <a:t>    &lt;/script</a:t>
+            </a:r>
+            <a:r>
+              <a:rPr lang="en-US" altLang="zh-TW" sz="2000" dirty="0" smtClean="0">
+                <a:latin typeface="Times New Roman" pitchFamily="18" charset="0"/>
+                <a:cs typeface="Times New Roman" pitchFamily="18" charset="0"/>
+              </a:rPr>
+              <a:t>&gt;</a:t>
+            </a:r>
+          </a:p>
+          <a:p>
+            <a:endParaRPr lang="en-US" altLang="zh-TW" sz="2000" dirty="0">
+              <a:latin typeface="Times New Roman" pitchFamily="18" charset="0"/>
+              <a:cs typeface="Times New Roman" pitchFamily="18" charset="0"/>
+            </a:endParaRPr>
+          </a:p>
+          <a:p>
+            <a:r>
+              <a:rPr lang="zh-TW" altLang="en-US" sz="2000" dirty="0" smtClean="0">
+                <a:latin typeface="Times New Roman" pitchFamily="18" charset="0"/>
+                <a:cs typeface="Times New Roman" pitchFamily="18" charset="0"/>
+              </a:rPr>
+              <a:t>避免事件蔓延：</a:t>
+            </a:r>
+            <a:endParaRPr lang="en-US" altLang="zh-TW" sz="2000" dirty="0">
+              <a:latin typeface="Times New Roman" pitchFamily="18" charset="0"/>
+              <a:cs typeface="Times New Roman" pitchFamily="18" charset="0"/>
+            </a:endParaRPr>
+          </a:p>
+          <a:p>
+            <a:r>
+              <a:rPr lang="en-US" altLang="zh-TW" sz="2000" dirty="0">
+                <a:latin typeface="Times New Roman" pitchFamily="18" charset="0"/>
+                <a:cs typeface="Times New Roman" pitchFamily="18" charset="0"/>
+              </a:rPr>
+              <a:t>        </a:t>
+            </a:r>
+            <a:r>
+              <a:rPr lang="en-US" altLang="zh-TW" sz="2000" dirty="0" err="1" smtClean="0">
+                <a:solidFill>
+                  <a:srgbClr val="00B050"/>
+                </a:solidFill>
+                <a:latin typeface="Times New Roman" pitchFamily="18" charset="0"/>
+                <a:cs typeface="Times New Roman" pitchFamily="18" charset="0"/>
+              </a:rPr>
+              <a:t>event</a:t>
+            </a:r>
+            <a:r>
+              <a:rPr lang="en-US" altLang="zh-TW" sz="2000" dirty="0" err="1" smtClean="0">
+                <a:solidFill>
+                  <a:srgbClr val="FF0000"/>
+                </a:solidFill>
+                <a:latin typeface="Times New Roman" pitchFamily="18" charset="0"/>
+                <a:cs typeface="Times New Roman" pitchFamily="18" charset="0"/>
+              </a:rPr>
+              <a:t>.stopPropagation</a:t>
+            </a:r>
+            <a:r>
+              <a:rPr lang="en-US" altLang="zh-TW" sz="2000" dirty="0" smtClean="0">
+                <a:solidFill>
+                  <a:srgbClr val="FF0000"/>
+                </a:solidFill>
+                <a:latin typeface="Times New Roman" pitchFamily="18" charset="0"/>
+                <a:cs typeface="Times New Roman" pitchFamily="18" charset="0"/>
+              </a:rPr>
+              <a:t>(</a:t>
+            </a:r>
+            <a:r>
+              <a:rPr lang="en-US" altLang="zh-TW" sz="2000" dirty="0" smtClean="0">
+                <a:solidFill>
+                  <a:srgbClr val="00B050"/>
+                </a:solidFill>
+                <a:latin typeface="Times New Roman" pitchFamily="18" charset="0"/>
+                <a:cs typeface="Times New Roman" pitchFamily="18" charset="0"/>
+              </a:rPr>
+              <a:t>event</a:t>
+            </a:r>
+            <a:r>
+              <a:rPr lang="en-US" altLang="zh-TW" sz="2000" dirty="0">
+                <a:solidFill>
+                  <a:srgbClr val="FF0000"/>
+                </a:solidFill>
+                <a:latin typeface="Times New Roman" pitchFamily="18" charset="0"/>
+                <a:cs typeface="Times New Roman" pitchFamily="18" charset="0"/>
+              </a:rPr>
+              <a:t>)</a:t>
+            </a:r>
+            <a:r>
+              <a:rPr lang="en-US" altLang="zh-TW" sz="2000" dirty="0">
+                <a:latin typeface="Times New Roman" pitchFamily="18" charset="0"/>
+                <a:cs typeface="Times New Roman" pitchFamily="18" charset="0"/>
+              </a:rPr>
+              <a:t>;</a:t>
+            </a:r>
+            <a:endParaRPr lang="en-US" altLang="zh-TW" sz="2000" dirty="0">
+              <a:latin typeface="Times New Roman" pitchFamily="18" charset="0"/>
+              <a:cs typeface="Times New Roman" pitchFamily="18" charset="0"/>
+            </a:endParaRPr>
           </a:p>
         </p:txBody>
       </p:sp>
@@ -4149,11 +4238,25 @@
           <a:p>
             <a:pPr algn="ctr"/>
             <a:r>
-              <a:rPr lang="en-US" altLang="zh-TW" sz="2400">
-                <a:latin typeface="Times New Roman" pitchFamily="18" charset="0"/>
-                <a:cs typeface="Times New Roman" pitchFamily="18" charset="0"/>
-              </a:rPr>
-              <a:t>Event</a:t>
+              <a:rPr lang="en-US" altLang="zh-TW" sz="2400" dirty="0" smtClean="0">
+                <a:latin typeface="Times New Roman" pitchFamily="18" charset="0"/>
+                <a:cs typeface="Times New Roman" pitchFamily="18" charset="0"/>
+              </a:rPr>
+              <a:t>JSON(JavaScript </a:t>
+            </a:r>
+            <a:r>
+              <a:rPr lang="en-US" altLang="zh-TW" sz="2400" dirty="0">
+                <a:latin typeface="Times New Roman" pitchFamily="18" charset="0"/>
+                <a:cs typeface="Times New Roman" pitchFamily="18" charset="0"/>
+              </a:rPr>
+              <a:t>Object </a:t>
+            </a:r>
+            <a:r>
+              <a:rPr lang="en-US" altLang="zh-TW" sz="2400" dirty="0" smtClean="0">
+                <a:latin typeface="Times New Roman" pitchFamily="18" charset="0"/>
+                <a:cs typeface="Times New Roman" pitchFamily="18" charset="0"/>
+              </a:rPr>
+              <a:t>Notation)</a:t>
             </a:r>
             <a:endParaRPr lang="zh-TW" altLang="en-US" sz="2400" dirty="0">
               <a:latin typeface="Times New Roman" pitchFamily="18" charset="0"/>
@@ -4186,11 +4289,11 @@
           <a:p>
             <a:pPr algn="ctr"/>
             <a:r>
-              <a:rPr lang="en-US" altLang="zh-TW" sz="1200" dirty="0">
-                <a:latin typeface="Times New Roman" pitchFamily="18" charset="0"/>
-                <a:cs typeface="Times New Roman" pitchFamily="18" charset="0"/>
-              </a:rPr>
-              <a:t>11</a:t>
+              <a:rPr lang="en-US" altLang="zh-TW" sz="1200" dirty="0" smtClean="0">
+                <a:latin typeface="Times New Roman" pitchFamily="18" charset="0"/>
+                <a:cs typeface="Times New Roman" pitchFamily="18" charset="0"/>
+              </a:rPr>
+              <a:t>12</a:t>
             </a:r>
             <a:endParaRPr lang="zh-TW" altLang="en-US" sz="1200" dirty="0">
               <a:latin typeface="Times New Roman" pitchFamily="18" charset="0"/>
@@ -4221,12 +4324,215 @@
           </a:bodyPr>
           <a:lstStyle/>
           <a:p>
+            <a:r>
+              <a:rPr lang="zh-TW" altLang="en-US" sz="2000" dirty="0" smtClean="0">
+                <a:latin typeface="Times New Roman" pitchFamily="18" charset="0"/>
+                <a:cs typeface="Times New Roman" pitchFamily="18" charset="0"/>
+              </a:rPr>
+              <a:t>是一種 </a:t>
+            </a:r>
+            <a:r>
+              <a:rPr lang="en-US" altLang="zh-TW" sz="2000" dirty="0" smtClean="0">
+                <a:latin typeface="Times New Roman" pitchFamily="18" charset="0"/>
+                <a:cs typeface="Times New Roman" pitchFamily="18" charset="0"/>
+              </a:rPr>
+              <a:t>JavaScript Object </a:t>
+            </a:r>
+            <a:r>
+              <a:rPr lang="zh-TW" altLang="en-US" sz="2000" dirty="0" smtClean="0">
+                <a:latin typeface="Times New Roman" pitchFamily="18" charset="0"/>
+                <a:cs typeface="Times New Roman" pitchFamily="18" charset="0"/>
+              </a:rPr>
+              <a:t>撰寫的風格：</a:t>
+            </a:r>
+            <a:endParaRPr lang="en-US" altLang="zh-TW" sz="2000" dirty="0" smtClean="0">
+              <a:latin typeface="Times New Roman" pitchFamily="18" charset="0"/>
+              <a:cs typeface="Times New Roman" pitchFamily="18" charset="0"/>
+            </a:endParaRPr>
+          </a:p>
+          <a:p>
+            <a:pPr marL="342900" indent="-161925">
+              <a:buFont typeface="Arial" pitchFamily="34" charset="0"/>
+              <a:buChar char="•"/>
+            </a:pPr>
+            <a:r>
+              <a:rPr lang="zh-TW" altLang="en-US" sz="2000" dirty="0" smtClean="0">
+                <a:latin typeface="Times New Roman" pitchFamily="18" charset="0"/>
+                <a:cs typeface="Times New Roman" pitchFamily="18" charset="0"/>
+              </a:rPr>
+              <a:t>內容必須是 </a:t>
+            </a:r>
+            <a:r>
+              <a:rPr lang="en-US" altLang="zh-TW" sz="2000" dirty="0" smtClean="0">
+                <a:solidFill>
+                  <a:srgbClr val="FF0000"/>
+                </a:solidFill>
+                <a:latin typeface="Times New Roman" pitchFamily="18" charset="0"/>
+                <a:cs typeface="Times New Roman" pitchFamily="18" charset="0"/>
+              </a:rPr>
+              <a:t>"key": "value"</a:t>
+            </a:r>
+            <a:r>
+              <a:rPr lang="zh-TW" altLang="en-US" sz="2000" dirty="0" smtClean="0">
+                <a:latin typeface="Times New Roman" pitchFamily="18" charset="0"/>
+                <a:cs typeface="Times New Roman" pitchFamily="18" charset="0"/>
+              </a:rPr>
+              <a:t> 格式</a:t>
+            </a:r>
+            <a:endParaRPr lang="en-US" altLang="zh-TW" sz="2000" dirty="0" smtClean="0">
+              <a:latin typeface="Times New Roman" pitchFamily="18" charset="0"/>
+              <a:cs typeface="Times New Roman" pitchFamily="18" charset="0"/>
+            </a:endParaRPr>
+          </a:p>
+          <a:p>
+            <a:pPr marL="342900" indent="-161925">
+              <a:buFont typeface="Arial" pitchFamily="34" charset="0"/>
+              <a:buChar char="•"/>
+            </a:pPr>
+            <a:r>
+              <a:rPr lang="zh-TW" altLang="en-US" sz="2000" dirty="0" smtClean="0">
+                <a:solidFill>
+                  <a:srgbClr val="FF0000"/>
+                </a:solidFill>
+                <a:latin typeface="Times New Roman" pitchFamily="18" charset="0"/>
+                <a:cs typeface="Times New Roman" pitchFamily="18" charset="0"/>
+              </a:rPr>
+              <a:t>不能有註解</a:t>
+            </a:r>
+            <a:endParaRPr lang="en-US" altLang="zh-TW" sz="2000" dirty="0" smtClean="0">
+              <a:solidFill>
+                <a:srgbClr val="FF0000"/>
+              </a:solidFill>
+              <a:latin typeface="Times New Roman" pitchFamily="18" charset="0"/>
+              <a:cs typeface="Times New Roman" pitchFamily="18" charset="0"/>
+            </a:endParaRPr>
+          </a:p>
+          <a:p>
+            <a:pPr marL="342900" indent="-161925">
+              <a:buFont typeface="Arial" pitchFamily="34" charset="0"/>
+              <a:buChar char="•"/>
+            </a:pPr>
+            <a:r>
+              <a:rPr lang="zh-TW" altLang="en-US" sz="2000" dirty="0" smtClean="0">
+                <a:latin typeface="Times New Roman" pitchFamily="18" charset="0"/>
+                <a:cs typeface="Times New Roman" pitchFamily="18" charset="0"/>
+              </a:rPr>
+              <a:t>字串不能使用單引號 </a:t>
+            </a:r>
+            <a:r>
+              <a:rPr lang="en-US" altLang="zh-TW" sz="2000" dirty="0" smtClean="0">
+                <a:latin typeface="Times New Roman" pitchFamily="18" charset="0"/>
+                <a:cs typeface="Times New Roman" pitchFamily="18" charset="0"/>
+              </a:rPr>
+              <a:t>'  '</a:t>
+            </a:r>
+            <a:r>
+              <a:rPr lang="zh-TW" altLang="en-US" sz="2000" dirty="0" smtClean="0">
+                <a:latin typeface="Times New Roman" pitchFamily="18" charset="0"/>
+                <a:cs typeface="Times New Roman" pitchFamily="18" charset="0"/>
+              </a:rPr>
+              <a:t>，一律使用</a:t>
+            </a:r>
+            <a:r>
+              <a:rPr lang="zh-TW" altLang="en-US" sz="2000" dirty="0" smtClean="0">
+                <a:solidFill>
+                  <a:srgbClr val="FF0000"/>
+                </a:solidFill>
+                <a:latin typeface="Times New Roman" pitchFamily="18" charset="0"/>
+                <a:cs typeface="Times New Roman" pitchFamily="18" charset="0"/>
+              </a:rPr>
+              <a:t>雙引號 </a:t>
+            </a:r>
+            <a:r>
+              <a:rPr lang="en-US" altLang="zh-TW" sz="2000" dirty="0" smtClean="0">
+                <a:solidFill>
+                  <a:srgbClr val="FF0000"/>
+                </a:solidFill>
+                <a:latin typeface="Times New Roman" pitchFamily="18" charset="0"/>
+                <a:cs typeface="Times New Roman" pitchFamily="18" charset="0"/>
+              </a:rPr>
+              <a:t>"  </a:t>
+            </a:r>
+            <a:r>
+              <a:rPr lang="en-US" altLang="zh-TW" sz="2000" dirty="0">
+                <a:solidFill>
+                  <a:srgbClr val="FF0000"/>
+                </a:solidFill>
+                <a:latin typeface="Times New Roman" pitchFamily="18" charset="0"/>
+                <a:cs typeface="Times New Roman" pitchFamily="18" charset="0"/>
+              </a:rPr>
+              <a:t>"</a:t>
+            </a:r>
+            <a:r>
+              <a:rPr lang="zh-TW" altLang="en-US" sz="2000" dirty="0" smtClean="0">
+                <a:latin typeface="Times New Roman" pitchFamily="18" charset="0"/>
+                <a:cs typeface="Times New Roman" pitchFamily="18" charset="0"/>
+              </a:rPr>
+              <a:t> </a:t>
+            </a:r>
             <a:endParaRPr lang="en-US" altLang="zh-TW" sz="2000" dirty="0">
               <a:latin typeface="Times New Roman" pitchFamily="18" charset="0"/>
               <a:cs typeface="Times New Roman" pitchFamily="18" charset="0"/>
             </a:endParaRPr>
           </a:p>
           <a:p>
+            <a:pPr marL="180975" indent="-180975"/>
+            <a:endParaRPr lang="en-US" altLang="zh-TW" sz="2000" dirty="0" smtClean="0">
+              <a:latin typeface="Times New Roman" pitchFamily="18" charset="0"/>
+              <a:cs typeface="Times New Roman" pitchFamily="18" charset="0"/>
+            </a:endParaRPr>
+          </a:p>
+          <a:p>
+            <a:pPr marL="180975" indent="-180975"/>
+            <a:r>
+              <a:rPr lang="zh-TW" altLang="en-US" sz="2000" dirty="0" smtClean="0">
+                <a:latin typeface="Times New Roman" pitchFamily="18" charset="0"/>
+                <a:cs typeface="Times New Roman" pitchFamily="18" charset="0"/>
+              </a:rPr>
+              <a:t>常用 </a:t>
+            </a:r>
+            <a:r>
+              <a:rPr lang="en-US" altLang="zh-TW" sz="2000" dirty="0" smtClean="0">
+                <a:latin typeface="Times New Roman" pitchFamily="18" charset="0"/>
+                <a:cs typeface="Times New Roman" pitchFamily="18" charset="0"/>
+              </a:rPr>
+              <a:t>JSON</a:t>
+            </a:r>
+            <a:r>
+              <a:rPr lang="zh-TW" altLang="en-US" sz="2000" dirty="0" smtClean="0">
+                <a:latin typeface="Times New Roman" pitchFamily="18" charset="0"/>
+                <a:cs typeface="Times New Roman" pitchFamily="18" charset="0"/>
+              </a:rPr>
+              <a:t> 物件操作：</a:t>
+            </a:r>
+            <a:endParaRPr lang="en-US" altLang="zh-TW" sz="2000" dirty="0" smtClean="0">
+              <a:latin typeface="Times New Roman" pitchFamily="18" charset="0"/>
+              <a:cs typeface="Times New Roman" pitchFamily="18" charset="0"/>
+            </a:endParaRPr>
+          </a:p>
+          <a:p>
+            <a:pPr marL="180975" indent="-180975"/>
+            <a:r>
+              <a:rPr lang="en-US" altLang="zh-TW" sz="2000" dirty="0" smtClean="0">
+                <a:latin typeface="Times New Roman" pitchFamily="18" charset="0"/>
+                <a:cs typeface="Times New Roman" pitchFamily="18" charset="0"/>
+              </a:rPr>
+              <a:t>JSON</a:t>
+            </a:r>
+            <a:r>
+              <a:rPr lang="zh-TW" altLang="en-US" sz="2000" dirty="0" smtClean="0">
+                <a:latin typeface="Times New Roman" pitchFamily="18" charset="0"/>
+                <a:cs typeface="Times New Roman" pitchFamily="18" charset="0"/>
+              </a:rPr>
+              <a:t> 物件轉字串</a:t>
+            </a:r>
+            <a:endParaRPr lang="en-US" altLang="zh-TW" sz="2000" dirty="0">
+              <a:latin typeface="Times New Roman" pitchFamily="18" charset="0"/>
+              <a:cs typeface="Times New Roman" pitchFamily="18" charset="0"/>
+            </a:endParaRPr>
+          </a:p>
+          <a:p>
+            <a:pPr marL="180975" indent="-180975"/>
             <a:r>
               <a:rPr lang="en-US" altLang="zh-TW" sz="2000" dirty="0">
                 <a:latin typeface="Times New Roman" pitchFamily="18" charset="0"/>
@@ -4239,7 +4545,14 @@
                 <a:latin typeface="Times New Roman" pitchFamily="18" charset="0"/>
                 <a:cs typeface="Times New Roman" pitchFamily="18" charset="0"/>
               </a:rPr>
-              <a:t>Element</a:t>
+              <a:t>json_string</a:t>
+            </a:r>
+            <a:r>
+              <a:rPr lang="en-US" altLang="zh-TW" sz="2000" dirty="0">
+                <a:latin typeface="Times New Roman" pitchFamily="18" charset="0"/>
+                <a:cs typeface="Times New Roman" pitchFamily="18" charset="0"/>
+              </a:rPr>
+              <a:t> = </a:t>
             </a:r>
             <a:r>
               <a:rPr lang="en-US" altLang="zh-TW" sz="2000" dirty="0" err="1">
@@ -4249,7 +4562,7 @@
                 <a:latin typeface="Times New Roman" pitchFamily="18" charset="0"/>
                 <a:cs typeface="Times New Roman" pitchFamily="18" charset="0"/>
               </a:rPr>
-              <a:t>.addEventListener</a:t>
+              <a:t>JSON.stringify</a:t>
             </a:r>
             <a:r>
               <a:rPr lang="en-US" altLang="zh-TW" sz="2000" dirty="0">
@@ -4259,7 +4572,7 @@
                 <a:latin typeface="Times New Roman" pitchFamily="18" charset="0"/>
                 <a:cs typeface="Times New Roman" pitchFamily="18" charset="0"/>
               </a:rPr>
-              <a:t>("click", </a:t>
+              <a:t>(</a:t>
             </a:r>
             <a:r>
               <a:rPr lang="en-US" altLang="zh-TW" sz="2000" dirty="0" err="1">
@@ -4269,10 +4582,10 @@
                 <a:latin typeface="Times New Roman" pitchFamily="18" charset="0"/>
                 <a:cs typeface="Times New Roman" pitchFamily="18" charset="0"/>
               </a:rPr>
-              <a:t>FunctionName</a:t>
-            </a:r>
-            <a:r>
-              <a:rPr lang="en-US" altLang="zh-TW" sz="2000" dirty="0">
+              <a:t>json_object</a:t>
+            </a:r>
+            <a:r>
+              <a:rPr lang="en-US" altLang="zh-TW" sz="2000" dirty="0" smtClean="0">
                 <a:solidFill>
                   <a:srgbClr val="FF0000"/>
                 </a:solidFill>
@@ -4282,12 +4595,180 @@
               <a:t>)</a:t>
             </a:r>
             <a:r>
-              <a:rPr lang="en-US" altLang="zh-TW" sz="2000" dirty="0">
+              <a:rPr lang="en-US" altLang="zh-TW" sz="2000" dirty="0" smtClean="0">
                 <a:latin typeface="Times New Roman" pitchFamily="18" charset="0"/>
                 <a:cs typeface="Times New Roman" pitchFamily="18" charset="0"/>
               </a:rPr>
               <a:t>;</a:t>
             </a:r>
+          </a:p>
+          <a:p>
+            <a:pPr marL="180975" indent="-180975"/>
+            <a:r>
+              <a:rPr lang="zh-TW" altLang="en-US" sz="2000" dirty="0" smtClean="0">
+                <a:latin typeface="Times New Roman" pitchFamily="18" charset="0"/>
+                <a:cs typeface="Times New Roman" pitchFamily="18" charset="0"/>
+              </a:rPr>
+              <a:t>字串轉</a:t>
+            </a:r>
+            <a:r>
+              <a:rPr lang="en-US" altLang="zh-TW" sz="2000" dirty="0">
+                <a:latin typeface="Times New Roman" pitchFamily="18" charset="0"/>
+                <a:cs typeface="Times New Roman" pitchFamily="18" charset="0"/>
+              </a:rPr>
+              <a:t>JSON</a:t>
+            </a:r>
+            <a:r>
+              <a:rPr lang="zh-TW" altLang="en-US" sz="2000" dirty="0">
+                <a:latin typeface="Times New Roman" pitchFamily="18" charset="0"/>
+                <a:cs typeface="Times New Roman" pitchFamily="18" charset="0"/>
+              </a:rPr>
+              <a:t> </a:t>
+            </a:r>
+            <a:r>
+              <a:rPr lang="zh-TW" altLang="en-US" sz="2000" dirty="0" smtClean="0">
+                <a:latin typeface="Times New Roman" pitchFamily="18" charset="0"/>
+                <a:cs typeface="Times New Roman" pitchFamily="18" charset="0"/>
+              </a:rPr>
+              <a:t>物件</a:t>
+            </a:r>
+            <a:endParaRPr lang="en-US" altLang="zh-TW" sz="2000" dirty="0">
+              <a:latin typeface="Times New Roman" pitchFamily="18" charset="0"/>
+              <a:cs typeface="Times New Roman" pitchFamily="18" charset="0"/>
+            </a:endParaRPr>
+          </a:p>
+          <a:p>
+            <a:pPr marL="180975" indent="-180975"/>
+            <a:r>
+              <a:rPr lang="en-US" altLang="zh-TW" sz="2000" dirty="0">
+                <a:latin typeface="Times New Roman" pitchFamily="18" charset="0"/>
+                <a:cs typeface="Times New Roman" pitchFamily="18" charset="0"/>
+              </a:rPr>
+              <a:t>        </a:t>
+            </a:r>
+            <a:r>
+              <a:rPr lang="en-US" altLang="zh-TW" sz="2000" dirty="0" err="1">
+                <a:latin typeface="Times New Roman" pitchFamily="18" charset="0"/>
+                <a:cs typeface="Times New Roman" pitchFamily="18" charset="0"/>
+              </a:rPr>
+              <a:t>json_object</a:t>
+            </a:r>
+            <a:r>
+              <a:rPr lang="en-US" altLang="zh-TW" sz="2000" dirty="0">
+                <a:latin typeface="Times New Roman" pitchFamily="18" charset="0"/>
+                <a:cs typeface="Times New Roman" pitchFamily="18" charset="0"/>
+              </a:rPr>
+              <a:t> = </a:t>
+            </a:r>
+            <a:r>
+              <a:rPr lang="en-US" altLang="zh-TW" sz="2000" dirty="0" err="1">
+                <a:solidFill>
+                  <a:srgbClr val="FF0000"/>
+                </a:solidFill>
+                <a:latin typeface="Times New Roman" pitchFamily="18" charset="0"/>
+                <a:cs typeface="Times New Roman" pitchFamily="18" charset="0"/>
+              </a:rPr>
+              <a:t>JSON.parse</a:t>
+            </a:r>
+            <a:r>
+              <a:rPr lang="en-US" altLang="zh-TW" sz="2000" dirty="0">
+                <a:solidFill>
+                  <a:srgbClr val="FF0000"/>
+                </a:solidFill>
+                <a:latin typeface="Times New Roman" pitchFamily="18" charset="0"/>
+                <a:cs typeface="Times New Roman" pitchFamily="18" charset="0"/>
+              </a:rPr>
+              <a:t>(</a:t>
+            </a:r>
+            <a:r>
+              <a:rPr lang="en-US" altLang="zh-TW" sz="2000" dirty="0" err="1">
+                <a:solidFill>
+                  <a:srgbClr val="00B050"/>
+                </a:solidFill>
+                <a:latin typeface="Times New Roman" pitchFamily="18" charset="0"/>
+                <a:cs typeface="Times New Roman" pitchFamily="18" charset="0"/>
+              </a:rPr>
+              <a:t>json_string</a:t>
+            </a:r>
+            <a:r>
+              <a:rPr lang="en-US" altLang="zh-TW" sz="2000" dirty="0" smtClean="0">
+                <a:solidFill>
+                  <a:srgbClr val="FF0000"/>
+                </a:solidFill>
+                <a:latin typeface="Times New Roman" pitchFamily="18" charset="0"/>
+                <a:cs typeface="Times New Roman" pitchFamily="18" charset="0"/>
+              </a:rPr>
+              <a:t>)</a:t>
+            </a:r>
+            <a:r>
+              <a:rPr lang="en-US" altLang="zh-TW" sz="2000" dirty="0" smtClean="0">
+                <a:latin typeface="Times New Roman" pitchFamily="18" charset="0"/>
+                <a:cs typeface="Times New Roman" pitchFamily="18" charset="0"/>
+              </a:rPr>
+              <a:t>;</a:t>
+            </a:r>
+          </a:p>
+          <a:p>
+            <a:pPr marL="180975" indent="-180975"/>
+            <a:endParaRPr lang="en-US" altLang="zh-TW" sz="2000" dirty="0">
+              <a:latin typeface="Times New Roman" pitchFamily="18" charset="0"/>
+              <a:cs typeface="Times New Roman" pitchFamily="18" charset="0"/>
+            </a:endParaRPr>
+          </a:p>
+          <a:p>
+            <a:pPr marL="180975" indent="-180975"/>
+            <a:r>
+              <a:rPr lang="en-US" altLang="zh-TW" sz="2000" dirty="0" smtClean="0">
+                <a:latin typeface="Times New Roman" pitchFamily="18" charset="0"/>
+                <a:cs typeface="Times New Roman" pitchFamily="18" charset="0"/>
+              </a:rPr>
+              <a:t>JSON</a:t>
+            </a:r>
+            <a:r>
+              <a:rPr lang="zh-TW" altLang="en-US" sz="2000" dirty="0" smtClean="0">
+                <a:latin typeface="Times New Roman" pitchFamily="18" charset="0"/>
+                <a:cs typeface="Times New Roman" pitchFamily="18" charset="0"/>
+              </a:rPr>
+              <a:t> 可以單獨寫成 </a:t>
+            </a:r>
+            <a:r>
+              <a:rPr lang="en-US" altLang="zh-TW" sz="2000" dirty="0" smtClean="0">
+                <a:latin typeface="Times New Roman" pitchFamily="18" charset="0"/>
+                <a:cs typeface="Times New Roman" pitchFamily="18" charset="0"/>
+              </a:rPr>
+              <a:t>.</a:t>
+            </a:r>
+            <a:r>
+              <a:rPr lang="en-US" altLang="zh-TW" sz="2000" dirty="0" err="1" smtClean="0">
+                <a:latin typeface="Times New Roman" pitchFamily="18" charset="0"/>
+                <a:cs typeface="Times New Roman" pitchFamily="18" charset="0"/>
+              </a:rPr>
+              <a:t>json</a:t>
+            </a:r>
+            <a:r>
+              <a:rPr lang="en-US" altLang="zh-TW" sz="2000" dirty="0" smtClean="0">
+                <a:latin typeface="Times New Roman" pitchFamily="18" charset="0"/>
+                <a:cs typeface="Times New Roman" pitchFamily="18" charset="0"/>
+              </a:rPr>
+              <a:t> </a:t>
+            </a:r>
+            <a:r>
+              <a:rPr lang="zh-TW" altLang="en-US" sz="2000" dirty="0" smtClean="0">
+                <a:latin typeface="Times New Roman" pitchFamily="18" charset="0"/>
+                <a:cs typeface="Times New Roman" pitchFamily="18" charset="0"/>
+              </a:rPr>
+              <a:t>檔案</a:t>
+            </a:r>
+            <a:endParaRPr lang="en-US" altLang="zh-TW" sz="2000" dirty="0" smtClean="0">
+              <a:latin typeface="Times New Roman" pitchFamily="18" charset="0"/>
+              <a:cs typeface="Times New Roman" pitchFamily="18" charset="0"/>
+            </a:endParaRPr>
+          </a:p>
+          <a:p>
+            <a:endParaRPr lang="en-US" altLang="zh-TW" sz="2000" dirty="0">
+              <a:latin typeface="Times New Roman" pitchFamily="18" charset="0"/>
+              <a:cs typeface="Times New Roman" pitchFamily="18" charset="0"/>
+            </a:endParaRPr>
           </a:p>
         </p:txBody>
       </p:sp>
@@ -4972,18 +5453,25 @@
               <a:t>，這是 </a:t>
             </a:r>
             <a:r>
-              <a:rPr lang="en-US" altLang="zh-TW" sz="2000" dirty="0">
-                <a:latin typeface="Times New Roman" pitchFamily="18" charset="0"/>
-                <a:cs typeface="Times New Roman" pitchFamily="18" charset="0"/>
-              </a:rPr>
-              <a:t>ES5</a:t>
-            </a:r>
-            <a:r>
-              <a:rPr lang="zh-TW" altLang="en-US" sz="2000" dirty="0">
-                <a:latin typeface="Times New Roman" pitchFamily="18" charset="0"/>
-                <a:cs typeface="Times New Roman" pitchFamily="18" charset="0"/>
-              </a:rPr>
-              <a:t> 後最佳的方式</a:t>
+              <a:rPr lang="en-US" altLang="zh-TW" sz="2000" dirty="0" smtClean="0">
+                <a:latin typeface="Times New Roman" pitchFamily="18" charset="0"/>
+                <a:cs typeface="Times New Roman" pitchFamily="18" charset="0"/>
+              </a:rPr>
+              <a:t>ES6</a:t>
+            </a:r>
+            <a:r>
+              <a:rPr lang="zh-TW" altLang="en-US" sz="2000" dirty="0" smtClean="0">
+                <a:latin typeface="Times New Roman" pitchFamily="18" charset="0"/>
+                <a:cs typeface="Times New Roman" pitchFamily="18" charset="0"/>
+              </a:rPr>
+              <a:t> </a:t>
+            </a:r>
+            <a:r>
+              <a:rPr lang="zh-TW" altLang="en-US" sz="2000" dirty="0">
+                <a:latin typeface="Times New Roman" pitchFamily="18" charset="0"/>
+                <a:cs typeface="Times New Roman" pitchFamily="18" charset="0"/>
+              </a:rPr>
+              <a:t>後最佳的方式</a:t>
             </a:r>
             <a:endParaRPr lang="en-US" altLang="zh-TW" sz="2000" dirty="0">
               <a:latin typeface="Times New Roman" pitchFamily="18" charset="0"/>
@@ -5065,7 +5553,7 @@
               <a:t>會報錯誤 </a:t>
             </a:r>
             <a:r>
-              <a:rPr lang="en-US" altLang="zh-TW" sz="2000" dirty="0" err="1">
+              <a:rPr lang="en-US" altLang="zh-TW" sz="2000" dirty="0" err="1" smtClean="0">
                 <a:solidFill>
                   <a:srgbClr val="FF0000"/>
                 </a:solidFill>
@@ -5073,6 +5561,27 @@
                 <a:cs typeface="Times New Roman" pitchFamily="18" charset="0"/>
               </a:rPr>
               <a:t>ReferenceError</a:t>
+            </a:r>
+            <a:r>
+              <a:rPr lang="zh-TW" altLang="en-US" sz="2000" dirty="0" smtClean="0">
+                <a:latin typeface="Times New Roman" pitchFamily="18" charset="0"/>
+                <a:cs typeface="Times New Roman" pitchFamily="18" charset="0"/>
+              </a:rPr>
+              <a:t>，且 </a:t>
+            </a:r>
+            <a:r>
+              <a:rPr lang="en-US" altLang="zh-TW" sz="2000" dirty="0" smtClean="0">
+                <a:latin typeface="Times New Roman" pitchFamily="18" charset="0"/>
+                <a:cs typeface="Times New Roman" pitchFamily="18" charset="0"/>
+              </a:rPr>
+              <a:t>let </a:t>
+            </a:r>
+            <a:r>
+              <a:rPr lang="zh-TW" altLang="en-US" sz="2000" dirty="0" smtClean="0">
+                <a:latin typeface="Times New Roman" pitchFamily="18" charset="0"/>
+                <a:cs typeface="Times New Roman" pitchFamily="18" charset="0"/>
+              </a:rPr>
+              <a:t>不可以重複宣告</a:t>
             </a:r>
             <a:endParaRPr lang="en-US" altLang="zh-TW" sz="2000" dirty="0">
               <a:latin typeface="Times New Roman" pitchFamily="18" charset="0"/>

--- a/動態網頁.pptx
+++ b/動態網頁.pptx
@@ -17,6 +17,7 @@
     <p:sldId id="265" r:id="rId11"/>
     <p:sldId id="266" r:id="rId12"/>
     <p:sldId id="267" r:id="rId13"/>
+    <p:sldId id="268" r:id="rId14"/>
   </p:sldIdLst>
   <p:sldSz cx="9144000" cy="6858000" type="screen4x3"/>
   <p:notesSz cx="6858000" cy="9144000"/>
@@ -117,7 +118,7 @@
   </p:defaultTextStyle>
   <p:extLst>
     <p:ext uri="{EFAFB233-063F-42B5-8137-9DF3F51BA10A}">
-      <p15:sldGuideLst xmlns="" xmlns:p15="http://schemas.microsoft.com/office/powerpoint/2012/main">
+      <p15:sldGuideLst xmlns:p15="http://schemas.microsoft.com/office/powerpoint/2012/main" xmlns="">
         <p15:guide id="1" orient="horz" pos="2160">
           <p15:clr>
             <a:srgbClr val="A4A3A4"/>
@@ -3507,6 +3508,27 @@
             </a:r>
           </a:p>
           <a:p>
+            <a:r>
+              <a:rPr lang="zh-TW" altLang="en-US" sz="2000" dirty="0" smtClean="0">
+                <a:latin typeface="Times New Roman" pitchFamily="18" charset="0"/>
+                <a:cs typeface="Times New Roman" pitchFamily="18" charset="0"/>
+              </a:rPr>
+              <a:t>新增 </a:t>
+            </a:r>
+            <a:r>
+              <a:rPr lang="en-US" altLang="zh-TW" sz="2000" dirty="0">
+                <a:latin typeface="Times New Roman" pitchFamily="18" charset="0"/>
+                <a:cs typeface="Times New Roman" pitchFamily="18" charset="0"/>
+              </a:rPr>
+              <a:t>Child Element</a:t>
+            </a:r>
+            <a:r>
+              <a:rPr lang="zh-TW" altLang="en-US" sz="2000" dirty="0">
+                <a:latin typeface="Times New Roman" pitchFamily="18" charset="0"/>
+                <a:cs typeface="Times New Roman" pitchFamily="18" charset="0"/>
+              </a:rPr>
+              <a:t>：</a:t>
+            </a:r>
             <a:endParaRPr lang="en-US" altLang="zh-TW" sz="2000" dirty="0">
               <a:latin typeface="Times New Roman" pitchFamily="18" charset="0"/>
               <a:cs typeface="Times New Roman" pitchFamily="18" charset="0"/>
@@ -3514,6 +3536,72 @@
           </a:p>
           <a:p>
             <a:r>
+              <a:rPr lang="zh-TW" altLang="en-US" sz="2000" dirty="0" smtClean="0">
+                <a:latin typeface="Times New Roman" pitchFamily="18" charset="0"/>
+                <a:cs typeface="Times New Roman" pitchFamily="18" charset="0"/>
+              </a:rPr>
+              <a:t>    </a:t>
+            </a:r>
+            <a:r>
+              <a:rPr lang="en-US" altLang="zh-TW" sz="2000" dirty="0" err="1" smtClean="0">
+                <a:solidFill>
+                  <a:srgbClr val="00B050"/>
+                </a:solidFill>
+                <a:latin typeface="Times New Roman" pitchFamily="18" charset="0"/>
+                <a:cs typeface="Times New Roman" pitchFamily="18" charset="0"/>
+              </a:rPr>
+              <a:t>ParentElement</a:t>
+            </a:r>
+            <a:r>
+              <a:rPr lang="en-US" altLang="zh-TW" sz="2000" dirty="0" err="1" smtClean="0">
+                <a:solidFill>
+                  <a:srgbClr val="FF0000"/>
+                </a:solidFill>
+                <a:latin typeface="Times New Roman" pitchFamily="18" charset="0"/>
+                <a:cs typeface="Times New Roman" pitchFamily="18" charset="0"/>
+              </a:rPr>
+              <a:t>.appendChild</a:t>
+            </a:r>
+            <a:r>
+              <a:rPr lang="en-US" altLang="zh-TW" sz="2000" dirty="0" smtClean="0">
+                <a:solidFill>
+                  <a:srgbClr val="FF0000"/>
+                </a:solidFill>
+                <a:latin typeface="Times New Roman" pitchFamily="18" charset="0"/>
+                <a:cs typeface="Times New Roman" pitchFamily="18" charset="0"/>
+              </a:rPr>
+              <a:t>(</a:t>
+            </a:r>
+            <a:r>
+              <a:rPr lang="en-US" altLang="zh-TW" sz="2000" dirty="0" err="1" smtClean="0">
+                <a:solidFill>
+                  <a:srgbClr val="00B050"/>
+                </a:solidFill>
+                <a:latin typeface="Times New Roman" pitchFamily="18" charset="0"/>
+                <a:cs typeface="Times New Roman" pitchFamily="18" charset="0"/>
+              </a:rPr>
+              <a:t>ChildElement</a:t>
+            </a:r>
+            <a:r>
+              <a:rPr lang="en-US" altLang="zh-TW" sz="2000" dirty="0">
+                <a:solidFill>
+                  <a:srgbClr val="FF0000"/>
+                </a:solidFill>
+                <a:latin typeface="Times New Roman" pitchFamily="18" charset="0"/>
+                <a:cs typeface="Times New Roman" pitchFamily="18" charset="0"/>
+              </a:rPr>
+              <a:t>);</a:t>
+            </a:r>
+          </a:p>
+          <a:p>
+            <a:r>
+              <a:rPr lang="en-US" altLang="zh-TW" sz="2000" dirty="0" smtClean="0">
+                <a:latin typeface="Times New Roman" pitchFamily="18" charset="0"/>
+                <a:cs typeface="Times New Roman" pitchFamily="18" charset="0"/>
+              </a:rPr>
+              <a:t>※</a:t>
+            </a:r>
+            <a:r>
               <a:rPr lang="zh-TW" altLang="en-US" sz="2000" dirty="0">
                 <a:latin typeface="Times New Roman" pitchFamily="18" charset="0"/>
                 <a:cs typeface="Times New Roman" pitchFamily="18" charset="0"/>
@@ -3525,10 +3613,71 @@
                 <a:latin typeface="Times New Roman" pitchFamily="18" charset="0"/>
                 <a:cs typeface="Times New Roman" pitchFamily="18" charset="0"/>
               </a:rPr>
-              <a:t>Child Element</a:t>
-            </a:r>
-            <a:r>
-              <a:rPr lang="zh-TW" altLang="en-US" sz="2000" dirty="0">
+              <a:t>Element </a:t>
+            </a:r>
+            <a:r>
+              <a:rPr lang="zh-TW" altLang="en-US" sz="2000" dirty="0">
+                <a:latin typeface="Times New Roman" pitchFamily="18" charset="0"/>
+                <a:cs typeface="Times New Roman" pitchFamily="18" charset="0"/>
+              </a:rPr>
+              <a:t>建議用 </a:t>
+            </a:r>
+            <a:r>
+              <a:rPr lang="en-US" altLang="zh-TW" sz="2000" dirty="0">
+                <a:latin typeface="Times New Roman" pitchFamily="18" charset="0"/>
+                <a:cs typeface="Times New Roman" pitchFamily="18" charset="0"/>
+              </a:rPr>
+              <a:t>bottom-up</a:t>
+            </a:r>
+            <a:r>
+              <a:rPr lang="zh-TW" altLang="en-US" sz="2000" dirty="0">
+                <a:latin typeface="Times New Roman" pitchFamily="18" charset="0"/>
+                <a:cs typeface="Times New Roman" pitchFamily="18" charset="0"/>
+              </a:rPr>
+              <a:t> 順序，會比 </a:t>
+            </a:r>
+            <a:r>
+              <a:rPr lang="en-US" altLang="zh-TW" sz="2000" dirty="0">
+                <a:latin typeface="Times New Roman" pitchFamily="18" charset="0"/>
+                <a:cs typeface="Times New Roman" pitchFamily="18" charset="0"/>
+              </a:rPr>
+              <a:t>top-down </a:t>
+            </a:r>
+            <a:r>
+              <a:rPr lang="zh-TW" altLang="en-US" sz="2000" dirty="0">
+                <a:latin typeface="Times New Roman" pitchFamily="18" charset="0"/>
+                <a:cs typeface="Times New Roman" pitchFamily="18" charset="0"/>
+              </a:rPr>
+              <a:t>來的容易</a:t>
+            </a:r>
+            <a:r>
+              <a:rPr lang="zh-TW" altLang="en-US" sz="2000" dirty="0" smtClean="0">
+                <a:latin typeface="Times New Roman" pitchFamily="18" charset="0"/>
+                <a:cs typeface="Times New Roman" pitchFamily="18" charset="0"/>
+              </a:rPr>
+              <a:t>理解</a:t>
+            </a:r>
+            <a:endParaRPr lang="en-US" altLang="zh-TW" sz="2000" dirty="0" smtClean="0">
+              <a:latin typeface="Times New Roman" pitchFamily="18" charset="0"/>
+              <a:cs typeface="Times New Roman" pitchFamily="18" charset="0"/>
+            </a:endParaRPr>
+          </a:p>
+          <a:p>
+            <a:endParaRPr lang="en-US" altLang="zh-TW" sz="2000" dirty="0">
+              <a:latin typeface="Times New Roman" pitchFamily="18" charset="0"/>
+              <a:cs typeface="Times New Roman" pitchFamily="18" charset="0"/>
+            </a:endParaRPr>
+          </a:p>
+          <a:p>
+            <a:r>
+              <a:rPr lang="en-US" altLang="zh-TW" sz="2000" dirty="0" smtClean="0">
+                <a:latin typeface="Times New Roman" pitchFamily="18" charset="0"/>
+                <a:cs typeface="Times New Roman" pitchFamily="18" charset="0"/>
+              </a:rPr>
+              <a:t>Element Attribute</a:t>
+            </a:r>
+            <a:r>
+              <a:rPr lang="zh-TW" altLang="en-US" sz="2000" dirty="0" smtClean="0">
                 <a:latin typeface="Times New Roman" pitchFamily="18" charset="0"/>
                 <a:cs typeface="Times New Roman" pitchFamily="18" charset="0"/>
               </a:rPr>
@@ -3541,64 +3690,79 @@
           </a:p>
           <a:p>
             <a:r>
+              <a:rPr lang="en-US" altLang="zh-TW" sz="2000" dirty="0">
+                <a:latin typeface="Times New Roman" pitchFamily="18" charset="0"/>
+                <a:cs typeface="Times New Roman" pitchFamily="18" charset="0"/>
+              </a:rPr>
+              <a:t>        </a:t>
+            </a:r>
+            <a:r>
+              <a:rPr lang="en-US" altLang="zh-TW" sz="2000" dirty="0" err="1" smtClean="0">
+                <a:latin typeface="Times New Roman" pitchFamily="18" charset="0"/>
+                <a:cs typeface="Times New Roman" pitchFamily="18" charset="0"/>
+              </a:rPr>
+              <a:t>Element</a:t>
+            </a:r>
+            <a:r>
+              <a:rPr lang="en-US" altLang="zh-TW" sz="2000" dirty="0" err="1" smtClean="0">
+                <a:solidFill>
+                  <a:srgbClr val="FF0000"/>
+                </a:solidFill>
+                <a:latin typeface="Times New Roman" pitchFamily="18" charset="0"/>
+                <a:cs typeface="Times New Roman" pitchFamily="18" charset="0"/>
+              </a:rPr>
+              <a:t>.getAttribute</a:t>
+            </a:r>
+            <a:r>
+              <a:rPr lang="en-US" altLang="zh-TW" sz="2000" dirty="0" smtClean="0">
+                <a:solidFill>
+                  <a:srgbClr val="FF0000"/>
+                </a:solidFill>
+                <a:latin typeface="Times New Roman" pitchFamily="18" charset="0"/>
+                <a:cs typeface="Times New Roman" pitchFamily="18" charset="0"/>
+              </a:rPr>
+              <a:t>(</a:t>
+            </a:r>
+            <a:r>
+              <a:rPr lang="en-US" altLang="zh-TW" sz="2000" dirty="0" smtClean="0">
+                <a:solidFill>
+                  <a:srgbClr val="00B050"/>
+                </a:solidFill>
+                <a:latin typeface="Times New Roman" pitchFamily="18" charset="0"/>
+                <a:cs typeface="Times New Roman" pitchFamily="18" charset="0"/>
+              </a:rPr>
+              <a:t>"Attribute </a:t>
+            </a:r>
+            <a:r>
               <a:rPr lang="zh-TW" altLang="en-US" sz="2000" dirty="0" smtClean="0">
-                <a:latin typeface="Times New Roman" pitchFamily="18" charset="0"/>
-                <a:cs typeface="Times New Roman" pitchFamily="18" charset="0"/>
-              </a:rPr>
-              <a:t>    </a:t>
-            </a:r>
-            <a:r>
-              <a:rPr lang="en-US" altLang="zh-TW" sz="2000" dirty="0" err="1" smtClean="0">
                 <a:solidFill>
                   <a:srgbClr val="00B050"/>
                 </a:solidFill>
                 <a:latin typeface="Times New Roman" pitchFamily="18" charset="0"/>
                 <a:cs typeface="Times New Roman" pitchFamily="18" charset="0"/>
               </a:rPr>
-              <a:t>ParentElement</a:t>
-            </a:r>
-            <a:r>
-              <a:rPr lang="en-US" altLang="zh-TW" sz="2000" dirty="0" err="1" smtClean="0">
+              <a:t>名稱</a:t>
+            </a:r>
+            <a:r>
+              <a:rPr lang="en-US" altLang="zh-TW" sz="2000" dirty="0" smtClean="0">
+                <a:solidFill>
+                  <a:srgbClr val="00B050"/>
+                </a:solidFill>
+                <a:latin typeface="Times New Roman" pitchFamily="18" charset="0"/>
+                <a:cs typeface="Times New Roman" pitchFamily="18" charset="0"/>
+              </a:rPr>
+              <a:t>"</a:t>
+            </a:r>
+            <a:r>
+              <a:rPr lang="en-US" altLang="zh-TW" sz="2000" dirty="0" smtClean="0">
                 <a:solidFill>
                   <a:srgbClr val="FF0000"/>
                 </a:solidFill>
                 <a:latin typeface="Times New Roman" pitchFamily="18" charset="0"/>
                 <a:cs typeface="Times New Roman" pitchFamily="18" charset="0"/>
               </a:rPr>
-              <a:t>.appendChild</a:t>
-            </a:r>
-            <a:r>
-              <a:rPr lang="en-US" altLang="zh-TW" sz="2000" dirty="0" smtClean="0">
-                <a:solidFill>
-                  <a:srgbClr val="FF0000"/>
-                </a:solidFill>
-                <a:latin typeface="Times New Roman" pitchFamily="18" charset="0"/>
-                <a:cs typeface="Times New Roman" pitchFamily="18" charset="0"/>
-              </a:rPr>
-              <a:t>(</a:t>
-            </a:r>
-            <a:r>
-              <a:rPr lang="en-US" altLang="zh-TW" sz="2000" dirty="0" err="1" smtClean="0">
-                <a:solidFill>
-                  <a:srgbClr val="00B050"/>
-                </a:solidFill>
-                <a:latin typeface="Times New Roman" pitchFamily="18" charset="0"/>
-                <a:cs typeface="Times New Roman" pitchFamily="18" charset="0"/>
-              </a:rPr>
-              <a:t>ChildElement</a:t>
-            </a:r>
-            <a:r>
-              <a:rPr lang="en-US" altLang="zh-TW" sz="2000" dirty="0">
-                <a:solidFill>
-                  <a:srgbClr val="FF0000"/>
-                </a:solidFill>
-                <a:latin typeface="Times New Roman" pitchFamily="18" charset="0"/>
-                <a:cs typeface="Times New Roman" pitchFamily="18" charset="0"/>
-              </a:rPr>
               <a:t>);</a:t>
             </a:r>
-          </a:p>
-          <a:p>
             <a:endParaRPr lang="en-US" altLang="zh-TW" sz="2000" dirty="0">
               <a:solidFill>
                 <a:srgbClr val="FF0000"/>
@@ -3610,61 +3774,184 @@
           <a:p>
             <a:r>
               <a:rPr lang="en-US" altLang="zh-TW" sz="2000" dirty="0">
-                <a:latin typeface="Times New Roman" pitchFamily="18" charset="0"/>
-                <a:cs typeface="Times New Roman" pitchFamily="18" charset="0"/>
-              </a:rPr>
-              <a:t>※</a:t>
-            </a:r>
-            <a:r>
-              <a:rPr lang="zh-TW" altLang="en-US" sz="2000" dirty="0">
-                <a:latin typeface="Times New Roman" pitchFamily="18" charset="0"/>
-                <a:cs typeface="Times New Roman" pitchFamily="18" charset="0"/>
-              </a:rPr>
-              <a:t>新增 </a:t>
-            </a:r>
-            <a:r>
-              <a:rPr lang="en-US" altLang="zh-TW" sz="2000" dirty="0">
-                <a:latin typeface="Times New Roman" pitchFamily="18" charset="0"/>
-                <a:cs typeface="Times New Roman" pitchFamily="18" charset="0"/>
-              </a:rPr>
-              <a:t>Element </a:t>
-            </a:r>
-            <a:r>
-              <a:rPr lang="zh-TW" altLang="en-US" sz="2000" dirty="0">
-                <a:latin typeface="Times New Roman" pitchFamily="18" charset="0"/>
-                <a:cs typeface="Times New Roman" pitchFamily="18" charset="0"/>
-              </a:rPr>
-              <a:t>建議用 </a:t>
-            </a:r>
-            <a:r>
-              <a:rPr lang="en-US" altLang="zh-TW" sz="2000" dirty="0">
-                <a:latin typeface="Times New Roman" pitchFamily="18" charset="0"/>
-                <a:cs typeface="Times New Roman" pitchFamily="18" charset="0"/>
-              </a:rPr>
-              <a:t>bottom-up</a:t>
-            </a:r>
-            <a:r>
-              <a:rPr lang="zh-TW" altLang="en-US" sz="2000" dirty="0">
-                <a:latin typeface="Times New Roman" pitchFamily="18" charset="0"/>
-                <a:cs typeface="Times New Roman" pitchFamily="18" charset="0"/>
-              </a:rPr>
-              <a:t> 順序，會比 </a:t>
-            </a:r>
-            <a:r>
-              <a:rPr lang="en-US" altLang="zh-TW" sz="2000" dirty="0">
-                <a:latin typeface="Times New Roman" pitchFamily="18" charset="0"/>
-                <a:cs typeface="Times New Roman" pitchFamily="18" charset="0"/>
-              </a:rPr>
-              <a:t>top-down </a:t>
-            </a:r>
-            <a:r>
-              <a:rPr lang="zh-TW" altLang="en-US" sz="2000" dirty="0">
-                <a:latin typeface="Times New Roman" pitchFamily="18" charset="0"/>
-                <a:cs typeface="Times New Roman" pitchFamily="18" charset="0"/>
-              </a:rPr>
-              <a:t>來的容易理解</a:t>
+                <a:solidFill>
+                  <a:srgbClr val="FF0000"/>
+                </a:solidFill>
+                <a:latin typeface="Times New Roman" pitchFamily="18" charset="0"/>
+                <a:cs typeface="Times New Roman" pitchFamily="18" charset="0"/>
+              </a:rPr>
+              <a:t>        </a:t>
+            </a:r>
+            <a:r>
+              <a:rPr lang="en-US" altLang="zh-TW" sz="2000" dirty="0" err="1" smtClean="0">
+                <a:latin typeface="Times New Roman" pitchFamily="18" charset="0"/>
+                <a:cs typeface="Times New Roman" pitchFamily="18" charset="0"/>
+              </a:rPr>
+              <a:t>Element</a:t>
+            </a:r>
+            <a:r>
+              <a:rPr lang="en-US" altLang="zh-TW" sz="2000" dirty="0" err="1" smtClean="0">
+                <a:solidFill>
+                  <a:srgbClr val="FF0000"/>
+                </a:solidFill>
+                <a:latin typeface="Times New Roman" pitchFamily="18" charset="0"/>
+                <a:cs typeface="Times New Roman" pitchFamily="18" charset="0"/>
+              </a:rPr>
+              <a:t>.removeAttribute</a:t>
+            </a:r>
+            <a:r>
+              <a:rPr lang="en-US" altLang="zh-TW" sz="2000" dirty="0" smtClean="0">
+                <a:solidFill>
+                  <a:srgbClr val="FF0000"/>
+                </a:solidFill>
+                <a:latin typeface="Times New Roman" pitchFamily="18" charset="0"/>
+                <a:cs typeface="Times New Roman" pitchFamily="18" charset="0"/>
+              </a:rPr>
+              <a:t>(</a:t>
+            </a:r>
+            <a:r>
+              <a:rPr lang="en-US" altLang="zh-TW" sz="2000" dirty="0">
+                <a:solidFill>
+                  <a:srgbClr val="00B050"/>
+                </a:solidFill>
+                <a:latin typeface="Times New Roman" pitchFamily="18" charset="0"/>
+                <a:cs typeface="Times New Roman" pitchFamily="18" charset="0"/>
+              </a:rPr>
+              <a:t>"Attribute </a:t>
+            </a:r>
+            <a:r>
+              <a:rPr lang="zh-TW" altLang="en-US" sz="2000" dirty="0">
+                <a:solidFill>
+                  <a:srgbClr val="00B050"/>
+                </a:solidFill>
+                <a:latin typeface="Times New Roman" pitchFamily="18" charset="0"/>
+                <a:cs typeface="Times New Roman" pitchFamily="18" charset="0"/>
+              </a:rPr>
+              <a:t>名稱</a:t>
+            </a:r>
+            <a:r>
+              <a:rPr lang="en-US" altLang="zh-TW" sz="2000" dirty="0" smtClean="0">
+                <a:solidFill>
+                  <a:srgbClr val="00B050"/>
+                </a:solidFill>
+                <a:latin typeface="Times New Roman" pitchFamily="18" charset="0"/>
+                <a:cs typeface="Times New Roman" pitchFamily="18" charset="0"/>
+              </a:rPr>
+              <a:t>"</a:t>
+            </a:r>
+            <a:r>
+              <a:rPr lang="en-US" altLang="zh-TW" sz="2000" dirty="0">
+                <a:solidFill>
+                  <a:srgbClr val="FF0000"/>
+                </a:solidFill>
+                <a:latin typeface="Times New Roman" pitchFamily="18" charset="0"/>
+                <a:cs typeface="Times New Roman" pitchFamily="18" charset="0"/>
+              </a:rPr>
+              <a:t>);</a:t>
+            </a:r>
+          </a:p>
+          <a:p>
+            <a:r>
+              <a:rPr lang="en-US" altLang="zh-TW" sz="2000" dirty="0">
+                <a:solidFill>
+                  <a:srgbClr val="FF0000"/>
+                </a:solidFill>
+                <a:latin typeface="Times New Roman" pitchFamily="18" charset="0"/>
+                <a:cs typeface="Times New Roman" pitchFamily="18" charset="0"/>
+              </a:rPr>
+              <a:t>        </a:t>
+            </a:r>
+            <a:r>
+              <a:rPr lang="en-US" altLang="zh-TW" sz="2000" dirty="0" err="1" smtClean="0">
+                <a:latin typeface="Times New Roman" pitchFamily="18" charset="0"/>
+                <a:cs typeface="Times New Roman" pitchFamily="18" charset="0"/>
+              </a:rPr>
+              <a:t>Element</a:t>
+            </a:r>
+            <a:r>
+              <a:rPr lang="en-US" altLang="zh-TW" sz="2000" dirty="0" err="1" smtClean="0">
+                <a:solidFill>
+                  <a:srgbClr val="FF0000"/>
+                </a:solidFill>
+                <a:latin typeface="Times New Roman" pitchFamily="18" charset="0"/>
+                <a:cs typeface="Times New Roman" pitchFamily="18" charset="0"/>
+              </a:rPr>
+              <a:t>.setAttribute</a:t>
+            </a:r>
+            <a:r>
+              <a:rPr lang="en-US" altLang="zh-TW" sz="2000" dirty="0" smtClean="0">
+                <a:solidFill>
+                  <a:srgbClr val="FF0000"/>
+                </a:solidFill>
+                <a:latin typeface="Times New Roman" pitchFamily="18" charset="0"/>
+                <a:cs typeface="Times New Roman" pitchFamily="18" charset="0"/>
+              </a:rPr>
+              <a:t>(</a:t>
+            </a:r>
+            <a:r>
+              <a:rPr lang="en-US" altLang="zh-TW" sz="2000" dirty="0" smtClean="0">
+                <a:solidFill>
+                  <a:srgbClr val="00B050"/>
+                </a:solidFill>
+                <a:latin typeface="Times New Roman" pitchFamily="18" charset="0"/>
+                <a:cs typeface="Times New Roman" pitchFamily="18" charset="0"/>
+              </a:rPr>
+              <a:t>"Attribute </a:t>
+            </a:r>
+            <a:r>
+              <a:rPr lang="zh-TW" altLang="en-US" sz="2000" dirty="0">
+                <a:solidFill>
+                  <a:srgbClr val="00B050"/>
+                </a:solidFill>
+                <a:latin typeface="Times New Roman" pitchFamily="18" charset="0"/>
+                <a:cs typeface="Times New Roman" pitchFamily="18" charset="0"/>
+              </a:rPr>
+              <a:t>名稱</a:t>
+            </a:r>
+            <a:r>
+              <a:rPr lang="en-US" altLang="zh-TW" sz="2000" dirty="0" smtClean="0">
+                <a:solidFill>
+                  <a:srgbClr val="00B050"/>
+                </a:solidFill>
+                <a:latin typeface="Times New Roman" pitchFamily="18" charset="0"/>
+                <a:cs typeface="Times New Roman" pitchFamily="18" charset="0"/>
+              </a:rPr>
+              <a:t>"</a:t>
+            </a:r>
+            <a:r>
+              <a:rPr lang="en-US" altLang="zh-TW" sz="2000" dirty="0" smtClean="0">
+                <a:solidFill>
+                  <a:srgbClr val="FF0000"/>
+                </a:solidFill>
+                <a:latin typeface="Times New Roman" pitchFamily="18" charset="0"/>
+                <a:cs typeface="Times New Roman" pitchFamily="18" charset="0"/>
+              </a:rPr>
+              <a:t>, </a:t>
+            </a:r>
+            <a:r>
+              <a:rPr lang="en-US" altLang="zh-TW" sz="2000" dirty="0" smtClean="0">
+                <a:solidFill>
+                  <a:srgbClr val="0070C0"/>
+                </a:solidFill>
+                <a:latin typeface="Times New Roman" pitchFamily="18" charset="0"/>
+                <a:cs typeface="Times New Roman" pitchFamily="18" charset="0"/>
+              </a:rPr>
+              <a:t>"value"</a:t>
+            </a:r>
+            <a:r>
+              <a:rPr lang="en-US" altLang="zh-TW" sz="2000" dirty="0" smtClean="0">
+                <a:solidFill>
+                  <a:srgbClr val="FF0000"/>
+                </a:solidFill>
+                <a:latin typeface="Times New Roman" pitchFamily="18" charset="0"/>
+                <a:cs typeface="Times New Roman" pitchFamily="18" charset="0"/>
+              </a:rPr>
+              <a:t>);</a:t>
             </a:r>
             <a:endParaRPr lang="en-US" altLang="zh-TW" sz="2000" dirty="0">
+              <a:solidFill>
+                <a:srgbClr val="FF0000"/>
+              </a:solidFill>
               <a:latin typeface="Times New Roman" pitchFamily="18" charset="0"/>
               <a:cs typeface="Times New Roman" pitchFamily="18" charset="0"/>
             </a:endParaRPr>
@@ -4177,10 +4464,6 @@
               </a:rPr>
               <a:t>;</a:t>
             </a:r>
-            <a:endParaRPr lang="en-US" altLang="zh-TW" sz="2000" dirty="0">
-              <a:latin typeface="Times New Roman" pitchFamily="18" charset="0"/>
-              <a:cs typeface="Times New Roman" pitchFamily="18" charset="0"/>
-            </a:endParaRPr>
           </a:p>
         </p:txBody>
       </p:sp>
@@ -4776,6 +5059,368 @@
     <p:extLst>
       <p:ext uri="{BB962C8B-B14F-4D97-AF65-F5344CB8AC3E}">
         <p14:creationId xmlns:p14="http://schemas.microsoft.com/office/powerpoint/2010/main" val="1058011812"/>
+      </p:ext>
+    </p:extLst>
+  </p:cSld>
+  <p:clrMapOvr>
+    <a:masterClrMapping/>
+  </p:clrMapOvr>
+</p:sld>
+</file>
+
+<file path=ppt/slides/slide13.xml><?xml version="1.0" encoding="utf-8"?>
+<p:sld xmlns:a="http://schemas.openxmlformats.org/drawingml/2006/main" xmlns:r="http://schemas.openxmlformats.org/officeDocument/2006/relationships" xmlns:p="http://schemas.openxmlformats.org/presentationml/2006/main">
+  <p:cSld>
+    <p:spTree>
+      <p:nvGrpSpPr>
+        <p:cNvPr id="1" name=""/>
+        <p:cNvGrpSpPr/>
+        <p:nvPr/>
+      </p:nvGrpSpPr>
+      <p:grpSpPr>
+        <a:xfrm>
+          <a:off x="0" y="0"/>
+          <a:ext cx="0" cy="0"/>
+          <a:chOff x="0" y="0"/>
+          <a:chExt cx="0" cy="0"/>
+        </a:xfrm>
+      </p:grpSpPr>
+      <p:sp>
+        <p:nvSpPr>
+          <p:cNvPr id="4" name="文字方塊 3"/>
+          <p:cNvSpPr txBox="1"/>
+          <p:nvPr/>
+        </p:nvSpPr>
+        <p:spPr>
+          <a:xfrm>
+            <a:off x="0" y="0"/>
+            <a:ext cx="9144000" cy="836712"/>
+          </a:xfrm>
+          <a:prstGeom prst="rect">
+            <a:avLst/>
+          </a:prstGeom>
+          <a:noFill/>
+        </p:spPr>
+        <p:txBody>
+          <a:bodyPr wrap="square" rtlCol="0" anchor="ctr">
+            <a:noAutofit/>
+          </a:bodyPr>
+          <a:lstStyle/>
+          <a:p>
+            <a:pPr algn="ctr"/>
+            <a:r>
+              <a:rPr lang="en-US" altLang="zh-TW" sz="2400" dirty="0" smtClean="0">
+                <a:latin typeface="Times New Roman" pitchFamily="18" charset="0"/>
+                <a:cs typeface="Times New Roman" pitchFamily="18" charset="0"/>
+              </a:rPr>
+              <a:t>XML(E</a:t>
+            </a:r>
+            <a:r>
+              <a:rPr lang="en-US" altLang="zh-TW" sz="2400" dirty="0" smtClean="0">
+                <a:solidFill>
+                  <a:srgbClr val="FF0000"/>
+                </a:solidFill>
+                <a:latin typeface="Times New Roman" pitchFamily="18" charset="0"/>
+                <a:cs typeface="Times New Roman" pitchFamily="18" charset="0"/>
+              </a:rPr>
+              <a:t>x</a:t>
+            </a:r>
+            <a:r>
+              <a:rPr lang="en-US" altLang="zh-TW" sz="2400" dirty="0" smtClean="0">
+                <a:latin typeface="Times New Roman" pitchFamily="18" charset="0"/>
+                <a:cs typeface="Times New Roman" pitchFamily="18" charset="0"/>
+              </a:rPr>
+              <a:t>tensible </a:t>
+            </a:r>
+            <a:r>
+              <a:rPr lang="en-US" altLang="zh-TW" sz="2400" dirty="0">
+                <a:latin typeface="Times New Roman" pitchFamily="18" charset="0"/>
+                <a:cs typeface="Times New Roman" pitchFamily="18" charset="0"/>
+              </a:rPr>
+              <a:t>Markup Language)</a:t>
+            </a:r>
+            <a:endParaRPr lang="zh-TW" altLang="en-US" sz="2400" dirty="0">
+              <a:latin typeface="Times New Roman" pitchFamily="18" charset="0"/>
+              <a:cs typeface="Times New Roman" pitchFamily="18" charset="0"/>
+            </a:endParaRPr>
+          </a:p>
+        </p:txBody>
+      </p:sp>
+      <p:sp>
+        <p:nvSpPr>
+          <p:cNvPr id="5" name="文字方塊 4"/>
+          <p:cNvSpPr txBox="1"/>
+          <p:nvPr/>
+        </p:nvSpPr>
+        <p:spPr>
+          <a:xfrm>
+            <a:off x="8711952" y="6573902"/>
+            <a:ext cx="432048" cy="276999"/>
+          </a:xfrm>
+          <a:prstGeom prst="rect">
+            <a:avLst/>
+          </a:prstGeom>
+          <a:noFill/>
+        </p:spPr>
+        <p:txBody>
+          <a:bodyPr wrap="square" rtlCol="0" anchor="ctr">
+            <a:spAutoFit/>
+          </a:bodyPr>
+          <a:lstStyle/>
+          <a:p>
+            <a:pPr algn="ctr"/>
+            <a:r>
+              <a:rPr lang="en-US" altLang="zh-TW" sz="1200" dirty="0" smtClean="0">
+                <a:latin typeface="Times New Roman" pitchFamily="18" charset="0"/>
+                <a:cs typeface="Times New Roman" pitchFamily="18" charset="0"/>
+              </a:rPr>
+              <a:t>13</a:t>
+            </a:r>
+            <a:endParaRPr lang="zh-TW" altLang="en-US" sz="1200" dirty="0">
+              <a:latin typeface="Times New Roman" pitchFamily="18" charset="0"/>
+              <a:cs typeface="Times New Roman" pitchFamily="18" charset="0"/>
+            </a:endParaRPr>
+          </a:p>
+        </p:txBody>
+      </p:sp>
+      <p:sp>
+        <p:nvSpPr>
+          <p:cNvPr id="6" name="文字方塊 5"/>
+          <p:cNvSpPr txBox="1"/>
+          <p:nvPr/>
+        </p:nvSpPr>
+        <p:spPr>
+          <a:xfrm>
+            <a:off x="503548" y="1124744"/>
+            <a:ext cx="8136904" cy="5328592"/>
+          </a:xfrm>
+          <a:prstGeom prst="rect">
+            <a:avLst/>
+          </a:prstGeom>
+          <a:noFill/>
+        </p:spPr>
+        <p:txBody>
+          <a:bodyPr wrap="square" rtlCol="0" anchor="t">
+            <a:noAutofit/>
+          </a:bodyPr>
+          <a:lstStyle/>
+          <a:p>
+            <a:r>
+              <a:rPr lang="zh-TW" altLang="en-US" sz="2000" dirty="0" smtClean="0">
+                <a:latin typeface="Times New Roman" pitchFamily="18" charset="0"/>
+                <a:cs typeface="Times New Roman" pitchFamily="18" charset="0"/>
+              </a:rPr>
+              <a:t>是一種資料標記的格式，副檔名為 </a:t>
+            </a:r>
+            <a:r>
+              <a:rPr lang="en-US" altLang="zh-TW" sz="2000" dirty="0" smtClean="0">
+                <a:latin typeface="Times New Roman" pitchFamily="18" charset="0"/>
+                <a:cs typeface="Times New Roman" pitchFamily="18" charset="0"/>
+              </a:rPr>
+              <a:t>.xml</a:t>
+            </a:r>
+          </a:p>
+          <a:p>
+            <a:r>
+              <a:rPr lang="en-US" altLang="zh-TW" sz="2000" dirty="0" err="1" smtClean="0">
+                <a:latin typeface="Times New Roman" pitchFamily="18" charset="0"/>
+                <a:cs typeface="Times New Roman" pitchFamily="18" charset="0"/>
+              </a:rPr>
+              <a:t>eg</a:t>
+            </a:r>
+            <a:r>
+              <a:rPr lang="en-US" altLang="zh-TW" sz="2000" dirty="0" smtClean="0">
+                <a:latin typeface="Times New Roman" pitchFamily="18" charset="0"/>
+                <a:cs typeface="Times New Roman" pitchFamily="18" charset="0"/>
+              </a:rPr>
+              <a:t>.</a:t>
+            </a:r>
+          </a:p>
+          <a:p>
+            <a:r>
+              <a:rPr lang="en-US" altLang="zh-TW" sz="2000" dirty="0">
+                <a:latin typeface="Times New Roman" pitchFamily="18" charset="0"/>
+                <a:cs typeface="Times New Roman" pitchFamily="18" charset="0"/>
+              </a:rPr>
+              <a:t>&lt;?xml version="1.0"?&gt;</a:t>
+            </a:r>
+          </a:p>
+          <a:p>
+            <a:r>
+              <a:rPr lang="en-US" altLang="zh-TW" sz="2000" dirty="0" smtClean="0">
+                <a:latin typeface="Times New Roman" pitchFamily="18" charset="0"/>
+                <a:cs typeface="Times New Roman" pitchFamily="18" charset="0"/>
+              </a:rPr>
+              <a:t>&lt;</a:t>
+            </a:r>
+            <a:r>
+              <a:rPr lang="en-US" altLang="zh-TW" sz="2000" dirty="0">
+                <a:latin typeface="Times New Roman" pitchFamily="18" charset="0"/>
+                <a:cs typeface="Times New Roman" pitchFamily="18" charset="0"/>
+              </a:rPr>
+              <a:t>employee&gt;</a:t>
+            </a:r>
+          </a:p>
+          <a:p>
+            <a:r>
+              <a:rPr lang="en-US" altLang="zh-TW" sz="2000" dirty="0">
+                <a:latin typeface="Times New Roman" pitchFamily="18" charset="0"/>
+                <a:cs typeface="Times New Roman" pitchFamily="18" charset="0"/>
+              </a:rPr>
+              <a:t>    &lt;name&gt;John&lt;/name&gt;</a:t>
+            </a:r>
+          </a:p>
+          <a:p>
+            <a:r>
+              <a:rPr lang="en-US" altLang="zh-TW" sz="2000" dirty="0">
+                <a:latin typeface="Times New Roman" pitchFamily="18" charset="0"/>
+                <a:cs typeface="Times New Roman" pitchFamily="18" charset="0"/>
+              </a:rPr>
+              <a:t>    &lt;age&gt;30&lt;/age&gt;</a:t>
+            </a:r>
+          </a:p>
+          <a:p>
+            <a:r>
+              <a:rPr lang="en-US" altLang="zh-TW" sz="2000" dirty="0">
+                <a:latin typeface="Times New Roman" pitchFamily="18" charset="0"/>
+                <a:cs typeface="Times New Roman" pitchFamily="18" charset="0"/>
+              </a:rPr>
+              <a:t>    &lt;city&gt;New York&lt;/city&gt;</a:t>
+            </a:r>
+          </a:p>
+          <a:p>
+            <a:r>
+              <a:rPr lang="en-US" altLang="zh-TW" sz="2000" dirty="0">
+                <a:latin typeface="Times New Roman" pitchFamily="18" charset="0"/>
+                <a:cs typeface="Times New Roman" pitchFamily="18" charset="0"/>
+              </a:rPr>
+              <a:t>&lt;/employee</a:t>
+            </a:r>
+            <a:r>
+              <a:rPr lang="en-US" altLang="zh-TW" sz="2000" dirty="0" smtClean="0">
+                <a:latin typeface="Times New Roman" pitchFamily="18" charset="0"/>
+                <a:cs typeface="Times New Roman" pitchFamily="18" charset="0"/>
+              </a:rPr>
+              <a:t>&gt;</a:t>
+            </a:r>
+          </a:p>
+          <a:p>
+            <a:endParaRPr lang="en-US" altLang="zh-TW" sz="2000" dirty="0">
+              <a:latin typeface="Times New Roman" pitchFamily="18" charset="0"/>
+              <a:cs typeface="Times New Roman" pitchFamily="18" charset="0"/>
+            </a:endParaRPr>
+          </a:p>
+          <a:p>
+            <a:r>
+              <a:rPr lang="zh-TW" altLang="en-US" sz="2000" dirty="0">
+                <a:latin typeface="Times New Roman" pitchFamily="18" charset="0"/>
+                <a:cs typeface="Times New Roman" pitchFamily="18" charset="0"/>
+              </a:rPr>
+              <a:t>要</a:t>
+            </a:r>
+            <a:r>
+              <a:rPr lang="zh-TW" altLang="en-US" sz="2000" dirty="0" smtClean="0">
+                <a:latin typeface="Times New Roman" pitchFamily="18" charset="0"/>
+                <a:cs typeface="Times New Roman" pitchFamily="18" charset="0"/>
+              </a:rPr>
+              <a:t>有 </a:t>
+            </a:r>
+            <a:r>
+              <a:rPr lang="en-US" altLang="zh-TW" sz="2000" dirty="0" smtClean="0">
+                <a:latin typeface="Times New Roman" pitchFamily="18" charset="0"/>
+                <a:cs typeface="Times New Roman" pitchFamily="18" charset="0"/>
+              </a:rPr>
+              <a:t>&lt;?</a:t>
+            </a:r>
+            <a:r>
+              <a:rPr lang="en-US" altLang="zh-TW" sz="2000" dirty="0">
+                <a:latin typeface="Times New Roman" pitchFamily="18" charset="0"/>
+                <a:cs typeface="Times New Roman" pitchFamily="18" charset="0"/>
+              </a:rPr>
+              <a:t>xml version</a:t>
+            </a:r>
+            <a:r>
+              <a:rPr lang="en-US" altLang="zh-TW" sz="2000" dirty="0" smtClean="0">
+                <a:latin typeface="Times New Roman" pitchFamily="18" charset="0"/>
+                <a:cs typeface="Times New Roman" pitchFamily="18" charset="0"/>
+              </a:rPr>
+              <a:t>="1.0"?&gt;</a:t>
+            </a:r>
+            <a:r>
+              <a:rPr lang="zh-TW" altLang="en-US" sz="2000" dirty="0" smtClean="0">
+                <a:latin typeface="Times New Roman" pitchFamily="18" charset="0"/>
+                <a:cs typeface="Times New Roman" pitchFamily="18" charset="0"/>
+              </a:rPr>
+              <a:t> </a:t>
+            </a:r>
+            <a:r>
+              <a:rPr lang="zh-TW" altLang="en-US" sz="2000" dirty="0">
+                <a:latin typeface="Times New Roman" pitchFamily="18" charset="0"/>
+                <a:cs typeface="Times New Roman" pitchFamily="18" charset="0"/>
+              </a:rPr>
+              <a:t>這個</a:t>
+            </a:r>
+            <a:r>
+              <a:rPr lang="zh-TW" altLang="en-US" sz="2000" dirty="0" smtClean="0">
+                <a:latin typeface="Times New Roman" pitchFamily="18" charset="0"/>
+                <a:cs typeface="Times New Roman" pitchFamily="18" charset="0"/>
+              </a:rPr>
+              <a:t>宣告</a:t>
+            </a:r>
+            <a:endParaRPr lang="en-US" altLang="zh-TW" sz="2000" dirty="0" smtClean="0">
+              <a:latin typeface="Times New Roman" pitchFamily="18" charset="0"/>
+              <a:cs typeface="Times New Roman" pitchFamily="18" charset="0"/>
+            </a:endParaRPr>
+          </a:p>
+          <a:p>
+            <a:r>
+              <a:rPr lang="en-US" altLang="zh-TW" sz="2000" dirty="0" smtClean="0">
+                <a:latin typeface="Times New Roman" pitchFamily="18" charset="0"/>
+                <a:cs typeface="Times New Roman" pitchFamily="18" charset="0"/>
+              </a:rPr>
+              <a:t>Element </a:t>
+            </a:r>
+            <a:r>
+              <a:rPr lang="zh-TW" altLang="en-US" sz="2000" dirty="0" smtClean="0">
+                <a:latin typeface="Times New Roman" pitchFamily="18" charset="0"/>
+                <a:cs typeface="Times New Roman" pitchFamily="18" charset="0"/>
+              </a:rPr>
+              <a:t>一定有 </a:t>
+            </a:r>
+            <a:r>
+              <a:rPr lang="en-US" altLang="zh-TW" sz="2000" dirty="0" smtClean="0">
+                <a:latin typeface="Times New Roman" pitchFamily="18" charset="0"/>
+                <a:cs typeface="Times New Roman" pitchFamily="18" charset="0"/>
+              </a:rPr>
+              <a:t>start tag </a:t>
+            </a:r>
+            <a:r>
+              <a:rPr lang="zh-TW" altLang="en-US" sz="2000" dirty="0" smtClean="0">
+                <a:latin typeface="Times New Roman" pitchFamily="18" charset="0"/>
+                <a:cs typeface="Times New Roman" pitchFamily="18" charset="0"/>
+              </a:rPr>
+              <a:t>和 </a:t>
+            </a:r>
+            <a:r>
+              <a:rPr lang="en-US" altLang="zh-TW" sz="2000" dirty="0" smtClean="0">
+                <a:latin typeface="Times New Roman" pitchFamily="18" charset="0"/>
+                <a:cs typeface="Times New Roman" pitchFamily="18" charset="0"/>
+              </a:rPr>
+              <a:t>end tag</a:t>
+            </a:r>
+          </a:p>
+          <a:p>
+            <a:endParaRPr lang="en-US" altLang="zh-TW" sz="2000" dirty="0">
+              <a:latin typeface="Times New Roman" pitchFamily="18" charset="0"/>
+              <a:cs typeface="Times New Roman" pitchFamily="18" charset="0"/>
+            </a:endParaRPr>
+          </a:p>
+        </p:txBody>
+      </p:sp>
+    </p:spTree>
+    <p:extLst>
+      <p:ext uri="{BB962C8B-B14F-4D97-AF65-F5344CB8AC3E}">
+        <p14:creationId xmlns:p14="http://schemas.microsoft.com/office/powerpoint/2010/main" val="2813248583"/>
       </p:ext>
     </p:extLst>
   </p:cSld>

--- a/動態網頁.pptx
+++ b/動態網頁.pptx
@@ -18,6 +18,8 @@
     <p:sldId id="266" r:id="rId12"/>
     <p:sldId id="267" r:id="rId13"/>
     <p:sldId id="268" r:id="rId14"/>
+    <p:sldId id="269" r:id="rId15"/>
+    <p:sldId id="270" r:id="rId16"/>
   </p:sldIdLst>
   <p:sldSz cx="9144000" cy="6858000" type="screen4x3"/>
   <p:notesSz cx="6858000" cy="9144000"/>
@@ -118,7 +120,7 @@
   </p:defaultTextStyle>
   <p:extLst>
     <p:ext uri="{EFAFB233-063F-42B5-8137-9DF3F51BA10A}">
-      <p15:sldGuideLst xmlns:p15="http://schemas.microsoft.com/office/powerpoint/2012/main" xmlns="">
+      <p15:sldGuideLst xmlns="" xmlns:p15="http://schemas.microsoft.com/office/powerpoint/2012/main">
         <p15:guide id="1" orient="horz" pos="2160">
           <p15:clr>
             <a:srgbClr val="A4A3A4"/>
@@ -3122,6 +3124,13 @@
   <p:clrMapOvr>
     <a:masterClrMapping/>
   </p:clrMapOvr>
+  <p:timing>
+    <p:tnLst>
+      <p:par>
+        <p:cTn id="1" dur="indefinite" restart="never" nodeType="tmRoot"/>
+      </p:par>
+    </p:tnLst>
+  </p:timing>
 </p:sld>
 </file>
 
@@ -3968,6 +3977,13 @@
   <p:clrMapOvr>
     <a:masterClrMapping/>
   </p:clrMapOvr>
+  <p:timing>
+    <p:tnLst>
+      <p:par>
+        <p:cTn id="1" dur="indefinite" restart="never" nodeType="tmRoot"/>
+      </p:par>
+    </p:tnLst>
+  </p:timing>
 </p:sld>
 </file>
 
@@ -4477,6 +4493,13 @@
   <p:clrMapOvr>
     <a:masterClrMapping/>
   </p:clrMapOvr>
+  <p:timing>
+    <p:tnLst>
+      <p:par>
+        <p:cTn id="1" dur="indefinite" restart="never" nodeType="tmRoot"/>
+      </p:par>
+    </p:tnLst>
+  </p:timing>
 </p:sld>
 </file>
 
@@ -5065,6 +5088,13 @@
   <p:clrMapOvr>
     <a:masterClrMapping/>
   </p:clrMapOvr>
+  <p:timing>
+    <p:tnLst>
+      <p:par>
+        <p:cTn id="1" dur="indefinite" restart="never" nodeType="tmRoot"/>
+      </p:par>
+    </p:tnLst>
+  </p:timing>
 </p:sld>
 </file>
 
@@ -5427,6 +5457,1516 @@
   <p:clrMapOvr>
     <a:masterClrMapping/>
   </p:clrMapOvr>
+  <p:timing>
+    <p:tnLst>
+      <p:par>
+        <p:cTn id="1" dur="indefinite" restart="never" nodeType="tmRoot"/>
+      </p:par>
+    </p:tnLst>
+  </p:timing>
+</p:sld>
+</file>
+
+<file path=ppt/slides/slide14.xml><?xml version="1.0" encoding="utf-8"?>
+<p:sld xmlns:a="http://schemas.openxmlformats.org/drawingml/2006/main" xmlns:r="http://schemas.openxmlformats.org/officeDocument/2006/relationships" xmlns:p="http://schemas.openxmlformats.org/presentationml/2006/main">
+  <p:cSld>
+    <p:spTree>
+      <p:nvGrpSpPr>
+        <p:cNvPr id="1" name=""/>
+        <p:cNvGrpSpPr/>
+        <p:nvPr/>
+      </p:nvGrpSpPr>
+      <p:grpSpPr>
+        <a:xfrm>
+          <a:off x="0" y="0"/>
+          <a:ext cx="0" cy="0"/>
+          <a:chOff x="0" y="0"/>
+          <a:chExt cx="0" cy="0"/>
+        </a:xfrm>
+      </p:grpSpPr>
+      <p:sp>
+        <p:nvSpPr>
+          <p:cNvPr id="4" name="文字方塊 3"/>
+          <p:cNvSpPr txBox="1"/>
+          <p:nvPr/>
+        </p:nvSpPr>
+        <p:spPr>
+          <a:xfrm>
+            <a:off x="0" y="0"/>
+            <a:ext cx="9144000" cy="836712"/>
+          </a:xfrm>
+          <a:prstGeom prst="rect">
+            <a:avLst/>
+          </a:prstGeom>
+          <a:noFill/>
+        </p:spPr>
+        <p:txBody>
+          <a:bodyPr wrap="square" rtlCol="0" anchor="ctr">
+            <a:noAutofit/>
+          </a:bodyPr>
+          <a:lstStyle/>
+          <a:p>
+            <a:pPr algn="ctr"/>
+            <a:r>
+              <a:rPr lang="en-US" altLang="zh-TW" sz="2400" dirty="0">
+                <a:latin typeface="Times New Roman" pitchFamily="18" charset="0"/>
+                <a:cs typeface="Times New Roman" pitchFamily="18" charset="0"/>
+              </a:rPr>
+              <a:t>Ajax(Asynchronous JavaScript and XML)</a:t>
+            </a:r>
+            <a:endParaRPr lang="zh-TW" altLang="en-US" sz="2400" dirty="0">
+              <a:latin typeface="Times New Roman" pitchFamily="18" charset="0"/>
+              <a:cs typeface="Times New Roman" pitchFamily="18" charset="0"/>
+            </a:endParaRPr>
+          </a:p>
+        </p:txBody>
+      </p:sp>
+      <p:sp>
+        <p:nvSpPr>
+          <p:cNvPr id="5" name="文字方塊 4"/>
+          <p:cNvSpPr txBox="1"/>
+          <p:nvPr/>
+        </p:nvSpPr>
+        <p:spPr>
+          <a:xfrm>
+            <a:off x="8711952" y="6573902"/>
+            <a:ext cx="432048" cy="276999"/>
+          </a:xfrm>
+          <a:prstGeom prst="rect">
+            <a:avLst/>
+          </a:prstGeom>
+          <a:noFill/>
+        </p:spPr>
+        <p:txBody>
+          <a:bodyPr wrap="square" rtlCol="0" anchor="ctr">
+            <a:spAutoFit/>
+          </a:bodyPr>
+          <a:lstStyle/>
+          <a:p>
+            <a:pPr algn="ctr"/>
+            <a:r>
+              <a:rPr lang="en-US" altLang="zh-TW" sz="1200" dirty="0" smtClean="0">
+                <a:latin typeface="Times New Roman" pitchFamily="18" charset="0"/>
+                <a:cs typeface="Times New Roman" pitchFamily="18" charset="0"/>
+              </a:rPr>
+              <a:t>14</a:t>
+            </a:r>
+            <a:endParaRPr lang="zh-TW" altLang="en-US" sz="1200" dirty="0">
+              <a:latin typeface="Times New Roman" pitchFamily="18" charset="0"/>
+              <a:cs typeface="Times New Roman" pitchFamily="18" charset="0"/>
+            </a:endParaRPr>
+          </a:p>
+        </p:txBody>
+      </p:sp>
+      <p:sp>
+        <p:nvSpPr>
+          <p:cNvPr id="6" name="文字方塊 5"/>
+          <p:cNvSpPr txBox="1"/>
+          <p:nvPr/>
+        </p:nvSpPr>
+        <p:spPr>
+          <a:xfrm>
+            <a:off x="503548" y="1124744"/>
+            <a:ext cx="8136904" cy="5328592"/>
+          </a:xfrm>
+          <a:prstGeom prst="rect">
+            <a:avLst/>
+          </a:prstGeom>
+          <a:noFill/>
+        </p:spPr>
+        <p:txBody>
+          <a:bodyPr wrap="square" rtlCol="0" anchor="t">
+            <a:noAutofit/>
+          </a:bodyPr>
+          <a:lstStyle/>
+          <a:p>
+            <a:r>
+              <a:rPr lang="zh-TW" altLang="en-US" sz="2000" dirty="0" smtClean="0">
+                <a:latin typeface="Times New Roman" pitchFamily="18" charset="0"/>
+                <a:cs typeface="Times New Roman" pitchFamily="18" charset="0"/>
+              </a:rPr>
+              <a:t>簡單說，就是非同步</a:t>
+            </a:r>
+            <a:r>
+              <a:rPr lang="en-US" altLang="zh-TW" sz="2000" dirty="0" smtClean="0">
+                <a:latin typeface="Times New Roman" pitchFamily="18" charset="0"/>
+                <a:cs typeface="Times New Roman" pitchFamily="18" charset="0"/>
+              </a:rPr>
+              <a:t>(</a:t>
+            </a:r>
+            <a:r>
+              <a:rPr lang="en-US" altLang="zh-TW" sz="2000" dirty="0" smtClean="0">
+                <a:solidFill>
+                  <a:srgbClr val="FF0000"/>
+                </a:solidFill>
+                <a:latin typeface="Times New Roman" pitchFamily="18" charset="0"/>
+                <a:cs typeface="Times New Roman" pitchFamily="18" charset="0"/>
+              </a:rPr>
+              <a:t>Asynchronous</a:t>
+            </a:r>
+            <a:r>
+              <a:rPr lang="en-US" altLang="zh-TW" sz="2000" dirty="0" smtClean="0">
+                <a:latin typeface="Times New Roman" pitchFamily="18" charset="0"/>
+                <a:cs typeface="Times New Roman" pitchFamily="18" charset="0"/>
+              </a:rPr>
+              <a:t>)</a:t>
+            </a:r>
+            <a:r>
+              <a:rPr lang="zh-TW" altLang="en-US" sz="2000" dirty="0" smtClean="0">
+                <a:latin typeface="Times New Roman" pitchFamily="18" charset="0"/>
+                <a:cs typeface="Times New Roman" pitchFamily="18" charset="0"/>
+              </a:rPr>
+              <a:t>的 </a:t>
+            </a:r>
+            <a:r>
+              <a:rPr lang="en-US" altLang="zh-TW" sz="2000" dirty="0" smtClean="0">
+                <a:solidFill>
+                  <a:srgbClr val="FF0000"/>
+                </a:solidFill>
+                <a:latin typeface="Times New Roman" pitchFamily="18" charset="0"/>
+                <a:cs typeface="Times New Roman" pitchFamily="18" charset="0"/>
+              </a:rPr>
+              <a:t>Http Request</a:t>
+            </a:r>
+            <a:r>
+              <a:rPr lang="en-US" altLang="zh-TW" sz="2000" dirty="0" smtClean="0">
+                <a:latin typeface="Times New Roman" pitchFamily="18" charset="0"/>
+                <a:cs typeface="Times New Roman" pitchFamily="18" charset="0"/>
+              </a:rPr>
+              <a:t> </a:t>
+            </a:r>
+            <a:r>
+              <a:rPr lang="zh-TW" altLang="en-US" sz="2000" dirty="0" smtClean="0">
+                <a:latin typeface="Times New Roman" pitchFamily="18" charset="0"/>
+                <a:cs typeface="Times New Roman" pitchFamily="18" charset="0"/>
+              </a:rPr>
+              <a:t>的概念。</a:t>
+            </a:r>
+            <a:endParaRPr lang="en-US" altLang="zh-TW" sz="2000" dirty="0" smtClean="0">
+              <a:latin typeface="Times New Roman" pitchFamily="18" charset="0"/>
+              <a:cs typeface="Times New Roman" pitchFamily="18" charset="0"/>
+            </a:endParaRPr>
+          </a:p>
+          <a:p>
+            <a:endParaRPr lang="en-US" altLang="zh-TW" sz="2000" dirty="0">
+              <a:latin typeface="Times New Roman" pitchFamily="18" charset="0"/>
+              <a:cs typeface="Times New Roman" pitchFamily="18" charset="0"/>
+            </a:endParaRPr>
+          </a:p>
+          <a:p>
+            <a:endParaRPr lang="en-US" altLang="zh-TW" sz="2000" dirty="0" smtClean="0">
+              <a:latin typeface="Times New Roman" pitchFamily="18" charset="0"/>
+              <a:cs typeface="Times New Roman" pitchFamily="18" charset="0"/>
+            </a:endParaRPr>
+          </a:p>
+          <a:p>
+            <a:endParaRPr lang="en-US" altLang="zh-TW" sz="2000" dirty="0">
+              <a:latin typeface="Times New Roman" pitchFamily="18" charset="0"/>
+              <a:cs typeface="Times New Roman" pitchFamily="18" charset="0"/>
+            </a:endParaRPr>
+          </a:p>
+          <a:p>
+            <a:endParaRPr lang="en-US" altLang="zh-TW" sz="2000" dirty="0" smtClean="0">
+              <a:latin typeface="Times New Roman" pitchFamily="18" charset="0"/>
+              <a:cs typeface="Times New Roman" pitchFamily="18" charset="0"/>
+            </a:endParaRPr>
+          </a:p>
+          <a:p>
+            <a:endParaRPr lang="en-US" altLang="zh-TW" sz="2000" dirty="0">
+              <a:latin typeface="Times New Roman" pitchFamily="18" charset="0"/>
+              <a:cs typeface="Times New Roman" pitchFamily="18" charset="0"/>
+            </a:endParaRPr>
+          </a:p>
+          <a:p>
+            <a:endParaRPr lang="en-US" altLang="zh-TW" sz="2000" dirty="0" smtClean="0">
+              <a:latin typeface="Times New Roman" pitchFamily="18" charset="0"/>
+              <a:cs typeface="Times New Roman" pitchFamily="18" charset="0"/>
+            </a:endParaRPr>
+          </a:p>
+          <a:p>
+            <a:endParaRPr lang="en-US" altLang="zh-TW" sz="2000" dirty="0">
+              <a:latin typeface="Times New Roman" pitchFamily="18" charset="0"/>
+              <a:cs typeface="Times New Roman" pitchFamily="18" charset="0"/>
+            </a:endParaRPr>
+          </a:p>
+          <a:p>
+            <a:endParaRPr lang="en-US" altLang="zh-TW" sz="2000" dirty="0" smtClean="0">
+              <a:latin typeface="Times New Roman" pitchFamily="18" charset="0"/>
+              <a:cs typeface="Times New Roman" pitchFamily="18" charset="0"/>
+            </a:endParaRPr>
+          </a:p>
+          <a:p>
+            <a:endParaRPr lang="en-US" altLang="zh-TW" sz="2000" dirty="0">
+              <a:latin typeface="Times New Roman" pitchFamily="18" charset="0"/>
+              <a:cs typeface="Times New Roman" pitchFamily="18" charset="0"/>
+            </a:endParaRPr>
+          </a:p>
+          <a:p>
+            <a:endParaRPr lang="en-US" altLang="zh-TW" sz="2000" dirty="0" smtClean="0">
+              <a:latin typeface="Times New Roman" pitchFamily="18" charset="0"/>
+              <a:cs typeface="Times New Roman" pitchFamily="18" charset="0"/>
+            </a:endParaRPr>
+          </a:p>
+          <a:p>
+            <a:endParaRPr lang="en-US" altLang="zh-TW" sz="2000" dirty="0">
+              <a:latin typeface="Times New Roman" pitchFamily="18" charset="0"/>
+              <a:cs typeface="Times New Roman" pitchFamily="18" charset="0"/>
+            </a:endParaRPr>
+          </a:p>
+          <a:p>
+            <a:endParaRPr lang="en-US" altLang="zh-TW" sz="2000" dirty="0" smtClean="0">
+              <a:latin typeface="Times New Roman" pitchFamily="18" charset="0"/>
+              <a:cs typeface="Times New Roman" pitchFamily="18" charset="0"/>
+            </a:endParaRPr>
+          </a:p>
+          <a:p>
+            <a:r>
+              <a:rPr lang="zh-TW" altLang="en-US" sz="2000" dirty="0" smtClean="0">
+                <a:latin typeface="Times New Roman" pitchFamily="18" charset="0"/>
+                <a:cs typeface="Times New Roman" pitchFamily="18" charset="0"/>
+              </a:rPr>
+              <a:t>想在網頁進行 </a:t>
+            </a:r>
+            <a:r>
+              <a:rPr lang="en-US" altLang="zh-TW" sz="2000" dirty="0" smtClean="0">
+                <a:latin typeface="Times New Roman" pitchFamily="18" charset="0"/>
+                <a:cs typeface="Times New Roman" pitchFamily="18" charset="0"/>
+              </a:rPr>
+              <a:t>Asynchronous</a:t>
+            </a:r>
+            <a:r>
+              <a:rPr lang="zh-TW" altLang="en-US" sz="2000" dirty="0" smtClean="0">
+                <a:latin typeface="Times New Roman" pitchFamily="18" charset="0"/>
+                <a:cs typeface="Times New Roman" pitchFamily="18" charset="0"/>
+              </a:rPr>
+              <a:t> </a:t>
+            </a:r>
+            <a:r>
+              <a:rPr lang="en-US" altLang="zh-TW" sz="2000" dirty="0">
+                <a:latin typeface="Times New Roman" pitchFamily="18" charset="0"/>
+                <a:cs typeface="Times New Roman" pitchFamily="18" charset="0"/>
+              </a:rPr>
+              <a:t>Http </a:t>
+            </a:r>
+            <a:r>
+              <a:rPr lang="en-US" altLang="zh-TW" sz="2000" dirty="0" smtClean="0">
+                <a:latin typeface="Times New Roman" pitchFamily="18" charset="0"/>
+                <a:cs typeface="Times New Roman" pitchFamily="18" charset="0"/>
+              </a:rPr>
+              <a:t>Request</a:t>
+            </a:r>
+            <a:r>
+              <a:rPr lang="zh-TW" altLang="en-US" sz="2000" dirty="0" smtClean="0">
+                <a:latin typeface="Times New Roman" pitchFamily="18" charset="0"/>
+                <a:cs typeface="Times New Roman" pitchFamily="18" charset="0"/>
+              </a:rPr>
+              <a:t> 就必須依靠 </a:t>
+            </a:r>
+            <a:r>
+              <a:rPr lang="en-US" altLang="zh-TW" sz="2000" dirty="0" err="1" smtClean="0">
+                <a:latin typeface="Times New Roman" pitchFamily="18" charset="0"/>
+                <a:cs typeface="Times New Roman" pitchFamily="18" charset="0"/>
+              </a:rPr>
+              <a:t>XMLHttpRequest</a:t>
+            </a:r>
+            <a:r>
+              <a:rPr lang="zh-TW" altLang="en-US" sz="2000" dirty="0" smtClean="0">
+                <a:latin typeface="Times New Roman" pitchFamily="18" charset="0"/>
+                <a:cs typeface="Times New Roman" pitchFamily="18" charset="0"/>
+              </a:rPr>
+              <a:t> </a:t>
+            </a:r>
+            <a:r>
+              <a:rPr lang="en-US" altLang="zh-TW" sz="2000" dirty="0" smtClean="0">
+                <a:latin typeface="Times New Roman" pitchFamily="18" charset="0"/>
+                <a:cs typeface="Times New Roman" pitchFamily="18" charset="0"/>
+              </a:rPr>
+              <a:t>(XHR)</a:t>
+            </a:r>
+            <a:r>
+              <a:rPr lang="zh-TW" altLang="en-US" sz="2000" dirty="0" smtClean="0">
+                <a:latin typeface="Times New Roman" pitchFamily="18" charset="0"/>
+                <a:cs typeface="Times New Roman" pitchFamily="18" charset="0"/>
+              </a:rPr>
+              <a:t> </a:t>
+            </a:r>
+            <a:r>
+              <a:rPr lang="en-US" altLang="zh-TW" sz="2000" dirty="0" smtClean="0">
+                <a:latin typeface="Times New Roman" pitchFamily="18" charset="0"/>
+                <a:cs typeface="Times New Roman" pitchFamily="18" charset="0"/>
+              </a:rPr>
+              <a:t>Object</a:t>
+            </a:r>
+            <a:r>
+              <a:rPr lang="zh-TW" altLang="en-US" sz="2000" dirty="0">
+                <a:latin typeface="Times New Roman" pitchFamily="18" charset="0"/>
+                <a:cs typeface="Times New Roman" pitchFamily="18" charset="0"/>
+              </a:rPr>
+              <a:t> </a:t>
+            </a:r>
+            <a:r>
+              <a:rPr lang="zh-TW" altLang="en-US" sz="2000" dirty="0" smtClean="0">
+                <a:latin typeface="Times New Roman" pitchFamily="18" charset="0"/>
+                <a:cs typeface="Times New Roman" pitchFamily="18" charset="0"/>
+              </a:rPr>
+              <a:t>提供的實作。</a:t>
+            </a:r>
+            <a:endParaRPr lang="en-US" altLang="zh-TW" sz="2000" dirty="0" smtClean="0">
+              <a:latin typeface="Times New Roman" pitchFamily="18" charset="0"/>
+              <a:cs typeface="Times New Roman" pitchFamily="18" charset="0"/>
+            </a:endParaRPr>
+          </a:p>
+          <a:p>
+            <a:endParaRPr lang="en-US" altLang="zh-TW" sz="2000" dirty="0">
+              <a:latin typeface="Times New Roman" pitchFamily="18" charset="0"/>
+              <a:cs typeface="Times New Roman" pitchFamily="18" charset="0"/>
+            </a:endParaRPr>
+          </a:p>
+        </p:txBody>
+      </p:sp>
+      <p:sp>
+        <p:nvSpPr>
+          <p:cNvPr id="10" name="矩形 9"/>
+          <p:cNvSpPr/>
+          <p:nvPr/>
+        </p:nvSpPr>
+        <p:spPr>
+          <a:xfrm>
+            <a:off x="3131840" y="1988840"/>
+            <a:ext cx="936104" cy="504056"/>
+          </a:xfrm>
+          <a:prstGeom prst="rect">
+            <a:avLst/>
+          </a:prstGeom>
+          <a:solidFill>
+            <a:schemeClr val="bg1">
+              <a:lumMod val="95000"/>
+            </a:schemeClr>
+          </a:solidFill>
+          <a:ln>
+            <a:solidFill>
+              <a:srgbClr val="00B0F0"/>
+            </a:solidFill>
+          </a:ln>
+        </p:spPr>
+        <p:style>
+          <a:lnRef idx="2">
+            <a:schemeClr val="accent1">
+              <a:shade val="50000"/>
+            </a:schemeClr>
+          </a:lnRef>
+          <a:fillRef idx="1">
+            <a:schemeClr val="accent1"/>
+          </a:fillRef>
+          <a:effectRef idx="0">
+            <a:schemeClr val="accent1"/>
+          </a:effectRef>
+          <a:fontRef idx="minor">
+            <a:schemeClr val="lt1"/>
+          </a:fontRef>
+        </p:style>
+        <p:txBody>
+          <a:bodyPr rtlCol="0" anchor="ctr"/>
+          <a:lstStyle/>
+          <a:p>
+            <a:pPr algn="ctr"/>
+            <a:r>
+              <a:rPr lang="en-US" altLang="zh-TW" dirty="0" smtClean="0">
+                <a:solidFill>
+                  <a:schemeClr val="tx1"/>
+                </a:solidFill>
+                <a:latin typeface="Times New Roman" pitchFamily="18" charset="0"/>
+                <a:cs typeface="Times New Roman" pitchFamily="18" charset="0"/>
+              </a:rPr>
+              <a:t>Task1</a:t>
+            </a:r>
+            <a:endParaRPr lang="zh-TW" altLang="en-US" dirty="0">
+              <a:solidFill>
+                <a:schemeClr val="tx1"/>
+              </a:solidFill>
+              <a:latin typeface="Times New Roman" pitchFamily="18" charset="0"/>
+              <a:cs typeface="Times New Roman" pitchFamily="18" charset="0"/>
+            </a:endParaRPr>
+          </a:p>
+        </p:txBody>
+      </p:sp>
+      <p:sp>
+        <p:nvSpPr>
+          <p:cNvPr id="11" name="矩形 10"/>
+          <p:cNvSpPr/>
+          <p:nvPr/>
+        </p:nvSpPr>
+        <p:spPr>
+          <a:xfrm>
+            <a:off x="4572000" y="1988840"/>
+            <a:ext cx="936104" cy="504056"/>
+          </a:xfrm>
+          <a:prstGeom prst="rect">
+            <a:avLst/>
+          </a:prstGeom>
+          <a:solidFill>
+            <a:schemeClr val="bg1">
+              <a:lumMod val="95000"/>
+            </a:schemeClr>
+          </a:solidFill>
+          <a:ln>
+            <a:solidFill>
+              <a:srgbClr val="00B0F0"/>
+            </a:solidFill>
+          </a:ln>
+        </p:spPr>
+        <p:style>
+          <a:lnRef idx="2">
+            <a:schemeClr val="accent1">
+              <a:shade val="50000"/>
+            </a:schemeClr>
+          </a:lnRef>
+          <a:fillRef idx="1">
+            <a:schemeClr val="accent1"/>
+          </a:fillRef>
+          <a:effectRef idx="0">
+            <a:schemeClr val="accent1"/>
+          </a:effectRef>
+          <a:fontRef idx="minor">
+            <a:schemeClr val="lt1"/>
+          </a:fontRef>
+        </p:style>
+        <p:txBody>
+          <a:bodyPr rtlCol="0" anchor="ctr"/>
+          <a:lstStyle/>
+          <a:p>
+            <a:pPr algn="ctr"/>
+            <a:r>
+              <a:rPr lang="en-US" altLang="zh-TW" dirty="0" smtClean="0">
+                <a:solidFill>
+                  <a:schemeClr val="tx1"/>
+                </a:solidFill>
+                <a:latin typeface="Times New Roman" pitchFamily="18" charset="0"/>
+                <a:cs typeface="Times New Roman" pitchFamily="18" charset="0"/>
+              </a:rPr>
+              <a:t>Task2</a:t>
+            </a:r>
+            <a:endParaRPr lang="zh-TW" altLang="en-US" dirty="0">
+              <a:solidFill>
+                <a:schemeClr val="tx1"/>
+              </a:solidFill>
+              <a:latin typeface="Times New Roman" pitchFamily="18" charset="0"/>
+              <a:cs typeface="Times New Roman" pitchFamily="18" charset="0"/>
+            </a:endParaRPr>
+          </a:p>
+        </p:txBody>
+      </p:sp>
+      <p:sp>
+        <p:nvSpPr>
+          <p:cNvPr id="12" name="矩形 11"/>
+          <p:cNvSpPr/>
+          <p:nvPr/>
+        </p:nvSpPr>
+        <p:spPr>
+          <a:xfrm>
+            <a:off x="3851920" y="3284984"/>
+            <a:ext cx="936104" cy="504056"/>
+          </a:xfrm>
+          <a:prstGeom prst="rect">
+            <a:avLst/>
+          </a:prstGeom>
+          <a:solidFill>
+            <a:schemeClr val="bg1">
+              <a:lumMod val="95000"/>
+            </a:schemeClr>
+          </a:solidFill>
+          <a:ln>
+            <a:solidFill>
+              <a:srgbClr val="00B0F0"/>
+            </a:solidFill>
+          </a:ln>
+        </p:spPr>
+        <p:style>
+          <a:lnRef idx="2">
+            <a:schemeClr val="accent1">
+              <a:shade val="50000"/>
+            </a:schemeClr>
+          </a:lnRef>
+          <a:fillRef idx="1">
+            <a:schemeClr val="accent1"/>
+          </a:fillRef>
+          <a:effectRef idx="0">
+            <a:schemeClr val="accent1"/>
+          </a:effectRef>
+          <a:fontRef idx="minor">
+            <a:schemeClr val="lt1"/>
+          </a:fontRef>
+        </p:style>
+        <p:txBody>
+          <a:bodyPr rtlCol="0" anchor="ctr"/>
+          <a:lstStyle/>
+          <a:p>
+            <a:pPr algn="ctr"/>
+            <a:r>
+              <a:rPr lang="en-US" altLang="zh-TW" dirty="0" smtClean="0">
+                <a:solidFill>
+                  <a:schemeClr val="tx1"/>
+                </a:solidFill>
+                <a:latin typeface="Times New Roman" pitchFamily="18" charset="0"/>
+                <a:cs typeface="Times New Roman" pitchFamily="18" charset="0"/>
+              </a:rPr>
+              <a:t>Task3</a:t>
+            </a:r>
+            <a:endParaRPr lang="zh-TW" altLang="en-US" dirty="0">
+              <a:solidFill>
+                <a:schemeClr val="tx1"/>
+              </a:solidFill>
+              <a:latin typeface="Times New Roman" pitchFamily="18" charset="0"/>
+              <a:cs typeface="Times New Roman" pitchFamily="18" charset="0"/>
+            </a:endParaRPr>
+          </a:p>
+        </p:txBody>
+      </p:sp>
+      <p:cxnSp>
+        <p:nvCxnSpPr>
+          <p:cNvPr id="13" name="直線單箭頭接點 12"/>
+          <p:cNvCxnSpPr>
+            <a:endCxn id="10" idx="1"/>
+          </p:cNvCxnSpPr>
+          <p:nvPr/>
+        </p:nvCxnSpPr>
+        <p:spPr>
+          <a:xfrm>
+            <a:off x="2699792" y="2240868"/>
+            <a:ext cx="432048" cy="0"/>
+          </a:xfrm>
+          <a:prstGeom prst="straightConnector1">
+            <a:avLst/>
+          </a:prstGeom>
+          <a:ln w="28575">
+            <a:solidFill>
+              <a:srgbClr val="00B0F0"/>
+            </a:solidFill>
+            <a:tailEnd type="arrow"/>
+          </a:ln>
+        </p:spPr>
+        <p:style>
+          <a:lnRef idx="1">
+            <a:schemeClr val="accent1"/>
+          </a:lnRef>
+          <a:fillRef idx="0">
+            <a:schemeClr val="accent1"/>
+          </a:fillRef>
+          <a:effectRef idx="0">
+            <a:schemeClr val="accent1"/>
+          </a:effectRef>
+          <a:fontRef idx="minor">
+            <a:schemeClr val="tx1"/>
+          </a:fontRef>
+        </p:style>
+      </p:cxnSp>
+      <p:cxnSp>
+        <p:nvCxnSpPr>
+          <p:cNvPr id="14" name="直線單箭頭接點 13"/>
+          <p:cNvCxnSpPr>
+            <a:endCxn id="11" idx="1"/>
+          </p:cNvCxnSpPr>
+          <p:nvPr/>
+        </p:nvCxnSpPr>
+        <p:spPr>
+          <a:xfrm>
+            <a:off x="4067944" y="2240868"/>
+            <a:ext cx="504056" cy="0"/>
+          </a:xfrm>
+          <a:prstGeom prst="straightConnector1">
+            <a:avLst/>
+          </a:prstGeom>
+          <a:ln w="28575">
+            <a:solidFill>
+              <a:srgbClr val="00B0F0"/>
+            </a:solidFill>
+            <a:tailEnd type="arrow"/>
+          </a:ln>
+        </p:spPr>
+        <p:style>
+          <a:lnRef idx="1">
+            <a:schemeClr val="accent1"/>
+          </a:lnRef>
+          <a:fillRef idx="0">
+            <a:schemeClr val="accent1"/>
+          </a:fillRef>
+          <a:effectRef idx="0">
+            <a:schemeClr val="accent1"/>
+          </a:effectRef>
+          <a:fontRef idx="minor">
+            <a:schemeClr val="tx1"/>
+          </a:fontRef>
+        </p:style>
+      </p:cxnSp>
+      <p:cxnSp>
+        <p:nvCxnSpPr>
+          <p:cNvPr id="16" name="直線單箭頭接點 15"/>
+          <p:cNvCxnSpPr/>
+          <p:nvPr/>
+        </p:nvCxnSpPr>
+        <p:spPr>
+          <a:xfrm>
+            <a:off x="5508104" y="2240868"/>
+            <a:ext cx="468052" cy="0"/>
+          </a:xfrm>
+          <a:prstGeom prst="straightConnector1">
+            <a:avLst/>
+          </a:prstGeom>
+          <a:ln w="28575">
+            <a:solidFill>
+              <a:srgbClr val="00B0F0"/>
+            </a:solidFill>
+            <a:tailEnd type="arrow"/>
+          </a:ln>
+        </p:spPr>
+        <p:style>
+          <a:lnRef idx="1">
+            <a:schemeClr val="accent1"/>
+          </a:lnRef>
+          <a:fillRef idx="0">
+            <a:schemeClr val="accent1"/>
+          </a:fillRef>
+          <a:effectRef idx="0">
+            <a:schemeClr val="accent1"/>
+          </a:effectRef>
+          <a:fontRef idx="minor">
+            <a:schemeClr val="tx1"/>
+          </a:fontRef>
+        </p:style>
+      </p:cxnSp>
+      <p:sp>
+        <p:nvSpPr>
+          <p:cNvPr id="18" name="矩形 17"/>
+          <p:cNvSpPr/>
+          <p:nvPr/>
+        </p:nvSpPr>
+        <p:spPr>
+          <a:xfrm>
+            <a:off x="3844305" y="4149080"/>
+            <a:ext cx="936104" cy="504056"/>
+          </a:xfrm>
+          <a:prstGeom prst="rect">
+            <a:avLst/>
+          </a:prstGeom>
+          <a:solidFill>
+            <a:schemeClr val="bg1">
+              <a:lumMod val="95000"/>
+            </a:schemeClr>
+          </a:solidFill>
+          <a:ln>
+            <a:solidFill>
+              <a:srgbClr val="00B0F0"/>
+            </a:solidFill>
+          </a:ln>
+        </p:spPr>
+        <p:style>
+          <a:lnRef idx="2">
+            <a:schemeClr val="accent1">
+              <a:shade val="50000"/>
+            </a:schemeClr>
+          </a:lnRef>
+          <a:fillRef idx="1">
+            <a:schemeClr val="accent1"/>
+          </a:fillRef>
+          <a:effectRef idx="0">
+            <a:schemeClr val="accent1"/>
+          </a:effectRef>
+          <a:fontRef idx="minor">
+            <a:schemeClr val="lt1"/>
+          </a:fontRef>
+        </p:style>
+        <p:txBody>
+          <a:bodyPr rtlCol="0" anchor="ctr"/>
+          <a:lstStyle/>
+          <a:p>
+            <a:pPr algn="ctr"/>
+            <a:r>
+              <a:rPr lang="en-US" altLang="zh-TW" dirty="0" smtClean="0">
+                <a:solidFill>
+                  <a:schemeClr val="tx1"/>
+                </a:solidFill>
+                <a:latin typeface="Times New Roman" pitchFamily="18" charset="0"/>
+                <a:cs typeface="Times New Roman" pitchFamily="18" charset="0"/>
+              </a:rPr>
+              <a:t>Task4</a:t>
+            </a:r>
+            <a:endParaRPr lang="zh-TW" altLang="en-US" dirty="0">
+              <a:solidFill>
+                <a:schemeClr val="tx1"/>
+              </a:solidFill>
+              <a:latin typeface="Times New Roman" pitchFamily="18" charset="0"/>
+              <a:cs typeface="Times New Roman" pitchFamily="18" charset="0"/>
+            </a:endParaRPr>
+          </a:p>
+        </p:txBody>
+      </p:sp>
+      <p:cxnSp>
+        <p:nvCxnSpPr>
+          <p:cNvPr id="21" name="直線單箭頭接點 20"/>
+          <p:cNvCxnSpPr/>
+          <p:nvPr/>
+        </p:nvCxnSpPr>
+        <p:spPr>
+          <a:xfrm>
+            <a:off x="3340249" y="3537012"/>
+            <a:ext cx="504056" cy="0"/>
+          </a:xfrm>
+          <a:prstGeom prst="straightConnector1">
+            <a:avLst/>
+          </a:prstGeom>
+          <a:ln w="28575">
+            <a:solidFill>
+              <a:srgbClr val="00B0F0"/>
+            </a:solidFill>
+            <a:tailEnd type="arrow"/>
+          </a:ln>
+        </p:spPr>
+        <p:style>
+          <a:lnRef idx="1">
+            <a:schemeClr val="accent1"/>
+          </a:lnRef>
+          <a:fillRef idx="0">
+            <a:schemeClr val="accent1"/>
+          </a:fillRef>
+          <a:effectRef idx="0">
+            <a:schemeClr val="accent1"/>
+          </a:effectRef>
+          <a:fontRef idx="minor">
+            <a:schemeClr val="tx1"/>
+          </a:fontRef>
+        </p:style>
+      </p:cxnSp>
+      <p:cxnSp>
+        <p:nvCxnSpPr>
+          <p:cNvPr id="22" name="直線單箭頭接點 21"/>
+          <p:cNvCxnSpPr/>
+          <p:nvPr/>
+        </p:nvCxnSpPr>
+        <p:spPr>
+          <a:xfrm>
+            <a:off x="3340249" y="4413870"/>
+            <a:ext cx="504056" cy="0"/>
+          </a:xfrm>
+          <a:prstGeom prst="straightConnector1">
+            <a:avLst/>
+          </a:prstGeom>
+          <a:ln w="28575">
+            <a:solidFill>
+              <a:srgbClr val="00B0F0"/>
+            </a:solidFill>
+            <a:tailEnd type="arrow"/>
+          </a:ln>
+        </p:spPr>
+        <p:style>
+          <a:lnRef idx="1">
+            <a:schemeClr val="accent1"/>
+          </a:lnRef>
+          <a:fillRef idx="0">
+            <a:schemeClr val="accent1"/>
+          </a:fillRef>
+          <a:effectRef idx="0">
+            <a:schemeClr val="accent1"/>
+          </a:effectRef>
+          <a:fontRef idx="minor">
+            <a:schemeClr val="tx1"/>
+          </a:fontRef>
+        </p:style>
+      </p:cxnSp>
+      <p:cxnSp>
+        <p:nvCxnSpPr>
+          <p:cNvPr id="23" name="直線單箭頭接點 22"/>
+          <p:cNvCxnSpPr/>
+          <p:nvPr/>
+        </p:nvCxnSpPr>
+        <p:spPr>
+          <a:xfrm>
+            <a:off x="4788024" y="3537012"/>
+            <a:ext cx="504056" cy="0"/>
+          </a:xfrm>
+          <a:prstGeom prst="straightConnector1">
+            <a:avLst/>
+          </a:prstGeom>
+          <a:ln w="28575">
+            <a:solidFill>
+              <a:srgbClr val="00B0F0"/>
+            </a:solidFill>
+            <a:tailEnd type="arrow"/>
+          </a:ln>
+        </p:spPr>
+        <p:style>
+          <a:lnRef idx="1">
+            <a:schemeClr val="accent1"/>
+          </a:lnRef>
+          <a:fillRef idx="0">
+            <a:schemeClr val="accent1"/>
+          </a:fillRef>
+          <a:effectRef idx="0">
+            <a:schemeClr val="accent1"/>
+          </a:effectRef>
+          <a:fontRef idx="minor">
+            <a:schemeClr val="tx1"/>
+          </a:fontRef>
+        </p:style>
+      </p:cxnSp>
+      <p:cxnSp>
+        <p:nvCxnSpPr>
+          <p:cNvPr id="24" name="直線單箭頭接點 23"/>
+          <p:cNvCxnSpPr/>
+          <p:nvPr/>
+        </p:nvCxnSpPr>
+        <p:spPr>
+          <a:xfrm>
+            <a:off x="4789376" y="4413870"/>
+            <a:ext cx="504056" cy="0"/>
+          </a:xfrm>
+          <a:prstGeom prst="straightConnector1">
+            <a:avLst/>
+          </a:prstGeom>
+          <a:ln w="28575">
+            <a:solidFill>
+              <a:srgbClr val="00B0F0"/>
+            </a:solidFill>
+            <a:tailEnd type="arrow"/>
+          </a:ln>
+        </p:spPr>
+        <p:style>
+          <a:lnRef idx="1">
+            <a:schemeClr val="accent1"/>
+          </a:lnRef>
+          <a:fillRef idx="0">
+            <a:schemeClr val="accent1"/>
+          </a:fillRef>
+          <a:effectRef idx="0">
+            <a:schemeClr val="accent1"/>
+          </a:effectRef>
+          <a:fontRef idx="minor">
+            <a:schemeClr val="tx1"/>
+          </a:fontRef>
+        </p:style>
+      </p:cxnSp>
+      <p:sp>
+        <p:nvSpPr>
+          <p:cNvPr id="28" name="文字方塊 27"/>
+          <p:cNvSpPr txBox="1"/>
+          <p:nvPr/>
+        </p:nvSpPr>
+        <p:spPr>
+          <a:xfrm>
+            <a:off x="1043608" y="1988840"/>
+            <a:ext cx="1512168" cy="369332"/>
+          </a:xfrm>
+          <a:prstGeom prst="rect">
+            <a:avLst/>
+          </a:prstGeom>
+          <a:noFill/>
+        </p:spPr>
+        <p:txBody>
+          <a:bodyPr wrap="square" rtlCol="0">
+            <a:spAutoFit/>
+          </a:bodyPr>
+          <a:lstStyle/>
+          <a:p>
+            <a:r>
+              <a:rPr lang="en-US" altLang="zh-TW" dirty="0" smtClean="0">
+                <a:solidFill>
+                  <a:srgbClr val="FF0000"/>
+                </a:solidFill>
+                <a:latin typeface="Times New Roman" pitchFamily="18" charset="0"/>
+                <a:cs typeface="Times New Roman" pitchFamily="18" charset="0"/>
+              </a:rPr>
+              <a:t>Synchronous</a:t>
+            </a:r>
+            <a:endParaRPr lang="zh-TW" altLang="en-US" dirty="0">
+              <a:solidFill>
+                <a:srgbClr val="FF0000"/>
+              </a:solidFill>
+            </a:endParaRPr>
+          </a:p>
+        </p:txBody>
+      </p:sp>
+      <p:sp>
+        <p:nvSpPr>
+          <p:cNvPr id="29" name="文字方塊 28"/>
+          <p:cNvSpPr txBox="1"/>
+          <p:nvPr/>
+        </p:nvSpPr>
+        <p:spPr>
+          <a:xfrm>
+            <a:off x="1043608" y="3794770"/>
+            <a:ext cx="1512168" cy="369332"/>
+          </a:xfrm>
+          <a:prstGeom prst="rect">
+            <a:avLst/>
+          </a:prstGeom>
+          <a:noFill/>
+        </p:spPr>
+        <p:txBody>
+          <a:bodyPr wrap="square" rtlCol="0">
+            <a:spAutoFit/>
+          </a:bodyPr>
+          <a:lstStyle/>
+          <a:p>
+            <a:r>
+              <a:rPr lang="en-US" altLang="zh-TW" dirty="0">
+                <a:solidFill>
+                  <a:srgbClr val="FF0000"/>
+                </a:solidFill>
+                <a:latin typeface="Times New Roman" pitchFamily="18" charset="0"/>
+                <a:cs typeface="Times New Roman" pitchFamily="18" charset="0"/>
+              </a:rPr>
+              <a:t>Asynchronous</a:t>
+            </a:r>
+            <a:endParaRPr lang="zh-TW" altLang="en-US" dirty="0">
+              <a:solidFill>
+                <a:srgbClr val="FF0000"/>
+              </a:solidFill>
+            </a:endParaRPr>
+          </a:p>
+        </p:txBody>
+      </p:sp>
+    </p:spTree>
+    <p:extLst>
+      <p:ext uri="{BB962C8B-B14F-4D97-AF65-F5344CB8AC3E}">
+        <p14:creationId xmlns:p14="http://schemas.microsoft.com/office/powerpoint/2010/main" val="4000871005"/>
+      </p:ext>
+    </p:extLst>
+  </p:cSld>
+  <p:clrMapOvr>
+    <a:masterClrMapping/>
+  </p:clrMapOvr>
+  <p:timing>
+    <p:tnLst>
+      <p:par>
+        <p:cTn id="1" dur="indefinite" restart="never" nodeType="tmRoot"/>
+      </p:par>
+    </p:tnLst>
+  </p:timing>
+</p:sld>
+</file>
+
+<file path=ppt/slides/slide15.xml><?xml version="1.0" encoding="utf-8"?>
+<p:sld xmlns:a="http://schemas.openxmlformats.org/drawingml/2006/main" xmlns:r="http://schemas.openxmlformats.org/officeDocument/2006/relationships" xmlns:p="http://schemas.openxmlformats.org/presentationml/2006/main">
+  <p:cSld>
+    <p:spTree>
+      <p:nvGrpSpPr>
+        <p:cNvPr id="1" name=""/>
+        <p:cNvGrpSpPr/>
+        <p:nvPr/>
+      </p:nvGrpSpPr>
+      <p:grpSpPr>
+        <a:xfrm>
+          <a:off x="0" y="0"/>
+          <a:ext cx="0" cy="0"/>
+          <a:chOff x="0" y="0"/>
+          <a:chExt cx="0" cy="0"/>
+        </a:xfrm>
+      </p:grpSpPr>
+      <p:sp>
+        <p:nvSpPr>
+          <p:cNvPr id="4" name="文字方塊 3"/>
+          <p:cNvSpPr txBox="1"/>
+          <p:nvPr/>
+        </p:nvSpPr>
+        <p:spPr>
+          <a:xfrm>
+            <a:off x="0" y="0"/>
+            <a:ext cx="9144000" cy="836712"/>
+          </a:xfrm>
+          <a:prstGeom prst="rect">
+            <a:avLst/>
+          </a:prstGeom>
+          <a:noFill/>
+        </p:spPr>
+        <p:txBody>
+          <a:bodyPr wrap="square" rtlCol="0" anchor="ctr">
+            <a:noAutofit/>
+          </a:bodyPr>
+          <a:lstStyle/>
+          <a:p>
+            <a:pPr algn="ctr"/>
+            <a:r>
+              <a:rPr lang="en-US" altLang="zh-TW" sz="2400" dirty="0" err="1" smtClean="0">
+                <a:latin typeface="Times New Roman" pitchFamily="18" charset="0"/>
+                <a:cs typeface="Times New Roman" pitchFamily="18" charset="0"/>
+              </a:rPr>
+              <a:t>XMLHttpRequest</a:t>
+            </a:r>
+            <a:r>
+              <a:rPr lang="zh-TW" altLang="en-US" sz="2400" dirty="0" smtClean="0">
+                <a:latin typeface="Times New Roman" pitchFamily="18" charset="0"/>
+                <a:cs typeface="Times New Roman" pitchFamily="18" charset="0"/>
+              </a:rPr>
+              <a:t> </a:t>
+            </a:r>
+            <a:r>
+              <a:rPr lang="en-US" altLang="zh-TW" sz="2400" dirty="0">
+                <a:latin typeface="Times New Roman" pitchFamily="18" charset="0"/>
+                <a:cs typeface="Times New Roman" pitchFamily="18" charset="0"/>
+              </a:rPr>
+              <a:t>Object</a:t>
+            </a:r>
+            <a:endParaRPr lang="zh-TW" altLang="en-US" sz="2400" dirty="0">
+              <a:latin typeface="Times New Roman" pitchFamily="18" charset="0"/>
+              <a:cs typeface="Times New Roman" pitchFamily="18" charset="0"/>
+            </a:endParaRPr>
+          </a:p>
+        </p:txBody>
+      </p:sp>
+      <p:sp>
+        <p:nvSpPr>
+          <p:cNvPr id="5" name="文字方塊 4"/>
+          <p:cNvSpPr txBox="1"/>
+          <p:nvPr/>
+        </p:nvSpPr>
+        <p:spPr>
+          <a:xfrm>
+            <a:off x="8711952" y="6573902"/>
+            <a:ext cx="432048" cy="276999"/>
+          </a:xfrm>
+          <a:prstGeom prst="rect">
+            <a:avLst/>
+          </a:prstGeom>
+          <a:noFill/>
+        </p:spPr>
+        <p:txBody>
+          <a:bodyPr wrap="square" rtlCol="0" anchor="ctr">
+            <a:spAutoFit/>
+          </a:bodyPr>
+          <a:lstStyle/>
+          <a:p>
+            <a:pPr algn="ctr"/>
+            <a:r>
+              <a:rPr lang="en-US" altLang="zh-TW" sz="1200" dirty="0" smtClean="0">
+                <a:latin typeface="Times New Roman" pitchFamily="18" charset="0"/>
+                <a:cs typeface="Times New Roman" pitchFamily="18" charset="0"/>
+              </a:rPr>
+              <a:t>15</a:t>
+            </a:r>
+            <a:endParaRPr lang="zh-TW" altLang="en-US" sz="1200" dirty="0">
+              <a:latin typeface="Times New Roman" pitchFamily="18" charset="0"/>
+              <a:cs typeface="Times New Roman" pitchFamily="18" charset="0"/>
+            </a:endParaRPr>
+          </a:p>
+        </p:txBody>
+      </p:sp>
+      <p:sp>
+        <p:nvSpPr>
+          <p:cNvPr id="6" name="文字方塊 5"/>
+          <p:cNvSpPr txBox="1"/>
+          <p:nvPr/>
+        </p:nvSpPr>
+        <p:spPr>
+          <a:xfrm>
+            <a:off x="503548" y="1124744"/>
+            <a:ext cx="8136904" cy="5328592"/>
+          </a:xfrm>
+          <a:prstGeom prst="rect">
+            <a:avLst/>
+          </a:prstGeom>
+          <a:noFill/>
+        </p:spPr>
+        <p:txBody>
+          <a:bodyPr wrap="square" rtlCol="0" anchor="t">
+            <a:noAutofit/>
+          </a:bodyPr>
+          <a:lstStyle/>
+          <a:p>
+            <a:r>
+              <a:rPr lang="zh-TW" altLang="en-US" sz="2000" dirty="0" smtClean="0">
+                <a:latin typeface="Times New Roman" pitchFamily="18" charset="0"/>
+                <a:cs typeface="Times New Roman" pitchFamily="18" charset="0"/>
+              </a:rPr>
+              <a:t>以下用 </a:t>
+            </a:r>
+            <a:r>
+              <a:rPr lang="en-US" altLang="zh-TW" sz="2000" dirty="0" smtClean="0">
+                <a:latin typeface="Times New Roman" pitchFamily="18" charset="0"/>
+                <a:cs typeface="Times New Roman" pitchFamily="18" charset="0"/>
+              </a:rPr>
+              <a:t>GET</a:t>
+            </a:r>
+            <a:r>
+              <a:rPr lang="zh-TW" altLang="en-US" sz="2000" dirty="0" smtClean="0">
+                <a:latin typeface="Times New Roman" pitchFamily="18" charset="0"/>
+                <a:cs typeface="Times New Roman" pitchFamily="18" charset="0"/>
+              </a:rPr>
+              <a:t> 方法的例子解說 </a:t>
+            </a:r>
+            <a:endParaRPr lang="en-US" altLang="zh-TW" sz="2000" dirty="0" smtClean="0">
+              <a:latin typeface="Times New Roman" pitchFamily="18" charset="0"/>
+              <a:cs typeface="Times New Roman" pitchFamily="18" charset="0"/>
+            </a:endParaRPr>
+          </a:p>
+          <a:p>
+            <a:endParaRPr lang="en-US" altLang="zh-TW" sz="2000" dirty="0">
+              <a:latin typeface="Times New Roman" pitchFamily="18" charset="0"/>
+              <a:cs typeface="Times New Roman" pitchFamily="18" charset="0"/>
+            </a:endParaRPr>
+          </a:p>
+          <a:p>
+            <a:r>
+              <a:rPr lang="en-US" altLang="zh-TW" sz="2000" dirty="0">
+                <a:latin typeface="Times New Roman" pitchFamily="18" charset="0"/>
+                <a:cs typeface="Times New Roman" pitchFamily="18" charset="0"/>
+              </a:rPr>
+              <a:t>            let </a:t>
+            </a:r>
+            <a:r>
+              <a:rPr lang="en-US" altLang="zh-TW" sz="2000" dirty="0" err="1">
+                <a:latin typeface="Times New Roman" pitchFamily="18" charset="0"/>
+                <a:cs typeface="Times New Roman" pitchFamily="18" charset="0"/>
+              </a:rPr>
+              <a:t>xhr</a:t>
+            </a:r>
+            <a:r>
+              <a:rPr lang="en-US" altLang="zh-TW" sz="2000" dirty="0">
+                <a:latin typeface="Times New Roman" pitchFamily="18" charset="0"/>
+                <a:cs typeface="Times New Roman" pitchFamily="18" charset="0"/>
+              </a:rPr>
+              <a:t> = new </a:t>
+            </a:r>
+            <a:r>
+              <a:rPr lang="en-US" altLang="zh-TW" sz="2000" dirty="0" err="1">
+                <a:solidFill>
+                  <a:srgbClr val="FF0000"/>
+                </a:solidFill>
+                <a:latin typeface="Times New Roman" pitchFamily="18" charset="0"/>
+                <a:cs typeface="Times New Roman" pitchFamily="18" charset="0"/>
+              </a:rPr>
+              <a:t>XMLHttpRequest</a:t>
+            </a:r>
+            <a:r>
+              <a:rPr lang="en-US" altLang="zh-TW" sz="2000" dirty="0">
+                <a:solidFill>
+                  <a:srgbClr val="FF0000"/>
+                </a:solidFill>
+                <a:latin typeface="Times New Roman" pitchFamily="18" charset="0"/>
+                <a:cs typeface="Times New Roman" pitchFamily="18" charset="0"/>
+              </a:rPr>
+              <a:t>()</a:t>
+            </a:r>
+            <a:r>
+              <a:rPr lang="en-US" altLang="zh-TW" sz="2000" dirty="0">
+                <a:latin typeface="Times New Roman" pitchFamily="18" charset="0"/>
+                <a:cs typeface="Times New Roman" pitchFamily="18" charset="0"/>
+              </a:rPr>
+              <a:t>;</a:t>
+            </a:r>
+          </a:p>
+          <a:p>
+            <a:r>
+              <a:rPr lang="en-US" altLang="zh-TW" sz="2000" dirty="0">
+                <a:latin typeface="Times New Roman" pitchFamily="18" charset="0"/>
+                <a:cs typeface="Times New Roman" pitchFamily="18" charset="0"/>
+              </a:rPr>
+              <a:t>            </a:t>
+            </a:r>
+            <a:r>
+              <a:rPr lang="en-US" altLang="zh-TW" sz="2000" dirty="0" err="1">
+                <a:latin typeface="Times New Roman" pitchFamily="18" charset="0"/>
+                <a:cs typeface="Times New Roman" pitchFamily="18" charset="0"/>
+              </a:rPr>
+              <a:t>xhr</a:t>
+            </a:r>
+            <a:r>
+              <a:rPr lang="en-US" altLang="zh-TW" sz="2000" dirty="0" err="1">
+                <a:solidFill>
+                  <a:srgbClr val="FF0000"/>
+                </a:solidFill>
+                <a:latin typeface="Times New Roman" pitchFamily="18" charset="0"/>
+                <a:cs typeface="Times New Roman" pitchFamily="18" charset="0"/>
+              </a:rPr>
+              <a:t>.open</a:t>
+            </a:r>
+            <a:r>
+              <a:rPr lang="en-US" altLang="zh-TW" sz="2000" dirty="0">
+                <a:solidFill>
+                  <a:srgbClr val="FF0000"/>
+                </a:solidFill>
+                <a:latin typeface="Times New Roman" pitchFamily="18" charset="0"/>
+                <a:cs typeface="Times New Roman" pitchFamily="18" charset="0"/>
+              </a:rPr>
+              <a:t>(</a:t>
+            </a:r>
+            <a:r>
+              <a:rPr lang="en-US" altLang="zh-TW" sz="2000" dirty="0">
+                <a:solidFill>
+                  <a:srgbClr val="00B050"/>
+                </a:solidFill>
+                <a:latin typeface="Times New Roman" pitchFamily="18" charset="0"/>
+                <a:cs typeface="Times New Roman" pitchFamily="18" charset="0"/>
+              </a:rPr>
+              <a:t>"GET"</a:t>
+            </a:r>
+            <a:r>
+              <a:rPr lang="en-US" altLang="zh-TW" sz="2000" dirty="0">
+                <a:latin typeface="Times New Roman" pitchFamily="18" charset="0"/>
+                <a:cs typeface="Times New Roman" pitchFamily="18" charset="0"/>
+              </a:rPr>
+              <a:t>, "</a:t>
+            </a:r>
+            <a:r>
+              <a:rPr lang="en-US" altLang="zh-TW" sz="2000" dirty="0" err="1">
+                <a:latin typeface="Times New Roman" pitchFamily="18" charset="0"/>
+                <a:cs typeface="Times New Roman" pitchFamily="18" charset="0"/>
+              </a:rPr>
+              <a:t>example.json</a:t>
+            </a:r>
+            <a:r>
+              <a:rPr lang="en-US" altLang="zh-TW" sz="2000" dirty="0">
+                <a:latin typeface="Times New Roman" pitchFamily="18" charset="0"/>
+                <a:cs typeface="Times New Roman" pitchFamily="18" charset="0"/>
+              </a:rPr>
+              <a:t>", true</a:t>
+            </a:r>
+            <a:r>
+              <a:rPr lang="en-US" altLang="zh-TW" sz="2000" dirty="0">
+                <a:solidFill>
+                  <a:srgbClr val="FF0000"/>
+                </a:solidFill>
+                <a:latin typeface="Times New Roman" pitchFamily="18" charset="0"/>
+                <a:cs typeface="Times New Roman" pitchFamily="18" charset="0"/>
+              </a:rPr>
+              <a:t>);</a:t>
+            </a:r>
+          </a:p>
+          <a:p>
+            <a:r>
+              <a:rPr lang="en-US" altLang="zh-TW" sz="2000" dirty="0">
+                <a:latin typeface="Times New Roman" pitchFamily="18" charset="0"/>
+                <a:cs typeface="Times New Roman" pitchFamily="18" charset="0"/>
+              </a:rPr>
+              <a:t>            </a:t>
+            </a:r>
+            <a:r>
+              <a:rPr lang="en-US" altLang="zh-TW" sz="2000" dirty="0" err="1">
+                <a:latin typeface="Times New Roman" pitchFamily="18" charset="0"/>
+                <a:cs typeface="Times New Roman" pitchFamily="18" charset="0"/>
+              </a:rPr>
+              <a:t>xhr</a:t>
+            </a:r>
+            <a:r>
+              <a:rPr lang="en-US" altLang="zh-TW" sz="2000" dirty="0" err="1">
+                <a:solidFill>
+                  <a:srgbClr val="FF0000"/>
+                </a:solidFill>
+                <a:latin typeface="Times New Roman" pitchFamily="18" charset="0"/>
+                <a:cs typeface="Times New Roman" pitchFamily="18" charset="0"/>
+              </a:rPr>
+              <a:t>.send</a:t>
+            </a:r>
+            <a:r>
+              <a:rPr lang="en-US" altLang="zh-TW" sz="2000" dirty="0">
+                <a:solidFill>
+                  <a:srgbClr val="FF0000"/>
+                </a:solidFill>
+                <a:latin typeface="Times New Roman" pitchFamily="18" charset="0"/>
+                <a:cs typeface="Times New Roman" pitchFamily="18" charset="0"/>
+              </a:rPr>
+              <a:t>();</a:t>
+            </a:r>
+          </a:p>
+          <a:p>
+            <a:r>
+              <a:rPr lang="en-US" altLang="zh-TW" sz="2000" dirty="0">
+                <a:latin typeface="Times New Roman" pitchFamily="18" charset="0"/>
+                <a:cs typeface="Times New Roman" pitchFamily="18" charset="0"/>
+              </a:rPr>
+              <a:t>            </a:t>
+            </a:r>
+            <a:r>
+              <a:rPr lang="en-US" altLang="zh-TW" sz="2000" dirty="0" err="1">
+                <a:latin typeface="Times New Roman" pitchFamily="18" charset="0"/>
+                <a:cs typeface="Times New Roman" pitchFamily="18" charset="0"/>
+              </a:rPr>
+              <a:t>xhr.onload</a:t>
+            </a:r>
+            <a:r>
+              <a:rPr lang="en-US" altLang="zh-TW" sz="2000" dirty="0">
+                <a:latin typeface="Times New Roman" pitchFamily="18" charset="0"/>
+                <a:cs typeface="Times New Roman" pitchFamily="18" charset="0"/>
+              </a:rPr>
+              <a:t> = function () {</a:t>
+            </a:r>
+          </a:p>
+          <a:p>
+            <a:r>
+              <a:rPr lang="en-US" altLang="zh-TW" sz="2000" dirty="0">
+                <a:latin typeface="Times New Roman" pitchFamily="18" charset="0"/>
+                <a:cs typeface="Times New Roman" pitchFamily="18" charset="0"/>
+              </a:rPr>
+              <a:t>                let </a:t>
+            </a:r>
+            <a:r>
+              <a:rPr lang="en-US" altLang="zh-TW" sz="2000" dirty="0" err="1">
+                <a:latin typeface="Times New Roman" pitchFamily="18" charset="0"/>
+                <a:cs typeface="Times New Roman" pitchFamily="18" charset="0"/>
+              </a:rPr>
+              <a:t>para</a:t>
+            </a:r>
+            <a:r>
+              <a:rPr lang="en-US" altLang="zh-TW" sz="2000" dirty="0">
+                <a:latin typeface="Times New Roman" pitchFamily="18" charset="0"/>
+                <a:cs typeface="Times New Roman" pitchFamily="18" charset="0"/>
+              </a:rPr>
+              <a:t> = </a:t>
+            </a:r>
+            <a:r>
+              <a:rPr lang="en-US" altLang="zh-TW" sz="2000" dirty="0" err="1">
+                <a:latin typeface="Times New Roman" pitchFamily="18" charset="0"/>
+                <a:cs typeface="Times New Roman" pitchFamily="18" charset="0"/>
+              </a:rPr>
+              <a:t>document.getElementById</a:t>
+            </a:r>
+            <a:r>
+              <a:rPr lang="en-US" altLang="zh-TW" sz="2000" dirty="0">
+                <a:latin typeface="Times New Roman" pitchFamily="18" charset="0"/>
+                <a:cs typeface="Times New Roman" pitchFamily="18" charset="0"/>
+              </a:rPr>
+              <a:t>("get-</a:t>
+            </a:r>
+            <a:r>
+              <a:rPr lang="en-US" altLang="zh-TW" sz="2000" dirty="0" err="1">
+                <a:latin typeface="Times New Roman" pitchFamily="18" charset="0"/>
+                <a:cs typeface="Times New Roman" pitchFamily="18" charset="0"/>
+              </a:rPr>
+              <a:t>para</a:t>
+            </a:r>
+            <a:r>
+              <a:rPr lang="en-US" altLang="zh-TW" sz="2000" dirty="0">
+                <a:latin typeface="Times New Roman" pitchFamily="18" charset="0"/>
+                <a:cs typeface="Times New Roman" pitchFamily="18" charset="0"/>
+              </a:rPr>
+              <a:t>");</a:t>
+            </a:r>
+          </a:p>
+          <a:p>
+            <a:r>
+              <a:rPr lang="en-US" altLang="zh-TW" sz="2000" dirty="0">
+                <a:latin typeface="Times New Roman" pitchFamily="18" charset="0"/>
+                <a:cs typeface="Times New Roman" pitchFamily="18" charset="0"/>
+              </a:rPr>
+              <a:t>                console.log(</a:t>
+            </a:r>
+            <a:r>
+              <a:rPr lang="en-US" altLang="zh-TW" sz="2000" dirty="0" err="1">
+                <a:latin typeface="Times New Roman" pitchFamily="18" charset="0"/>
+                <a:cs typeface="Times New Roman" pitchFamily="18" charset="0"/>
+              </a:rPr>
+              <a:t>xhr</a:t>
+            </a:r>
+            <a:r>
+              <a:rPr lang="en-US" altLang="zh-TW" sz="2000" dirty="0">
+                <a:latin typeface="Times New Roman" pitchFamily="18" charset="0"/>
+                <a:cs typeface="Times New Roman" pitchFamily="18" charset="0"/>
+              </a:rPr>
+              <a:t>);</a:t>
+            </a:r>
+          </a:p>
+          <a:p>
+            <a:r>
+              <a:rPr lang="en-US" altLang="zh-TW" sz="2000" dirty="0">
+                <a:latin typeface="Times New Roman" pitchFamily="18" charset="0"/>
+                <a:cs typeface="Times New Roman" pitchFamily="18" charset="0"/>
+              </a:rPr>
+              <a:t>                </a:t>
+            </a:r>
+            <a:r>
+              <a:rPr lang="en-US" altLang="zh-TW" sz="2000" dirty="0" err="1">
+                <a:latin typeface="Times New Roman" pitchFamily="18" charset="0"/>
+                <a:cs typeface="Times New Roman" pitchFamily="18" charset="0"/>
+              </a:rPr>
+              <a:t>para.innerText</a:t>
+            </a:r>
+            <a:r>
+              <a:rPr lang="en-US" altLang="zh-TW" sz="2000" dirty="0">
+                <a:latin typeface="Times New Roman" pitchFamily="18" charset="0"/>
+                <a:cs typeface="Times New Roman" pitchFamily="18" charset="0"/>
+              </a:rPr>
+              <a:t> = </a:t>
+            </a:r>
+            <a:r>
+              <a:rPr lang="en-US" altLang="zh-TW" sz="2000" dirty="0" err="1">
+                <a:latin typeface="Times New Roman" pitchFamily="18" charset="0"/>
+                <a:cs typeface="Times New Roman" pitchFamily="18" charset="0"/>
+              </a:rPr>
+              <a:t>xhr.responseText</a:t>
+            </a:r>
+            <a:r>
+              <a:rPr lang="en-US" altLang="zh-TW" sz="2000" dirty="0">
+                <a:latin typeface="Times New Roman" pitchFamily="18" charset="0"/>
+                <a:cs typeface="Times New Roman" pitchFamily="18" charset="0"/>
+              </a:rPr>
+              <a:t>;</a:t>
+            </a:r>
+          </a:p>
+          <a:p>
+            <a:r>
+              <a:rPr lang="en-US" altLang="zh-TW" sz="2000" dirty="0">
+                <a:latin typeface="Times New Roman" pitchFamily="18" charset="0"/>
+                <a:cs typeface="Times New Roman" pitchFamily="18" charset="0"/>
+              </a:rPr>
+              <a:t>            </a:t>
+            </a:r>
+            <a:r>
+              <a:rPr lang="en-US" altLang="zh-TW" sz="2000" dirty="0" smtClean="0">
+                <a:latin typeface="Times New Roman" pitchFamily="18" charset="0"/>
+                <a:cs typeface="Times New Roman" pitchFamily="18" charset="0"/>
+              </a:rPr>
+              <a:t>}</a:t>
+            </a:r>
+          </a:p>
+          <a:p>
+            <a:endParaRPr lang="en-US" altLang="zh-TW" sz="2000" smtClean="0">
+              <a:latin typeface="Times New Roman" pitchFamily="18" charset="0"/>
+              <a:cs typeface="Times New Roman" pitchFamily="18" charset="0"/>
+            </a:endParaRPr>
+          </a:p>
+          <a:p>
+            <a:endParaRPr lang="en-US" altLang="zh-TW" sz="2000" dirty="0">
+              <a:latin typeface="Times New Roman" pitchFamily="18" charset="0"/>
+              <a:cs typeface="Times New Roman" pitchFamily="18" charset="0"/>
+            </a:endParaRPr>
+          </a:p>
+          <a:p>
+            <a:r>
+              <a:rPr lang="en-US" altLang="zh-TW" sz="2000" dirty="0" smtClean="0">
+                <a:latin typeface="Times New Roman" pitchFamily="18" charset="0"/>
+                <a:cs typeface="Times New Roman" pitchFamily="18" charset="0"/>
+              </a:rPr>
+              <a:t>POST</a:t>
+            </a:r>
+            <a:r>
+              <a:rPr lang="zh-TW" altLang="en-US" sz="2000" dirty="0" smtClean="0">
+                <a:latin typeface="Times New Roman" pitchFamily="18" charset="0"/>
+                <a:cs typeface="Times New Roman" pitchFamily="18" charset="0"/>
+              </a:rPr>
+              <a:t> 的實際案例會在之後說明</a:t>
+            </a:r>
+            <a:endParaRPr lang="en-US" altLang="zh-TW" sz="2000" dirty="0">
+              <a:latin typeface="Times New Roman" pitchFamily="18" charset="0"/>
+              <a:cs typeface="Times New Roman" pitchFamily="18" charset="0"/>
+            </a:endParaRPr>
+          </a:p>
+        </p:txBody>
+      </p:sp>
+    </p:spTree>
+    <p:extLst>
+      <p:ext uri="{BB962C8B-B14F-4D97-AF65-F5344CB8AC3E}">
+        <p14:creationId xmlns:p14="http://schemas.microsoft.com/office/powerpoint/2010/main" val="493499086"/>
+      </p:ext>
+    </p:extLst>
+  </p:cSld>
+  <p:clrMapOvr>
+    <a:masterClrMapping/>
+  </p:clrMapOvr>
+  <p:timing>
+    <p:tnLst>
+      <p:par>
+        <p:cTn id="1" dur="indefinite" restart="never" nodeType="tmRoot"/>
+      </p:par>
+    </p:tnLst>
+  </p:timing>
 </p:sld>
 </file>
 
@@ -5775,6 +7315,13 @@
   <p:clrMapOvr>
     <a:masterClrMapping/>
   </p:clrMapOvr>
+  <p:timing>
+    <p:tnLst>
+      <p:par>
+        <p:cTn id="1" dur="indefinite" restart="never" nodeType="tmRoot"/>
+      </p:par>
+    </p:tnLst>
+  </p:timing>
 </p:sld>
 </file>
 
@@ -6376,6 +7923,13 @@
   <p:clrMapOvr>
     <a:masterClrMapping/>
   </p:clrMapOvr>
+  <p:timing>
+    <p:tnLst>
+      <p:par>
+        <p:cTn id="1" dur="indefinite" restart="never" nodeType="tmRoot"/>
+      </p:par>
+    </p:tnLst>
+  </p:timing>
 </p:sld>
 </file>
 
@@ -6854,6 +8408,13 @@
   <p:clrMapOvr>
     <a:masterClrMapping/>
   </p:clrMapOvr>
+  <p:timing>
+    <p:tnLst>
+      <p:par>
+        <p:cTn id="1" dur="indefinite" restart="never" nodeType="tmRoot"/>
+      </p:par>
+    </p:tnLst>
+  </p:timing>
 </p:sld>
 </file>
 
@@ -7361,6 +8922,13 @@
   <p:clrMapOvr>
     <a:masterClrMapping/>
   </p:clrMapOvr>
+  <p:timing>
+    <p:tnLst>
+      <p:par>
+        <p:cTn id="1" dur="indefinite" restart="never" nodeType="tmRoot"/>
+      </p:par>
+    </p:tnLst>
+  </p:timing>
 </p:sld>
 </file>
 
@@ -7730,6 +9298,13 @@
   <p:clrMapOvr>
     <a:masterClrMapping/>
   </p:clrMapOvr>
+  <p:timing>
+    <p:tnLst>
+      <p:par>
+        <p:cTn id="1" dur="indefinite" restart="never" nodeType="tmRoot"/>
+      </p:par>
+    </p:tnLst>
+  </p:timing>
 </p:sld>
 </file>
 
@@ -8195,6 +9770,13 @@
   <p:clrMapOvr>
     <a:masterClrMapping/>
   </p:clrMapOvr>
+  <p:timing>
+    <p:tnLst>
+      <p:par>
+        <p:cTn id="1" dur="indefinite" restart="never" nodeType="tmRoot"/>
+      </p:par>
+    </p:tnLst>
+  </p:timing>
 </p:sld>
 </file>
 
@@ -8431,6 +10013,13 @@
   <p:clrMapOvr>
     <a:masterClrMapping/>
   </p:clrMapOvr>
+  <p:timing>
+    <p:tnLst>
+      <p:par>
+        <p:cTn id="1" dur="indefinite" restart="never" nodeType="tmRoot"/>
+      </p:par>
+    </p:tnLst>
+  </p:timing>
 </p:sld>
 </file>
 
@@ -8908,6 +10497,13 @@
   <p:clrMapOvr>
     <a:masterClrMapping/>
   </p:clrMapOvr>
+  <p:timing>
+    <p:tnLst>
+      <p:par>
+        <p:cTn id="1" dur="indefinite" restart="never" nodeType="tmRoot"/>
+      </p:par>
+    </p:tnLst>
+  </p:timing>
 </p:sld>
 </file>
 

--- a/動態網頁.pptx
+++ b/動態網頁.pptx
@@ -20,6 +20,9 @@
     <p:sldId id="268" r:id="rId14"/>
     <p:sldId id="269" r:id="rId15"/>
     <p:sldId id="270" r:id="rId16"/>
+    <p:sldId id="271" r:id="rId17"/>
+    <p:sldId id="272" r:id="rId18"/>
+    <p:sldId id="273" r:id="rId19"/>
   </p:sldIdLst>
   <p:sldSz cx="9144000" cy="6858000" type="screen4x3"/>
   <p:notesSz cx="6858000" cy="9144000"/>
@@ -120,7 +123,7 @@
   </p:defaultTextStyle>
   <p:extLst>
     <p:ext uri="{EFAFB233-063F-42B5-8137-9DF3F51BA10A}">
-      <p15:sldGuideLst xmlns="" xmlns:p15="http://schemas.microsoft.com/office/powerpoint/2012/main">
+      <p15:sldGuideLst xmlns:p15="http://schemas.microsoft.com/office/powerpoint/2012/main">
         <p15:guide id="1" orient="horz" pos="2160">
           <p15:clr>
             <a:srgbClr val="A4A3A4"/>
@@ -316,7 +319,7 @@
           <a:p>
             <a:fld id="{5BBEAD13-0566-4C6C-97E7-55F17F24B09F}" type="datetimeFigureOut">
               <a:rPr lang="zh-TW" altLang="en-US" smtClean="0"/>
-              <a:t>2021/7/27</a:t>
+              <a:t>2021/7/29</a:t>
             </a:fld>
             <a:endParaRPr lang="zh-TW" altLang="en-US"/>
           </a:p>
@@ -479,7 +482,7 @@
           <a:p>
             <a:fld id="{5BBEAD13-0566-4C6C-97E7-55F17F24B09F}" type="datetimeFigureOut">
               <a:rPr lang="zh-TW" altLang="en-US" smtClean="0"/>
-              <a:t>2021/7/27</a:t>
+              <a:t>2021/7/29</a:t>
             </a:fld>
             <a:endParaRPr lang="zh-TW" altLang="en-US"/>
           </a:p>
@@ -652,7 +655,7 @@
           <a:p>
             <a:fld id="{5BBEAD13-0566-4C6C-97E7-55F17F24B09F}" type="datetimeFigureOut">
               <a:rPr lang="zh-TW" altLang="en-US" smtClean="0"/>
-              <a:t>2021/7/27</a:t>
+              <a:t>2021/7/29</a:t>
             </a:fld>
             <a:endParaRPr lang="zh-TW" altLang="en-US"/>
           </a:p>
@@ -815,7 +818,7 @@
           <a:p>
             <a:fld id="{5BBEAD13-0566-4C6C-97E7-55F17F24B09F}" type="datetimeFigureOut">
               <a:rPr lang="zh-TW" altLang="en-US" smtClean="0"/>
-              <a:t>2021/7/27</a:t>
+              <a:t>2021/7/29</a:t>
             </a:fld>
             <a:endParaRPr lang="zh-TW" altLang="en-US"/>
           </a:p>
@@ -1055,7 +1058,7 @@
           <a:p>
             <a:fld id="{5BBEAD13-0566-4C6C-97E7-55F17F24B09F}" type="datetimeFigureOut">
               <a:rPr lang="zh-TW" altLang="en-US" smtClean="0"/>
-              <a:t>2021/7/27</a:t>
+              <a:t>2021/7/29</a:t>
             </a:fld>
             <a:endParaRPr lang="zh-TW" altLang="en-US"/>
           </a:p>
@@ -1335,7 +1338,7 @@
           <a:p>
             <a:fld id="{5BBEAD13-0566-4C6C-97E7-55F17F24B09F}" type="datetimeFigureOut">
               <a:rPr lang="zh-TW" altLang="en-US" smtClean="0"/>
-              <a:t>2021/7/27</a:t>
+              <a:t>2021/7/29</a:t>
             </a:fld>
             <a:endParaRPr lang="zh-TW" altLang="en-US"/>
           </a:p>
@@ -1749,7 +1752,7 @@
           <a:p>
             <a:fld id="{5BBEAD13-0566-4C6C-97E7-55F17F24B09F}" type="datetimeFigureOut">
               <a:rPr lang="zh-TW" altLang="en-US" smtClean="0"/>
-              <a:t>2021/7/27</a:t>
+              <a:t>2021/7/29</a:t>
             </a:fld>
             <a:endParaRPr lang="zh-TW" altLang="en-US"/>
           </a:p>
@@ -1861,7 +1864,7 @@
           <a:p>
             <a:fld id="{5BBEAD13-0566-4C6C-97E7-55F17F24B09F}" type="datetimeFigureOut">
               <a:rPr lang="zh-TW" altLang="en-US" smtClean="0"/>
-              <a:t>2021/7/27</a:t>
+              <a:t>2021/7/29</a:t>
             </a:fld>
             <a:endParaRPr lang="zh-TW" altLang="en-US"/>
           </a:p>
@@ -1951,7 +1954,7 @@
           <a:p>
             <a:fld id="{5BBEAD13-0566-4C6C-97E7-55F17F24B09F}" type="datetimeFigureOut">
               <a:rPr lang="zh-TW" altLang="en-US" smtClean="0"/>
-              <a:t>2021/7/27</a:t>
+              <a:t>2021/7/29</a:t>
             </a:fld>
             <a:endParaRPr lang="zh-TW" altLang="en-US"/>
           </a:p>
@@ -2221,7 +2224,7 @@
           <a:p>
             <a:fld id="{5BBEAD13-0566-4C6C-97E7-55F17F24B09F}" type="datetimeFigureOut">
               <a:rPr lang="zh-TW" altLang="en-US" smtClean="0"/>
-              <a:t>2021/7/27</a:t>
+              <a:t>2021/7/29</a:t>
             </a:fld>
             <a:endParaRPr lang="zh-TW" altLang="en-US"/>
           </a:p>
@@ -2468,7 +2471,7 @@
           <a:p>
             <a:fld id="{5BBEAD13-0566-4C6C-97E7-55F17F24B09F}" type="datetimeFigureOut">
               <a:rPr lang="zh-TW" altLang="en-US" smtClean="0"/>
-              <a:t>2021/7/27</a:t>
+              <a:t>2021/7/29</a:t>
             </a:fld>
             <a:endParaRPr lang="zh-TW" altLang="en-US"/>
           </a:p>
@@ -2674,7 +2677,7 @@
           <a:p>
             <a:fld id="{5BBEAD13-0566-4C6C-97E7-55F17F24B09F}" type="datetimeFigureOut">
               <a:rPr lang="zh-TW" altLang="en-US" smtClean="0"/>
-              <a:t>2021/7/27</a:t>
+              <a:t>2021/7/29</a:t>
             </a:fld>
             <a:endParaRPr lang="zh-TW" altLang="en-US"/>
           </a:p>
@@ -3124,13 +3127,6 @@
   <p:clrMapOvr>
     <a:masterClrMapping/>
   </p:clrMapOvr>
-  <p:timing>
-    <p:tnLst>
-      <p:par>
-        <p:cTn id="1" dur="indefinite" restart="never" nodeType="tmRoot"/>
-      </p:par>
-    </p:tnLst>
-  </p:timing>
 </p:sld>
 </file>
 
@@ -3518,7 +3514,7 @@
           </a:p>
           <a:p>
             <a:r>
-              <a:rPr lang="zh-TW" altLang="en-US" sz="2000" dirty="0" smtClean="0">
+              <a:rPr lang="zh-TW" altLang="en-US" sz="2000" dirty="0">
                 <a:latin typeface="Times New Roman" pitchFamily="18" charset="0"/>
                 <a:cs typeface="Times New Roman" pitchFamily="18" charset="0"/>
               </a:rPr>
@@ -3545,14 +3541,14 @@
           </a:p>
           <a:p>
             <a:r>
-              <a:rPr lang="zh-TW" altLang="en-US" sz="2000" dirty="0" smtClean="0">
+              <a:rPr lang="zh-TW" altLang="en-US" sz="2000" dirty="0">
                 <a:latin typeface="Times New Roman" pitchFamily="18" charset="0"/>
                 <a:cs typeface="Times New Roman" pitchFamily="18" charset="0"/>
               </a:rPr>
               <a:t>    </a:t>
             </a:r>
             <a:r>
-              <a:rPr lang="en-US" altLang="zh-TW" sz="2000" dirty="0" err="1" smtClean="0">
+              <a:rPr lang="en-US" altLang="zh-TW" sz="2000" dirty="0" err="1">
                 <a:solidFill>
                   <a:srgbClr val="00B050"/>
                 </a:solidFill>
@@ -3562,7 +3558,7 @@
               <a:t>ParentElement</a:t>
             </a:r>
             <a:r>
-              <a:rPr lang="en-US" altLang="zh-TW" sz="2000" dirty="0" err="1" smtClean="0">
+              <a:rPr lang="en-US" altLang="zh-TW" sz="2000" dirty="0" err="1">
                 <a:solidFill>
                   <a:srgbClr val="FF0000"/>
                 </a:solidFill>
@@ -3572,7 +3568,7 @@
               <a:t>.appendChild</a:t>
             </a:r>
             <a:r>
-              <a:rPr lang="en-US" altLang="zh-TW" sz="2000" dirty="0" smtClean="0">
+              <a:rPr lang="en-US" altLang="zh-TW" sz="2000" dirty="0">
                 <a:solidFill>
                   <a:srgbClr val="FF0000"/>
                 </a:solidFill>
@@ -3582,7 +3578,7 @@
               <a:t>(</a:t>
             </a:r>
             <a:r>
-              <a:rPr lang="en-US" altLang="zh-TW" sz="2000" dirty="0" err="1" smtClean="0">
+              <a:rPr lang="en-US" altLang="zh-TW" sz="2000" dirty="0" err="1">
                 <a:solidFill>
                   <a:srgbClr val="00B050"/>
                 </a:solidFill>
@@ -3604,7 +3600,7 @@
           </a:p>
           <a:p>
             <a:r>
-              <a:rPr lang="en-US" altLang="zh-TW" sz="2000" dirty="0" smtClean="0">
+              <a:rPr lang="en-US" altLang="zh-TW" sz="2000" dirty="0">
                 <a:latin typeface="Times New Roman" pitchFamily="18" charset="0"/>
                 <a:cs typeface="Times New Roman" pitchFamily="18" charset="0"/>
               </a:rPr>
@@ -3657,36 +3653,29 @@
                 <a:latin typeface="Times New Roman" pitchFamily="18" charset="0"/>
                 <a:cs typeface="Times New Roman" pitchFamily="18" charset="0"/>
               </a:rPr>
-              <a:t>來的容易</a:t>
-            </a:r>
-            <a:r>
-              <a:rPr lang="zh-TW" altLang="en-US" sz="2000" dirty="0" smtClean="0">
-                <a:latin typeface="Times New Roman" pitchFamily="18" charset="0"/>
-                <a:cs typeface="Times New Roman" pitchFamily="18" charset="0"/>
-              </a:rPr>
-              <a:t>理解</a:t>
-            </a:r>
-            <a:endParaRPr lang="en-US" altLang="zh-TW" sz="2000" dirty="0" smtClean="0">
-              <a:latin typeface="Times New Roman" pitchFamily="18" charset="0"/>
-              <a:cs typeface="Times New Roman" pitchFamily="18" charset="0"/>
-            </a:endParaRPr>
-          </a:p>
-          <a:p>
+              <a:t>來的容易理解</a:t>
+            </a:r>
             <a:endParaRPr lang="en-US" altLang="zh-TW" sz="2000" dirty="0">
               <a:latin typeface="Times New Roman" pitchFamily="18" charset="0"/>
               <a:cs typeface="Times New Roman" pitchFamily="18" charset="0"/>
             </a:endParaRPr>
           </a:p>
           <a:p>
-            <a:r>
-              <a:rPr lang="en-US" altLang="zh-TW" sz="2000" dirty="0" smtClean="0">
+            <a:endParaRPr lang="en-US" altLang="zh-TW" sz="2000" dirty="0">
+              <a:latin typeface="Times New Roman" pitchFamily="18" charset="0"/>
+              <a:cs typeface="Times New Roman" pitchFamily="18" charset="0"/>
+            </a:endParaRPr>
+          </a:p>
+          <a:p>
+            <a:r>
+              <a:rPr lang="en-US" altLang="zh-TW" sz="2000" dirty="0">
                 <a:latin typeface="Times New Roman" pitchFamily="18" charset="0"/>
                 <a:cs typeface="Times New Roman" pitchFamily="18" charset="0"/>
               </a:rPr>
               <a:t>Element Attribute</a:t>
             </a:r>
             <a:r>
-              <a:rPr lang="zh-TW" altLang="en-US" sz="2000" dirty="0" smtClean="0">
+              <a:rPr lang="zh-TW" altLang="en-US" sz="2000" dirty="0">
                 <a:latin typeface="Times New Roman" pitchFamily="18" charset="0"/>
                 <a:cs typeface="Times New Roman" pitchFamily="18" charset="0"/>
               </a:rPr>
@@ -3706,14 +3695,14 @@
               <a:t>        </a:t>
             </a:r>
             <a:r>
-              <a:rPr lang="en-US" altLang="zh-TW" sz="2000" dirty="0" err="1" smtClean="0">
+              <a:rPr lang="en-US" altLang="zh-TW" sz="2000" dirty="0" err="1">
                 <a:latin typeface="Times New Roman" pitchFamily="18" charset="0"/>
                 <a:cs typeface="Times New Roman" pitchFamily="18" charset="0"/>
               </a:rPr>
               <a:t>Element</a:t>
             </a:r>
             <a:r>
-              <a:rPr lang="en-US" altLang="zh-TW" sz="2000" dirty="0" err="1" smtClean="0">
+              <a:rPr lang="en-US" altLang="zh-TW" sz="2000" dirty="0" err="1">
                 <a:solidFill>
                   <a:srgbClr val="FF0000"/>
                 </a:solidFill>
@@ -3723,7 +3712,7 @@
               <a:t>.getAttribute</a:t>
             </a:r>
             <a:r>
-              <a:rPr lang="en-US" altLang="zh-TW" sz="2000" dirty="0" smtClean="0">
+              <a:rPr lang="en-US" altLang="zh-TW" sz="2000" dirty="0">
                 <a:solidFill>
                   <a:srgbClr val="FF0000"/>
                 </a:solidFill>
@@ -3733,7 +3722,7 @@
               <a:t>(</a:t>
             </a:r>
             <a:r>
-              <a:rPr lang="en-US" altLang="zh-TW" sz="2000" dirty="0" smtClean="0">
+              <a:rPr lang="en-US" altLang="zh-TW" sz="2000" dirty="0">
                 <a:solidFill>
                   <a:srgbClr val="00B050"/>
                 </a:solidFill>
@@ -3743,7 +3732,7 @@
               <a:t>"Attribute </a:t>
             </a:r>
             <a:r>
-              <a:rPr lang="zh-TW" altLang="en-US" sz="2000" dirty="0" smtClean="0">
+              <a:rPr lang="zh-TW" altLang="en-US" sz="2000" dirty="0">
                 <a:solidFill>
                   <a:srgbClr val="00B050"/>
                 </a:solidFill>
@@ -3753,7 +3742,7 @@
               <a:t>名稱</a:t>
             </a:r>
             <a:r>
-              <a:rPr lang="en-US" altLang="zh-TW" sz="2000" dirty="0" smtClean="0">
+              <a:rPr lang="en-US" altLang="zh-TW" sz="2000" dirty="0">
                 <a:solidFill>
                   <a:srgbClr val="00B050"/>
                 </a:solidFill>
@@ -3763,7 +3752,7 @@
               <a:t>"</a:t>
             </a:r>
             <a:r>
-              <a:rPr lang="en-US" altLang="zh-TW" sz="2000" dirty="0" smtClean="0">
+              <a:rPr lang="en-US" altLang="zh-TW" sz="2000" dirty="0">
                 <a:solidFill>
                   <a:srgbClr val="FF0000"/>
                 </a:solidFill>
@@ -3772,13 +3761,6 @@
               </a:rPr>
               <a:t>);</a:t>
             </a:r>
-            <a:endParaRPr lang="en-US" altLang="zh-TW" sz="2000" dirty="0">
-              <a:solidFill>
-                <a:srgbClr val="FF0000"/>
-              </a:solidFill>
-              <a:latin typeface="Times New Roman" pitchFamily="18" charset="0"/>
-              <a:cs typeface="Times New Roman" pitchFamily="18" charset="0"/>
-            </a:endParaRPr>
           </a:p>
           <a:p>
             <a:r>
@@ -3792,14 +3774,14 @@
               <a:t>        </a:t>
             </a:r>
             <a:r>
-              <a:rPr lang="en-US" altLang="zh-TW" sz="2000" dirty="0" err="1" smtClean="0">
+              <a:rPr lang="en-US" altLang="zh-TW" sz="2000" dirty="0" err="1">
                 <a:latin typeface="Times New Roman" pitchFamily="18" charset="0"/>
                 <a:cs typeface="Times New Roman" pitchFamily="18" charset="0"/>
               </a:rPr>
               <a:t>Element</a:t>
             </a:r>
             <a:r>
-              <a:rPr lang="en-US" altLang="zh-TW" sz="2000" dirty="0" err="1" smtClean="0">
+              <a:rPr lang="en-US" altLang="zh-TW" sz="2000" dirty="0" err="1">
                 <a:solidFill>
                   <a:srgbClr val="FF0000"/>
                 </a:solidFill>
@@ -3809,7 +3791,7 @@
               <a:t>.removeAttribute</a:t>
             </a:r>
             <a:r>
-              <a:rPr lang="en-US" altLang="zh-TW" sz="2000" dirty="0" smtClean="0">
+              <a:rPr lang="en-US" altLang="zh-TW" sz="2000" dirty="0">
                 <a:solidFill>
                   <a:srgbClr val="FF0000"/>
                 </a:solidFill>
@@ -3839,7 +3821,7 @@
               <a:t>名稱</a:t>
             </a:r>
             <a:r>
-              <a:rPr lang="en-US" altLang="zh-TW" sz="2000" dirty="0" smtClean="0">
+              <a:rPr lang="en-US" altLang="zh-TW" sz="2000" dirty="0">
                 <a:solidFill>
                   <a:srgbClr val="00B050"/>
                 </a:solidFill>
@@ -3871,14 +3853,14 @@
               <a:t>        </a:t>
             </a:r>
             <a:r>
-              <a:rPr lang="en-US" altLang="zh-TW" sz="2000" dirty="0" err="1" smtClean="0">
+              <a:rPr lang="en-US" altLang="zh-TW" sz="2000" dirty="0" err="1">
                 <a:latin typeface="Times New Roman" pitchFamily="18" charset="0"/>
                 <a:cs typeface="Times New Roman" pitchFamily="18" charset="0"/>
               </a:rPr>
               <a:t>Element</a:t>
             </a:r>
             <a:r>
-              <a:rPr lang="en-US" altLang="zh-TW" sz="2000" dirty="0" err="1" smtClean="0">
+              <a:rPr lang="en-US" altLang="zh-TW" sz="2000" dirty="0" err="1">
                 <a:solidFill>
                   <a:srgbClr val="FF0000"/>
                 </a:solidFill>
@@ -3888,7 +3870,7 @@
               <a:t>.setAttribute</a:t>
             </a:r>
             <a:r>
-              <a:rPr lang="en-US" altLang="zh-TW" sz="2000" dirty="0" smtClean="0">
+              <a:rPr lang="en-US" altLang="zh-TW" sz="2000" dirty="0">
                 <a:solidFill>
                   <a:srgbClr val="FF0000"/>
                 </a:solidFill>
@@ -3898,7 +3880,7 @@
               <a:t>(</a:t>
             </a:r>
             <a:r>
-              <a:rPr lang="en-US" altLang="zh-TW" sz="2000" dirty="0" smtClean="0">
+              <a:rPr lang="en-US" altLang="zh-TW" sz="2000" dirty="0">
                 <a:solidFill>
                   <a:srgbClr val="00B050"/>
                 </a:solidFill>
@@ -3918,7 +3900,7 @@
               <a:t>名稱</a:t>
             </a:r>
             <a:r>
-              <a:rPr lang="en-US" altLang="zh-TW" sz="2000" dirty="0" smtClean="0">
+              <a:rPr lang="en-US" altLang="zh-TW" sz="2000" dirty="0">
                 <a:solidFill>
                   <a:srgbClr val="00B050"/>
                 </a:solidFill>
@@ -3928,7 +3910,7 @@
               <a:t>"</a:t>
             </a:r>
             <a:r>
-              <a:rPr lang="en-US" altLang="zh-TW" sz="2000" dirty="0" smtClean="0">
+              <a:rPr lang="en-US" altLang="zh-TW" sz="2000" dirty="0">
                 <a:solidFill>
                   <a:srgbClr val="FF0000"/>
                 </a:solidFill>
@@ -3938,7 +3920,7 @@
               <a:t>, </a:t>
             </a:r>
             <a:r>
-              <a:rPr lang="en-US" altLang="zh-TW" sz="2000" dirty="0" smtClean="0">
+              <a:rPr lang="en-US" altLang="zh-TW" sz="2000" dirty="0">
                 <a:solidFill>
                   <a:srgbClr val="0070C0"/>
                 </a:solidFill>
@@ -3948,7 +3930,7 @@
               <a:t>"value"</a:t>
             </a:r>
             <a:r>
-              <a:rPr lang="en-US" altLang="zh-TW" sz="2000" dirty="0" smtClean="0">
+              <a:rPr lang="en-US" altLang="zh-TW" sz="2000" dirty="0">
                 <a:solidFill>
                   <a:srgbClr val="FF0000"/>
                 </a:solidFill>
@@ -3957,13 +3939,6 @@
               </a:rPr>
               <a:t>);</a:t>
             </a:r>
-            <a:endParaRPr lang="en-US" altLang="zh-TW" sz="2000" dirty="0">
-              <a:solidFill>
-                <a:srgbClr val="FF0000"/>
-              </a:solidFill>
-              <a:latin typeface="Times New Roman" pitchFamily="18" charset="0"/>
-              <a:cs typeface="Times New Roman" pitchFamily="18" charset="0"/>
-            </a:endParaRPr>
           </a:p>
         </p:txBody>
       </p:sp>
@@ -3977,13 +3952,6 @@
   <p:clrMapOvr>
     <a:masterClrMapping/>
   </p:clrMapOvr>
-  <p:timing>
-    <p:tnLst>
-      <p:par>
-        <p:cTn id="1" dur="indefinite" restart="never" nodeType="tmRoot"/>
-      </p:par>
-    </p:tnLst>
-  </p:timing>
 </p:sld>
 </file>
 
@@ -4386,14 +4354,7 @@
                 <a:latin typeface="Times New Roman" pitchFamily="18" charset="0"/>
                 <a:cs typeface="Times New Roman" pitchFamily="18" charset="0"/>
               </a:rPr>
-              <a:t>    &lt;/script</a:t>
-            </a:r>
-            <a:r>
-              <a:rPr lang="en-US" altLang="zh-TW" sz="2000" dirty="0" smtClean="0">
-                <a:latin typeface="Times New Roman" pitchFamily="18" charset="0"/>
-                <a:cs typeface="Times New Roman" pitchFamily="18" charset="0"/>
-              </a:rPr>
-              <a:t>&gt;</a:t>
+              <a:t>    &lt;/script&gt;</a:t>
             </a:r>
           </a:p>
           <a:p>
@@ -4404,7 +4365,7 @@
           </a:p>
           <a:p>
             <a:r>
-              <a:rPr lang="zh-TW" altLang="en-US" sz="2000" dirty="0" smtClean="0">
+              <a:rPr lang="zh-TW" altLang="en-US" sz="2000" dirty="0">
                 <a:latin typeface="Times New Roman" pitchFamily="18" charset="0"/>
                 <a:cs typeface="Times New Roman" pitchFamily="18" charset="0"/>
               </a:rPr>
@@ -4424,7 +4385,7 @@
               <a:t>        </a:t>
             </a:r>
             <a:r>
-              <a:rPr lang="en-US" altLang="zh-TW" sz="2000" dirty="0" err="1" smtClean="0">
+              <a:rPr lang="en-US" altLang="zh-TW" sz="2000" dirty="0" err="1">
                 <a:solidFill>
                   <a:srgbClr val="00B050"/>
                 </a:solidFill>
@@ -4434,7 +4395,7 @@
               <a:t>event</a:t>
             </a:r>
             <a:r>
-              <a:rPr lang="en-US" altLang="zh-TW" sz="2000" dirty="0" err="1" smtClean="0">
+              <a:rPr lang="en-US" altLang="zh-TW" sz="2000" dirty="0" err="1">
                 <a:solidFill>
                   <a:srgbClr val="FF0000"/>
                 </a:solidFill>
@@ -4444,7 +4405,7 @@
               <a:t>.stopPropagation</a:t>
             </a:r>
             <a:r>
-              <a:rPr lang="en-US" altLang="zh-TW" sz="2000" dirty="0" smtClean="0">
+              <a:rPr lang="en-US" altLang="zh-TW" sz="2000" dirty="0">
                 <a:solidFill>
                   <a:srgbClr val="FF0000"/>
                 </a:solidFill>
@@ -4454,7 +4415,7 @@
               <a:t>(</a:t>
             </a:r>
             <a:r>
-              <a:rPr lang="en-US" altLang="zh-TW" sz="2000" dirty="0" smtClean="0">
+              <a:rPr lang="en-US" altLang="zh-TW" sz="2000" dirty="0">
                 <a:solidFill>
                   <a:srgbClr val="00B050"/>
                 </a:solidFill>
@@ -4493,13 +4454,6 @@
   <p:clrMapOvr>
     <a:masterClrMapping/>
   </p:clrMapOvr>
-  <p:timing>
-    <p:tnLst>
-      <p:par>
-        <p:cTn id="1" dur="indefinite" restart="never" nodeType="tmRoot"/>
-      </p:par>
-    </p:tnLst>
-  </p:timing>
 </p:sld>
 </file>
 
@@ -4544,25 +4498,11 @@
           <a:p>
             <a:pPr algn="ctr"/>
             <a:r>
-              <a:rPr lang="en-US" altLang="zh-TW" sz="2400" dirty="0" smtClean="0">
-                <a:latin typeface="Times New Roman" pitchFamily="18" charset="0"/>
-                <a:cs typeface="Times New Roman" pitchFamily="18" charset="0"/>
-              </a:rPr>
-              <a:t>JSON(JavaScript </a:t>
-            </a:r>
-            <a:r>
               <a:rPr lang="en-US" altLang="zh-TW" sz="2400" dirty="0">
                 <a:latin typeface="Times New Roman" pitchFamily="18" charset="0"/>
                 <a:cs typeface="Times New Roman" pitchFamily="18" charset="0"/>
               </a:rPr>
-              <a:t>Object </a:t>
-            </a:r>
-            <a:r>
-              <a:rPr lang="en-US" altLang="zh-TW" sz="2400" dirty="0" smtClean="0">
-                <a:latin typeface="Times New Roman" pitchFamily="18" charset="0"/>
-                <a:cs typeface="Times New Roman" pitchFamily="18" charset="0"/>
-              </a:rPr>
-              <a:t>Notation)</a:t>
+              <a:t>JSON(JavaScript Object Notation)</a:t>
             </a:r>
             <a:endParaRPr lang="zh-TW" altLang="en-US" sz="2400" dirty="0">
               <a:latin typeface="Times New Roman" pitchFamily="18" charset="0"/>
@@ -4595,7 +4535,7 @@
           <a:p>
             <a:pPr algn="ctr"/>
             <a:r>
-              <a:rPr lang="en-US" altLang="zh-TW" sz="1200" dirty="0" smtClean="0">
+              <a:rPr lang="en-US" altLang="zh-TW" sz="1200" dirty="0">
                 <a:latin typeface="Times New Roman" pitchFamily="18" charset="0"/>
                 <a:cs typeface="Times New Roman" pitchFamily="18" charset="0"/>
               </a:rPr>
@@ -4631,27 +4571,27 @@
           <a:lstStyle/>
           <a:p>
             <a:r>
-              <a:rPr lang="zh-TW" altLang="en-US" sz="2000" dirty="0" smtClean="0">
+              <a:rPr lang="zh-TW" altLang="en-US" sz="2000" dirty="0">
                 <a:latin typeface="Times New Roman" pitchFamily="18" charset="0"/>
                 <a:cs typeface="Times New Roman" pitchFamily="18" charset="0"/>
               </a:rPr>
               <a:t>是一種 </a:t>
             </a:r>
             <a:r>
-              <a:rPr lang="en-US" altLang="zh-TW" sz="2000" dirty="0" smtClean="0">
+              <a:rPr lang="en-US" altLang="zh-TW" sz="2000" dirty="0">
                 <a:latin typeface="Times New Roman" pitchFamily="18" charset="0"/>
                 <a:cs typeface="Times New Roman" pitchFamily="18" charset="0"/>
               </a:rPr>
               <a:t>JavaScript Object </a:t>
             </a:r>
             <a:r>
-              <a:rPr lang="zh-TW" altLang="en-US" sz="2000" dirty="0" smtClean="0">
+              <a:rPr lang="zh-TW" altLang="en-US" sz="2000" dirty="0">
                 <a:latin typeface="Times New Roman" pitchFamily="18" charset="0"/>
                 <a:cs typeface="Times New Roman" pitchFamily="18" charset="0"/>
               </a:rPr>
               <a:t>撰寫的風格：</a:t>
             </a:r>
-            <a:endParaRPr lang="en-US" altLang="zh-TW" sz="2000" dirty="0" smtClean="0">
+            <a:endParaRPr lang="en-US" altLang="zh-TW" sz="2000" dirty="0">
               <a:latin typeface="Times New Roman" pitchFamily="18" charset="0"/>
               <a:cs typeface="Times New Roman" pitchFamily="18" charset="0"/>
             </a:endParaRPr>
@@ -4662,14 +4602,14 @@
               <a:buChar char="•"/>
             </a:pPr>
             <a:r>
-              <a:rPr lang="zh-TW" altLang="en-US" sz="2000" dirty="0" smtClean="0">
+              <a:rPr lang="zh-TW" altLang="en-US" sz="2000" dirty="0">
                 <a:latin typeface="Times New Roman" pitchFamily="18" charset="0"/>
                 <a:cs typeface="Times New Roman" pitchFamily="18" charset="0"/>
               </a:rPr>
               <a:t>內容必須是 </a:t>
             </a:r>
             <a:r>
-              <a:rPr lang="en-US" altLang="zh-TW" sz="2000" dirty="0" smtClean="0">
+              <a:rPr lang="en-US" altLang="zh-TW" sz="2000" dirty="0">
                 <a:solidFill>
                   <a:srgbClr val="FF0000"/>
                 </a:solidFill>
@@ -4679,13 +4619,13 @@
               <a:t>"key": "value"</a:t>
             </a:r>
             <a:r>
-              <a:rPr lang="zh-TW" altLang="en-US" sz="2000" dirty="0" smtClean="0">
+              <a:rPr lang="zh-TW" altLang="en-US" sz="2000" dirty="0">
                 <a:latin typeface="Times New Roman" pitchFamily="18" charset="0"/>
                 <a:cs typeface="Times New Roman" pitchFamily="18" charset="0"/>
               </a:rPr>
               <a:t> 格式</a:t>
             </a:r>
-            <a:endParaRPr lang="en-US" altLang="zh-TW" sz="2000" dirty="0" smtClean="0">
+            <a:endParaRPr lang="en-US" altLang="zh-TW" sz="2000" dirty="0">
               <a:latin typeface="Times New Roman" pitchFamily="18" charset="0"/>
               <a:cs typeface="Times New Roman" pitchFamily="18" charset="0"/>
             </a:endParaRPr>
@@ -4696,7 +4636,7 @@
               <a:buChar char="•"/>
             </a:pPr>
             <a:r>
-              <a:rPr lang="zh-TW" altLang="en-US" sz="2000" dirty="0" smtClean="0">
+              <a:rPr lang="zh-TW" altLang="en-US" sz="2000" dirty="0">
                 <a:solidFill>
                   <a:srgbClr val="FF0000"/>
                 </a:solidFill>
@@ -4705,7 +4645,7 @@
               </a:rPr>
               <a:t>不能有註解</a:t>
             </a:r>
-            <a:endParaRPr lang="en-US" altLang="zh-TW" sz="2000" dirty="0" smtClean="0">
+            <a:endParaRPr lang="en-US" altLang="zh-TW" sz="2000" dirty="0">
               <a:solidFill>
                 <a:srgbClr val="FF0000"/>
               </a:solidFill>
@@ -4719,28 +4659,28 @@
               <a:buChar char="•"/>
             </a:pPr>
             <a:r>
-              <a:rPr lang="zh-TW" altLang="en-US" sz="2000" dirty="0" smtClean="0">
+              <a:rPr lang="zh-TW" altLang="en-US" sz="2000" dirty="0">
                 <a:latin typeface="Times New Roman" pitchFamily="18" charset="0"/>
                 <a:cs typeface="Times New Roman" pitchFamily="18" charset="0"/>
               </a:rPr>
               <a:t>字串不能使用單引號 </a:t>
             </a:r>
             <a:r>
-              <a:rPr lang="en-US" altLang="zh-TW" sz="2000" dirty="0" smtClean="0">
+              <a:rPr lang="en-US" altLang="zh-TW" sz="2000" dirty="0">
                 <a:latin typeface="Times New Roman" pitchFamily="18" charset="0"/>
                 <a:cs typeface="Times New Roman" pitchFamily="18" charset="0"/>
               </a:rPr>
               <a:t>'  '</a:t>
             </a:r>
             <a:r>
-              <a:rPr lang="zh-TW" altLang="en-US" sz="2000" dirty="0" smtClean="0">
+              <a:rPr lang="zh-TW" altLang="en-US" sz="2000" dirty="0">
                 <a:latin typeface="Times New Roman" pitchFamily="18" charset="0"/>
                 <a:cs typeface="Times New Roman" pitchFamily="18" charset="0"/>
               </a:rPr>
               <a:t>，一律使用</a:t>
             </a:r>
             <a:r>
-              <a:rPr lang="zh-TW" altLang="en-US" sz="2000" dirty="0" smtClean="0">
+              <a:rPr lang="zh-TW" altLang="en-US" sz="2000" dirty="0">
                 <a:solidFill>
                   <a:srgbClr val="FF0000"/>
                 </a:solidFill>
@@ -4750,27 +4690,17 @@
               <a:t>雙引號 </a:t>
             </a:r>
             <a:r>
-              <a:rPr lang="en-US" altLang="zh-TW" sz="2000" dirty="0" smtClean="0">
+              <a:rPr lang="en-US" altLang="zh-TW" sz="2000" dirty="0">
                 <a:solidFill>
                   <a:srgbClr val="FF0000"/>
                 </a:solidFill>
                 <a:latin typeface="Times New Roman" pitchFamily="18" charset="0"/>
                 <a:cs typeface="Times New Roman" pitchFamily="18" charset="0"/>
               </a:rPr>
-              <a:t>"  </a:t>
-            </a:r>
-            <a:r>
-              <a:rPr lang="en-US" altLang="zh-TW" sz="2000" dirty="0">
-                <a:solidFill>
-                  <a:srgbClr val="FF0000"/>
-                </a:solidFill>
-                <a:latin typeface="Times New Roman" pitchFamily="18" charset="0"/>
-                <a:cs typeface="Times New Roman" pitchFamily="18" charset="0"/>
-              </a:rPr>
-              <a:t>"</a:t>
-            </a:r>
-            <a:r>
-              <a:rPr lang="zh-TW" altLang="en-US" sz="2000" dirty="0" smtClean="0">
+              <a:t>"  "</a:t>
+            </a:r>
+            <a:r>
+              <a:rPr lang="zh-TW" altLang="en-US" sz="2000" dirty="0">
                 <a:latin typeface="Times New Roman" pitchFamily="18" charset="0"/>
                 <a:cs typeface="Times New Roman" pitchFamily="18" charset="0"/>
               </a:rPr>
@@ -4780,239 +4710,6 @@
               <a:latin typeface="Times New Roman" pitchFamily="18" charset="0"/>
               <a:cs typeface="Times New Roman" pitchFamily="18" charset="0"/>
             </a:endParaRPr>
-          </a:p>
-          <a:p>
-            <a:pPr marL="180975" indent="-180975"/>
-            <a:endParaRPr lang="en-US" altLang="zh-TW" sz="2000" dirty="0" smtClean="0">
-              <a:latin typeface="Times New Roman" pitchFamily="18" charset="0"/>
-              <a:cs typeface="Times New Roman" pitchFamily="18" charset="0"/>
-            </a:endParaRPr>
-          </a:p>
-          <a:p>
-            <a:pPr marL="180975" indent="-180975"/>
-            <a:r>
-              <a:rPr lang="zh-TW" altLang="en-US" sz="2000" dirty="0" smtClean="0">
-                <a:latin typeface="Times New Roman" pitchFamily="18" charset="0"/>
-                <a:cs typeface="Times New Roman" pitchFamily="18" charset="0"/>
-              </a:rPr>
-              <a:t>常用 </a:t>
-            </a:r>
-            <a:r>
-              <a:rPr lang="en-US" altLang="zh-TW" sz="2000" dirty="0" smtClean="0">
-                <a:latin typeface="Times New Roman" pitchFamily="18" charset="0"/>
-                <a:cs typeface="Times New Roman" pitchFamily="18" charset="0"/>
-              </a:rPr>
-              <a:t>JSON</a:t>
-            </a:r>
-            <a:r>
-              <a:rPr lang="zh-TW" altLang="en-US" sz="2000" dirty="0" smtClean="0">
-                <a:latin typeface="Times New Roman" pitchFamily="18" charset="0"/>
-                <a:cs typeface="Times New Roman" pitchFamily="18" charset="0"/>
-              </a:rPr>
-              <a:t> 物件操作：</a:t>
-            </a:r>
-            <a:endParaRPr lang="en-US" altLang="zh-TW" sz="2000" dirty="0" smtClean="0">
-              <a:latin typeface="Times New Roman" pitchFamily="18" charset="0"/>
-              <a:cs typeface="Times New Roman" pitchFamily="18" charset="0"/>
-            </a:endParaRPr>
-          </a:p>
-          <a:p>
-            <a:pPr marL="180975" indent="-180975"/>
-            <a:r>
-              <a:rPr lang="en-US" altLang="zh-TW" sz="2000" dirty="0" smtClean="0">
-                <a:latin typeface="Times New Roman" pitchFamily="18" charset="0"/>
-                <a:cs typeface="Times New Roman" pitchFamily="18" charset="0"/>
-              </a:rPr>
-              <a:t>JSON</a:t>
-            </a:r>
-            <a:r>
-              <a:rPr lang="zh-TW" altLang="en-US" sz="2000" dirty="0" smtClean="0">
-                <a:latin typeface="Times New Roman" pitchFamily="18" charset="0"/>
-                <a:cs typeface="Times New Roman" pitchFamily="18" charset="0"/>
-              </a:rPr>
-              <a:t> 物件轉字串</a:t>
-            </a:r>
-            <a:endParaRPr lang="en-US" altLang="zh-TW" sz="2000" dirty="0">
-              <a:latin typeface="Times New Roman" pitchFamily="18" charset="0"/>
-              <a:cs typeface="Times New Roman" pitchFamily="18" charset="0"/>
-            </a:endParaRPr>
-          </a:p>
-          <a:p>
-            <a:pPr marL="180975" indent="-180975"/>
-            <a:r>
-              <a:rPr lang="en-US" altLang="zh-TW" sz="2000" dirty="0">
-                <a:latin typeface="Times New Roman" pitchFamily="18" charset="0"/>
-                <a:cs typeface="Times New Roman" pitchFamily="18" charset="0"/>
-              </a:rPr>
-              <a:t>        </a:t>
-            </a:r>
-            <a:r>
-              <a:rPr lang="en-US" altLang="zh-TW" sz="2000" dirty="0" err="1">
-                <a:latin typeface="Times New Roman" pitchFamily="18" charset="0"/>
-                <a:cs typeface="Times New Roman" pitchFamily="18" charset="0"/>
-              </a:rPr>
-              <a:t>json_string</a:t>
-            </a:r>
-            <a:r>
-              <a:rPr lang="en-US" altLang="zh-TW" sz="2000" dirty="0">
-                <a:latin typeface="Times New Roman" pitchFamily="18" charset="0"/>
-                <a:cs typeface="Times New Roman" pitchFamily="18" charset="0"/>
-              </a:rPr>
-              <a:t> = </a:t>
-            </a:r>
-            <a:r>
-              <a:rPr lang="en-US" altLang="zh-TW" sz="2000" dirty="0" err="1">
-                <a:solidFill>
-                  <a:srgbClr val="FF0000"/>
-                </a:solidFill>
-                <a:latin typeface="Times New Roman" pitchFamily="18" charset="0"/>
-                <a:cs typeface="Times New Roman" pitchFamily="18" charset="0"/>
-              </a:rPr>
-              <a:t>JSON.stringify</a:t>
-            </a:r>
-            <a:r>
-              <a:rPr lang="en-US" altLang="zh-TW" sz="2000" dirty="0">
-                <a:solidFill>
-                  <a:srgbClr val="FF0000"/>
-                </a:solidFill>
-                <a:latin typeface="Times New Roman" pitchFamily="18" charset="0"/>
-                <a:cs typeface="Times New Roman" pitchFamily="18" charset="0"/>
-              </a:rPr>
-              <a:t>(</a:t>
-            </a:r>
-            <a:r>
-              <a:rPr lang="en-US" altLang="zh-TW" sz="2000" dirty="0" err="1">
-                <a:solidFill>
-                  <a:srgbClr val="00B050"/>
-                </a:solidFill>
-                <a:latin typeface="Times New Roman" pitchFamily="18" charset="0"/>
-                <a:cs typeface="Times New Roman" pitchFamily="18" charset="0"/>
-              </a:rPr>
-              <a:t>json_object</a:t>
-            </a:r>
-            <a:r>
-              <a:rPr lang="en-US" altLang="zh-TW" sz="2000" dirty="0" smtClean="0">
-                <a:solidFill>
-                  <a:srgbClr val="FF0000"/>
-                </a:solidFill>
-                <a:latin typeface="Times New Roman" pitchFamily="18" charset="0"/>
-                <a:cs typeface="Times New Roman" pitchFamily="18" charset="0"/>
-              </a:rPr>
-              <a:t>)</a:t>
-            </a:r>
-            <a:r>
-              <a:rPr lang="en-US" altLang="zh-TW" sz="2000" dirty="0" smtClean="0">
-                <a:latin typeface="Times New Roman" pitchFamily="18" charset="0"/>
-                <a:cs typeface="Times New Roman" pitchFamily="18" charset="0"/>
-              </a:rPr>
-              <a:t>;</a:t>
-            </a:r>
-          </a:p>
-          <a:p>
-            <a:pPr marL="180975" indent="-180975"/>
-            <a:r>
-              <a:rPr lang="zh-TW" altLang="en-US" sz="2000" dirty="0" smtClean="0">
-                <a:latin typeface="Times New Roman" pitchFamily="18" charset="0"/>
-                <a:cs typeface="Times New Roman" pitchFamily="18" charset="0"/>
-              </a:rPr>
-              <a:t>字串轉</a:t>
-            </a:r>
-            <a:r>
-              <a:rPr lang="en-US" altLang="zh-TW" sz="2000" dirty="0">
-                <a:latin typeface="Times New Roman" pitchFamily="18" charset="0"/>
-                <a:cs typeface="Times New Roman" pitchFamily="18" charset="0"/>
-              </a:rPr>
-              <a:t>JSON</a:t>
-            </a:r>
-            <a:r>
-              <a:rPr lang="zh-TW" altLang="en-US" sz="2000" dirty="0">
-                <a:latin typeface="Times New Roman" pitchFamily="18" charset="0"/>
-                <a:cs typeface="Times New Roman" pitchFamily="18" charset="0"/>
-              </a:rPr>
-              <a:t> </a:t>
-            </a:r>
-            <a:r>
-              <a:rPr lang="zh-TW" altLang="en-US" sz="2000" dirty="0" smtClean="0">
-                <a:latin typeface="Times New Roman" pitchFamily="18" charset="0"/>
-                <a:cs typeface="Times New Roman" pitchFamily="18" charset="0"/>
-              </a:rPr>
-              <a:t>物件</a:t>
-            </a:r>
-            <a:endParaRPr lang="en-US" altLang="zh-TW" sz="2000" dirty="0">
-              <a:latin typeface="Times New Roman" pitchFamily="18" charset="0"/>
-              <a:cs typeface="Times New Roman" pitchFamily="18" charset="0"/>
-            </a:endParaRPr>
-          </a:p>
-          <a:p>
-            <a:pPr marL="180975" indent="-180975"/>
-            <a:r>
-              <a:rPr lang="en-US" altLang="zh-TW" sz="2000" dirty="0">
-                <a:latin typeface="Times New Roman" pitchFamily="18" charset="0"/>
-                <a:cs typeface="Times New Roman" pitchFamily="18" charset="0"/>
-              </a:rPr>
-              <a:t>        </a:t>
-            </a:r>
-            <a:r>
-              <a:rPr lang="en-US" altLang="zh-TW" sz="2000" dirty="0" err="1">
-                <a:latin typeface="Times New Roman" pitchFamily="18" charset="0"/>
-                <a:cs typeface="Times New Roman" pitchFamily="18" charset="0"/>
-              </a:rPr>
-              <a:t>json_object</a:t>
-            </a:r>
-            <a:r>
-              <a:rPr lang="en-US" altLang="zh-TW" sz="2000" dirty="0">
-                <a:latin typeface="Times New Roman" pitchFamily="18" charset="0"/>
-                <a:cs typeface="Times New Roman" pitchFamily="18" charset="0"/>
-              </a:rPr>
-              <a:t> = </a:t>
-            </a:r>
-            <a:r>
-              <a:rPr lang="en-US" altLang="zh-TW" sz="2000" dirty="0" err="1">
-                <a:solidFill>
-                  <a:srgbClr val="FF0000"/>
-                </a:solidFill>
-                <a:latin typeface="Times New Roman" pitchFamily="18" charset="0"/>
-                <a:cs typeface="Times New Roman" pitchFamily="18" charset="0"/>
-              </a:rPr>
-              <a:t>JSON.parse</a:t>
-            </a:r>
-            <a:r>
-              <a:rPr lang="en-US" altLang="zh-TW" sz="2000" dirty="0">
-                <a:solidFill>
-                  <a:srgbClr val="FF0000"/>
-                </a:solidFill>
-                <a:latin typeface="Times New Roman" pitchFamily="18" charset="0"/>
-                <a:cs typeface="Times New Roman" pitchFamily="18" charset="0"/>
-              </a:rPr>
-              <a:t>(</a:t>
-            </a:r>
-            <a:r>
-              <a:rPr lang="en-US" altLang="zh-TW" sz="2000" dirty="0" err="1">
-                <a:solidFill>
-                  <a:srgbClr val="00B050"/>
-                </a:solidFill>
-                <a:latin typeface="Times New Roman" pitchFamily="18" charset="0"/>
-                <a:cs typeface="Times New Roman" pitchFamily="18" charset="0"/>
-              </a:rPr>
-              <a:t>json_string</a:t>
-            </a:r>
-            <a:r>
-              <a:rPr lang="en-US" altLang="zh-TW" sz="2000" dirty="0" smtClean="0">
-                <a:solidFill>
-                  <a:srgbClr val="FF0000"/>
-                </a:solidFill>
-                <a:latin typeface="Times New Roman" pitchFamily="18" charset="0"/>
-                <a:cs typeface="Times New Roman" pitchFamily="18" charset="0"/>
-              </a:rPr>
-              <a:t>)</a:t>
-            </a:r>
-            <a:r>
-              <a:rPr lang="en-US" altLang="zh-TW" sz="2000" dirty="0" smtClean="0">
-                <a:latin typeface="Times New Roman" pitchFamily="18" charset="0"/>
-                <a:cs typeface="Times New Roman" pitchFamily="18" charset="0"/>
-              </a:rPr>
-              <a:t>;</a:t>
-            </a:r>
           </a:p>
           <a:p>
             <a:pPr marL="180975" indent="-180975"/>
@@ -5024,48 +4721,274 @@
           <a:p>
             <a:pPr marL="180975" indent="-180975"/>
             <a:r>
-              <a:rPr lang="en-US" altLang="zh-TW" sz="2000" dirty="0" smtClean="0">
+              <a:rPr lang="zh-TW" altLang="en-US" sz="2000" dirty="0">
+                <a:latin typeface="Times New Roman" pitchFamily="18" charset="0"/>
+                <a:cs typeface="Times New Roman" pitchFamily="18" charset="0"/>
+              </a:rPr>
+              <a:t>常用 </a:t>
+            </a:r>
+            <a:r>
+              <a:rPr lang="en-US" altLang="zh-TW" sz="2000" dirty="0">
                 <a:latin typeface="Times New Roman" pitchFamily="18" charset="0"/>
                 <a:cs typeface="Times New Roman" pitchFamily="18" charset="0"/>
               </a:rPr>
               <a:t>JSON</a:t>
             </a:r>
             <a:r>
-              <a:rPr lang="zh-TW" altLang="en-US" sz="2000" dirty="0" smtClean="0">
+              <a:rPr lang="zh-TW" altLang="en-US" sz="2000" dirty="0">
+                <a:latin typeface="Times New Roman" pitchFamily="18" charset="0"/>
+                <a:cs typeface="Times New Roman" pitchFamily="18" charset="0"/>
+              </a:rPr>
+              <a:t> 物件操作：</a:t>
+            </a:r>
+            <a:endParaRPr lang="en-US" altLang="zh-TW" sz="2000" dirty="0">
+              <a:latin typeface="Times New Roman" pitchFamily="18" charset="0"/>
+              <a:cs typeface="Times New Roman" pitchFamily="18" charset="0"/>
+            </a:endParaRPr>
+          </a:p>
+          <a:p>
+            <a:pPr marL="180975" indent="-180975"/>
+            <a:r>
+              <a:rPr lang="en-US" altLang="zh-TW" sz="2000" dirty="0">
+                <a:latin typeface="Times New Roman" pitchFamily="18" charset="0"/>
+                <a:cs typeface="Times New Roman" pitchFamily="18" charset="0"/>
+              </a:rPr>
+              <a:t>JSON</a:t>
+            </a:r>
+            <a:r>
+              <a:rPr lang="zh-TW" altLang="en-US" sz="2000" dirty="0">
+                <a:latin typeface="Times New Roman" pitchFamily="18" charset="0"/>
+                <a:cs typeface="Times New Roman" pitchFamily="18" charset="0"/>
+              </a:rPr>
+              <a:t> 物件轉字串</a:t>
+            </a:r>
+            <a:endParaRPr lang="en-US" altLang="zh-TW" sz="2000" dirty="0">
+              <a:latin typeface="Times New Roman" pitchFamily="18" charset="0"/>
+              <a:cs typeface="Times New Roman" pitchFamily="18" charset="0"/>
+            </a:endParaRPr>
+          </a:p>
+          <a:p>
+            <a:pPr marL="180975" indent="-180975"/>
+            <a:r>
+              <a:rPr lang="en-US" altLang="zh-TW" sz="2000" dirty="0">
+                <a:latin typeface="Times New Roman" pitchFamily="18" charset="0"/>
+                <a:cs typeface="Times New Roman" pitchFamily="18" charset="0"/>
+              </a:rPr>
+              <a:t>        </a:t>
+            </a:r>
+            <a:r>
+              <a:rPr lang="en-US" altLang="zh-TW" sz="2000" dirty="0" err="1">
+                <a:latin typeface="Times New Roman" pitchFamily="18" charset="0"/>
+                <a:cs typeface="Times New Roman" pitchFamily="18" charset="0"/>
+              </a:rPr>
+              <a:t>json_string</a:t>
+            </a:r>
+            <a:r>
+              <a:rPr lang="en-US" altLang="zh-TW" sz="2000" dirty="0">
+                <a:latin typeface="Times New Roman" pitchFamily="18" charset="0"/>
+                <a:cs typeface="Times New Roman" pitchFamily="18" charset="0"/>
+              </a:rPr>
+              <a:t> = </a:t>
+            </a:r>
+            <a:r>
+              <a:rPr lang="en-US" altLang="zh-TW" sz="2000" dirty="0" err="1">
+                <a:solidFill>
+                  <a:srgbClr val="FF0000"/>
+                </a:solidFill>
+                <a:latin typeface="Times New Roman" pitchFamily="18" charset="0"/>
+                <a:cs typeface="Times New Roman" pitchFamily="18" charset="0"/>
+              </a:rPr>
+              <a:t>JSON.stringify</a:t>
+            </a:r>
+            <a:r>
+              <a:rPr lang="en-US" altLang="zh-TW" sz="2000" dirty="0">
+                <a:solidFill>
+                  <a:srgbClr val="FF0000"/>
+                </a:solidFill>
+                <a:latin typeface="Times New Roman" pitchFamily="18" charset="0"/>
+                <a:cs typeface="Times New Roman" pitchFamily="18" charset="0"/>
+              </a:rPr>
+              <a:t>(</a:t>
+            </a:r>
+            <a:r>
+              <a:rPr lang="en-US" altLang="zh-TW" sz="2000" dirty="0" err="1">
+                <a:solidFill>
+                  <a:srgbClr val="00B050"/>
+                </a:solidFill>
+                <a:latin typeface="Times New Roman" pitchFamily="18" charset="0"/>
+                <a:cs typeface="Times New Roman" pitchFamily="18" charset="0"/>
+              </a:rPr>
+              <a:t>json_object</a:t>
+            </a:r>
+            <a:r>
+              <a:rPr lang="en-US" altLang="zh-TW" sz="2000" dirty="0">
+                <a:solidFill>
+                  <a:srgbClr val="FF0000"/>
+                </a:solidFill>
+                <a:latin typeface="Times New Roman" pitchFamily="18" charset="0"/>
+                <a:cs typeface="Times New Roman" pitchFamily="18" charset="0"/>
+              </a:rPr>
+              <a:t>)</a:t>
+            </a:r>
+            <a:r>
+              <a:rPr lang="en-US" altLang="zh-TW" sz="2000" dirty="0">
+                <a:latin typeface="Times New Roman" pitchFamily="18" charset="0"/>
+                <a:cs typeface="Times New Roman" pitchFamily="18" charset="0"/>
+              </a:rPr>
+              <a:t>;</a:t>
+            </a:r>
+          </a:p>
+          <a:p>
+            <a:pPr marL="180975" indent="-180975"/>
+            <a:r>
+              <a:rPr lang="zh-TW" altLang="en-US" sz="2000" dirty="0">
+                <a:latin typeface="Times New Roman" pitchFamily="18" charset="0"/>
+                <a:cs typeface="Times New Roman" pitchFamily="18" charset="0"/>
+              </a:rPr>
+              <a:t>字串轉</a:t>
+            </a:r>
+            <a:r>
+              <a:rPr lang="en-US" altLang="zh-TW" sz="2000" dirty="0">
+                <a:latin typeface="Times New Roman" pitchFamily="18" charset="0"/>
+                <a:cs typeface="Times New Roman" pitchFamily="18" charset="0"/>
+              </a:rPr>
+              <a:t>JSON</a:t>
+            </a:r>
+            <a:r>
+              <a:rPr lang="zh-TW" altLang="en-US" sz="2000" dirty="0">
+                <a:latin typeface="Times New Roman" pitchFamily="18" charset="0"/>
+                <a:cs typeface="Times New Roman" pitchFamily="18" charset="0"/>
+              </a:rPr>
+              <a:t> 物件</a:t>
+            </a:r>
+            <a:endParaRPr lang="en-US" altLang="zh-TW" sz="2000" dirty="0">
+              <a:latin typeface="Times New Roman" pitchFamily="18" charset="0"/>
+              <a:cs typeface="Times New Roman" pitchFamily="18" charset="0"/>
+            </a:endParaRPr>
+          </a:p>
+          <a:p>
+            <a:pPr marL="180975" indent="-180975"/>
+            <a:r>
+              <a:rPr lang="en-US" altLang="zh-TW" sz="2000" dirty="0">
+                <a:latin typeface="Times New Roman" pitchFamily="18" charset="0"/>
+                <a:cs typeface="Times New Roman" pitchFamily="18" charset="0"/>
+              </a:rPr>
+              <a:t>        </a:t>
+            </a:r>
+            <a:r>
+              <a:rPr lang="en-US" altLang="zh-TW" sz="2000" dirty="0" err="1">
+                <a:latin typeface="Times New Roman" pitchFamily="18" charset="0"/>
+                <a:cs typeface="Times New Roman" pitchFamily="18" charset="0"/>
+              </a:rPr>
+              <a:t>json_object</a:t>
+            </a:r>
+            <a:r>
+              <a:rPr lang="en-US" altLang="zh-TW" sz="2000" dirty="0">
+                <a:latin typeface="Times New Roman" pitchFamily="18" charset="0"/>
+                <a:cs typeface="Times New Roman" pitchFamily="18" charset="0"/>
+              </a:rPr>
+              <a:t> = </a:t>
+            </a:r>
+            <a:r>
+              <a:rPr lang="en-US" altLang="zh-TW" sz="2000" dirty="0" err="1">
+                <a:solidFill>
+                  <a:srgbClr val="FF0000"/>
+                </a:solidFill>
+                <a:latin typeface="Times New Roman" pitchFamily="18" charset="0"/>
+                <a:cs typeface="Times New Roman" pitchFamily="18" charset="0"/>
+              </a:rPr>
+              <a:t>JSON.parse</a:t>
+            </a:r>
+            <a:r>
+              <a:rPr lang="en-US" altLang="zh-TW" sz="2000" dirty="0">
+                <a:solidFill>
+                  <a:srgbClr val="FF0000"/>
+                </a:solidFill>
+                <a:latin typeface="Times New Roman" pitchFamily="18" charset="0"/>
+                <a:cs typeface="Times New Roman" pitchFamily="18" charset="0"/>
+              </a:rPr>
+              <a:t>(</a:t>
+            </a:r>
+            <a:r>
+              <a:rPr lang="en-US" altLang="zh-TW" sz="2000" dirty="0" err="1">
+                <a:solidFill>
+                  <a:srgbClr val="00B050"/>
+                </a:solidFill>
+                <a:latin typeface="Times New Roman" pitchFamily="18" charset="0"/>
+                <a:cs typeface="Times New Roman" pitchFamily="18" charset="0"/>
+              </a:rPr>
+              <a:t>json_string</a:t>
+            </a:r>
+            <a:r>
+              <a:rPr lang="en-US" altLang="zh-TW" sz="2000" dirty="0">
+                <a:solidFill>
+                  <a:srgbClr val="FF0000"/>
+                </a:solidFill>
+                <a:latin typeface="Times New Roman" pitchFamily="18" charset="0"/>
+                <a:cs typeface="Times New Roman" pitchFamily="18" charset="0"/>
+              </a:rPr>
+              <a:t>)</a:t>
+            </a:r>
+            <a:r>
+              <a:rPr lang="en-US" altLang="zh-TW" sz="2000" dirty="0">
+                <a:latin typeface="Times New Roman" pitchFamily="18" charset="0"/>
+                <a:cs typeface="Times New Roman" pitchFamily="18" charset="0"/>
+              </a:rPr>
+              <a:t>;</a:t>
+            </a:r>
+          </a:p>
+          <a:p>
+            <a:pPr marL="180975" indent="-180975"/>
+            <a:endParaRPr lang="en-US" altLang="zh-TW" sz="2000" dirty="0">
+              <a:latin typeface="Times New Roman" pitchFamily="18" charset="0"/>
+              <a:cs typeface="Times New Roman" pitchFamily="18" charset="0"/>
+            </a:endParaRPr>
+          </a:p>
+          <a:p>
+            <a:pPr marL="180975" indent="-180975"/>
+            <a:r>
+              <a:rPr lang="en-US" altLang="zh-TW" sz="2000" dirty="0">
+                <a:latin typeface="Times New Roman" pitchFamily="18" charset="0"/>
+                <a:cs typeface="Times New Roman" pitchFamily="18" charset="0"/>
+              </a:rPr>
+              <a:t>JSON</a:t>
+            </a:r>
+            <a:r>
+              <a:rPr lang="zh-TW" altLang="en-US" sz="2000" dirty="0">
                 <a:latin typeface="Times New Roman" pitchFamily="18" charset="0"/>
                 <a:cs typeface="Times New Roman" pitchFamily="18" charset="0"/>
               </a:rPr>
               <a:t> 可以單獨寫成 </a:t>
             </a:r>
             <a:r>
-              <a:rPr lang="en-US" altLang="zh-TW" sz="2000" dirty="0" smtClean="0">
+              <a:rPr lang="en-US" altLang="zh-TW" sz="2000" dirty="0">
                 <a:latin typeface="Times New Roman" pitchFamily="18" charset="0"/>
                 <a:cs typeface="Times New Roman" pitchFamily="18" charset="0"/>
               </a:rPr>
               <a:t>.</a:t>
             </a:r>
             <a:r>
-              <a:rPr lang="en-US" altLang="zh-TW" sz="2000" dirty="0" err="1" smtClean="0">
+              <a:rPr lang="en-US" altLang="zh-TW" sz="2000" dirty="0" err="1">
                 <a:latin typeface="Times New Roman" pitchFamily="18" charset="0"/>
                 <a:cs typeface="Times New Roman" pitchFamily="18" charset="0"/>
               </a:rPr>
               <a:t>json</a:t>
             </a:r>
             <a:r>
-              <a:rPr lang="en-US" altLang="zh-TW" sz="2000" dirty="0" smtClean="0">
+              <a:rPr lang="en-US" altLang="zh-TW" sz="2000" dirty="0">
                 <a:latin typeface="Times New Roman" pitchFamily="18" charset="0"/>
                 <a:cs typeface="Times New Roman" pitchFamily="18" charset="0"/>
               </a:rPr>
               <a:t> </a:t>
             </a:r>
             <a:r>
-              <a:rPr lang="zh-TW" altLang="en-US" sz="2000" dirty="0" smtClean="0">
+              <a:rPr lang="zh-TW" altLang="en-US" sz="2000" dirty="0">
                 <a:latin typeface="Times New Roman" pitchFamily="18" charset="0"/>
                 <a:cs typeface="Times New Roman" pitchFamily="18" charset="0"/>
               </a:rPr>
               <a:t>檔案</a:t>
             </a:r>
-            <a:endParaRPr lang="en-US" altLang="zh-TW" sz="2000" dirty="0" smtClean="0">
+            <a:endParaRPr lang="en-US" altLang="zh-TW" sz="2000" dirty="0">
               <a:latin typeface="Times New Roman" pitchFamily="18" charset="0"/>
               <a:cs typeface="Times New Roman" pitchFamily="18" charset="0"/>
             </a:endParaRPr>
@@ -5088,13 +5011,6 @@
   <p:clrMapOvr>
     <a:masterClrMapping/>
   </p:clrMapOvr>
-  <p:timing>
-    <p:tnLst>
-      <p:par>
-        <p:cTn id="1" dur="indefinite" restart="never" nodeType="tmRoot"/>
-      </p:par>
-    </p:tnLst>
-  </p:timing>
 </p:sld>
 </file>
 
@@ -5139,14 +5055,14 @@
           <a:p>
             <a:pPr algn="ctr"/>
             <a:r>
-              <a:rPr lang="en-US" altLang="zh-TW" sz="2400" dirty="0" smtClean="0">
+              <a:rPr lang="en-US" altLang="zh-TW" sz="2400" dirty="0">
                 <a:latin typeface="Times New Roman" pitchFamily="18" charset="0"/>
                 <a:cs typeface="Times New Roman" pitchFamily="18" charset="0"/>
               </a:rPr>
               <a:t>XML(E</a:t>
             </a:r>
             <a:r>
-              <a:rPr lang="en-US" altLang="zh-TW" sz="2400" dirty="0" smtClean="0">
+              <a:rPr lang="en-US" altLang="zh-TW" sz="2400" dirty="0">
                 <a:solidFill>
                   <a:srgbClr val="FF0000"/>
                 </a:solidFill>
@@ -5156,18 +5072,11 @@
               <a:t>x</a:t>
             </a:r>
             <a:r>
-              <a:rPr lang="en-US" altLang="zh-TW" sz="2400" dirty="0" smtClean="0">
-                <a:latin typeface="Times New Roman" pitchFamily="18" charset="0"/>
-                <a:cs typeface="Times New Roman" pitchFamily="18" charset="0"/>
-              </a:rPr>
-              <a:t>tensible </a:t>
-            </a:r>
-            <a:r>
               <a:rPr lang="en-US" altLang="zh-TW" sz="2400" dirty="0">
                 <a:latin typeface="Times New Roman" pitchFamily="18" charset="0"/>
                 <a:cs typeface="Times New Roman" pitchFamily="18" charset="0"/>
               </a:rPr>
-              <a:t>Markup Language)</a:t>
+              <a:t>tensible Markup Language)</a:t>
             </a:r>
             <a:endParaRPr lang="zh-TW" altLang="en-US" sz="2400" dirty="0">
               <a:latin typeface="Times New Roman" pitchFamily="18" charset="0"/>
@@ -5200,7 +5109,7 @@
           <a:p>
             <a:pPr algn="ctr"/>
             <a:r>
-              <a:rPr lang="en-US" altLang="zh-TW" sz="1200" dirty="0" smtClean="0">
+              <a:rPr lang="en-US" altLang="zh-TW" sz="1200" dirty="0">
                 <a:latin typeface="Times New Roman" pitchFamily="18" charset="0"/>
                 <a:cs typeface="Times New Roman" pitchFamily="18" charset="0"/>
               </a:rPr>
@@ -5236,14 +5145,14 @@
           <a:lstStyle/>
           <a:p>
             <a:r>
-              <a:rPr lang="zh-TW" altLang="en-US" sz="2000" dirty="0" smtClean="0">
+              <a:rPr lang="zh-TW" altLang="en-US" sz="2000" dirty="0">
                 <a:latin typeface="Times New Roman" pitchFamily="18" charset="0"/>
                 <a:cs typeface="Times New Roman" pitchFamily="18" charset="0"/>
               </a:rPr>
               <a:t>是一種資料標記的格式，副檔名為 </a:t>
             </a:r>
             <a:r>
-              <a:rPr lang="en-US" altLang="zh-TW" sz="2000" dirty="0" smtClean="0">
+              <a:rPr lang="en-US" altLang="zh-TW" sz="2000" dirty="0">
                 <a:latin typeface="Times New Roman" pitchFamily="18" charset="0"/>
                 <a:cs typeface="Times New Roman" pitchFamily="18" charset="0"/>
               </a:rPr>
@@ -5252,14 +5161,14 @@
           </a:p>
           <a:p>
             <a:r>
-              <a:rPr lang="en-US" altLang="zh-TW" sz="2000" dirty="0" err="1" smtClean="0">
+              <a:rPr lang="en-US" altLang="zh-TW" sz="2000" dirty="0" err="1">
                 <a:latin typeface="Times New Roman" pitchFamily="18" charset="0"/>
                 <a:cs typeface="Times New Roman" pitchFamily="18" charset="0"/>
               </a:rPr>
               <a:t>eg</a:t>
             </a:r>
             <a:r>
-              <a:rPr lang="en-US" altLang="zh-TW" sz="2000" dirty="0" smtClean="0">
+              <a:rPr lang="en-US" altLang="zh-TW" sz="2000" dirty="0">
                 <a:latin typeface="Times New Roman" pitchFamily="18" charset="0"/>
                 <a:cs typeface="Times New Roman" pitchFamily="18" charset="0"/>
               </a:rPr>
@@ -5277,18 +5186,11 @@
           </a:p>
           <a:p>
             <a:r>
-              <a:rPr lang="en-US" altLang="zh-TW" sz="2000" dirty="0" smtClean="0">
-                <a:latin typeface="Times New Roman" pitchFamily="18" charset="0"/>
-                <a:cs typeface="Times New Roman" pitchFamily="18" charset="0"/>
-              </a:rPr>
-              <a:t>&lt;</a:t>
-            </a:r>
-            <a:r>
-              <a:rPr lang="en-US" altLang="zh-TW" sz="2000" dirty="0">
-                <a:latin typeface="Times New Roman" pitchFamily="18" charset="0"/>
-                <a:cs typeface="Times New Roman" pitchFamily="18" charset="0"/>
-              </a:rPr>
-              <a:t>employee&gt;</a:t>
+              <a:rPr lang="en-US" altLang="zh-TW" sz="2000" dirty="0">
+                <a:latin typeface="Times New Roman" pitchFamily="18" charset="0"/>
+                <a:cs typeface="Times New Roman" pitchFamily="18" charset="0"/>
+              </a:rPr>
+              <a:t>&lt;employee&gt;</a:t>
             </a:r>
           </a:p>
           <a:p>
@@ -5324,14 +5226,7 @@
                 <a:latin typeface="Times New Roman" pitchFamily="18" charset="0"/>
                 <a:cs typeface="Times New Roman" pitchFamily="18" charset="0"/>
               </a:rPr>
-              <a:t>&lt;/employee</a:t>
-            </a:r>
-            <a:r>
-              <a:rPr lang="en-US" altLang="zh-TW" sz="2000" dirty="0" smtClean="0">
-                <a:latin typeface="Times New Roman" pitchFamily="18" charset="0"/>
-                <a:cs typeface="Times New Roman" pitchFamily="18" charset="0"/>
-              </a:rPr>
-              <a:t>&gt;</a:t>
+              <a:t>&lt;/employee&gt;</a:t>
             </a:r>
           </a:p>
           <a:p>
@@ -5346,93 +5241,58 @@
                 <a:latin typeface="Times New Roman" pitchFamily="18" charset="0"/>
                 <a:cs typeface="Times New Roman" pitchFamily="18" charset="0"/>
               </a:rPr>
-              <a:t>要</a:t>
-            </a:r>
-            <a:r>
-              <a:rPr lang="zh-TW" altLang="en-US" sz="2000" dirty="0" smtClean="0">
-                <a:latin typeface="Times New Roman" pitchFamily="18" charset="0"/>
-                <a:cs typeface="Times New Roman" pitchFamily="18" charset="0"/>
-              </a:rPr>
-              <a:t>有 </a:t>
-            </a:r>
-            <a:r>
-              <a:rPr lang="en-US" altLang="zh-TW" sz="2000" dirty="0" smtClean="0">
-                <a:latin typeface="Times New Roman" pitchFamily="18" charset="0"/>
-                <a:cs typeface="Times New Roman" pitchFamily="18" charset="0"/>
-              </a:rPr>
-              <a:t>&lt;?</a:t>
-            </a:r>
-            <a:r>
-              <a:rPr lang="en-US" altLang="zh-TW" sz="2000" dirty="0">
-                <a:latin typeface="Times New Roman" pitchFamily="18" charset="0"/>
-                <a:cs typeface="Times New Roman" pitchFamily="18" charset="0"/>
-              </a:rPr>
-              <a:t>xml version</a:t>
-            </a:r>
-            <a:r>
-              <a:rPr lang="en-US" altLang="zh-TW" sz="2000" dirty="0" smtClean="0">
-                <a:latin typeface="Times New Roman" pitchFamily="18" charset="0"/>
-                <a:cs typeface="Times New Roman" pitchFamily="18" charset="0"/>
-              </a:rPr>
-              <a:t>="1.0"?&gt;</a:t>
-            </a:r>
-            <a:r>
-              <a:rPr lang="zh-TW" altLang="en-US" sz="2000" dirty="0" smtClean="0">
-                <a:latin typeface="Times New Roman" pitchFamily="18" charset="0"/>
-                <a:cs typeface="Times New Roman" pitchFamily="18" charset="0"/>
-              </a:rPr>
-              <a:t> </a:t>
-            </a:r>
-            <a:r>
-              <a:rPr lang="zh-TW" altLang="en-US" sz="2000" dirty="0">
-                <a:latin typeface="Times New Roman" pitchFamily="18" charset="0"/>
-                <a:cs typeface="Times New Roman" pitchFamily="18" charset="0"/>
-              </a:rPr>
-              <a:t>這個</a:t>
-            </a:r>
-            <a:r>
-              <a:rPr lang="zh-TW" altLang="en-US" sz="2000" dirty="0" smtClean="0">
-                <a:latin typeface="Times New Roman" pitchFamily="18" charset="0"/>
-                <a:cs typeface="Times New Roman" pitchFamily="18" charset="0"/>
-              </a:rPr>
-              <a:t>宣告</a:t>
-            </a:r>
-            <a:endParaRPr lang="en-US" altLang="zh-TW" sz="2000" dirty="0" smtClean="0">
-              <a:latin typeface="Times New Roman" pitchFamily="18" charset="0"/>
-              <a:cs typeface="Times New Roman" pitchFamily="18" charset="0"/>
-            </a:endParaRPr>
-          </a:p>
-          <a:p>
-            <a:r>
-              <a:rPr lang="en-US" altLang="zh-TW" sz="2000" dirty="0" smtClean="0">
+              <a:t>要有 </a:t>
+            </a:r>
+            <a:r>
+              <a:rPr lang="en-US" altLang="zh-TW" sz="2000" dirty="0">
+                <a:latin typeface="Times New Roman" pitchFamily="18" charset="0"/>
+                <a:cs typeface="Times New Roman" pitchFamily="18" charset="0"/>
+              </a:rPr>
+              <a:t>&lt;?xml version="1.0"?&gt;</a:t>
+            </a:r>
+            <a:r>
+              <a:rPr lang="zh-TW" altLang="en-US" sz="2000" dirty="0">
+                <a:latin typeface="Times New Roman" pitchFamily="18" charset="0"/>
+                <a:cs typeface="Times New Roman" pitchFamily="18" charset="0"/>
+              </a:rPr>
+              <a:t> 這個宣告</a:t>
+            </a:r>
+            <a:endParaRPr lang="en-US" altLang="zh-TW" sz="2000" dirty="0">
+              <a:latin typeface="Times New Roman" pitchFamily="18" charset="0"/>
+              <a:cs typeface="Times New Roman" pitchFamily="18" charset="0"/>
+            </a:endParaRPr>
+          </a:p>
+          <a:p>
+            <a:r>
+              <a:rPr lang="en-US" altLang="zh-TW" sz="2000" dirty="0">
                 <a:latin typeface="Times New Roman" pitchFamily="18" charset="0"/>
                 <a:cs typeface="Times New Roman" pitchFamily="18" charset="0"/>
               </a:rPr>
               <a:t>Element </a:t>
             </a:r>
             <a:r>
-              <a:rPr lang="zh-TW" altLang="en-US" sz="2000" dirty="0" smtClean="0">
+              <a:rPr lang="zh-TW" altLang="en-US" sz="2000" dirty="0">
                 <a:latin typeface="Times New Roman" pitchFamily="18" charset="0"/>
                 <a:cs typeface="Times New Roman" pitchFamily="18" charset="0"/>
               </a:rPr>
               <a:t>一定有 </a:t>
             </a:r>
             <a:r>
-              <a:rPr lang="en-US" altLang="zh-TW" sz="2000" dirty="0" smtClean="0">
+              <a:rPr lang="en-US" altLang="zh-TW" sz="2000" dirty="0">
                 <a:latin typeface="Times New Roman" pitchFamily="18" charset="0"/>
                 <a:cs typeface="Times New Roman" pitchFamily="18" charset="0"/>
               </a:rPr>
               <a:t>start tag </a:t>
             </a:r>
             <a:r>
-              <a:rPr lang="zh-TW" altLang="en-US" sz="2000" dirty="0" smtClean="0">
+              <a:rPr lang="zh-TW" altLang="en-US" sz="2000" dirty="0">
                 <a:latin typeface="Times New Roman" pitchFamily="18" charset="0"/>
                 <a:cs typeface="Times New Roman" pitchFamily="18" charset="0"/>
               </a:rPr>
               <a:t>和 </a:t>
             </a:r>
             <a:r>
-              <a:rPr lang="en-US" altLang="zh-TW" sz="2000" dirty="0" smtClean="0">
+              <a:rPr lang="en-US" altLang="zh-TW" sz="2000" dirty="0">
                 <a:latin typeface="Times New Roman" pitchFamily="18" charset="0"/>
                 <a:cs typeface="Times New Roman" pitchFamily="18" charset="0"/>
               </a:rPr>
@@ -5457,13 +5317,6 @@
   <p:clrMapOvr>
     <a:masterClrMapping/>
   </p:clrMapOvr>
-  <p:timing>
-    <p:tnLst>
-      <p:par>
-        <p:cTn id="1" dur="indefinite" restart="never" nodeType="tmRoot"/>
-      </p:par>
-    </p:tnLst>
-  </p:timing>
 </p:sld>
 </file>
 
@@ -5545,7 +5398,7 @@
           <a:p>
             <a:pPr algn="ctr"/>
             <a:r>
-              <a:rPr lang="en-US" altLang="zh-TW" sz="1200" dirty="0" smtClean="0">
+              <a:rPr lang="en-US" altLang="zh-TW" sz="1200" dirty="0">
                 <a:latin typeface="Times New Roman" pitchFamily="18" charset="0"/>
                 <a:cs typeface="Times New Roman" pitchFamily="18" charset="0"/>
               </a:rPr>
@@ -5581,21 +5434,21 @@
           <a:lstStyle/>
           <a:p>
             <a:r>
-              <a:rPr lang="zh-TW" altLang="en-US" sz="2000" dirty="0" smtClean="0">
+              <a:rPr lang="zh-TW" altLang="en-US" sz="2000" dirty="0">
                 <a:latin typeface="Times New Roman" pitchFamily="18" charset="0"/>
                 <a:cs typeface="Times New Roman" pitchFamily="18" charset="0"/>
               </a:rPr>
               <a:t>簡單說，就是非同步</a:t>
             </a:r>
             <a:r>
-              <a:rPr lang="en-US" altLang="zh-TW" sz="2000" dirty="0" smtClean="0">
+              <a:rPr lang="en-US" altLang="zh-TW" sz="2000" dirty="0">
                 <a:latin typeface="Times New Roman" pitchFamily="18" charset="0"/>
                 <a:cs typeface="Times New Roman" pitchFamily="18" charset="0"/>
               </a:rPr>
               <a:t>(</a:t>
             </a:r>
             <a:r>
-              <a:rPr lang="en-US" altLang="zh-TW" sz="2000" dirty="0" smtClean="0">
+              <a:rPr lang="en-US" altLang="zh-TW" sz="2000" dirty="0">
                 <a:solidFill>
                   <a:srgbClr val="FF0000"/>
                 </a:solidFill>
@@ -5605,21 +5458,21 @@
               <a:t>Asynchronous</a:t>
             </a:r>
             <a:r>
-              <a:rPr lang="en-US" altLang="zh-TW" sz="2000" dirty="0" smtClean="0">
+              <a:rPr lang="en-US" altLang="zh-TW" sz="2000" dirty="0">
                 <a:latin typeface="Times New Roman" pitchFamily="18" charset="0"/>
                 <a:cs typeface="Times New Roman" pitchFamily="18" charset="0"/>
               </a:rPr>
               <a:t>)</a:t>
             </a:r>
             <a:r>
-              <a:rPr lang="zh-TW" altLang="en-US" sz="2000" dirty="0" smtClean="0">
+              <a:rPr lang="zh-TW" altLang="en-US" sz="2000" dirty="0">
                 <a:latin typeface="Times New Roman" pitchFamily="18" charset="0"/>
                 <a:cs typeface="Times New Roman" pitchFamily="18" charset="0"/>
               </a:rPr>
               <a:t>的 </a:t>
             </a:r>
             <a:r>
-              <a:rPr lang="en-US" altLang="zh-TW" sz="2000" dirty="0" smtClean="0">
+              <a:rPr lang="en-US" altLang="zh-TW" sz="2000" dirty="0">
                 <a:solidFill>
                   <a:srgbClr val="FF0000"/>
                 </a:solidFill>
@@ -5629,113 +5482,113 @@
               <a:t>Http Request</a:t>
             </a:r>
             <a:r>
-              <a:rPr lang="en-US" altLang="zh-TW" sz="2000" dirty="0" smtClean="0">
+              <a:rPr lang="en-US" altLang="zh-TW" sz="2000" dirty="0">
                 <a:latin typeface="Times New Roman" pitchFamily="18" charset="0"/>
                 <a:cs typeface="Times New Roman" pitchFamily="18" charset="0"/>
               </a:rPr>
               <a:t> </a:t>
             </a:r>
             <a:r>
-              <a:rPr lang="zh-TW" altLang="en-US" sz="2000" dirty="0" smtClean="0">
+              <a:rPr lang="zh-TW" altLang="en-US" sz="2000" dirty="0">
                 <a:latin typeface="Times New Roman" pitchFamily="18" charset="0"/>
                 <a:cs typeface="Times New Roman" pitchFamily="18" charset="0"/>
               </a:rPr>
               <a:t>的概念。</a:t>
             </a:r>
-            <a:endParaRPr lang="en-US" altLang="zh-TW" sz="2000" dirty="0" smtClean="0">
-              <a:latin typeface="Times New Roman" pitchFamily="18" charset="0"/>
-              <a:cs typeface="Times New Roman" pitchFamily="18" charset="0"/>
-            </a:endParaRPr>
-          </a:p>
-          <a:p>
             <a:endParaRPr lang="en-US" altLang="zh-TW" sz="2000" dirty="0">
               <a:latin typeface="Times New Roman" pitchFamily="18" charset="0"/>
               <a:cs typeface="Times New Roman" pitchFamily="18" charset="0"/>
             </a:endParaRPr>
           </a:p>
           <a:p>
-            <a:endParaRPr lang="en-US" altLang="zh-TW" sz="2000" dirty="0" smtClean="0">
-              <a:latin typeface="Times New Roman" pitchFamily="18" charset="0"/>
-              <a:cs typeface="Times New Roman" pitchFamily="18" charset="0"/>
-            </a:endParaRPr>
-          </a:p>
-          <a:p>
             <a:endParaRPr lang="en-US" altLang="zh-TW" sz="2000" dirty="0">
               <a:latin typeface="Times New Roman" pitchFamily="18" charset="0"/>
               <a:cs typeface="Times New Roman" pitchFamily="18" charset="0"/>
             </a:endParaRPr>
           </a:p>
           <a:p>
-            <a:endParaRPr lang="en-US" altLang="zh-TW" sz="2000" dirty="0" smtClean="0">
-              <a:latin typeface="Times New Roman" pitchFamily="18" charset="0"/>
-              <a:cs typeface="Times New Roman" pitchFamily="18" charset="0"/>
-            </a:endParaRPr>
-          </a:p>
-          <a:p>
             <a:endParaRPr lang="en-US" altLang="zh-TW" sz="2000" dirty="0">
               <a:latin typeface="Times New Roman" pitchFamily="18" charset="0"/>
               <a:cs typeface="Times New Roman" pitchFamily="18" charset="0"/>
             </a:endParaRPr>
           </a:p>
           <a:p>
-            <a:endParaRPr lang="en-US" altLang="zh-TW" sz="2000" dirty="0" smtClean="0">
-              <a:latin typeface="Times New Roman" pitchFamily="18" charset="0"/>
-              <a:cs typeface="Times New Roman" pitchFamily="18" charset="0"/>
-            </a:endParaRPr>
-          </a:p>
-          <a:p>
             <a:endParaRPr lang="en-US" altLang="zh-TW" sz="2000" dirty="0">
               <a:latin typeface="Times New Roman" pitchFamily="18" charset="0"/>
               <a:cs typeface="Times New Roman" pitchFamily="18" charset="0"/>
             </a:endParaRPr>
           </a:p>
           <a:p>
-            <a:endParaRPr lang="en-US" altLang="zh-TW" sz="2000" dirty="0" smtClean="0">
-              <a:latin typeface="Times New Roman" pitchFamily="18" charset="0"/>
-              <a:cs typeface="Times New Roman" pitchFamily="18" charset="0"/>
-            </a:endParaRPr>
-          </a:p>
-          <a:p>
             <a:endParaRPr lang="en-US" altLang="zh-TW" sz="2000" dirty="0">
               <a:latin typeface="Times New Roman" pitchFamily="18" charset="0"/>
               <a:cs typeface="Times New Roman" pitchFamily="18" charset="0"/>
             </a:endParaRPr>
           </a:p>
           <a:p>
-            <a:endParaRPr lang="en-US" altLang="zh-TW" sz="2000" dirty="0" smtClean="0">
-              <a:latin typeface="Times New Roman" pitchFamily="18" charset="0"/>
-              <a:cs typeface="Times New Roman" pitchFamily="18" charset="0"/>
-            </a:endParaRPr>
-          </a:p>
-          <a:p>
             <a:endParaRPr lang="en-US" altLang="zh-TW" sz="2000" dirty="0">
               <a:latin typeface="Times New Roman" pitchFamily="18" charset="0"/>
               <a:cs typeface="Times New Roman" pitchFamily="18" charset="0"/>
             </a:endParaRPr>
           </a:p>
           <a:p>
-            <a:endParaRPr lang="en-US" altLang="zh-TW" sz="2000" dirty="0" smtClean="0">
-              <a:latin typeface="Times New Roman" pitchFamily="18" charset="0"/>
-              <a:cs typeface="Times New Roman" pitchFamily="18" charset="0"/>
-            </a:endParaRPr>
-          </a:p>
-          <a:p>
-            <a:r>
-              <a:rPr lang="zh-TW" altLang="en-US" sz="2000" dirty="0" smtClean="0">
+            <a:endParaRPr lang="en-US" altLang="zh-TW" sz="2000" dirty="0">
+              <a:latin typeface="Times New Roman" pitchFamily="18" charset="0"/>
+              <a:cs typeface="Times New Roman" pitchFamily="18" charset="0"/>
+            </a:endParaRPr>
+          </a:p>
+          <a:p>
+            <a:endParaRPr lang="en-US" altLang="zh-TW" sz="2000" dirty="0">
+              <a:latin typeface="Times New Roman" pitchFamily="18" charset="0"/>
+              <a:cs typeface="Times New Roman" pitchFamily="18" charset="0"/>
+            </a:endParaRPr>
+          </a:p>
+          <a:p>
+            <a:endParaRPr lang="en-US" altLang="zh-TW" sz="2000" dirty="0">
+              <a:latin typeface="Times New Roman" pitchFamily="18" charset="0"/>
+              <a:cs typeface="Times New Roman" pitchFamily="18" charset="0"/>
+            </a:endParaRPr>
+          </a:p>
+          <a:p>
+            <a:endParaRPr lang="en-US" altLang="zh-TW" sz="2000" dirty="0">
+              <a:latin typeface="Times New Roman" pitchFamily="18" charset="0"/>
+              <a:cs typeface="Times New Roman" pitchFamily="18" charset="0"/>
+            </a:endParaRPr>
+          </a:p>
+          <a:p>
+            <a:endParaRPr lang="en-US" altLang="zh-TW" sz="2000" dirty="0">
+              <a:latin typeface="Times New Roman" pitchFamily="18" charset="0"/>
+              <a:cs typeface="Times New Roman" pitchFamily="18" charset="0"/>
+            </a:endParaRPr>
+          </a:p>
+          <a:p>
+            <a:endParaRPr lang="en-US" altLang="zh-TW" sz="2000" dirty="0">
+              <a:latin typeface="Times New Roman" pitchFamily="18" charset="0"/>
+              <a:cs typeface="Times New Roman" pitchFamily="18" charset="0"/>
+            </a:endParaRPr>
+          </a:p>
+          <a:p>
+            <a:endParaRPr lang="en-US" altLang="zh-TW" sz="2000" dirty="0">
+              <a:latin typeface="Times New Roman" pitchFamily="18" charset="0"/>
+              <a:cs typeface="Times New Roman" pitchFamily="18" charset="0"/>
+            </a:endParaRPr>
+          </a:p>
+          <a:p>
+            <a:r>
+              <a:rPr lang="zh-TW" altLang="en-US" sz="2000" dirty="0">
                 <a:latin typeface="Times New Roman" pitchFamily="18" charset="0"/>
                 <a:cs typeface="Times New Roman" pitchFamily="18" charset="0"/>
               </a:rPr>
               <a:t>想在網頁進行 </a:t>
             </a:r>
             <a:r>
-              <a:rPr lang="en-US" altLang="zh-TW" sz="2000" dirty="0" smtClean="0">
+              <a:rPr lang="en-US" altLang="zh-TW" sz="2000" dirty="0">
                 <a:latin typeface="Times New Roman" pitchFamily="18" charset="0"/>
                 <a:cs typeface="Times New Roman" pitchFamily="18" charset="0"/>
               </a:rPr>
               <a:t>Asynchronous</a:t>
             </a:r>
             <a:r>
-              <a:rPr lang="zh-TW" altLang="en-US" sz="2000" dirty="0" smtClean="0">
+              <a:rPr lang="zh-TW" altLang="en-US" sz="2000" dirty="0">
                 <a:latin typeface="Times New Roman" pitchFamily="18" charset="0"/>
                 <a:cs typeface="Times New Roman" pitchFamily="18" charset="0"/>
               </a:rPr>
@@ -5746,52 +5599,45 @@
                 <a:latin typeface="Times New Roman" pitchFamily="18" charset="0"/>
                 <a:cs typeface="Times New Roman" pitchFamily="18" charset="0"/>
               </a:rPr>
-              <a:t>Http </a:t>
-            </a:r>
-            <a:r>
-              <a:rPr lang="en-US" altLang="zh-TW" sz="2000" dirty="0" smtClean="0">
-                <a:latin typeface="Times New Roman" pitchFamily="18" charset="0"/>
-                <a:cs typeface="Times New Roman" pitchFamily="18" charset="0"/>
-              </a:rPr>
-              <a:t>Request</a:t>
-            </a:r>
-            <a:r>
-              <a:rPr lang="zh-TW" altLang="en-US" sz="2000" dirty="0" smtClean="0">
+              <a:t>Http Request</a:t>
+            </a:r>
+            <a:r>
+              <a:rPr lang="zh-TW" altLang="en-US" sz="2000" dirty="0">
                 <a:latin typeface="Times New Roman" pitchFamily="18" charset="0"/>
                 <a:cs typeface="Times New Roman" pitchFamily="18" charset="0"/>
               </a:rPr>
               <a:t> 就必須依靠 </a:t>
             </a:r>
             <a:r>
-              <a:rPr lang="en-US" altLang="zh-TW" sz="2000" dirty="0" err="1" smtClean="0">
+              <a:rPr lang="en-US" altLang="zh-TW" sz="2000" dirty="0" err="1">
                 <a:latin typeface="Times New Roman" pitchFamily="18" charset="0"/>
                 <a:cs typeface="Times New Roman" pitchFamily="18" charset="0"/>
               </a:rPr>
               <a:t>XMLHttpRequest</a:t>
             </a:r>
             <a:r>
-              <a:rPr lang="zh-TW" altLang="en-US" sz="2000" dirty="0" smtClean="0">
+              <a:rPr lang="zh-TW" altLang="en-US" sz="2000" dirty="0">
                 <a:latin typeface="Times New Roman" pitchFamily="18" charset="0"/>
                 <a:cs typeface="Times New Roman" pitchFamily="18" charset="0"/>
               </a:rPr>
               <a:t> </a:t>
             </a:r>
             <a:r>
-              <a:rPr lang="en-US" altLang="zh-TW" sz="2000" dirty="0" smtClean="0">
+              <a:rPr lang="en-US" altLang="zh-TW" sz="2000" dirty="0">
                 <a:latin typeface="Times New Roman" pitchFamily="18" charset="0"/>
                 <a:cs typeface="Times New Roman" pitchFamily="18" charset="0"/>
               </a:rPr>
               <a:t>(XHR)</a:t>
             </a:r>
             <a:r>
-              <a:rPr lang="zh-TW" altLang="en-US" sz="2000" dirty="0" smtClean="0">
+              <a:rPr lang="zh-TW" altLang="en-US" sz="2000" dirty="0">
                 <a:latin typeface="Times New Roman" pitchFamily="18" charset="0"/>
                 <a:cs typeface="Times New Roman" pitchFamily="18" charset="0"/>
               </a:rPr>
               <a:t> </a:t>
             </a:r>
             <a:r>
-              <a:rPr lang="en-US" altLang="zh-TW" sz="2000" dirty="0" smtClean="0">
+              <a:rPr lang="en-US" altLang="zh-TW" sz="2000" dirty="0">
                 <a:latin typeface="Times New Roman" pitchFamily="18" charset="0"/>
                 <a:cs typeface="Times New Roman" pitchFamily="18" charset="0"/>
               </a:rPr>
@@ -5802,16 +5648,9 @@
                 <a:latin typeface="Times New Roman" pitchFamily="18" charset="0"/>
                 <a:cs typeface="Times New Roman" pitchFamily="18" charset="0"/>
               </a:rPr>
-              <a:t> </a:t>
-            </a:r>
-            <a:r>
-              <a:rPr lang="zh-TW" altLang="en-US" sz="2000" dirty="0" smtClean="0">
-                <a:latin typeface="Times New Roman" pitchFamily="18" charset="0"/>
-                <a:cs typeface="Times New Roman" pitchFamily="18" charset="0"/>
-              </a:rPr>
-              <a:t>提供的實作。</a:t>
-            </a:r>
-            <a:endParaRPr lang="en-US" altLang="zh-TW" sz="2000" dirty="0" smtClean="0">
+              <a:t> 提供的實作。</a:t>
+            </a:r>
+            <a:endParaRPr lang="en-US" altLang="zh-TW" sz="2000" dirty="0">
               <a:latin typeface="Times New Roman" pitchFamily="18" charset="0"/>
               <a:cs typeface="Times New Roman" pitchFamily="18" charset="0"/>
             </a:endParaRPr>
@@ -5871,7 +5710,7 @@
           <a:p>
             <a:pPr algn="ctr"/>
             <a:r>
-              <a:rPr lang="en-US" altLang="zh-TW" dirty="0" smtClean="0">
+              <a:rPr lang="en-US" altLang="zh-TW" dirty="0">
                 <a:solidFill>
                   <a:schemeClr val="tx1"/>
                 </a:solidFill>
@@ -5937,7 +5776,7 @@
           <a:p>
             <a:pPr algn="ctr"/>
             <a:r>
-              <a:rPr lang="en-US" altLang="zh-TW" dirty="0" smtClean="0">
+              <a:rPr lang="en-US" altLang="zh-TW" dirty="0">
                 <a:solidFill>
                   <a:schemeClr val="tx1"/>
                 </a:solidFill>
@@ -6003,7 +5842,7 @@
           <a:p>
             <a:pPr algn="ctr"/>
             <a:r>
-              <a:rPr lang="en-US" altLang="zh-TW" dirty="0" smtClean="0">
+              <a:rPr lang="en-US" altLang="zh-TW" dirty="0">
                 <a:solidFill>
                   <a:schemeClr val="tx1"/>
                 </a:solidFill>
@@ -6181,7 +6020,7 @@
           <a:p>
             <a:pPr algn="ctr"/>
             <a:r>
-              <a:rPr lang="en-US" altLang="zh-TW" dirty="0" smtClean="0">
+              <a:rPr lang="en-US" altLang="zh-TW" dirty="0">
                 <a:solidFill>
                   <a:schemeClr val="tx1"/>
                 </a:solidFill>
@@ -6367,7 +6206,7 @@
           <a:lstStyle/>
           <a:p>
             <a:r>
-              <a:rPr lang="en-US" altLang="zh-TW" dirty="0" smtClean="0">
+              <a:rPr lang="en-US" altLang="zh-TW" dirty="0">
                 <a:solidFill>
                   <a:srgbClr val="FF0000"/>
                 </a:solidFill>
@@ -6434,13 +6273,6 @@
   <p:clrMapOvr>
     <a:masterClrMapping/>
   </p:clrMapOvr>
-  <p:timing>
-    <p:tnLst>
-      <p:par>
-        <p:cTn id="1" dur="indefinite" restart="never" nodeType="tmRoot"/>
-      </p:par>
-    </p:tnLst>
-  </p:timing>
 </p:sld>
 </file>
 
@@ -6485,14 +6317,14 @@
           <a:p>
             <a:pPr algn="ctr"/>
             <a:r>
-              <a:rPr lang="en-US" altLang="zh-TW" sz="2400" dirty="0" err="1" smtClean="0">
+              <a:rPr lang="en-US" altLang="zh-TW" sz="2400" dirty="0" err="1">
                 <a:latin typeface="Times New Roman" pitchFamily="18" charset="0"/>
                 <a:cs typeface="Times New Roman" pitchFamily="18" charset="0"/>
               </a:rPr>
               <a:t>XMLHttpRequest</a:t>
             </a:r>
             <a:r>
-              <a:rPr lang="zh-TW" altLang="en-US" sz="2400" dirty="0" smtClean="0">
+              <a:rPr lang="zh-TW" altLang="en-US" sz="2400" dirty="0">
                 <a:latin typeface="Times New Roman" pitchFamily="18" charset="0"/>
                 <a:cs typeface="Times New Roman" pitchFamily="18" charset="0"/>
               </a:rPr>
@@ -6536,7 +6368,7 @@
           <a:p>
             <a:pPr algn="ctr"/>
             <a:r>
-              <a:rPr lang="en-US" altLang="zh-TW" sz="1200" dirty="0" smtClean="0">
+              <a:rPr lang="en-US" altLang="zh-TW" sz="1200" dirty="0">
                 <a:latin typeface="Times New Roman" pitchFamily="18" charset="0"/>
                 <a:cs typeface="Times New Roman" pitchFamily="18" charset="0"/>
               </a:rPr>
@@ -6572,38 +6404,38 @@
           <a:lstStyle/>
           <a:p>
             <a:r>
-              <a:rPr lang="zh-TW" altLang="en-US" sz="2000" dirty="0" smtClean="0">
+              <a:rPr lang="zh-TW" altLang="en-US" sz="2000" dirty="0">
                 <a:latin typeface="Times New Roman" pitchFamily="18" charset="0"/>
                 <a:cs typeface="Times New Roman" pitchFamily="18" charset="0"/>
               </a:rPr>
               <a:t>以下用 </a:t>
             </a:r>
             <a:r>
-              <a:rPr lang="en-US" altLang="zh-TW" sz="2000" dirty="0" smtClean="0">
+              <a:rPr lang="en-US" altLang="zh-TW" sz="2000" dirty="0">
                 <a:latin typeface="Times New Roman" pitchFamily="18" charset="0"/>
                 <a:cs typeface="Times New Roman" pitchFamily="18" charset="0"/>
               </a:rPr>
               <a:t>GET</a:t>
             </a:r>
             <a:r>
-              <a:rPr lang="zh-TW" altLang="en-US" sz="2000" dirty="0" smtClean="0">
+              <a:rPr lang="zh-TW" altLang="en-US" sz="2000" dirty="0">
                 <a:latin typeface="Times New Roman" pitchFamily="18" charset="0"/>
                 <a:cs typeface="Times New Roman" pitchFamily="18" charset="0"/>
               </a:rPr>
               <a:t> 方法的例子解說 </a:t>
             </a:r>
-            <a:endParaRPr lang="en-US" altLang="zh-TW" sz="2000" dirty="0" smtClean="0">
-              <a:latin typeface="Times New Roman" pitchFamily="18" charset="0"/>
-              <a:cs typeface="Times New Roman" pitchFamily="18" charset="0"/>
-            </a:endParaRPr>
-          </a:p>
-          <a:p>
             <a:endParaRPr lang="en-US" altLang="zh-TW" sz="2000" dirty="0">
               <a:latin typeface="Times New Roman" pitchFamily="18" charset="0"/>
               <a:cs typeface="Times New Roman" pitchFamily="18" charset="0"/>
             </a:endParaRPr>
           </a:p>
           <a:p>
+            <a:endParaRPr lang="en-US" altLang="zh-TW" sz="2000" dirty="0">
+              <a:latin typeface="Times New Roman" pitchFamily="18" charset="0"/>
+              <a:cs typeface="Times New Roman" pitchFamily="18" charset="0"/>
+            </a:endParaRPr>
+          </a:p>
+          <a:p>
             <a:r>
               <a:rPr lang="en-US" altLang="zh-TW" sz="2000" dirty="0">
                 <a:latin typeface="Times New Roman" pitchFamily="18" charset="0"/>
@@ -6906,21 +6738,8 @@
                 <a:latin typeface="Times New Roman" pitchFamily="18" charset="0"/>
                 <a:cs typeface="Times New Roman" pitchFamily="18" charset="0"/>
               </a:rPr>
-              <a:t>            </a:t>
-            </a:r>
-            <a:r>
-              <a:rPr lang="en-US" altLang="zh-TW" sz="2000" dirty="0" smtClean="0">
-                <a:latin typeface="Times New Roman" pitchFamily="18" charset="0"/>
-                <a:cs typeface="Times New Roman" pitchFamily="18" charset="0"/>
-              </a:rPr>
-              <a:t>}</a:t>
-            </a:r>
-          </a:p>
-          <a:p>
-            <a:endParaRPr lang="en-US" altLang="zh-TW" sz="2000" smtClean="0">
-              <a:latin typeface="Times New Roman" pitchFamily="18" charset="0"/>
-              <a:cs typeface="Times New Roman" pitchFamily="18" charset="0"/>
-            </a:endParaRPr>
+              <a:t>            }</a:t>
+            </a:r>
           </a:p>
           <a:p>
             <a:endParaRPr lang="en-US" altLang="zh-TW" sz="2000" dirty="0">
@@ -6929,15 +6748,21 @@
             </a:endParaRPr>
           </a:p>
           <a:p>
-            <a:r>
-              <a:rPr lang="en-US" altLang="zh-TW" sz="2000" dirty="0" smtClean="0">
+            <a:endParaRPr lang="en-US" altLang="zh-TW" sz="2000" dirty="0">
+              <a:latin typeface="Times New Roman" pitchFamily="18" charset="0"/>
+              <a:cs typeface="Times New Roman" pitchFamily="18" charset="0"/>
+            </a:endParaRPr>
+          </a:p>
+          <a:p>
+            <a:r>
+              <a:rPr lang="en-US" altLang="zh-TW" sz="2000" dirty="0">
                 <a:latin typeface="Times New Roman" pitchFamily="18" charset="0"/>
                 <a:cs typeface="Times New Roman" pitchFamily="18" charset="0"/>
               </a:rPr>
               <a:t>POST</a:t>
             </a:r>
             <a:r>
-              <a:rPr lang="zh-TW" altLang="en-US" sz="2000" dirty="0" smtClean="0">
+              <a:rPr lang="zh-TW" altLang="en-US" sz="2000" dirty="0">
                 <a:latin typeface="Times New Roman" pitchFamily="18" charset="0"/>
                 <a:cs typeface="Times New Roman" pitchFamily="18" charset="0"/>
               </a:rPr>
@@ -6960,13 +6785,1041 @@
   <p:clrMapOvr>
     <a:masterClrMapping/>
   </p:clrMapOvr>
-  <p:timing>
-    <p:tnLst>
-      <p:par>
-        <p:cTn id="1" dur="indefinite" restart="never" nodeType="tmRoot"/>
-      </p:par>
-    </p:tnLst>
-  </p:timing>
+</p:sld>
+</file>
+
+<file path=ppt/slides/slide16.xml><?xml version="1.0" encoding="utf-8"?>
+<p:sld xmlns:a="http://schemas.openxmlformats.org/drawingml/2006/main" xmlns:r="http://schemas.openxmlformats.org/officeDocument/2006/relationships" xmlns:p="http://schemas.openxmlformats.org/presentationml/2006/main">
+  <p:cSld>
+    <p:spTree>
+      <p:nvGrpSpPr>
+        <p:cNvPr id="1" name=""/>
+        <p:cNvGrpSpPr/>
+        <p:nvPr/>
+      </p:nvGrpSpPr>
+      <p:grpSpPr>
+        <a:xfrm>
+          <a:off x="0" y="0"/>
+          <a:ext cx="0" cy="0"/>
+          <a:chOff x="0" y="0"/>
+          <a:chExt cx="0" cy="0"/>
+        </a:xfrm>
+      </p:grpSpPr>
+      <p:sp>
+        <p:nvSpPr>
+          <p:cNvPr id="4" name="文字方塊 3"/>
+          <p:cNvSpPr txBox="1"/>
+          <p:nvPr/>
+        </p:nvSpPr>
+        <p:spPr>
+          <a:xfrm>
+            <a:off x="0" y="0"/>
+            <a:ext cx="9144000" cy="836712"/>
+          </a:xfrm>
+          <a:prstGeom prst="rect">
+            <a:avLst/>
+          </a:prstGeom>
+          <a:noFill/>
+        </p:spPr>
+        <p:txBody>
+          <a:bodyPr wrap="square" rtlCol="0" anchor="ctr">
+            <a:noAutofit/>
+          </a:bodyPr>
+          <a:lstStyle/>
+          <a:p>
+            <a:pPr algn="ctr"/>
+            <a:r>
+              <a:rPr lang="en-US" altLang="zh-TW" sz="2400" dirty="0">
+                <a:latin typeface="Times New Roman" pitchFamily="18" charset="0"/>
+                <a:cs typeface="Times New Roman" pitchFamily="18" charset="0"/>
+              </a:rPr>
+              <a:t>jQuery</a:t>
+            </a:r>
+            <a:endParaRPr lang="zh-TW" altLang="en-US" sz="2400" dirty="0">
+              <a:latin typeface="Times New Roman" pitchFamily="18" charset="0"/>
+              <a:cs typeface="Times New Roman" pitchFamily="18" charset="0"/>
+            </a:endParaRPr>
+          </a:p>
+        </p:txBody>
+      </p:sp>
+      <p:sp>
+        <p:nvSpPr>
+          <p:cNvPr id="5" name="文字方塊 4"/>
+          <p:cNvSpPr txBox="1"/>
+          <p:nvPr/>
+        </p:nvSpPr>
+        <p:spPr>
+          <a:xfrm>
+            <a:off x="8711952" y="6573902"/>
+            <a:ext cx="432048" cy="276999"/>
+          </a:xfrm>
+          <a:prstGeom prst="rect">
+            <a:avLst/>
+          </a:prstGeom>
+          <a:noFill/>
+        </p:spPr>
+        <p:txBody>
+          <a:bodyPr wrap="square" rtlCol="0" anchor="ctr">
+            <a:spAutoFit/>
+          </a:bodyPr>
+          <a:lstStyle/>
+          <a:p>
+            <a:pPr algn="ctr"/>
+            <a:r>
+              <a:rPr lang="en-US" altLang="zh-TW" sz="1200" dirty="0">
+                <a:latin typeface="Times New Roman" pitchFamily="18" charset="0"/>
+                <a:cs typeface="Times New Roman" pitchFamily="18" charset="0"/>
+              </a:rPr>
+              <a:t>16</a:t>
+            </a:r>
+            <a:endParaRPr lang="zh-TW" altLang="en-US" sz="1200" dirty="0">
+              <a:latin typeface="Times New Roman" pitchFamily="18" charset="0"/>
+              <a:cs typeface="Times New Roman" pitchFamily="18" charset="0"/>
+            </a:endParaRPr>
+          </a:p>
+        </p:txBody>
+      </p:sp>
+      <p:sp>
+        <p:nvSpPr>
+          <p:cNvPr id="6" name="文字方塊 5"/>
+          <p:cNvSpPr txBox="1"/>
+          <p:nvPr/>
+        </p:nvSpPr>
+        <p:spPr>
+          <a:xfrm>
+            <a:off x="503548" y="1124744"/>
+            <a:ext cx="8136904" cy="5328592"/>
+          </a:xfrm>
+          <a:prstGeom prst="rect">
+            <a:avLst/>
+          </a:prstGeom>
+          <a:noFill/>
+        </p:spPr>
+        <p:txBody>
+          <a:bodyPr wrap="square" rtlCol="0" anchor="t">
+            <a:noAutofit/>
+          </a:bodyPr>
+          <a:lstStyle/>
+          <a:p>
+            <a:r>
+              <a:rPr lang="en-US" altLang="zh-TW" sz="2000" dirty="0">
+                <a:latin typeface="Times New Roman" pitchFamily="18" charset="0"/>
+                <a:cs typeface="Times New Roman" pitchFamily="18" charset="0"/>
+              </a:rPr>
+              <a:t>jQuery </a:t>
+            </a:r>
+            <a:r>
+              <a:rPr lang="zh-TW" altLang="en-US" sz="2000" dirty="0">
+                <a:latin typeface="Times New Roman" pitchFamily="18" charset="0"/>
+                <a:cs typeface="Times New Roman" pitchFamily="18" charset="0"/>
+              </a:rPr>
+              <a:t>是 </a:t>
+            </a:r>
+            <a:r>
+              <a:rPr lang="en-US" altLang="zh-TW" sz="2000" dirty="0">
+                <a:latin typeface="Times New Roman" pitchFamily="18" charset="0"/>
+                <a:cs typeface="Times New Roman" pitchFamily="18" charset="0"/>
+              </a:rPr>
+              <a:t>JavaScript </a:t>
+            </a:r>
+            <a:r>
+              <a:rPr lang="zh-TW" altLang="en-US" sz="2000" dirty="0">
+                <a:latin typeface="Times New Roman" pitchFamily="18" charset="0"/>
+                <a:cs typeface="Times New Roman" pitchFamily="18" charset="0"/>
+              </a:rPr>
+              <a:t>的一種函示庫 </a:t>
+            </a:r>
+            <a:r>
+              <a:rPr lang="en-US" altLang="zh-TW" sz="2000" dirty="0">
+                <a:latin typeface="Times New Roman" pitchFamily="18" charset="0"/>
+                <a:cs typeface="Times New Roman" pitchFamily="18" charset="0"/>
+              </a:rPr>
+              <a:t>(Library)</a:t>
+            </a:r>
+            <a:r>
+              <a:rPr lang="zh-TW" altLang="en-US" sz="2000" dirty="0">
+                <a:latin typeface="Times New Roman" pitchFamily="18" charset="0"/>
+                <a:cs typeface="Times New Roman" pitchFamily="18" charset="0"/>
+              </a:rPr>
+              <a:t>。利用 </a:t>
+            </a:r>
+            <a:r>
+              <a:rPr lang="en-US" altLang="zh-TW" sz="2000" dirty="0">
+                <a:latin typeface="Times New Roman" pitchFamily="18" charset="0"/>
+                <a:cs typeface="Times New Roman" pitchFamily="18" charset="0"/>
+              </a:rPr>
+              <a:t>jQuery </a:t>
+            </a:r>
+            <a:r>
+              <a:rPr lang="zh-TW" altLang="en-US" sz="2000" dirty="0">
+                <a:latin typeface="Times New Roman" pitchFamily="18" charset="0"/>
+                <a:cs typeface="Times New Roman" pitchFamily="18" charset="0"/>
+              </a:rPr>
+              <a:t>可以簡化複雜的 </a:t>
+            </a:r>
+            <a:r>
+              <a:rPr lang="en-US" altLang="zh-TW" sz="2000" dirty="0">
+                <a:latin typeface="Times New Roman" pitchFamily="18" charset="0"/>
+                <a:cs typeface="Times New Roman" pitchFamily="18" charset="0"/>
+              </a:rPr>
+              <a:t>JavaScript </a:t>
+            </a:r>
+            <a:r>
+              <a:rPr lang="zh-TW" altLang="en-US" sz="2000" dirty="0">
+                <a:latin typeface="Times New Roman" pitchFamily="18" charset="0"/>
+                <a:cs typeface="Times New Roman" pitchFamily="18" charset="0"/>
+              </a:rPr>
+              <a:t>原生語法，讓程式更容易維護。</a:t>
+            </a:r>
+            <a:endParaRPr lang="en-US" altLang="zh-TW" sz="2000" dirty="0">
+              <a:latin typeface="Times New Roman" pitchFamily="18" charset="0"/>
+              <a:cs typeface="Times New Roman" pitchFamily="18" charset="0"/>
+            </a:endParaRPr>
+          </a:p>
+        </p:txBody>
+      </p:sp>
+      <p:pic>
+        <p:nvPicPr>
+          <p:cNvPr id="3" name="圖片 2">
+            <a:extLst>
+              <a:ext uri="{FF2B5EF4-FFF2-40B4-BE49-F238E27FC236}">
+                <a16:creationId xmlns:a16="http://schemas.microsoft.com/office/drawing/2014/main" id="{09A6E7AA-689E-4A7A-AB61-91185B9D6D65}"/>
+              </a:ext>
+            </a:extLst>
+          </p:cNvPr>
+          <p:cNvPicPr>
+            <a:picLocks noChangeAspect="1"/>
+          </p:cNvPicPr>
+          <p:nvPr/>
+        </p:nvPicPr>
+        <p:blipFill>
+          <a:blip r:embed="rId2">
+            <a:extLst>
+              <a:ext uri="{28A0092B-C50C-407E-A947-70E740481C1C}">
+                <a14:useLocalDpi xmlns:a14="http://schemas.microsoft.com/office/drawing/2010/main" val="0"/>
+              </a:ext>
+            </a:extLst>
+          </a:blip>
+          <a:stretch>
+            <a:fillRect/>
+          </a:stretch>
+        </p:blipFill>
+        <p:spPr>
+          <a:xfrm>
+            <a:off x="1557337" y="2204864"/>
+            <a:ext cx="6029325" cy="3738563"/>
+          </a:xfrm>
+          <a:prstGeom prst="rect">
+            <a:avLst/>
+          </a:prstGeom>
+        </p:spPr>
+      </p:pic>
+    </p:spTree>
+    <p:extLst>
+      <p:ext uri="{BB962C8B-B14F-4D97-AF65-F5344CB8AC3E}">
+        <p14:creationId xmlns:p14="http://schemas.microsoft.com/office/powerpoint/2010/main" val="2983728184"/>
+      </p:ext>
+    </p:extLst>
+  </p:cSld>
+  <p:clrMapOvr>
+    <a:masterClrMapping/>
+  </p:clrMapOvr>
+</p:sld>
+</file>
+
+<file path=ppt/slides/slide17.xml><?xml version="1.0" encoding="utf-8"?>
+<p:sld xmlns:a="http://schemas.openxmlformats.org/drawingml/2006/main" xmlns:r="http://schemas.openxmlformats.org/officeDocument/2006/relationships" xmlns:p="http://schemas.openxmlformats.org/presentationml/2006/main">
+  <p:cSld>
+    <p:spTree>
+      <p:nvGrpSpPr>
+        <p:cNvPr id="1" name=""/>
+        <p:cNvGrpSpPr/>
+        <p:nvPr/>
+      </p:nvGrpSpPr>
+      <p:grpSpPr>
+        <a:xfrm>
+          <a:off x="0" y="0"/>
+          <a:ext cx="0" cy="0"/>
+          <a:chOff x="0" y="0"/>
+          <a:chExt cx="0" cy="0"/>
+        </a:xfrm>
+      </p:grpSpPr>
+      <p:sp>
+        <p:nvSpPr>
+          <p:cNvPr id="4" name="文字方塊 3"/>
+          <p:cNvSpPr txBox="1"/>
+          <p:nvPr/>
+        </p:nvSpPr>
+        <p:spPr>
+          <a:xfrm>
+            <a:off x="0" y="0"/>
+            <a:ext cx="9144000" cy="836712"/>
+          </a:xfrm>
+          <a:prstGeom prst="rect">
+            <a:avLst/>
+          </a:prstGeom>
+          <a:noFill/>
+        </p:spPr>
+        <p:txBody>
+          <a:bodyPr wrap="square" rtlCol="0" anchor="ctr">
+            <a:noAutofit/>
+          </a:bodyPr>
+          <a:lstStyle/>
+          <a:p>
+            <a:pPr algn="ctr"/>
+            <a:r>
+              <a:rPr lang="zh-TW" altLang="en-US" sz="2400" dirty="0">
+                <a:latin typeface="Times New Roman" pitchFamily="18" charset="0"/>
+                <a:cs typeface="Times New Roman" pitchFamily="18" charset="0"/>
+              </a:rPr>
+              <a:t>安裝</a:t>
+            </a:r>
+            <a:r>
+              <a:rPr lang="en-US" altLang="zh-TW" sz="2400" dirty="0">
+                <a:latin typeface="Times New Roman" pitchFamily="18" charset="0"/>
+                <a:cs typeface="Times New Roman" pitchFamily="18" charset="0"/>
+              </a:rPr>
+              <a:t> jQuery</a:t>
+            </a:r>
+            <a:endParaRPr lang="zh-TW" altLang="en-US" sz="2400" dirty="0">
+              <a:latin typeface="Times New Roman" pitchFamily="18" charset="0"/>
+              <a:cs typeface="Times New Roman" pitchFamily="18" charset="0"/>
+            </a:endParaRPr>
+          </a:p>
+        </p:txBody>
+      </p:sp>
+      <p:sp>
+        <p:nvSpPr>
+          <p:cNvPr id="5" name="文字方塊 4"/>
+          <p:cNvSpPr txBox="1"/>
+          <p:nvPr/>
+        </p:nvSpPr>
+        <p:spPr>
+          <a:xfrm>
+            <a:off x="8711952" y="6573902"/>
+            <a:ext cx="432048" cy="276999"/>
+          </a:xfrm>
+          <a:prstGeom prst="rect">
+            <a:avLst/>
+          </a:prstGeom>
+          <a:noFill/>
+        </p:spPr>
+        <p:txBody>
+          <a:bodyPr wrap="square" rtlCol="0" anchor="ctr">
+            <a:spAutoFit/>
+          </a:bodyPr>
+          <a:lstStyle/>
+          <a:p>
+            <a:pPr algn="ctr"/>
+            <a:r>
+              <a:rPr lang="en-US" altLang="zh-TW" sz="1200" dirty="0">
+                <a:latin typeface="Times New Roman" pitchFamily="18" charset="0"/>
+                <a:cs typeface="Times New Roman" pitchFamily="18" charset="0"/>
+              </a:rPr>
+              <a:t>17</a:t>
+            </a:r>
+            <a:endParaRPr lang="zh-TW" altLang="en-US" sz="1200" dirty="0">
+              <a:latin typeface="Times New Roman" pitchFamily="18" charset="0"/>
+              <a:cs typeface="Times New Roman" pitchFamily="18" charset="0"/>
+            </a:endParaRPr>
+          </a:p>
+        </p:txBody>
+      </p:sp>
+      <p:sp>
+        <p:nvSpPr>
+          <p:cNvPr id="6" name="文字方塊 5"/>
+          <p:cNvSpPr txBox="1"/>
+          <p:nvPr/>
+        </p:nvSpPr>
+        <p:spPr>
+          <a:xfrm>
+            <a:off x="503548" y="1124744"/>
+            <a:ext cx="8136904" cy="5328592"/>
+          </a:xfrm>
+          <a:prstGeom prst="rect">
+            <a:avLst/>
+          </a:prstGeom>
+          <a:noFill/>
+        </p:spPr>
+        <p:txBody>
+          <a:bodyPr wrap="square" rtlCol="0" anchor="t">
+            <a:noAutofit/>
+          </a:bodyPr>
+          <a:lstStyle/>
+          <a:p>
+            <a:r>
+              <a:rPr lang="en-US" altLang="zh-TW" sz="2000" dirty="0">
+                <a:latin typeface="Times New Roman" pitchFamily="18" charset="0"/>
+                <a:cs typeface="Times New Roman" pitchFamily="18" charset="0"/>
+              </a:rPr>
+              <a:t>1.</a:t>
+            </a:r>
+            <a:r>
+              <a:rPr lang="zh-TW" altLang="en-US" sz="2000" dirty="0">
+                <a:latin typeface="Times New Roman" pitchFamily="18" charset="0"/>
+                <a:cs typeface="Times New Roman" pitchFamily="18" charset="0"/>
+              </a:rPr>
+              <a:t>點選 </a:t>
+            </a:r>
+            <a:r>
+              <a:rPr lang="en-US" altLang="zh-TW" sz="2000" dirty="0">
+                <a:latin typeface="Times New Roman" pitchFamily="18" charset="0"/>
+                <a:cs typeface="Times New Roman" pitchFamily="18" charset="0"/>
+              </a:rPr>
+              <a:t>Download</a:t>
+            </a:r>
+          </a:p>
+        </p:txBody>
+      </p:sp>
+      <p:pic>
+        <p:nvPicPr>
+          <p:cNvPr id="7" name="圖片 6" descr="一張含有 文字 的圖片&#10;&#10;自動產生的描述">
+            <a:extLst>
+              <a:ext uri="{FF2B5EF4-FFF2-40B4-BE49-F238E27FC236}">
+                <a16:creationId xmlns:a16="http://schemas.microsoft.com/office/drawing/2014/main" id="{4870EBFC-DE4A-40E9-9FC9-CD9672B6988E}"/>
+              </a:ext>
+            </a:extLst>
+          </p:cNvPr>
+          <p:cNvPicPr>
+            <a:picLocks noChangeAspect="1"/>
+          </p:cNvPicPr>
+          <p:nvPr/>
+        </p:nvPicPr>
+        <p:blipFill rotWithShape="1">
+          <a:blip r:embed="rId2">
+            <a:extLst>
+              <a:ext uri="{28A0092B-C50C-407E-A947-70E740481C1C}">
+                <a14:useLocalDpi xmlns:a14="http://schemas.microsoft.com/office/drawing/2010/main" val="0"/>
+              </a:ext>
+            </a:extLst>
+          </a:blip>
+          <a:srcRect t="58942"/>
+          <a:stretch/>
+        </p:blipFill>
+        <p:spPr>
+          <a:xfrm>
+            <a:off x="861060" y="1543370"/>
+            <a:ext cx="7421880" cy="2261973"/>
+          </a:xfrm>
+          <a:prstGeom prst="rect">
+            <a:avLst/>
+          </a:prstGeom>
+        </p:spPr>
+      </p:pic>
+      <p:sp>
+        <p:nvSpPr>
+          <p:cNvPr id="8" name="矩形 7">
+            <a:extLst>
+              <a:ext uri="{FF2B5EF4-FFF2-40B4-BE49-F238E27FC236}">
+                <a16:creationId xmlns:a16="http://schemas.microsoft.com/office/drawing/2014/main" id="{C635761B-2CAD-476F-ACE0-1B793B254F5D}"/>
+              </a:ext>
+            </a:extLst>
+          </p:cNvPr>
+          <p:cNvSpPr/>
+          <p:nvPr/>
+        </p:nvSpPr>
+        <p:spPr>
+          <a:xfrm>
+            <a:off x="971600" y="2708920"/>
+            <a:ext cx="1152128" cy="1008112"/>
+          </a:xfrm>
+          <a:prstGeom prst="rect">
+            <a:avLst/>
+          </a:prstGeom>
+          <a:noFill/>
+          <a:ln>
+            <a:solidFill>
+              <a:srgbClr val="FF0000"/>
+            </a:solidFill>
+          </a:ln>
+        </p:spPr>
+        <p:style>
+          <a:lnRef idx="2">
+            <a:schemeClr val="accent1">
+              <a:shade val="50000"/>
+            </a:schemeClr>
+          </a:lnRef>
+          <a:fillRef idx="1">
+            <a:schemeClr val="accent1"/>
+          </a:fillRef>
+          <a:effectRef idx="0">
+            <a:schemeClr val="accent1"/>
+          </a:effectRef>
+          <a:fontRef idx="minor">
+            <a:schemeClr val="lt1"/>
+          </a:fontRef>
+        </p:style>
+        <p:txBody>
+          <a:bodyPr rtlCol="0" anchor="ctr"/>
+          <a:lstStyle/>
+          <a:p>
+            <a:pPr algn="ctr"/>
+            <a:endParaRPr lang="zh-TW" altLang="en-US"/>
+          </a:p>
+        </p:txBody>
+      </p:sp>
+      <p:sp>
+        <p:nvSpPr>
+          <p:cNvPr id="9" name="文字方塊 8">
+            <a:extLst>
+              <a:ext uri="{FF2B5EF4-FFF2-40B4-BE49-F238E27FC236}">
+                <a16:creationId xmlns:a16="http://schemas.microsoft.com/office/drawing/2014/main" id="{B2506B1C-745E-4CDA-926C-2CFCF564319B}"/>
+              </a:ext>
+            </a:extLst>
+          </p:cNvPr>
+          <p:cNvSpPr txBox="1"/>
+          <p:nvPr/>
+        </p:nvSpPr>
+        <p:spPr>
+          <a:xfrm>
+            <a:off x="2234268" y="3028310"/>
+            <a:ext cx="2985804" cy="369332"/>
+          </a:xfrm>
+          <a:prstGeom prst="rect">
+            <a:avLst/>
+          </a:prstGeom>
+          <a:noFill/>
+        </p:spPr>
+        <p:txBody>
+          <a:bodyPr wrap="square" rtlCol="0">
+            <a:spAutoFit/>
+          </a:bodyPr>
+          <a:lstStyle/>
+          <a:p>
+            <a:r>
+              <a:rPr lang="en-US" altLang="zh-TW" dirty="0">
+                <a:solidFill>
+                  <a:srgbClr val="FF0000"/>
+                </a:solidFill>
+                <a:latin typeface="Times New Roman" panose="02020603050405020304" pitchFamily="18" charset="0"/>
+                <a:cs typeface="Times New Roman" panose="02020603050405020304" pitchFamily="18" charset="0"/>
+              </a:rPr>
+              <a:t>2.</a:t>
+            </a:r>
+            <a:r>
+              <a:rPr lang="zh-TW" altLang="en-US" dirty="0">
+                <a:solidFill>
+                  <a:srgbClr val="FF0000"/>
+                </a:solidFill>
+                <a:latin typeface="Times New Roman" panose="02020603050405020304" pitchFamily="18" charset="0"/>
+                <a:cs typeface="Times New Roman" panose="02020603050405020304" pitchFamily="18" charset="0"/>
+              </a:rPr>
+              <a:t>任選一個 </a:t>
+            </a:r>
+            <a:r>
+              <a:rPr lang="en-US" altLang="zh-TW" dirty="0" err="1">
+                <a:solidFill>
+                  <a:srgbClr val="FF0000"/>
+                </a:solidFill>
+                <a:latin typeface="Times New Roman" panose="02020603050405020304" pitchFamily="18" charset="0"/>
+                <a:cs typeface="Times New Roman" panose="02020603050405020304" pitchFamily="18" charset="0"/>
+              </a:rPr>
+              <a:t>cdn</a:t>
+            </a:r>
+            <a:r>
+              <a:rPr lang="en-US" altLang="zh-TW" dirty="0">
+                <a:solidFill>
+                  <a:srgbClr val="FF0000"/>
+                </a:solidFill>
+                <a:latin typeface="Times New Roman" panose="02020603050405020304" pitchFamily="18" charset="0"/>
+                <a:cs typeface="Times New Roman" panose="02020603050405020304" pitchFamily="18" charset="0"/>
+              </a:rPr>
+              <a:t> </a:t>
+            </a:r>
+            <a:r>
+              <a:rPr lang="zh-TW" altLang="en-US" dirty="0">
+                <a:solidFill>
+                  <a:srgbClr val="FF0000"/>
+                </a:solidFill>
+                <a:latin typeface="Times New Roman" panose="02020603050405020304" pitchFamily="18" charset="0"/>
+                <a:cs typeface="Times New Roman" panose="02020603050405020304" pitchFamily="18" charset="0"/>
+              </a:rPr>
+              <a:t>的連結使用</a:t>
+            </a:r>
+          </a:p>
+        </p:txBody>
+      </p:sp>
+      <p:pic>
+        <p:nvPicPr>
+          <p:cNvPr id="11" name="圖片 10" descr="一張含有 文字 的圖片&#10;&#10;自動產生的描述">
+            <a:extLst>
+              <a:ext uri="{FF2B5EF4-FFF2-40B4-BE49-F238E27FC236}">
+                <a16:creationId xmlns:a16="http://schemas.microsoft.com/office/drawing/2014/main" id="{E1596373-13C3-4632-A41E-A767288C6828}"/>
+              </a:ext>
+            </a:extLst>
+          </p:cNvPr>
+          <p:cNvPicPr>
+            <a:picLocks noChangeAspect="1"/>
+          </p:cNvPicPr>
+          <p:nvPr/>
+        </p:nvPicPr>
+        <p:blipFill>
+          <a:blip r:embed="rId3">
+            <a:extLst>
+              <a:ext uri="{28A0092B-C50C-407E-A947-70E740481C1C}">
+                <a14:useLocalDpi xmlns:a14="http://schemas.microsoft.com/office/drawing/2010/main" val="0"/>
+              </a:ext>
+            </a:extLst>
+          </a:blip>
+          <a:stretch>
+            <a:fillRect/>
+          </a:stretch>
+        </p:blipFill>
+        <p:spPr>
+          <a:xfrm>
+            <a:off x="1090612" y="3862690"/>
+            <a:ext cx="6962775" cy="2619375"/>
+          </a:xfrm>
+          <a:prstGeom prst="rect">
+            <a:avLst/>
+          </a:prstGeom>
+        </p:spPr>
+      </p:pic>
+    </p:spTree>
+    <p:extLst>
+      <p:ext uri="{BB962C8B-B14F-4D97-AF65-F5344CB8AC3E}">
+        <p14:creationId xmlns:p14="http://schemas.microsoft.com/office/powerpoint/2010/main" val="1030979007"/>
+      </p:ext>
+    </p:extLst>
+  </p:cSld>
+  <p:clrMapOvr>
+    <a:masterClrMapping/>
+  </p:clrMapOvr>
+</p:sld>
+</file>
+
+<file path=ppt/slides/slide18.xml><?xml version="1.0" encoding="utf-8"?>
+<p:sld xmlns:a="http://schemas.openxmlformats.org/drawingml/2006/main" xmlns:r="http://schemas.openxmlformats.org/officeDocument/2006/relationships" xmlns:p="http://schemas.openxmlformats.org/presentationml/2006/main">
+  <p:cSld>
+    <p:spTree>
+      <p:nvGrpSpPr>
+        <p:cNvPr id="1" name=""/>
+        <p:cNvGrpSpPr/>
+        <p:nvPr/>
+      </p:nvGrpSpPr>
+      <p:grpSpPr>
+        <a:xfrm>
+          <a:off x="0" y="0"/>
+          <a:ext cx="0" cy="0"/>
+          <a:chOff x="0" y="0"/>
+          <a:chExt cx="0" cy="0"/>
+        </a:xfrm>
+      </p:grpSpPr>
+      <p:sp>
+        <p:nvSpPr>
+          <p:cNvPr id="4" name="文字方塊 3"/>
+          <p:cNvSpPr txBox="1"/>
+          <p:nvPr/>
+        </p:nvSpPr>
+        <p:spPr>
+          <a:xfrm>
+            <a:off x="0" y="0"/>
+            <a:ext cx="9144000" cy="836712"/>
+          </a:xfrm>
+          <a:prstGeom prst="rect">
+            <a:avLst/>
+          </a:prstGeom>
+          <a:noFill/>
+        </p:spPr>
+        <p:txBody>
+          <a:bodyPr wrap="square" rtlCol="0" anchor="ctr">
+            <a:noAutofit/>
+          </a:bodyPr>
+          <a:lstStyle/>
+          <a:p>
+            <a:pPr algn="ctr"/>
+            <a:r>
+              <a:rPr lang="en-US" altLang="zh-TW" sz="2400" dirty="0">
+                <a:latin typeface="Times New Roman" pitchFamily="18" charset="0"/>
+                <a:cs typeface="Times New Roman" pitchFamily="18" charset="0"/>
+              </a:rPr>
+              <a:t>jQuery</a:t>
+            </a:r>
+            <a:endParaRPr lang="zh-TW" altLang="en-US" sz="2400" dirty="0">
+              <a:latin typeface="Times New Roman" pitchFamily="18" charset="0"/>
+              <a:cs typeface="Times New Roman" pitchFamily="18" charset="0"/>
+            </a:endParaRPr>
+          </a:p>
+        </p:txBody>
+      </p:sp>
+      <p:sp>
+        <p:nvSpPr>
+          <p:cNvPr id="5" name="文字方塊 4"/>
+          <p:cNvSpPr txBox="1"/>
+          <p:nvPr/>
+        </p:nvSpPr>
+        <p:spPr>
+          <a:xfrm>
+            <a:off x="8711952" y="6573902"/>
+            <a:ext cx="432048" cy="276999"/>
+          </a:xfrm>
+          <a:prstGeom prst="rect">
+            <a:avLst/>
+          </a:prstGeom>
+          <a:noFill/>
+        </p:spPr>
+        <p:txBody>
+          <a:bodyPr wrap="square" rtlCol="0" anchor="ctr">
+            <a:spAutoFit/>
+          </a:bodyPr>
+          <a:lstStyle/>
+          <a:p>
+            <a:pPr algn="ctr"/>
+            <a:r>
+              <a:rPr lang="en-US" altLang="zh-TW" sz="1200" dirty="0">
+                <a:latin typeface="Times New Roman" pitchFamily="18" charset="0"/>
+                <a:cs typeface="Times New Roman" pitchFamily="18" charset="0"/>
+              </a:rPr>
+              <a:t>18</a:t>
+            </a:r>
+            <a:endParaRPr lang="zh-TW" altLang="en-US" sz="1200" dirty="0">
+              <a:latin typeface="Times New Roman" pitchFamily="18" charset="0"/>
+              <a:cs typeface="Times New Roman" pitchFamily="18" charset="0"/>
+            </a:endParaRPr>
+          </a:p>
+        </p:txBody>
+      </p:sp>
+      <p:sp>
+        <p:nvSpPr>
+          <p:cNvPr id="6" name="文字方塊 5"/>
+          <p:cNvSpPr txBox="1"/>
+          <p:nvPr/>
+        </p:nvSpPr>
+        <p:spPr>
+          <a:xfrm>
+            <a:off x="503548" y="1124744"/>
+            <a:ext cx="8136904" cy="5328592"/>
+          </a:xfrm>
+          <a:prstGeom prst="rect">
+            <a:avLst/>
+          </a:prstGeom>
+          <a:noFill/>
+        </p:spPr>
+        <p:txBody>
+          <a:bodyPr wrap="square" rtlCol="0" anchor="t">
+            <a:noAutofit/>
+          </a:bodyPr>
+          <a:lstStyle/>
+          <a:p>
+            <a:r>
+              <a:rPr lang="zh-TW" altLang="en-US" sz="2000" dirty="0">
+                <a:latin typeface="Times New Roman" pitchFamily="18" charset="0"/>
+                <a:cs typeface="Times New Roman" pitchFamily="18" charset="0"/>
+              </a:rPr>
+              <a:t>語法：</a:t>
+            </a:r>
+            <a:endParaRPr lang="en-US" altLang="zh-TW" sz="2000" dirty="0">
+              <a:latin typeface="Times New Roman" pitchFamily="18" charset="0"/>
+              <a:cs typeface="Times New Roman" pitchFamily="18" charset="0"/>
+            </a:endParaRPr>
+          </a:p>
+          <a:p>
+            <a:r>
+              <a:rPr lang="zh-TW" altLang="en-US" sz="2000" dirty="0">
+                <a:latin typeface="Times New Roman" pitchFamily="18" charset="0"/>
+                <a:cs typeface="Times New Roman" pitchFamily="18" charset="0"/>
+              </a:rPr>
+              <a:t>    </a:t>
+            </a:r>
+            <a:r>
+              <a:rPr lang="en-US" altLang="zh-TW" sz="2000" dirty="0">
+                <a:solidFill>
+                  <a:srgbClr val="FF0000"/>
+                </a:solidFill>
+                <a:latin typeface="Times New Roman" pitchFamily="18" charset="0"/>
+                <a:cs typeface="Times New Roman" pitchFamily="18" charset="0"/>
+              </a:rPr>
+              <a:t>$(</a:t>
+            </a:r>
+            <a:r>
+              <a:rPr lang="en-US" altLang="zh-TW" sz="2000" dirty="0">
+                <a:solidFill>
+                  <a:srgbClr val="00B050"/>
+                </a:solidFill>
+                <a:latin typeface="Times New Roman" pitchFamily="18" charset="0"/>
+                <a:cs typeface="Times New Roman" pitchFamily="18" charset="0"/>
+              </a:rPr>
+              <a:t>Selector</a:t>
+            </a:r>
+            <a:r>
+              <a:rPr lang="en-US" altLang="zh-TW" sz="2000" dirty="0">
+                <a:solidFill>
+                  <a:srgbClr val="FF0000"/>
+                </a:solidFill>
+                <a:latin typeface="Times New Roman" pitchFamily="18" charset="0"/>
+                <a:cs typeface="Times New Roman" pitchFamily="18" charset="0"/>
+              </a:rPr>
+              <a:t>).</a:t>
+            </a:r>
+            <a:r>
+              <a:rPr lang="en-US" altLang="zh-TW" sz="2000" dirty="0">
+                <a:solidFill>
+                  <a:srgbClr val="00B050"/>
+                </a:solidFill>
+                <a:latin typeface="Times New Roman" pitchFamily="18" charset="0"/>
+                <a:cs typeface="Times New Roman" pitchFamily="18" charset="0"/>
+              </a:rPr>
+              <a:t>Action</a:t>
+            </a:r>
+            <a:r>
+              <a:rPr lang="en-US" altLang="zh-TW" sz="2000" dirty="0">
+                <a:solidFill>
+                  <a:srgbClr val="FF0000"/>
+                </a:solidFill>
+                <a:latin typeface="Times New Roman" pitchFamily="18" charset="0"/>
+                <a:cs typeface="Times New Roman" pitchFamily="18" charset="0"/>
+              </a:rPr>
+              <a:t>();</a:t>
+            </a:r>
+          </a:p>
+          <a:p>
+            <a:endParaRPr lang="en-US" altLang="zh-TW" sz="2000" dirty="0">
+              <a:latin typeface="Times New Roman" pitchFamily="18" charset="0"/>
+              <a:cs typeface="Times New Roman" pitchFamily="18" charset="0"/>
+            </a:endParaRPr>
+          </a:p>
+          <a:p>
+            <a:r>
+              <a:rPr lang="en-US" altLang="zh-TW" sz="2000" dirty="0">
+                <a:latin typeface="Times New Roman" pitchFamily="18" charset="0"/>
+                <a:cs typeface="Times New Roman" pitchFamily="18" charset="0"/>
+              </a:rPr>
+              <a:t>Selector</a:t>
+            </a:r>
+            <a:r>
+              <a:rPr lang="zh-TW" altLang="en-US" sz="2000" dirty="0">
+                <a:latin typeface="Times New Roman" pitchFamily="18" charset="0"/>
+                <a:cs typeface="Times New Roman" pitchFamily="18" charset="0"/>
+              </a:rPr>
+              <a:t> 用途：</a:t>
+            </a:r>
+            <a:endParaRPr lang="en-US" altLang="zh-TW" sz="2000" dirty="0">
+              <a:latin typeface="Times New Roman" pitchFamily="18" charset="0"/>
+              <a:cs typeface="Times New Roman" pitchFamily="18" charset="0"/>
+            </a:endParaRPr>
+          </a:p>
+          <a:p>
+            <a:r>
+              <a:rPr lang="en-US" altLang="zh-TW" sz="2000" dirty="0">
+                <a:latin typeface="Times New Roman" pitchFamily="18" charset="0"/>
+                <a:cs typeface="Times New Roman" pitchFamily="18" charset="0"/>
+              </a:rPr>
+              <a:t>    $()</a:t>
+            </a:r>
+            <a:r>
+              <a:rPr lang="zh-TW" altLang="en-US" sz="2000" dirty="0">
+                <a:latin typeface="Times New Roman" pitchFamily="18" charset="0"/>
+                <a:cs typeface="Times New Roman" pitchFamily="18" charset="0"/>
+              </a:rPr>
+              <a:t> 是用來選取 </a:t>
+            </a:r>
+            <a:r>
+              <a:rPr lang="en-US" altLang="zh-TW" sz="2000" dirty="0">
+                <a:latin typeface="Times New Roman" pitchFamily="18" charset="0"/>
+                <a:cs typeface="Times New Roman" pitchFamily="18" charset="0"/>
+              </a:rPr>
+              <a:t>Element</a:t>
+            </a:r>
+            <a:r>
+              <a:rPr lang="zh-TW" altLang="en-US" sz="2000" dirty="0">
+                <a:latin typeface="Times New Roman" pitchFamily="18" charset="0"/>
+                <a:cs typeface="Times New Roman" pitchFamily="18" charset="0"/>
+              </a:rPr>
+              <a:t>，套用 </a:t>
+            </a:r>
+            <a:r>
+              <a:rPr lang="en-US" altLang="zh-TW" sz="2000" dirty="0">
+                <a:latin typeface="Times New Roman" pitchFamily="18" charset="0"/>
+                <a:cs typeface="Times New Roman" pitchFamily="18" charset="0"/>
+              </a:rPr>
+              <a:t>CSS</a:t>
+            </a:r>
+            <a:r>
+              <a:rPr lang="zh-TW" altLang="en-US" sz="2000" dirty="0">
+                <a:latin typeface="Times New Roman" pitchFamily="18" charset="0"/>
+                <a:cs typeface="Times New Roman" pitchFamily="18" charset="0"/>
+              </a:rPr>
+              <a:t> 選取的方式。</a:t>
+            </a:r>
+            <a:endParaRPr lang="en-US" altLang="zh-TW" sz="2000" dirty="0">
+              <a:latin typeface="Times New Roman" pitchFamily="18" charset="0"/>
+              <a:cs typeface="Times New Roman" pitchFamily="18" charset="0"/>
+            </a:endParaRPr>
+          </a:p>
+          <a:p>
+            <a:endParaRPr lang="en-US" altLang="zh-TW" sz="2000" dirty="0">
+              <a:latin typeface="Times New Roman" pitchFamily="18" charset="0"/>
+              <a:cs typeface="Times New Roman" pitchFamily="18" charset="0"/>
+            </a:endParaRPr>
+          </a:p>
+          <a:p>
+            <a:r>
+              <a:rPr lang="en-US" altLang="zh-TW" sz="2000" dirty="0">
+                <a:latin typeface="Times New Roman" pitchFamily="18" charset="0"/>
+                <a:cs typeface="Times New Roman" pitchFamily="18" charset="0"/>
+              </a:rPr>
+              <a:t>Action</a:t>
+            </a:r>
+            <a:r>
+              <a:rPr lang="zh-TW" altLang="en-US" sz="2000" dirty="0">
+                <a:latin typeface="Times New Roman" pitchFamily="18" charset="0"/>
+                <a:cs typeface="Times New Roman" pitchFamily="18" charset="0"/>
+              </a:rPr>
+              <a:t> 用途：</a:t>
+            </a:r>
+            <a:endParaRPr lang="en-US" altLang="zh-TW" sz="2000" dirty="0">
+              <a:latin typeface="Times New Roman" pitchFamily="18" charset="0"/>
+              <a:cs typeface="Times New Roman" pitchFamily="18" charset="0"/>
+            </a:endParaRPr>
+          </a:p>
+          <a:p>
+            <a:pPr marL="360363" indent="-184150">
+              <a:buFont typeface="+mj-lt"/>
+              <a:buAutoNum type="arabicPeriod"/>
+            </a:pPr>
+            <a:r>
+              <a:rPr lang="zh-TW" altLang="en-US" sz="2000" dirty="0">
+                <a:latin typeface="Times New Roman" pitchFamily="18" charset="0"/>
+                <a:cs typeface="Times New Roman" pitchFamily="18" charset="0"/>
+              </a:rPr>
+              <a:t>設定 </a:t>
+            </a:r>
+            <a:r>
+              <a:rPr lang="en-US" altLang="zh-TW" sz="2000" dirty="0">
+                <a:latin typeface="Times New Roman" pitchFamily="18" charset="0"/>
+                <a:cs typeface="Times New Roman" pitchFamily="18" charset="0"/>
+              </a:rPr>
+              <a:t>Element </a:t>
+            </a:r>
+            <a:r>
+              <a:rPr lang="zh-TW" altLang="en-US" sz="2000" dirty="0">
+                <a:latin typeface="Times New Roman" pitchFamily="18" charset="0"/>
+                <a:cs typeface="Times New Roman" pitchFamily="18" charset="0"/>
+              </a:rPr>
+              <a:t>的 </a:t>
+            </a:r>
+            <a:r>
+              <a:rPr lang="en-US" altLang="zh-TW" sz="2000" dirty="0">
+                <a:latin typeface="Times New Roman" pitchFamily="18" charset="0"/>
+                <a:cs typeface="Times New Roman" pitchFamily="18" charset="0"/>
+              </a:rPr>
+              <a:t>Attribute</a:t>
+            </a:r>
+          </a:p>
+          <a:p>
+            <a:pPr marL="360363" indent="-184150">
+              <a:buFont typeface="+mj-lt"/>
+              <a:buAutoNum type="arabicPeriod"/>
+            </a:pPr>
+            <a:r>
+              <a:rPr lang="zh-TW" altLang="en-US" sz="2000" dirty="0">
+                <a:latin typeface="Times New Roman" pitchFamily="18" charset="0"/>
+                <a:cs typeface="Times New Roman" pitchFamily="18" charset="0"/>
+              </a:rPr>
+              <a:t>事件聆聽功能</a:t>
+            </a:r>
+            <a:endParaRPr lang="en-US" altLang="zh-TW" sz="2000" dirty="0">
+              <a:latin typeface="Times New Roman" pitchFamily="18" charset="0"/>
+              <a:cs typeface="Times New Roman" pitchFamily="18" charset="0"/>
+            </a:endParaRPr>
+          </a:p>
+          <a:p>
+            <a:endParaRPr lang="en-US" altLang="zh-TW" sz="2000" dirty="0">
+              <a:latin typeface="Times New Roman" pitchFamily="18" charset="0"/>
+              <a:cs typeface="Times New Roman" pitchFamily="18" charset="0"/>
+            </a:endParaRPr>
+          </a:p>
+          <a:p>
+            <a:r>
+              <a:rPr lang="zh-TW" altLang="en-US" sz="2000" dirty="0">
+                <a:latin typeface="Times New Roman" pitchFamily="18" charset="0"/>
+                <a:cs typeface="Times New Roman" pitchFamily="18" charset="0"/>
+              </a:rPr>
+              <a:t>撰寫順序：</a:t>
+            </a:r>
+            <a:endParaRPr lang="en-US" altLang="zh-TW" sz="2000" dirty="0">
+              <a:latin typeface="Times New Roman" pitchFamily="18" charset="0"/>
+              <a:cs typeface="Times New Roman" pitchFamily="18" charset="0"/>
+            </a:endParaRPr>
+          </a:p>
+          <a:p>
+            <a:r>
+              <a:rPr lang="en-US" altLang="zh-TW" sz="2000" dirty="0">
+                <a:latin typeface="Times New Roman" pitchFamily="18" charset="0"/>
+                <a:cs typeface="Times New Roman" pitchFamily="18" charset="0"/>
+              </a:rPr>
+              <a:t>    jQuery </a:t>
+            </a:r>
+            <a:r>
+              <a:rPr lang="zh-TW" altLang="en-US" sz="2000" dirty="0">
+                <a:latin typeface="Times New Roman" pitchFamily="18" charset="0"/>
+                <a:cs typeface="Times New Roman" pitchFamily="18" charset="0"/>
+              </a:rPr>
+              <a:t>先寫出這樣的格式</a:t>
+            </a:r>
+            <a:endParaRPr lang="en-US" altLang="zh-TW" sz="2000" dirty="0">
+              <a:latin typeface="Times New Roman" pitchFamily="18" charset="0"/>
+              <a:cs typeface="Times New Roman" pitchFamily="18" charset="0"/>
+            </a:endParaRPr>
+          </a:p>
+          <a:p>
+            <a:r>
+              <a:rPr lang="en-US" altLang="zh-TW" sz="2000" dirty="0">
+                <a:latin typeface="Times New Roman" pitchFamily="18" charset="0"/>
+                <a:cs typeface="Times New Roman" pitchFamily="18" charset="0"/>
+              </a:rPr>
+              <a:t>    </a:t>
+            </a:r>
+            <a:r>
+              <a:rPr lang="en-US" altLang="zh-TW" sz="2000" dirty="0">
+                <a:solidFill>
+                  <a:srgbClr val="FF0000"/>
+                </a:solidFill>
+                <a:latin typeface="Times New Roman" pitchFamily="18" charset="0"/>
+                <a:cs typeface="Times New Roman" pitchFamily="18" charset="0"/>
+              </a:rPr>
+              <a:t>$().();</a:t>
+            </a:r>
+          </a:p>
+          <a:p>
+            <a:r>
+              <a:rPr lang="zh-TW" altLang="en-US" sz="2000" dirty="0">
+                <a:latin typeface="Times New Roman" pitchFamily="18" charset="0"/>
+                <a:cs typeface="Times New Roman" pitchFamily="18" charset="0"/>
+              </a:rPr>
+              <a:t>    在慢慢將 </a:t>
+            </a:r>
+            <a:r>
+              <a:rPr lang="en-US" altLang="zh-TW" sz="2000" dirty="0">
+                <a:latin typeface="Times New Roman" pitchFamily="18" charset="0"/>
+                <a:cs typeface="Times New Roman" pitchFamily="18" charset="0"/>
+              </a:rPr>
+              <a:t>Selector, Action </a:t>
+            </a:r>
+            <a:r>
+              <a:rPr lang="zh-TW" altLang="en-US" sz="2000" dirty="0">
+                <a:latin typeface="Times New Roman" pitchFamily="18" charset="0"/>
+                <a:cs typeface="Times New Roman" pitchFamily="18" charset="0"/>
+              </a:rPr>
+              <a:t>補上</a:t>
+            </a:r>
+            <a:endParaRPr lang="en-US" altLang="zh-TW" sz="2000" dirty="0">
+              <a:latin typeface="Times New Roman" pitchFamily="18" charset="0"/>
+              <a:cs typeface="Times New Roman" pitchFamily="18" charset="0"/>
+            </a:endParaRPr>
+          </a:p>
+        </p:txBody>
+      </p:sp>
+    </p:spTree>
+    <p:extLst>
+      <p:ext uri="{BB962C8B-B14F-4D97-AF65-F5344CB8AC3E}">
+        <p14:creationId xmlns:p14="http://schemas.microsoft.com/office/powerpoint/2010/main" val="3846988205"/>
+      </p:ext>
+    </p:extLst>
+  </p:cSld>
+  <p:clrMapOvr>
+    <a:masterClrMapping/>
+  </p:clrMapOvr>
 </p:sld>
 </file>
 
@@ -7315,13 +8168,6 @@
   <p:clrMapOvr>
     <a:masterClrMapping/>
   </p:clrMapOvr>
-  <p:timing>
-    <p:tnLst>
-      <p:par>
-        <p:cTn id="1" dur="indefinite" restart="never" nodeType="tmRoot"/>
-      </p:par>
-    </p:tnLst>
-  </p:timing>
 </p:sld>
 </file>
 
@@ -7645,25 +8491,18 @@
               <a:t>，這是 </a:t>
             </a:r>
             <a:r>
-              <a:rPr lang="en-US" altLang="zh-TW" sz="2000" dirty="0" smtClean="0">
+              <a:rPr lang="en-US" altLang="zh-TW" sz="2000" dirty="0">
                 <a:latin typeface="Times New Roman" pitchFamily="18" charset="0"/>
                 <a:cs typeface="Times New Roman" pitchFamily="18" charset="0"/>
               </a:rPr>
               <a:t>ES6</a:t>
             </a:r>
             <a:r>
-              <a:rPr lang="zh-TW" altLang="en-US" sz="2000" dirty="0" smtClean="0">
-                <a:latin typeface="Times New Roman" pitchFamily="18" charset="0"/>
-                <a:cs typeface="Times New Roman" pitchFamily="18" charset="0"/>
-              </a:rPr>
-              <a:t> </a:t>
-            </a:r>
-            <a:r>
-              <a:rPr lang="zh-TW" altLang="en-US" sz="2000" dirty="0">
-                <a:latin typeface="Times New Roman" pitchFamily="18" charset="0"/>
-                <a:cs typeface="Times New Roman" pitchFamily="18" charset="0"/>
-              </a:rPr>
-              <a:t>後最佳的方式</a:t>
+              <a:rPr lang="zh-TW" altLang="en-US" sz="2000" dirty="0">
+                <a:latin typeface="Times New Roman" pitchFamily="18" charset="0"/>
+                <a:cs typeface="Times New Roman" pitchFamily="18" charset="0"/>
+              </a:rPr>
+              <a:t> 後最佳的方式</a:t>
             </a:r>
             <a:endParaRPr lang="en-US" altLang="zh-TW" sz="2000" dirty="0">
               <a:latin typeface="Times New Roman" pitchFamily="18" charset="0"/>
@@ -7745,7 +8584,7 @@
               <a:t>會報錯誤 </a:t>
             </a:r>
             <a:r>
-              <a:rPr lang="en-US" altLang="zh-TW" sz="2000" dirty="0" err="1" smtClean="0">
+              <a:rPr lang="en-US" altLang="zh-TW" sz="2000" dirty="0" err="1">
                 <a:solidFill>
                   <a:srgbClr val="FF0000"/>
                 </a:solidFill>
@@ -7755,21 +8594,21 @@
               <a:t>ReferenceError</a:t>
             </a:r>
             <a:r>
-              <a:rPr lang="zh-TW" altLang="en-US" sz="2000" dirty="0" smtClean="0">
+              <a:rPr lang="zh-TW" altLang="en-US" sz="2000" dirty="0">
                 <a:latin typeface="Times New Roman" pitchFamily="18" charset="0"/>
                 <a:cs typeface="Times New Roman" pitchFamily="18" charset="0"/>
               </a:rPr>
               <a:t>，且 </a:t>
             </a:r>
             <a:r>
-              <a:rPr lang="en-US" altLang="zh-TW" sz="2000" dirty="0" smtClean="0">
+              <a:rPr lang="en-US" altLang="zh-TW" sz="2000" dirty="0">
                 <a:latin typeface="Times New Roman" pitchFamily="18" charset="0"/>
                 <a:cs typeface="Times New Roman" pitchFamily="18" charset="0"/>
               </a:rPr>
               <a:t>let </a:t>
             </a:r>
             <a:r>
-              <a:rPr lang="zh-TW" altLang="en-US" sz="2000" dirty="0" smtClean="0">
+              <a:rPr lang="zh-TW" altLang="en-US" sz="2000" dirty="0">
                 <a:latin typeface="Times New Roman" pitchFamily="18" charset="0"/>
                 <a:cs typeface="Times New Roman" pitchFamily="18" charset="0"/>
               </a:rPr>
@@ -7923,13 +8762,6 @@
   <p:clrMapOvr>
     <a:masterClrMapping/>
   </p:clrMapOvr>
-  <p:timing>
-    <p:tnLst>
-      <p:par>
-        <p:cTn id="1" dur="indefinite" restart="never" nodeType="tmRoot"/>
-      </p:par>
-    </p:tnLst>
-  </p:timing>
 </p:sld>
 </file>
 
@@ -8408,13 +9240,6 @@
   <p:clrMapOvr>
     <a:masterClrMapping/>
   </p:clrMapOvr>
-  <p:timing>
-    <p:tnLst>
-      <p:par>
-        <p:cTn id="1" dur="indefinite" restart="never" nodeType="tmRoot"/>
-      </p:par>
-    </p:tnLst>
-  </p:timing>
 </p:sld>
 </file>
 
@@ -8922,13 +9747,6 @@
   <p:clrMapOvr>
     <a:masterClrMapping/>
   </p:clrMapOvr>
-  <p:timing>
-    <p:tnLst>
-      <p:par>
-        <p:cTn id="1" dur="indefinite" restart="never" nodeType="tmRoot"/>
-      </p:par>
-    </p:tnLst>
-  </p:timing>
 </p:sld>
 </file>
 
@@ -9298,13 +10116,6 @@
   <p:clrMapOvr>
     <a:masterClrMapping/>
   </p:clrMapOvr>
-  <p:timing>
-    <p:tnLst>
-      <p:par>
-        <p:cTn id="1" dur="indefinite" restart="never" nodeType="tmRoot"/>
-      </p:par>
-    </p:tnLst>
-  </p:timing>
 </p:sld>
 </file>
 
@@ -9770,13 +10581,6 @@
   <p:clrMapOvr>
     <a:masterClrMapping/>
   </p:clrMapOvr>
-  <p:timing>
-    <p:tnLst>
-      <p:par>
-        <p:cTn id="1" dur="indefinite" restart="never" nodeType="tmRoot"/>
-      </p:par>
-    </p:tnLst>
-  </p:timing>
 </p:sld>
 </file>
 
@@ -10013,13 +10817,6 @@
   <p:clrMapOvr>
     <a:masterClrMapping/>
   </p:clrMapOvr>
-  <p:timing>
-    <p:tnLst>
-      <p:par>
-        <p:cTn id="1" dur="indefinite" restart="never" nodeType="tmRoot"/>
-      </p:par>
-    </p:tnLst>
-  </p:timing>
 </p:sld>
 </file>
 
@@ -10497,13 +11294,6 @@
   <p:clrMapOvr>
     <a:masterClrMapping/>
   </p:clrMapOvr>
-  <p:timing>
-    <p:tnLst>
-      <p:par>
-        <p:cTn id="1" dur="indefinite" restart="never" nodeType="tmRoot"/>
-      </p:par>
-    </p:tnLst>
-  </p:timing>
 </p:sld>
 </file>
 

--- a/動態網頁.pptx
+++ b/動態網頁.pptx
@@ -23,6 +23,7 @@
     <p:sldId id="271" r:id="rId17"/>
     <p:sldId id="272" r:id="rId18"/>
     <p:sldId id="273" r:id="rId19"/>
+    <p:sldId id="274" r:id="rId20"/>
   </p:sldIdLst>
   <p:sldSz cx="9144000" cy="6858000" type="screen4x3"/>
   <p:notesSz cx="6858000" cy="9144000"/>
@@ -123,7 +124,7 @@
   </p:defaultTextStyle>
   <p:extLst>
     <p:ext uri="{EFAFB233-063F-42B5-8137-9DF3F51BA10A}">
-      <p15:sldGuideLst xmlns:p15="http://schemas.microsoft.com/office/powerpoint/2012/main">
+      <p15:sldGuideLst xmlns:p15="http://schemas.microsoft.com/office/powerpoint/2012/main" xmlns="">
         <p15:guide id="1" orient="horz" pos="2160">
           <p15:clr>
             <a:srgbClr val="A4A3A4"/>
@@ -319,7 +320,7 @@
           <a:p>
             <a:fld id="{5BBEAD13-0566-4C6C-97E7-55F17F24B09F}" type="datetimeFigureOut">
               <a:rPr lang="zh-TW" altLang="en-US" smtClean="0"/>
-              <a:t>2021/7/29</a:t>
+              <a:t>2021/8/2</a:t>
             </a:fld>
             <a:endParaRPr lang="zh-TW" altLang="en-US"/>
           </a:p>
@@ -482,7 +483,7 @@
           <a:p>
             <a:fld id="{5BBEAD13-0566-4C6C-97E7-55F17F24B09F}" type="datetimeFigureOut">
               <a:rPr lang="zh-TW" altLang="en-US" smtClean="0"/>
-              <a:t>2021/7/29</a:t>
+              <a:t>2021/8/2</a:t>
             </a:fld>
             <a:endParaRPr lang="zh-TW" altLang="en-US"/>
           </a:p>
@@ -655,7 +656,7 @@
           <a:p>
             <a:fld id="{5BBEAD13-0566-4C6C-97E7-55F17F24B09F}" type="datetimeFigureOut">
               <a:rPr lang="zh-TW" altLang="en-US" smtClean="0"/>
-              <a:t>2021/7/29</a:t>
+              <a:t>2021/8/2</a:t>
             </a:fld>
             <a:endParaRPr lang="zh-TW" altLang="en-US"/>
           </a:p>
@@ -818,7 +819,7 @@
           <a:p>
             <a:fld id="{5BBEAD13-0566-4C6C-97E7-55F17F24B09F}" type="datetimeFigureOut">
               <a:rPr lang="zh-TW" altLang="en-US" smtClean="0"/>
-              <a:t>2021/7/29</a:t>
+              <a:t>2021/8/2</a:t>
             </a:fld>
             <a:endParaRPr lang="zh-TW" altLang="en-US"/>
           </a:p>
@@ -1058,7 +1059,7 @@
           <a:p>
             <a:fld id="{5BBEAD13-0566-4C6C-97E7-55F17F24B09F}" type="datetimeFigureOut">
               <a:rPr lang="zh-TW" altLang="en-US" smtClean="0"/>
-              <a:t>2021/7/29</a:t>
+              <a:t>2021/8/2</a:t>
             </a:fld>
             <a:endParaRPr lang="zh-TW" altLang="en-US"/>
           </a:p>
@@ -1338,7 +1339,7 @@
           <a:p>
             <a:fld id="{5BBEAD13-0566-4C6C-97E7-55F17F24B09F}" type="datetimeFigureOut">
               <a:rPr lang="zh-TW" altLang="en-US" smtClean="0"/>
-              <a:t>2021/7/29</a:t>
+              <a:t>2021/8/2</a:t>
             </a:fld>
             <a:endParaRPr lang="zh-TW" altLang="en-US"/>
           </a:p>
@@ -1752,7 +1753,7 @@
           <a:p>
             <a:fld id="{5BBEAD13-0566-4C6C-97E7-55F17F24B09F}" type="datetimeFigureOut">
               <a:rPr lang="zh-TW" altLang="en-US" smtClean="0"/>
-              <a:t>2021/7/29</a:t>
+              <a:t>2021/8/2</a:t>
             </a:fld>
             <a:endParaRPr lang="zh-TW" altLang="en-US"/>
           </a:p>
@@ -1864,7 +1865,7 @@
           <a:p>
             <a:fld id="{5BBEAD13-0566-4C6C-97E7-55F17F24B09F}" type="datetimeFigureOut">
               <a:rPr lang="zh-TW" altLang="en-US" smtClean="0"/>
-              <a:t>2021/7/29</a:t>
+              <a:t>2021/8/2</a:t>
             </a:fld>
             <a:endParaRPr lang="zh-TW" altLang="en-US"/>
           </a:p>
@@ -1954,7 +1955,7 @@
           <a:p>
             <a:fld id="{5BBEAD13-0566-4C6C-97E7-55F17F24B09F}" type="datetimeFigureOut">
               <a:rPr lang="zh-TW" altLang="en-US" smtClean="0"/>
-              <a:t>2021/7/29</a:t>
+              <a:t>2021/8/2</a:t>
             </a:fld>
             <a:endParaRPr lang="zh-TW" altLang="en-US"/>
           </a:p>
@@ -2224,7 +2225,7 @@
           <a:p>
             <a:fld id="{5BBEAD13-0566-4C6C-97E7-55F17F24B09F}" type="datetimeFigureOut">
               <a:rPr lang="zh-TW" altLang="en-US" smtClean="0"/>
-              <a:t>2021/7/29</a:t>
+              <a:t>2021/8/2</a:t>
             </a:fld>
             <a:endParaRPr lang="zh-TW" altLang="en-US"/>
           </a:p>
@@ -2471,7 +2472,7 @@
           <a:p>
             <a:fld id="{5BBEAD13-0566-4C6C-97E7-55F17F24B09F}" type="datetimeFigureOut">
               <a:rPr lang="zh-TW" altLang="en-US" smtClean="0"/>
-              <a:t>2021/7/29</a:t>
+              <a:t>2021/8/2</a:t>
             </a:fld>
             <a:endParaRPr lang="zh-TW" altLang="en-US"/>
           </a:p>
@@ -2677,7 +2678,7 @@
           <a:p>
             <a:fld id="{5BBEAD13-0566-4C6C-97E7-55F17F24B09F}" type="datetimeFigureOut">
               <a:rPr lang="zh-TW" altLang="en-US" smtClean="0"/>
-              <a:t>2021/7/29</a:t>
+              <a:t>2021/8/2</a:t>
             </a:fld>
             <a:endParaRPr lang="zh-TW" altLang="en-US"/>
           </a:p>
@@ -6408,7 +6409,55 @@
                 <a:latin typeface="Times New Roman" pitchFamily="18" charset="0"/>
                 <a:cs typeface="Times New Roman" pitchFamily="18" charset="0"/>
               </a:rPr>
-              <a:t>以下用 </a:t>
+              <a:t>最</a:t>
+            </a:r>
+            <a:r>
+              <a:rPr lang="zh-TW" altLang="en-US" sz="2000" dirty="0" smtClean="0">
+                <a:latin typeface="Times New Roman" pitchFamily="18" charset="0"/>
+                <a:cs typeface="Times New Roman" pitchFamily="18" charset="0"/>
+              </a:rPr>
+              <a:t>常見的方法是 </a:t>
+            </a:r>
+            <a:r>
+              <a:rPr lang="en-US" altLang="zh-TW" sz="2000" dirty="0" smtClean="0">
+                <a:latin typeface="Times New Roman" pitchFamily="18" charset="0"/>
+                <a:cs typeface="Times New Roman" pitchFamily="18" charset="0"/>
+              </a:rPr>
+              <a:t>GET</a:t>
+            </a:r>
+            <a:r>
+              <a:rPr lang="zh-TW" altLang="en-US" sz="2000" dirty="0" smtClean="0">
+                <a:latin typeface="Times New Roman" pitchFamily="18" charset="0"/>
+                <a:cs typeface="Times New Roman" pitchFamily="18" charset="0"/>
+              </a:rPr>
+              <a:t> 和 </a:t>
+            </a:r>
+            <a:r>
+              <a:rPr lang="en-US" altLang="zh-TW" sz="2000" dirty="0" smtClean="0">
+                <a:latin typeface="Times New Roman" pitchFamily="18" charset="0"/>
+                <a:cs typeface="Times New Roman" pitchFamily="18" charset="0"/>
+              </a:rPr>
+              <a:t>POST</a:t>
+            </a:r>
+            <a:endParaRPr lang="en-US" altLang="zh-TW" sz="2000" dirty="0" smtClean="0">
+              <a:latin typeface="Times New Roman" pitchFamily="18" charset="0"/>
+              <a:cs typeface="Times New Roman" pitchFamily="18" charset="0"/>
+            </a:endParaRPr>
+          </a:p>
+          <a:p>
+            <a:r>
+              <a:rPr lang="zh-TW" altLang="en-US" sz="2000" dirty="0" smtClean="0">
+                <a:latin typeface="Times New Roman" pitchFamily="18" charset="0"/>
+                <a:cs typeface="Times New Roman" pitchFamily="18" charset="0"/>
+              </a:rPr>
+              <a:t>以下</a:t>
+            </a:r>
+            <a:r>
+              <a:rPr lang="zh-TW" altLang="en-US" sz="2000" dirty="0">
+                <a:latin typeface="Times New Roman" pitchFamily="18" charset="0"/>
+                <a:cs typeface="Times New Roman" pitchFamily="18" charset="0"/>
+              </a:rPr>
+              <a:t>用 </a:t>
             </a:r>
             <a:r>
               <a:rPr lang="en-US" altLang="zh-TW" sz="2000" dirty="0">
@@ -6983,7 +7032,7 @@
           <p:cNvPr id="3" name="圖片 2">
             <a:extLst>
               <a:ext uri="{FF2B5EF4-FFF2-40B4-BE49-F238E27FC236}">
-                <a16:creationId xmlns:a16="http://schemas.microsoft.com/office/drawing/2014/main" id="{09A6E7AA-689E-4A7A-AB61-91185B9D6D65}"/>
+                <a16:creationId xmlns:a16="http://schemas.microsoft.com/office/drawing/2014/main" xmlns="" id="{09A6E7AA-689E-4A7A-AB61-91185B9D6D65}"/>
               </a:ext>
             </a:extLst>
           </p:cNvPr>
@@ -7176,7 +7225,7 @@
           <p:cNvPr id="7" name="圖片 6" descr="一張含有 文字 的圖片&#10;&#10;自動產生的描述">
             <a:extLst>
               <a:ext uri="{FF2B5EF4-FFF2-40B4-BE49-F238E27FC236}">
-                <a16:creationId xmlns:a16="http://schemas.microsoft.com/office/drawing/2014/main" id="{4870EBFC-DE4A-40E9-9FC9-CD9672B6988E}"/>
+                <a16:creationId xmlns:a16="http://schemas.microsoft.com/office/drawing/2014/main" xmlns="" id="{4870EBFC-DE4A-40E9-9FC9-CD9672B6988E}"/>
               </a:ext>
             </a:extLst>
           </p:cNvPr>
@@ -7211,7 +7260,7 @@
           <p:cNvPr id="8" name="矩形 7">
             <a:extLst>
               <a:ext uri="{FF2B5EF4-FFF2-40B4-BE49-F238E27FC236}">
-                <a16:creationId xmlns:a16="http://schemas.microsoft.com/office/drawing/2014/main" id="{C635761B-2CAD-476F-ACE0-1B793B254F5D}"/>
+                <a16:creationId xmlns:a16="http://schemas.microsoft.com/office/drawing/2014/main" xmlns="" id="{C635761B-2CAD-476F-ACE0-1B793B254F5D}"/>
               </a:ext>
             </a:extLst>
           </p:cNvPr>
@@ -7263,7 +7312,7 @@
           <p:cNvPr id="9" name="文字方塊 8">
             <a:extLst>
               <a:ext uri="{FF2B5EF4-FFF2-40B4-BE49-F238E27FC236}">
-                <a16:creationId xmlns:a16="http://schemas.microsoft.com/office/drawing/2014/main" id="{B2506B1C-745E-4CDA-926C-2CFCF564319B}"/>
+                <a16:creationId xmlns:a16="http://schemas.microsoft.com/office/drawing/2014/main" xmlns="" id="{B2506B1C-745E-4CDA-926C-2CFCF564319B}"/>
               </a:ext>
             </a:extLst>
           </p:cNvPr>
@@ -7344,7 +7393,7 @@
           <p:cNvPr id="11" name="圖片 10" descr="一張含有 文字 的圖片&#10;&#10;自動產生的描述">
             <a:extLst>
               <a:ext uri="{FF2B5EF4-FFF2-40B4-BE49-F238E27FC236}">
-                <a16:creationId xmlns:a16="http://schemas.microsoft.com/office/drawing/2014/main" id="{E1596373-13C3-4632-A41E-A767288C6828}"/>
+                <a16:creationId xmlns:a16="http://schemas.microsoft.com/office/drawing/2014/main" xmlns="" id="{E1596373-13C3-4632-A41E-A767288C6828}"/>
               </a:ext>
             </a:extLst>
           </p:cNvPr>
@@ -7814,6 +7863,626 @@
     <p:extLst>
       <p:ext uri="{BB962C8B-B14F-4D97-AF65-F5344CB8AC3E}">
         <p14:creationId xmlns:p14="http://schemas.microsoft.com/office/powerpoint/2010/main" val="3846988205"/>
+      </p:ext>
+    </p:extLst>
+  </p:cSld>
+  <p:clrMapOvr>
+    <a:masterClrMapping/>
+  </p:clrMapOvr>
+</p:sld>
+</file>
+
+<file path=ppt/slides/slide19.xml><?xml version="1.0" encoding="utf-8"?>
+<p:sld xmlns:a="http://schemas.openxmlformats.org/drawingml/2006/main" xmlns:r="http://schemas.openxmlformats.org/officeDocument/2006/relationships" xmlns:p="http://schemas.openxmlformats.org/presentationml/2006/main">
+  <p:cSld>
+    <p:spTree>
+      <p:nvGrpSpPr>
+        <p:cNvPr id="1" name=""/>
+        <p:cNvGrpSpPr/>
+        <p:nvPr/>
+      </p:nvGrpSpPr>
+      <p:grpSpPr>
+        <a:xfrm>
+          <a:off x="0" y="0"/>
+          <a:ext cx="0" cy="0"/>
+          <a:chOff x="0" y="0"/>
+          <a:chExt cx="0" cy="0"/>
+        </a:xfrm>
+      </p:grpSpPr>
+      <p:sp>
+        <p:nvSpPr>
+          <p:cNvPr id="4" name="文字方塊 3"/>
+          <p:cNvSpPr txBox="1"/>
+          <p:nvPr/>
+        </p:nvSpPr>
+        <p:spPr>
+          <a:xfrm>
+            <a:off x="0" y="0"/>
+            <a:ext cx="9144000" cy="836712"/>
+          </a:xfrm>
+          <a:prstGeom prst="rect">
+            <a:avLst/>
+          </a:prstGeom>
+          <a:noFill/>
+        </p:spPr>
+        <p:txBody>
+          <a:bodyPr wrap="square" rtlCol="0" anchor="ctr">
+            <a:noAutofit/>
+          </a:bodyPr>
+          <a:lstStyle/>
+          <a:p>
+            <a:pPr algn="ctr"/>
+            <a:r>
+              <a:rPr lang="en-US" altLang="zh-TW" sz="2400" dirty="0">
+                <a:latin typeface="Times New Roman" pitchFamily="18" charset="0"/>
+                <a:cs typeface="Times New Roman" pitchFamily="18" charset="0"/>
+              </a:rPr>
+              <a:t>jQuery</a:t>
+            </a:r>
+            <a:endParaRPr lang="zh-TW" altLang="en-US" sz="2400" dirty="0">
+              <a:latin typeface="Times New Roman" pitchFamily="18" charset="0"/>
+              <a:cs typeface="Times New Roman" pitchFamily="18" charset="0"/>
+            </a:endParaRPr>
+          </a:p>
+        </p:txBody>
+      </p:sp>
+      <p:sp>
+        <p:nvSpPr>
+          <p:cNvPr id="5" name="文字方塊 4"/>
+          <p:cNvSpPr txBox="1"/>
+          <p:nvPr/>
+        </p:nvSpPr>
+        <p:spPr>
+          <a:xfrm>
+            <a:off x="8711952" y="6573902"/>
+            <a:ext cx="432048" cy="276999"/>
+          </a:xfrm>
+          <a:prstGeom prst="rect">
+            <a:avLst/>
+          </a:prstGeom>
+          <a:noFill/>
+        </p:spPr>
+        <p:txBody>
+          <a:bodyPr wrap="square" rtlCol="0" anchor="ctr">
+            <a:spAutoFit/>
+          </a:bodyPr>
+          <a:lstStyle/>
+          <a:p>
+            <a:pPr algn="ctr"/>
+            <a:r>
+              <a:rPr lang="en-US" altLang="zh-TW" sz="1200" dirty="0" smtClean="0">
+                <a:latin typeface="Times New Roman" pitchFamily="18" charset="0"/>
+                <a:cs typeface="Times New Roman" pitchFamily="18" charset="0"/>
+              </a:rPr>
+              <a:t>19</a:t>
+            </a:r>
+            <a:endParaRPr lang="zh-TW" altLang="en-US" sz="1200" dirty="0">
+              <a:latin typeface="Times New Roman" pitchFamily="18" charset="0"/>
+              <a:cs typeface="Times New Roman" pitchFamily="18" charset="0"/>
+            </a:endParaRPr>
+          </a:p>
+        </p:txBody>
+      </p:sp>
+      <p:sp>
+        <p:nvSpPr>
+          <p:cNvPr id="6" name="文字方塊 5"/>
+          <p:cNvSpPr txBox="1"/>
+          <p:nvPr/>
+        </p:nvSpPr>
+        <p:spPr>
+          <a:xfrm>
+            <a:off x="503548" y="1124744"/>
+            <a:ext cx="8136904" cy="5328592"/>
+          </a:xfrm>
+          <a:prstGeom prst="rect">
+            <a:avLst/>
+          </a:prstGeom>
+          <a:noFill/>
+        </p:spPr>
+        <p:txBody>
+          <a:bodyPr wrap="square" rtlCol="0" anchor="t">
+            <a:noAutofit/>
+          </a:bodyPr>
+          <a:lstStyle/>
+          <a:p>
+            <a:r>
+              <a:rPr lang="zh-TW" altLang="en-US" sz="2000" dirty="0">
+                <a:latin typeface="Times New Roman" pitchFamily="18" charset="0"/>
+                <a:cs typeface="Times New Roman" pitchFamily="18" charset="0"/>
+              </a:rPr>
+              <a:t>語法：</a:t>
+            </a:r>
+            <a:endParaRPr lang="en-US" altLang="zh-TW" sz="2000" dirty="0">
+              <a:latin typeface="Times New Roman" pitchFamily="18" charset="0"/>
+              <a:cs typeface="Times New Roman" pitchFamily="18" charset="0"/>
+            </a:endParaRPr>
+          </a:p>
+          <a:p>
+            <a:r>
+              <a:rPr lang="zh-TW" altLang="en-US" sz="2000" dirty="0">
+                <a:latin typeface="Times New Roman" pitchFamily="18" charset="0"/>
+                <a:cs typeface="Times New Roman" pitchFamily="18" charset="0"/>
+              </a:rPr>
+              <a:t>    </a:t>
+            </a:r>
+            <a:r>
+              <a:rPr lang="en-US" altLang="zh-TW" sz="2000" dirty="0">
+                <a:solidFill>
+                  <a:srgbClr val="FF0000"/>
+                </a:solidFill>
+                <a:latin typeface="Times New Roman" pitchFamily="18" charset="0"/>
+                <a:cs typeface="Times New Roman" pitchFamily="18" charset="0"/>
+              </a:rPr>
+              <a:t>$.</a:t>
+            </a:r>
+            <a:r>
+              <a:rPr lang="en-US" altLang="zh-TW" sz="2000" dirty="0" err="1">
+                <a:solidFill>
+                  <a:srgbClr val="FF0000"/>
+                </a:solidFill>
+                <a:latin typeface="Times New Roman" pitchFamily="18" charset="0"/>
+                <a:cs typeface="Times New Roman" pitchFamily="18" charset="0"/>
+              </a:rPr>
+              <a:t>ajax</a:t>
+            </a:r>
+            <a:r>
+              <a:rPr lang="en-US" altLang="zh-TW" sz="2000" dirty="0">
+                <a:solidFill>
+                  <a:srgbClr val="FF0000"/>
+                </a:solidFill>
+                <a:latin typeface="Times New Roman" pitchFamily="18" charset="0"/>
+                <a:cs typeface="Times New Roman" pitchFamily="18" charset="0"/>
+              </a:rPr>
+              <a:t>(</a:t>
+            </a:r>
+            <a:r>
+              <a:rPr lang="en-US" altLang="zh-TW" sz="2000" dirty="0">
+                <a:solidFill>
+                  <a:srgbClr val="00B050"/>
+                </a:solidFill>
+                <a:latin typeface="Times New Roman" pitchFamily="18" charset="0"/>
+                <a:cs typeface="Times New Roman" pitchFamily="18" charset="0"/>
+              </a:rPr>
+              <a:t>"</a:t>
+            </a:r>
+            <a:r>
+              <a:rPr lang="en-US" altLang="zh-TW" sz="2000" dirty="0" err="1">
+                <a:solidFill>
+                  <a:srgbClr val="00B050"/>
+                </a:solidFill>
+                <a:latin typeface="Times New Roman" pitchFamily="18" charset="0"/>
+                <a:cs typeface="Times New Roman" pitchFamily="18" charset="0"/>
+              </a:rPr>
+              <a:t>url</a:t>
+            </a:r>
+            <a:r>
+              <a:rPr lang="en-US" altLang="zh-TW" sz="2000" dirty="0">
+                <a:solidFill>
+                  <a:srgbClr val="00B050"/>
+                </a:solidFill>
+                <a:latin typeface="Times New Roman" pitchFamily="18" charset="0"/>
+                <a:cs typeface="Times New Roman" pitchFamily="18" charset="0"/>
+              </a:rPr>
+              <a:t>"</a:t>
+            </a:r>
+            <a:r>
+              <a:rPr lang="en-US" altLang="zh-TW" sz="2000" dirty="0">
+                <a:solidFill>
+                  <a:srgbClr val="FF0000"/>
+                </a:solidFill>
+                <a:latin typeface="Times New Roman" pitchFamily="18" charset="0"/>
+                <a:cs typeface="Times New Roman" pitchFamily="18" charset="0"/>
+              </a:rPr>
+              <a:t>, </a:t>
+            </a:r>
+            <a:r>
+              <a:rPr lang="en-US" altLang="zh-TW" sz="2000" dirty="0" err="1" smtClean="0">
+                <a:solidFill>
+                  <a:srgbClr val="00B0F0"/>
+                </a:solidFill>
+                <a:latin typeface="Times New Roman" pitchFamily="18" charset="0"/>
+                <a:cs typeface="Times New Roman" pitchFamily="18" charset="0"/>
+              </a:rPr>
+              <a:t>SettingObject</a:t>
+            </a:r>
+            <a:r>
+              <a:rPr lang="en-US" altLang="zh-TW" sz="2000" dirty="0" smtClean="0">
+                <a:solidFill>
+                  <a:srgbClr val="FF0000"/>
+                </a:solidFill>
+                <a:latin typeface="Times New Roman" pitchFamily="18" charset="0"/>
+                <a:cs typeface="Times New Roman" pitchFamily="18" charset="0"/>
+              </a:rPr>
+              <a:t>);</a:t>
+            </a:r>
+          </a:p>
+          <a:p>
+            <a:endParaRPr lang="en-US" altLang="zh-TW" sz="2000" dirty="0">
+              <a:latin typeface="Times New Roman" pitchFamily="18" charset="0"/>
+              <a:cs typeface="Times New Roman" pitchFamily="18" charset="0"/>
+            </a:endParaRPr>
+          </a:p>
+          <a:p>
+            <a:r>
+              <a:rPr lang="en-US" altLang="zh-TW" sz="2000" dirty="0" err="1" smtClean="0">
+                <a:latin typeface="Times New Roman" pitchFamily="18" charset="0"/>
+                <a:cs typeface="Times New Roman" pitchFamily="18" charset="0"/>
+              </a:rPr>
+              <a:t>SettingObject</a:t>
+            </a:r>
+            <a:r>
+              <a:rPr lang="zh-TW" altLang="en-US" sz="2000" dirty="0" smtClean="0">
+                <a:latin typeface="Times New Roman" pitchFamily="18" charset="0"/>
+                <a:cs typeface="Times New Roman" pitchFamily="18" charset="0"/>
+              </a:rPr>
+              <a:t>：</a:t>
+            </a:r>
+            <a:endParaRPr lang="en-US" altLang="zh-TW" sz="2000" dirty="0">
+              <a:latin typeface="Times New Roman" pitchFamily="18" charset="0"/>
+              <a:cs typeface="Times New Roman" pitchFamily="18" charset="0"/>
+            </a:endParaRPr>
+          </a:p>
+          <a:p>
+            <a:r>
+              <a:rPr lang="en-US" altLang="zh-TW" sz="2000" dirty="0" smtClean="0">
+                <a:latin typeface="Times New Roman" pitchFamily="18" charset="0"/>
+                <a:cs typeface="Times New Roman" pitchFamily="18" charset="0"/>
+              </a:rPr>
+              <a:t>        method</a:t>
+            </a:r>
+            <a:r>
+              <a:rPr lang="zh-TW" altLang="en-US" sz="2000" dirty="0" smtClean="0">
+                <a:latin typeface="Times New Roman" pitchFamily="18" charset="0"/>
+                <a:cs typeface="Times New Roman" pitchFamily="18" charset="0"/>
+              </a:rPr>
+              <a:t>：常見的方式為 </a:t>
+            </a:r>
+            <a:r>
+              <a:rPr lang="en-US" altLang="zh-TW" sz="2000" dirty="0" smtClean="0">
+                <a:latin typeface="Times New Roman" pitchFamily="18" charset="0"/>
+                <a:cs typeface="Times New Roman" pitchFamily="18" charset="0"/>
+              </a:rPr>
+              <a:t>GET</a:t>
+            </a:r>
+            <a:r>
+              <a:rPr lang="zh-TW" altLang="en-US" sz="2000" dirty="0" smtClean="0">
+                <a:latin typeface="Times New Roman" pitchFamily="18" charset="0"/>
+                <a:cs typeface="Times New Roman" pitchFamily="18" charset="0"/>
+              </a:rPr>
+              <a:t> 或 </a:t>
+            </a:r>
+            <a:r>
+              <a:rPr lang="en-US" altLang="zh-TW" sz="2000" dirty="0" smtClean="0">
+                <a:latin typeface="Times New Roman" pitchFamily="18" charset="0"/>
+                <a:cs typeface="Times New Roman" pitchFamily="18" charset="0"/>
+              </a:rPr>
+              <a:t>POST</a:t>
+            </a:r>
+            <a:endParaRPr lang="en-US" altLang="zh-TW" sz="2000" dirty="0">
+              <a:latin typeface="Times New Roman" pitchFamily="18" charset="0"/>
+              <a:cs typeface="Times New Roman" pitchFamily="18" charset="0"/>
+            </a:endParaRPr>
+          </a:p>
+          <a:p>
+            <a:r>
+              <a:rPr lang="en-US" altLang="zh-TW" sz="2000" dirty="0">
+                <a:latin typeface="Times New Roman" pitchFamily="18" charset="0"/>
+                <a:cs typeface="Times New Roman" pitchFamily="18" charset="0"/>
+              </a:rPr>
+              <a:t>        </a:t>
+            </a:r>
+            <a:r>
+              <a:rPr lang="en-US" altLang="zh-TW" sz="2000" dirty="0" err="1" smtClean="0">
+                <a:latin typeface="Times New Roman" pitchFamily="18" charset="0"/>
+                <a:cs typeface="Times New Roman" pitchFamily="18" charset="0"/>
+              </a:rPr>
+              <a:t>async</a:t>
+            </a:r>
+            <a:r>
+              <a:rPr lang="zh-TW" altLang="en-US" sz="2000" dirty="0" smtClean="0">
+                <a:latin typeface="Times New Roman" pitchFamily="18" charset="0"/>
+                <a:cs typeface="Times New Roman" pitchFamily="18" charset="0"/>
+              </a:rPr>
+              <a:t>：是否為 </a:t>
+            </a:r>
+            <a:r>
+              <a:rPr lang="en-US" altLang="zh-TW" sz="2000" dirty="0" smtClean="0">
+                <a:latin typeface="Times New Roman" pitchFamily="18" charset="0"/>
+                <a:cs typeface="Times New Roman" pitchFamily="18" charset="0"/>
+              </a:rPr>
+              <a:t>asynchronous</a:t>
+            </a:r>
+            <a:endParaRPr lang="en-US" altLang="zh-TW" sz="2000" dirty="0">
+              <a:latin typeface="Times New Roman" pitchFamily="18" charset="0"/>
+              <a:cs typeface="Times New Roman" pitchFamily="18" charset="0"/>
+            </a:endParaRPr>
+          </a:p>
+          <a:p>
+            <a:r>
+              <a:rPr lang="en-US" altLang="zh-TW" sz="2000" dirty="0">
+                <a:latin typeface="Times New Roman" pitchFamily="18" charset="0"/>
+                <a:cs typeface="Times New Roman" pitchFamily="18" charset="0"/>
+              </a:rPr>
+              <a:t>        </a:t>
+            </a:r>
+            <a:r>
+              <a:rPr lang="en-US" altLang="zh-TW" sz="2000" dirty="0" err="1" smtClean="0">
+                <a:latin typeface="Times New Roman" pitchFamily="18" charset="0"/>
+                <a:cs typeface="Times New Roman" pitchFamily="18" charset="0"/>
+              </a:rPr>
+              <a:t>contentType</a:t>
+            </a:r>
+            <a:r>
+              <a:rPr lang="zh-TW" altLang="en-US" sz="2000" dirty="0" smtClean="0">
+                <a:latin typeface="Times New Roman" pitchFamily="18" charset="0"/>
+                <a:cs typeface="Times New Roman" pitchFamily="18" charset="0"/>
+              </a:rPr>
+              <a:t>： </a:t>
+            </a:r>
+            <a:r>
+              <a:rPr lang="zh-TW" altLang="en-US" sz="2000" dirty="0">
+                <a:latin typeface="Times New Roman" pitchFamily="18" charset="0"/>
+                <a:cs typeface="Times New Roman" pitchFamily="18" charset="0"/>
+              </a:rPr>
+              <a:t>傳</a:t>
+            </a:r>
+            <a:r>
+              <a:rPr lang="zh-TW" altLang="en-US" sz="2000" dirty="0" smtClean="0">
+                <a:latin typeface="Times New Roman" pitchFamily="18" charset="0"/>
+                <a:cs typeface="Times New Roman" pitchFamily="18" charset="0"/>
+              </a:rPr>
+              <a:t>給</a:t>
+            </a:r>
+            <a:r>
+              <a:rPr lang="zh-TW" altLang="en-US" sz="2000" dirty="0">
+                <a:latin typeface="Times New Roman" pitchFamily="18" charset="0"/>
+                <a:cs typeface="Times New Roman" pitchFamily="18" charset="0"/>
+              </a:rPr>
+              <a:t> </a:t>
+            </a:r>
+            <a:r>
+              <a:rPr lang="en-US" altLang="zh-TW" sz="2000" dirty="0" err="1" smtClean="0">
+                <a:latin typeface="Times New Roman" pitchFamily="18" charset="0"/>
+                <a:cs typeface="Times New Roman" pitchFamily="18" charset="0"/>
+              </a:rPr>
+              <a:t>api</a:t>
+            </a:r>
+            <a:r>
+              <a:rPr lang="en-US" altLang="zh-TW" sz="2000" dirty="0" smtClean="0">
+                <a:latin typeface="Times New Roman" pitchFamily="18" charset="0"/>
+                <a:cs typeface="Times New Roman" pitchFamily="18" charset="0"/>
+              </a:rPr>
+              <a:t> </a:t>
+            </a:r>
+            <a:r>
+              <a:rPr lang="zh-TW" altLang="en-US" sz="2000" dirty="0" smtClean="0">
+                <a:latin typeface="Times New Roman" pitchFamily="18" charset="0"/>
+                <a:cs typeface="Times New Roman" pitchFamily="18" charset="0"/>
+              </a:rPr>
+              <a:t>的資料型式</a:t>
+            </a:r>
+            <a:endParaRPr lang="en-US" altLang="zh-TW" sz="2000" dirty="0">
+              <a:latin typeface="Times New Roman" pitchFamily="18" charset="0"/>
+              <a:cs typeface="Times New Roman" pitchFamily="18" charset="0"/>
+            </a:endParaRPr>
+          </a:p>
+          <a:p>
+            <a:r>
+              <a:rPr lang="en-US" altLang="zh-TW" sz="2000" dirty="0">
+                <a:latin typeface="Times New Roman" pitchFamily="18" charset="0"/>
+                <a:cs typeface="Times New Roman" pitchFamily="18" charset="0"/>
+              </a:rPr>
+              <a:t>        </a:t>
+            </a:r>
+            <a:r>
+              <a:rPr lang="en-US" altLang="zh-TW" sz="2000" dirty="0" smtClean="0">
+                <a:latin typeface="Times New Roman" pitchFamily="18" charset="0"/>
+                <a:cs typeface="Times New Roman" pitchFamily="18" charset="0"/>
+              </a:rPr>
+              <a:t>data</a:t>
+            </a:r>
+            <a:r>
+              <a:rPr lang="zh-TW" altLang="en-US" sz="2000" dirty="0" smtClean="0">
+                <a:latin typeface="Times New Roman" pitchFamily="18" charset="0"/>
+                <a:cs typeface="Times New Roman" pitchFamily="18" charset="0"/>
+              </a:rPr>
+              <a:t>：</a:t>
+            </a:r>
+            <a:r>
+              <a:rPr lang="zh-TW" altLang="en-US" sz="2000" dirty="0">
+                <a:latin typeface="Times New Roman" pitchFamily="18" charset="0"/>
+                <a:cs typeface="Times New Roman" pitchFamily="18" charset="0"/>
+              </a:rPr>
+              <a:t>傳給 </a:t>
+            </a:r>
+            <a:r>
+              <a:rPr lang="en-US" altLang="zh-TW" sz="2000" dirty="0" err="1">
+                <a:latin typeface="Times New Roman" pitchFamily="18" charset="0"/>
+                <a:cs typeface="Times New Roman" pitchFamily="18" charset="0"/>
+              </a:rPr>
+              <a:t>api</a:t>
+            </a:r>
+            <a:r>
+              <a:rPr lang="en-US" altLang="zh-TW" sz="2000" dirty="0">
+                <a:latin typeface="Times New Roman" pitchFamily="18" charset="0"/>
+                <a:cs typeface="Times New Roman" pitchFamily="18" charset="0"/>
+              </a:rPr>
+              <a:t> </a:t>
+            </a:r>
+            <a:r>
+              <a:rPr lang="zh-TW" altLang="en-US" sz="2000" dirty="0">
+                <a:latin typeface="Times New Roman" pitchFamily="18" charset="0"/>
+                <a:cs typeface="Times New Roman" pitchFamily="18" charset="0"/>
+              </a:rPr>
+              <a:t>的</a:t>
+            </a:r>
+            <a:r>
+              <a:rPr lang="zh-TW" altLang="en-US" sz="2000" dirty="0" smtClean="0">
+                <a:latin typeface="Times New Roman" pitchFamily="18" charset="0"/>
+                <a:cs typeface="Times New Roman" pitchFamily="18" charset="0"/>
+              </a:rPr>
+              <a:t>資料內容</a:t>
+            </a:r>
+            <a:endParaRPr lang="en-US" altLang="zh-TW" sz="2000" dirty="0" smtClean="0">
+              <a:latin typeface="Times New Roman" pitchFamily="18" charset="0"/>
+              <a:cs typeface="Times New Roman" pitchFamily="18" charset="0"/>
+            </a:endParaRPr>
+          </a:p>
+          <a:p>
+            <a:endParaRPr lang="en-US" altLang="zh-TW" sz="2000" dirty="0">
+              <a:latin typeface="Times New Roman" pitchFamily="18" charset="0"/>
+              <a:cs typeface="Times New Roman" pitchFamily="18" charset="0"/>
+            </a:endParaRPr>
+          </a:p>
+          <a:p>
+            <a:r>
+              <a:rPr lang="en-US" altLang="zh-TW" sz="2000" dirty="0" smtClean="0">
+                <a:latin typeface="Times New Roman" pitchFamily="18" charset="0"/>
+                <a:cs typeface="Times New Roman" pitchFamily="18" charset="0"/>
+              </a:rPr>
+              <a:t>$.</a:t>
+            </a:r>
+            <a:r>
+              <a:rPr lang="en-US" altLang="zh-TW" sz="2000" dirty="0" err="1" smtClean="0">
+                <a:latin typeface="Times New Roman" pitchFamily="18" charset="0"/>
+                <a:cs typeface="Times New Roman" pitchFamily="18" charset="0"/>
+              </a:rPr>
+              <a:t>ajax</a:t>
+            </a:r>
+            <a:r>
+              <a:rPr lang="en-US" altLang="zh-TW" sz="2000" dirty="0" smtClean="0">
+                <a:latin typeface="Times New Roman" pitchFamily="18" charset="0"/>
+                <a:cs typeface="Times New Roman" pitchFamily="18" charset="0"/>
+              </a:rPr>
+              <a:t>() </a:t>
+            </a:r>
+            <a:r>
+              <a:rPr lang="zh-TW" altLang="en-US" sz="2000" dirty="0" smtClean="0">
+                <a:latin typeface="Times New Roman" pitchFamily="18" charset="0"/>
+                <a:cs typeface="Times New Roman" pitchFamily="18" charset="0"/>
+              </a:rPr>
+              <a:t>後面通常會串接 </a:t>
+            </a:r>
+            <a:r>
+              <a:rPr lang="en-US" altLang="zh-TW" sz="2000" dirty="0" smtClean="0">
+                <a:latin typeface="Times New Roman" pitchFamily="18" charset="0"/>
+                <a:cs typeface="Times New Roman" pitchFamily="18" charset="0"/>
+              </a:rPr>
+              <a:t>.done()</a:t>
+            </a:r>
+            <a:r>
+              <a:rPr lang="zh-TW" altLang="en-US" sz="2000" dirty="0" smtClean="0">
+                <a:latin typeface="Times New Roman" pitchFamily="18" charset="0"/>
+                <a:cs typeface="Times New Roman" pitchFamily="18" charset="0"/>
+              </a:rPr>
+              <a:t>、</a:t>
+            </a:r>
+            <a:r>
+              <a:rPr lang="en-US" altLang="zh-TW" sz="2000" dirty="0" smtClean="0">
+                <a:latin typeface="Times New Roman" pitchFamily="18" charset="0"/>
+                <a:cs typeface="Times New Roman" pitchFamily="18" charset="0"/>
+              </a:rPr>
+              <a:t>,fail()</a:t>
+            </a:r>
+            <a:r>
+              <a:rPr lang="zh-TW" altLang="en-US" sz="2000" dirty="0" smtClean="0">
+                <a:latin typeface="Times New Roman" pitchFamily="18" charset="0"/>
+                <a:cs typeface="Times New Roman" pitchFamily="18" charset="0"/>
+              </a:rPr>
+              <a:t>、</a:t>
+            </a:r>
+            <a:r>
+              <a:rPr lang="en-US" altLang="zh-TW" sz="2000" dirty="0" smtClean="0">
+                <a:latin typeface="Times New Roman" pitchFamily="18" charset="0"/>
+                <a:cs typeface="Times New Roman" pitchFamily="18" charset="0"/>
+              </a:rPr>
+              <a:t>.then()</a:t>
+            </a:r>
+            <a:r>
+              <a:rPr lang="zh-TW" altLang="en-US" sz="2000" dirty="0">
+                <a:latin typeface="Times New Roman" pitchFamily="18" charset="0"/>
+                <a:cs typeface="Times New Roman" pitchFamily="18" charset="0"/>
+              </a:rPr>
+              <a:t> </a:t>
+            </a:r>
+            <a:r>
+              <a:rPr lang="zh-TW" altLang="en-US" sz="2000" dirty="0" smtClean="0">
+                <a:latin typeface="Times New Roman" pitchFamily="18" charset="0"/>
+                <a:cs typeface="Times New Roman" pitchFamily="18" charset="0"/>
+              </a:rPr>
+              <a:t>等來處理回傳的資料</a:t>
+            </a:r>
+            <a:endParaRPr lang="en-US" altLang="zh-TW" sz="2000" dirty="0" smtClean="0">
+              <a:latin typeface="Times New Roman" pitchFamily="18" charset="0"/>
+              <a:cs typeface="Times New Roman" pitchFamily="18" charset="0"/>
+            </a:endParaRPr>
+          </a:p>
+          <a:p>
+            <a:endParaRPr lang="en-US" altLang="zh-TW" sz="2000" dirty="0">
+              <a:latin typeface="Times New Roman" pitchFamily="18" charset="0"/>
+              <a:cs typeface="Times New Roman" pitchFamily="18" charset="0"/>
+            </a:endParaRPr>
+          </a:p>
+          <a:p>
+            <a:endParaRPr lang="en-US" altLang="zh-TW" sz="2000" dirty="0" smtClean="0">
+              <a:latin typeface="Times New Roman" pitchFamily="18" charset="0"/>
+              <a:cs typeface="Times New Roman" pitchFamily="18" charset="0"/>
+            </a:endParaRPr>
+          </a:p>
+          <a:p>
+            <a:r>
+              <a:rPr lang="en-US" altLang="zh-TW" sz="2000" dirty="0" smtClean="0">
+                <a:latin typeface="Times New Roman" pitchFamily="18" charset="0"/>
+                <a:cs typeface="Times New Roman" pitchFamily="18" charset="0"/>
+              </a:rPr>
+              <a:t>※GET </a:t>
+            </a:r>
+            <a:r>
+              <a:rPr lang="zh-TW" altLang="en-US" sz="2000" dirty="0">
+                <a:latin typeface="Times New Roman" pitchFamily="18" charset="0"/>
+                <a:cs typeface="Times New Roman" pitchFamily="18" charset="0"/>
+              </a:rPr>
+              <a:t>明碼傳輸會有安全</a:t>
+            </a:r>
+            <a:r>
+              <a:rPr lang="zh-TW" altLang="en-US" sz="2000" dirty="0" smtClean="0">
+                <a:latin typeface="Times New Roman" pitchFamily="18" charset="0"/>
+                <a:cs typeface="Times New Roman" pitchFamily="18" charset="0"/>
+              </a:rPr>
+              <a:t>問題</a:t>
+            </a:r>
+            <a:r>
+              <a:rPr lang="zh-TW" altLang="en-US" sz="2000" smtClean="0">
+                <a:latin typeface="Times New Roman" pitchFamily="18" charset="0"/>
+                <a:cs typeface="Times New Roman" pitchFamily="18" charset="0"/>
+              </a:rPr>
+              <a:t>，所以會改用 </a:t>
+            </a:r>
+            <a:r>
+              <a:rPr lang="en-US" altLang="zh-TW" sz="2000" dirty="0" smtClean="0">
+                <a:latin typeface="Times New Roman" pitchFamily="18" charset="0"/>
+                <a:cs typeface="Times New Roman" pitchFamily="18" charset="0"/>
+              </a:rPr>
+              <a:t>POST</a:t>
+            </a:r>
+            <a:r>
+              <a:rPr lang="zh-TW" altLang="en-US" sz="2000" dirty="0" smtClean="0">
+                <a:latin typeface="Times New Roman" pitchFamily="18" charset="0"/>
+                <a:cs typeface="Times New Roman" pitchFamily="18" charset="0"/>
+              </a:rPr>
+              <a:t> 避免這個問題</a:t>
+            </a:r>
+            <a:endParaRPr lang="en-US" altLang="zh-TW" sz="2000" dirty="0">
+              <a:latin typeface="Times New Roman" pitchFamily="18" charset="0"/>
+              <a:cs typeface="Times New Roman" pitchFamily="18" charset="0"/>
+            </a:endParaRPr>
+          </a:p>
+        </p:txBody>
+      </p:sp>
+    </p:spTree>
+    <p:extLst>
+      <p:ext uri="{BB962C8B-B14F-4D97-AF65-F5344CB8AC3E}">
+        <p14:creationId xmlns:p14="http://schemas.microsoft.com/office/powerpoint/2010/main" val="2744708792"/>
       </p:ext>
     </p:extLst>
   </p:cSld>

--- a/動態網頁.pptx
+++ b/動態網頁.pptx
@@ -20,10 +20,11 @@
     <p:sldId id="268" r:id="rId14"/>
     <p:sldId id="269" r:id="rId15"/>
     <p:sldId id="270" r:id="rId16"/>
-    <p:sldId id="271" r:id="rId17"/>
-    <p:sldId id="272" r:id="rId18"/>
-    <p:sldId id="273" r:id="rId19"/>
-    <p:sldId id="274" r:id="rId20"/>
+    <p:sldId id="275" r:id="rId17"/>
+    <p:sldId id="271" r:id="rId18"/>
+    <p:sldId id="272" r:id="rId19"/>
+    <p:sldId id="273" r:id="rId20"/>
+    <p:sldId id="274" r:id="rId21"/>
   </p:sldIdLst>
   <p:sldSz cx="9144000" cy="6858000" type="screen4x3"/>
   <p:notesSz cx="6858000" cy="9144000"/>
@@ -124,7 +125,7 @@
   </p:defaultTextStyle>
   <p:extLst>
     <p:ext uri="{EFAFB233-063F-42B5-8137-9DF3F51BA10A}">
-      <p15:sldGuideLst xmlns:p15="http://schemas.microsoft.com/office/powerpoint/2012/main" xmlns="">
+      <p15:sldGuideLst xmlns="" xmlns:p15="http://schemas.microsoft.com/office/powerpoint/2012/main">
         <p15:guide id="1" orient="horz" pos="2160">
           <p15:clr>
             <a:srgbClr val="A4A3A4"/>
@@ -320,7 +321,7 @@
           <a:p>
             <a:fld id="{5BBEAD13-0566-4C6C-97E7-55F17F24B09F}" type="datetimeFigureOut">
               <a:rPr lang="zh-TW" altLang="en-US" smtClean="0"/>
-              <a:t>2021/8/2</a:t>
+              <a:t>2021/8/3</a:t>
             </a:fld>
             <a:endParaRPr lang="zh-TW" altLang="en-US"/>
           </a:p>
@@ -483,7 +484,7 @@
           <a:p>
             <a:fld id="{5BBEAD13-0566-4C6C-97E7-55F17F24B09F}" type="datetimeFigureOut">
               <a:rPr lang="zh-TW" altLang="en-US" smtClean="0"/>
-              <a:t>2021/8/2</a:t>
+              <a:t>2021/8/3</a:t>
             </a:fld>
             <a:endParaRPr lang="zh-TW" altLang="en-US"/>
           </a:p>
@@ -656,7 +657,7 @@
           <a:p>
             <a:fld id="{5BBEAD13-0566-4C6C-97E7-55F17F24B09F}" type="datetimeFigureOut">
               <a:rPr lang="zh-TW" altLang="en-US" smtClean="0"/>
-              <a:t>2021/8/2</a:t>
+              <a:t>2021/8/3</a:t>
             </a:fld>
             <a:endParaRPr lang="zh-TW" altLang="en-US"/>
           </a:p>
@@ -819,7 +820,7 @@
           <a:p>
             <a:fld id="{5BBEAD13-0566-4C6C-97E7-55F17F24B09F}" type="datetimeFigureOut">
               <a:rPr lang="zh-TW" altLang="en-US" smtClean="0"/>
-              <a:t>2021/8/2</a:t>
+              <a:t>2021/8/3</a:t>
             </a:fld>
             <a:endParaRPr lang="zh-TW" altLang="en-US"/>
           </a:p>
@@ -1059,7 +1060,7 @@
           <a:p>
             <a:fld id="{5BBEAD13-0566-4C6C-97E7-55F17F24B09F}" type="datetimeFigureOut">
               <a:rPr lang="zh-TW" altLang="en-US" smtClean="0"/>
-              <a:t>2021/8/2</a:t>
+              <a:t>2021/8/3</a:t>
             </a:fld>
             <a:endParaRPr lang="zh-TW" altLang="en-US"/>
           </a:p>
@@ -1339,7 +1340,7 @@
           <a:p>
             <a:fld id="{5BBEAD13-0566-4C6C-97E7-55F17F24B09F}" type="datetimeFigureOut">
               <a:rPr lang="zh-TW" altLang="en-US" smtClean="0"/>
-              <a:t>2021/8/2</a:t>
+              <a:t>2021/8/3</a:t>
             </a:fld>
             <a:endParaRPr lang="zh-TW" altLang="en-US"/>
           </a:p>
@@ -1753,7 +1754,7 @@
           <a:p>
             <a:fld id="{5BBEAD13-0566-4C6C-97E7-55F17F24B09F}" type="datetimeFigureOut">
               <a:rPr lang="zh-TW" altLang="en-US" smtClean="0"/>
-              <a:t>2021/8/2</a:t>
+              <a:t>2021/8/3</a:t>
             </a:fld>
             <a:endParaRPr lang="zh-TW" altLang="en-US"/>
           </a:p>
@@ -1865,7 +1866,7 @@
           <a:p>
             <a:fld id="{5BBEAD13-0566-4C6C-97E7-55F17F24B09F}" type="datetimeFigureOut">
               <a:rPr lang="zh-TW" altLang="en-US" smtClean="0"/>
-              <a:t>2021/8/2</a:t>
+              <a:t>2021/8/3</a:t>
             </a:fld>
             <a:endParaRPr lang="zh-TW" altLang="en-US"/>
           </a:p>
@@ -1955,7 +1956,7 @@
           <a:p>
             <a:fld id="{5BBEAD13-0566-4C6C-97E7-55F17F24B09F}" type="datetimeFigureOut">
               <a:rPr lang="zh-TW" altLang="en-US" smtClean="0"/>
-              <a:t>2021/8/2</a:t>
+              <a:t>2021/8/3</a:t>
             </a:fld>
             <a:endParaRPr lang="zh-TW" altLang="en-US"/>
           </a:p>
@@ -2225,7 +2226,7 @@
           <a:p>
             <a:fld id="{5BBEAD13-0566-4C6C-97E7-55F17F24B09F}" type="datetimeFigureOut">
               <a:rPr lang="zh-TW" altLang="en-US" smtClean="0"/>
-              <a:t>2021/8/2</a:t>
+              <a:t>2021/8/3</a:t>
             </a:fld>
             <a:endParaRPr lang="zh-TW" altLang="en-US"/>
           </a:p>
@@ -2472,7 +2473,7 @@
           <a:p>
             <a:fld id="{5BBEAD13-0566-4C6C-97E7-55F17F24B09F}" type="datetimeFigureOut">
               <a:rPr lang="zh-TW" altLang="en-US" smtClean="0"/>
-              <a:t>2021/8/2</a:t>
+              <a:t>2021/8/3</a:t>
             </a:fld>
             <a:endParaRPr lang="zh-TW" altLang="en-US"/>
           </a:p>
@@ -2678,7 +2679,7 @@
           <a:p>
             <a:fld id="{5BBEAD13-0566-4C6C-97E7-55F17F24B09F}" type="datetimeFigureOut">
               <a:rPr lang="zh-TW" altLang="en-US" smtClean="0"/>
-              <a:t>2021/8/2</a:t>
+              <a:t>2021/8/3</a:t>
             </a:fld>
             <a:endParaRPr lang="zh-TW" altLang="en-US"/>
           </a:p>
@@ -4610,14 +4611,24 @@
               <a:t>內容必須是 </a:t>
             </a:r>
             <a:r>
-              <a:rPr lang="en-US" altLang="zh-TW" sz="2000" dirty="0">
+              <a:rPr lang="en-US" altLang="zh-TW" sz="2000" smtClean="0">
                 <a:solidFill>
                   <a:srgbClr val="FF0000"/>
                 </a:solidFill>
                 <a:latin typeface="Times New Roman" pitchFamily="18" charset="0"/>
                 <a:cs typeface="Times New Roman" pitchFamily="18" charset="0"/>
               </a:rPr>
-              <a:t>"key": "value"</a:t>
+              <a:t>"name": </a:t>
+            </a:r>
+            <a:r>
+              <a:rPr lang="en-US" altLang="zh-TW" sz="2000" dirty="0">
+                <a:solidFill>
+                  <a:srgbClr val="FF0000"/>
+                </a:solidFill>
+                <a:latin typeface="Times New Roman" pitchFamily="18" charset="0"/>
+                <a:cs typeface="Times New Roman" pitchFamily="18" charset="0"/>
+              </a:rPr>
+              <a:t>"value"</a:t>
             </a:r>
             <a:r>
               <a:rPr lang="zh-TW" altLang="en-US" sz="2000" dirty="0">
@@ -6439,10 +6450,6 @@
               </a:rPr>
               <a:t>POST</a:t>
             </a:r>
-            <a:endParaRPr lang="en-US" altLang="zh-TW" sz="2000" dirty="0" smtClean="0">
-              <a:latin typeface="Times New Roman" pitchFamily="18" charset="0"/>
-              <a:cs typeface="Times New Roman" pitchFamily="18" charset="0"/>
-            </a:endParaRPr>
           </a:p>
           <a:p>
             <a:r>
@@ -6878,11 +6885,32 @@
           <a:p>
             <a:pPr algn="ctr"/>
             <a:r>
-              <a:rPr lang="en-US" altLang="zh-TW" sz="2400" dirty="0">
-                <a:latin typeface="Times New Roman" pitchFamily="18" charset="0"/>
-                <a:cs typeface="Times New Roman" pitchFamily="18" charset="0"/>
-              </a:rPr>
-              <a:t>jQuery</a:t>
+              <a:rPr lang="en-US" altLang="zh-TW" sz="2400" dirty="0" smtClean="0">
+                <a:latin typeface="Times New Roman" pitchFamily="18" charset="0"/>
+                <a:cs typeface="Times New Roman" pitchFamily="18" charset="0"/>
+              </a:rPr>
+              <a:t>Cookie</a:t>
+            </a:r>
+            <a:r>
+              <a:rPr lang="zh-TW" altLang="en-US" sz="2400" dirty="0" smtClean="0">
+                <a:latin typeface="Times New Roman" pitchFamily="18" charset="0"/>
+                <a:cs typeface="Times New Roman" pitchFamily="18" charset="0"/>
+              </a:rPr>
+              <a:t> </a:t>
+            </a:r>
+            <a:r>
+              <a:rPr lang="en-US" altLang="zh-TW" sz="2400" dirty="0" smtClean="0">
+                <a:latin typeface="Times New Roman" pitchFamily="18" charset="0"/>
+                <a:cs typeface="Times New Roman" pitchFamily="18" charset="0"/>
+              </a:rPr>
+              <a:t>and </a:t>
+            </a:r>
+            <a:r>
+              <a:rPr lang="en-US" altLang="zh-TW" sz="2400" dirty="0" err="1" smtClean="0">
+                <a:latin typeface="Times New Roman" pitchFamily="18" charset="0"/>
+                <a:cs typeface="Times New Roman" pitchFamily="18" charset="0"/>
+              </a:rPr>
+              <a:t>Webstorage</a:t>
             </a:r>
             <a:endParaRPr lang="zh-TW" altLang="en-US" sz="2400" dirty="0">
               <a:latin typeface="Times New Roman" pitchFamily="18" charset="0"/>
@@ -6915,7 +6943,7 @@
           <a:p>
             <a:pPr algn="ctr"/>
             <a:r>
-              <a:rPr lang="en-US" altLang="zh-TW" sz="1200" dirty="0">
+              <a:rPr lang="en-US" altLang="zh-TW" sz="1200" dirty="0" smtClean="0">
                 <a:latin typeface="Times New Roman" pitchFamily="18" charset="0"/>
                 <a:cs typeface="Times New Roman" pitchFamily="18" charset="0"/>
               </a:rPr>
@@ -6951,6 +6979,569 @@
           <a:lstStyle/>
           <a:p>
             <a:r>
+              <a:rPr lang="en-US" altLang="zh-TW" sz="2000" dirty="0" smtClean="0">
+                <a:latin typeface="Times New Roman" pitchFamily="18" charset="0"/>
+                <a:cs typeface="Times New Roman" pitchFamily="18" charset="0"/>
+              </a:rPr>
+              <a:t>Cookie</a:t>
+            </a:r>
+            <a:r>
+              <a:rPr lang="zh-TW" altLang="en-US" sz="2000" dirty="0" smtClean="0">
+                <a:latin typeface="Times New Roman" pitchFamily="18" charset="0"/>
+                <a:cs typeface="Times New Roman" pitchFamily="18" charset="0"/>
+              </a:rPr>
+              <a:t> 和</a:t>
+            </a:r>
+            <a:r>
+              <a:rPr lang="en-US" altLang="zh-TW" sz="2000" dirty="0" smtClean="0">
+                <a:latin typeface="Times New Roman" pitchFamily="18" charset="0"/>
+                <a:cs typeface="Times New Roman" pitchFamily="18" charset="0"/>
+              </a:rPr>
+              <a:t> </a:t>
+            </a:r>
+            <a:r>
+              <a:rPr lang="en-US" altLang="zh-TW" sz="2000" dirty="0" err="1" smtClean="0">
+                <a:latin typeface="Times New Roman" pitchFamily="18" charset="0"/>
+                <a:cs typeface="Times New Roman" pitchFamily="18" charset="0"/>
+              </a:rPr>
+              <a:t>Webstorage</a:t>
+            </a:r>
+            <a:r>
+              <a:rPr lang="zh-TW" altLang="en-US" sz="2000" dirty="0" smtClean="0">
+                <a:latin typeface="Times New Roman" pitchFamily="18" charset="0"/>
+                <a:cs typeface="Times New Roman" pitchFamily="18" charset="0"/>
+              </a:rPr>
+              <a:t> </a:t>
+            </a:r>
+            <a:r>
+              <a:rPr lang="zh-TW" altLang="en-US" sz="2000" dirty="0" smtClean="0">
+                <a:latin typeface="Times New Roman" pitchFamily="18" charset="0"/>
+                <a:cs typeface="Times New Roman" pitchFamily="18" charset="0"/>
+              </a:rPr>
+              <a:t>通常用於暫時儲存 </a:t>
+            </a:r>
+            <a:r>
+              <a:rPr lang="en-US" altLang="zh-TW" sz="2000" dirty="0" smtClean="0">
+                <a:latin typeface="Times New Roman" pitchFamily="18" charset="0"/>
+                <a:cs typeface="Times New Roman" pitchFamily="18" charset="0"/>
+              </a:rPr>
+              <a:t>Client </a:t>
+            </a:r>
+            <a:r>
+              <a:rPr lang="zh-TW" altLang="en-US" sz="2000" dirty="0" smtClean="0">
+                <a:latin typeface="Times New Roman" pitchFamily="18" charset="0"/>
+                <a:cs typeface="Times New Roman" pitchFamily="18" charset="0"/>
+              </a:rPr>
+              <a:t>資訊</a:t>
+            </a:r>
+            <a:endParaRPr lang="en-US" altLang="zh-TW" sz="2000" dirty="0" smtClean="0">
+              <a:latin typeface="Times New Roman" pitchFamily="18" charset="0"/>
+              <a:cs typeface="Times New Roman" pitchFamily="18" charset="0"/>
+            </a:endParaRPr>
+          </a:p>
+          <a:p>
+            <a:endParaRPr lang="en-US" altLang="zh-TW" sz="2000" dirty="0" smtClean="0">
+              <a:latin typeface="Times New Roman" pitchFamily="18" charset="0"/>
+              <a:cs typeface="Times New Roman" pitchFamily="18" charset="0"/>
+            </a:endParaRPr>
+          </a:p>
+          <a:p>
+            <a:r>
+              <a:rPr lang="en-US" altLang="zh-TW" sz="2000" dirty="0" smtClean="0">
+                <a:latin typeface="Times New Roman" pitchFamily="18" charset="0"/>
+                <a:cs typeface="Times New Roman" pitchFamily="18" charset="0"/>
+              </a:rPr>
+              <a:t>Cookie</a:t>
+            </a:r>
+            <a:r>
+              <a:rPr lang="zh-TW" altLang="en-US" sz="2000" dirty="0" smtClean="0">
+                <a:latin typeface="Times New Roman" pitchFamily="18" charset="0"/>
+                <a:cs typeface="Times New Roman" pitchFamily="18" charset="0"/>
+              </a:rPr>
+              <a:t> 使用：</a:t>
+            </a:r>
+            <a:endParaRPr lang="en-US" altLang="zh-TW" sz="2000" dirty="0" smtClean="0">
+              <a:latin typeface="Times New Roman" pitchFamily="18" charset="0"/>
+              <a:cs typeface="Times New Roman" pitchFamily="18" charset="0"/>
+            </a:endParaRPr>
+          </a:p>
+          <a:p>
+            <a:r>
+              <a:rPr lang="en-US" altLang="zh-TW" sz="2000" dirty="0" smtClean="0">
+                <a:latin typeface="Times New Roman" pitchFamily="18" charset="0"/>
+                <a:cs typeface="Times New Roman" pitchFamily="18" charset="0"/>
+              </a:rPr>
+              <a:t>        </a:t>
+            </a:r>
+            <a:r>
+              <a:rPr lang="en-US" altLang="zh-TW" sz="2000" dirty="0" err="1" smtClean="0">
+                <a:solidFill>
+                  <a:srgbClr val="FF0000"/>
+                </a:solidFill>
+                <a:latin typeface="Times New Roman" pitchFamily="18" charset="0"/>
+                <a:cs typeface="Times New Roman" pitchFamily="18" charset="0"/>
+              </a:rPr>
+              <a:t>document.cookie</a:t>
+            </a:r>
+            <a:r>
+              <a:rPr lang="en-US" altLang="zh-TW" sz="2000" dirty="0" smtClean="0">
+                <a:latin typeface="Times New Roman" pitchFamily="18" charset="0"/>
+                <a:cs typeface="Times New Roman" pitchFamily="18" charset="0"/>
+              </a:rPr>
+              <a:t> = "name=value";</a:t>
+            </a:r>
+          </a:p>
+          <a:p>
+            <a:r>
+              <a:rPr lang="en-US" altLang="zh-TW" sz="2000" dirty="0" smtClean="0">
+                <a:latin typeface="Times New Roman" pitchFamily="18" charset="0"/>
+                <a:cs typeface="Times New Roman" pitchFamily="18" charset="0"/>
+              </a:rPr>
+              <a:t>        let </a:t>
+            </a:r>
+            <a:r>
+              <a:rPr lang="en-US" altLang="zh-TW" sz="2000" dirty="0" err="1" smtClean="0">
+                <a:latin typeface="Times New Roman" pitchFamily="18" charset="0"/>
+                <a:cs typeface="Times New Roman" pitchFamily="18" charset="0"/>
+              </a:rPr>
+              <a:t>stringVariable</a:t>
+            </a:r>
+            <a:r>
+              <a:rPr lang="en-US" altLang="zh-TW" sz="2000" dirty="0" smtClean="0">
+                <a:latin typeface="Times New Roman" pitchFamily="18" charset="0"/>
+                <a:cs typeface="Times New Roman" pitchFamily="18" charset="0"/>
+              </a:rPr>
+              <a:t> = </a:t>
+            </a:r>
+            <a:r>
+              <a:rPr lang="en-US" altLang="zh-TW" sz="2000" dirty="0" err="1" smtClean="0">
+                <a:latin typeface="Times New Roman" pitchFamily="18" charset="0"/>
+                <a:cs typeface="Times New Roman" pitchFamily="18" charset="0"/>
+              </a:rPr>
+              <a:t>document.cookie</a:t>
+            </a:r>
+            <a:r>
+              <a:rPr lang="en-US" altLang="zh-TW" sz="2000" dirty="0" smtClean="0">
+                <a:latin typeface="Times New Roman" pitchFamily="18" charset="0"/>
+                <a:cs typeface="Times New Roman" pitchFamily="18" charset="0"/>
+              </a:rPr>
+              <a:t>;</a:t>
+            </a:r>
+          </a:p>
+          <a:p>
+            <a:r>
+              <a:rPr lang="en-US" altLang="zh-TW" sz="2000" dirty="0" smtClean="0">
+                <a:latin typeface="Times New Roman" pitchFamily="18" charset="0"/>
+                <a:cs typeface="Times New Roman" pitchFamily="18" charset="0"/>
+              </a:rPr>
+              <a:t>※Cookie </a:t>
+            </a:r>
+            <a:r>
+              <a:rPr lang="zh-TW" altLang="en-US" sz="2000" dirty="0" smtClean="0">
+                <a:latin typeface="Times New Roman" pitchFamily="18" charset="0"/>
+                <a:cs typeface="Times New Roman" pitchFamily="18" charset="0"/>
+              </a:rPr>
+              <a:t>缺點是最多只能存 </a:t>
+            </a:r>
+            <a:r>
+              <a:rPr lang="en-US" altLang="zh-TW" sz="2000" dirty="0" smtClean="0">
+                <a:latin typeface="Times New Roman" pitchFamily="18" charset="0"/>
+                <a:cs typeface="Times New Roman" pitchFamily="18" charset="0"/>
+              </a:rPr>
+              <a:t>4k </a:t>
+            </a:r>
+            <a:r>
+              <a:rPr lang="zh-TW" altLang="en-US" sz="2000" dirty="0" smtClean="0">
+                <a:latin typeface="Times New Roman" pitchFamily="18" charset="0"/>
+                <a:cs typeface="Times New Roman" pitchFamily="18" charset="0"/>
+              </a:rPr>
+              <a:t>的內容</a:t>
+            </a:r>
+            <a:endParaRPr lang="en-US" altLang="zh-TW" sz="2000" dirty="0" smtClean="0">
+              <a:latin typeface="Times New Roman" pitchFamily="18" charset="0"/>
+              <a:cs typeface="Times New Roman" pitchFamily="18" charset="0"/>
+            </a:endParaRPr>
+          </a:p>
+          <a:p>
+            <a:endParaRPr lang="en-US" altLang="zh-TW" sz="2000" dirty="0" smtClean="0">
+              <a:latin typeface="Times New Roman" pitchFamily="18" charset="0"/>
+              <a:cs typeface="Times New Roman" pitchFamily="18" charset="0"/>
+            </a:endParaRPr>
+          </a:p>
+          <a:p>
+            <a:r>
+              <a:rPr lang="en-US" altLang="zh-TW" sz="2000" dirty="0" smtClean="0">
+                <a:latin typeface="Times New Roman" pitchFamily="18" charset="0"/>
+                <a:cs typeface="Times New Roman" pitchFamily="18" charset="0"/>
+              </a:rPr>
+              <a:t>Session Storage</a:t>
+            </a:r>
+            <a:r>
+              <a:rPr lang="zh-TW" altLang="en-US" sz="2000" dirty="0" smtClean="0">
+                <a:latin typeface="Times New Roman" pitchFamily="18" charset="0"/>
+                <a:cs typeface="Times New Roman" pitchFamily="18" charset="0"/>
+              </a:rPr>
+              <a:t>：</a:t>
+            </a:r>
+            <a:endParaRPr lang="en-US" altLang="zh-TW" sz="2000" dirty="0">
+              <a:latin typeface="Times New Roman" pitchFamily="18" charset="0"/>
+              <a:cs typeface="Times New Roman" pitchFamily="18" charset="0"/>
+            </a:endParaRPr>
+          </a:p>
+          <a:p>
+            <a:r>
+              <a:rPr lang="en-US" altLang="zh-TW" sz="2000" dirty="0">
+                <a:latin typeface="Times New Roman" pitchFamily="18" charset="0"/>
+                <a:cs typeface="Times New Roman" pitchFamily="18" charset="0"/>
+              </a:rPr>
+              <a:t>        </a:t>
+            </a:r>
+            <a:r>
+              <a:rPr lang="en-US" altLang="zh-TW" sz="2000" dirty="0" err="1">
+                <a:latin typeface="Times New Roman" pitchFamily="18" charset="0"/>
+                <a:cs typeface="Times New Roman" pitchFamily="18" charset="0"/>
+              </a:rPr>
+              <a:t>window.</a:t>
+            </a:r>
+            <a:r>
+              <a:rPr lang="en-US" altLang="zh-TW" sz="2000" dirty="0" err="1">
+                <a:solidFill>
+                  <a:srgbClr val="FF0000"/>
+                </a:solidFill>
+                <a:latin typeface="Times New Roman" pitchFamily="18" charset="0"/>
+                <a:cs typeface="Times New Roman" pitchFamily="18" charset="0"/>
+              </a:rPr>
+              <a:t>sessionStorage.setItem</a:t>
+            </a:r>
+            <a:r>
+              <a:rPr lang="en-US" altLang="zh-TW" sz="2000" dirty="0">
+                <a:latin typeface="Times New Roman" pitchFamily="18" charset="0"/>
+                <a:cs typeface="Times New Roman" pitchFamily="18" charset="0"/>
+              </a:rPr>
+              <a:t>("</a:t>
+            </a:r>
+            <a:r>
+              <a:rPr lang="en-US" altLang="zh-TW" sz="2000" dirty="0" smtClean="0">
+                <a:latin typeface="Times New Roman" pitchFamily="18" charset="0"/>
+                <a:cs typeface="Times New Roman" pitchFamily="18" charset="0"/>
+              </a:rPr>
+              <a:t>key", </a:t>
+            </a:r>
+            <a:r>
+              <a:rPr lang="en-US" altLang="zh-TW" sz="2000" dirty="0">
+                <a:latin typeface="Times New Roman" pitchFamily="18" charset="0"/>
+                <a:cs typeface="Times New Roman" pitchFamily="18" charset="0"/>
+              </a:rPr>
+              <a:t>"</a:t>
+            </a:r>
+            <a:r>
+              <a:rPr lang="en-US" altLang="zh-TW" sz="2000" dirty="0" smtClean="0">
+                <a:latin typeface="Times New Roman" pitchFamily="18" charset="0"/>
+                <a:cs typeface="Times New Roman" pitchFamily="18" charset="0"/>
+              </a:rPr>
+              <a:t>value");</a:t>
+            </a:r>
+          </a:p>
+          <a:p>
+            <a:r>
+              <a:rPr lang="en-US" altLang="zh-TW" sz="2000" dirty="0" smtClean="0">
+                <a:latin typeface="Times New Roman" pitchFamily="18" charset="0"/>
+                <a:cs typeface="Times New Roman" pitchFamily="18" charset="0"/>
+              </a:rPr>
+              <a:t>        </a:t>
+            </a:r>
+            <a:r>
+              <a:rPr lang="en-US" altLang="zh-TW" sz="2000" dirty="0" err="1" smtClean="0">
+                <a:latin typeface="Times New Roman" pitchFamily="18" charset="0"/>
+                <a:cs typeface="Times New Roman" pitchFamily="18" charset="0"/>
+              </a:rPr>
+              <a:t>window.</a:t>
+            </a:r>
+            <a:r>
+              <a:rPr lang="en-US" altLang="zh-TW" sz="2000" dirty="0" err="1" smtClean="0">
+                <a:solidFill>
+                  <a:srgbClr val="FF0000"/>
+                </a:solidFill>
+                <a:latin typeface="Times New Roman" pitchFamily="18" charset="0"/>
+                <a:cs typeface="Times New Roman" pitchFamily="18" charset="0"/>
+              </a:rPr>
+              <a:t>sessionStorage.getItem</a:t>
+            </a:r>
+            <a:r>
+              <a:rPr lang="en-US" altLang="zh-TW" sz="2000" dirty="0" smtClean="0">
+                <a:latin typeface="Times New Roman" pitchFamily="18" charset="0"/>
+                <a:cs typeface="Times New Roman" pitchFamily="18" charset="0"/>
+              </a:rPr>
+              <a:t>("key");</a:t>
+            </a:r>
+          </a:p>
+          <a:p>
+            <a:r>
+              <a:rPr lang="en-US" altLang="zh-TW" sz="2000" dirty="0" smtClean="0">
+                <a:latin typeface="Times New Roman" pitchFamily="18" charset="0"/>
+                <a:cs typeface="Times New Roman" pitchFamily="18" charset="0"/>
+              </a:rPr>
+              <a:t>        </a:t>
+            </a:r>
+            <a:r>
+              <a:rPr lang="en-US" altLang="zh-TW" sz="2000" dirty="0" err="1" smtClean="0">
+                <a:latin typeface="Times New Roman" pitchFamily="18" charset="0"/>
+                <a:cs typeface="Times New Roman" pitchFamily="18" charset="0"/>
+              </a:rPr>
+              <a:t>sessionStorage.removeItem</a:t>
+            </a:r>
+            <a:r>
+              <a:rPr lang="en-US" altLang="zh-TW" sz="2000" dirty="0" smtClean="0">
+                <a:latin typeface="Times New Roman" pitchFamily="18" charset="0"/>
+                <a:cs typeface="Times New Roman" pitchFamily="18" charset="0"/>
+              </a:rPr>
+              <a:t>("key");</a:t>
+            </a:r>
+          </a:p>
+          <a:p>
+            <a:r>
+              <a:rPr lang="en-US" altLang="zh-TW" sz="2000" dirty="0" smtClean="0">
+                <a:latin typeface="Times New Roman" pitchFamily="18" charset="0"/>
+                <a:cs typeface="Times New Roman" pitchFamily="18" charset="0"/>
+              </a:rPr>
+              <a:t>        </a:t>
+            </a:r>
+            <a:r>
+              <a:rPr lang="en-US" altLang="zh-TW" sz="2000" dirty="0" err="1" smtClean="0">
+                <a:latin typeface="Times New Roman" pitchFamily="18" charset="0"/>
+                <a:cs typeface="Times New Roman" pitchFamily="18" charset="0"/>
+              </a:rPr>
+              <a:t>sessionStorage.clear</a:t>
+            </a:r>
+            <a:r>
+              <a:rPr lang="en-US" altLang="zh-TW" sz="2000" dirty="0" smtClean="0">
+                <a:latin typeface="Times New Roman" pitchFamily="18" charset="0"/>
+                <a:cs typeface="Times New Roman" pitchFamily="18" charset="0"/>
+              </a:rPr>
+              <a:t>();</a:t>
+            </a:r>
+            <a:endParaRPr lang="en-US" altLang="zh-TW" sz="2000" dirty="0">
+              <a:latin typeface="Times New Roman" pitchFamily="18" charset="0"/>
+              <a:cs typeface="Times New Roman" pitchFamily="18" charset="0"/>
+            </a:endParaRPr>
+          </a:p>
+          <a:p>
+            <a:endParaRPr lang="en-US" altLang="zh-TW" sz="2000" dirty="0">
+              <a:latin typeface="Times New Roman" pitchFamily="18" charset="0"/>
+              <a:cs typeface="Times New Roman" pitchFamily="18" charset="0"/>
+            </a:endParaRPr>
+          </a:p>
+          <a:p>
+            <a:r>
+              <a:rPr lang="en-US" altLang="zh-TW" sz="2000" dirty="0" smtClean="0">
+                <a:latin typeface="Times New Roman" pitchFamily="18" charset="0"/>
+                <a:cs typeface="Times New Roman" pitchFamily="18" charset="0"/>
+              </a:rPr>
+              <a:t>Local </a:t>
+            </a:r>
+            <a:r>
+              <a:rPr lang="en-US" altLang="zh-TW" sz="2000" dirty="0">
+                <a:latin typeface="Times New Roman" pitchFamily="18" charset="0"/>
+                <a:cs typeface="Times New Roman" pitchFamily="18" charset="0"/>
+              </a:rPr>
+              <a:t>Storage</a:t>
+            </a:r>
+            <a:r>
+              <a:rPr lang="zh-TW" altLang="en-US" sz="2000" dirty="0" smtClean="0">
+                <a:latin typeface="Times New Roman" pitchFamily="18" charset="0"/>
+                <a:cs typeface="Times New Roman" pitchFamily="18" charset="0"/>
+              </a:rPr>
+              <a:t>：</a:t>
+            </a:r>
+            <a:endParaRPr lang="en-US" altLang="zh-TW" sz="2000" dirty="0" smtClean="0">
+              <a:latin typeface="Times New Roman" pitchFamily="18" charset="0"/>
+              <a:cs typeface="Times New Roman" pitchFamily="18" charset="0"/>
+            </a:endParaRPr>
+          </a:p>
+          <a:p>
+            <a:r>
+              <a:rPr lang="en-US" altLang="zh-TW" sz="2000" dirty="0" smtClean="0">
+                <a:latin typeface="Times New Roman" pitchFamily="18" charset="0"/>
+                <a:cs typeface="Times New Roman" pitchFamily="18" charset="0"/>
+              </a:rPr>
+              <a:t>    </a:t>
+            </a:r>
+            <a:r>
+              <a:rPr lang="zh-TW" altLang="en-US" sz="2000" dirty="0" smtClean="0">
+                <a:latin typeface="Times New Roman" pitchFamily="18" charset="0"/>
+                <a:cs typeface="Times New Roman" pitchFamily="18" charset="0"/>
+              </a:rPr>
+              <a:t>使用方式與 </a:t>
+            </a:r>
+            <a:r>
+              <a:rPr lang="en-US" altLang="zh-TW" sz="2000" dirty="0">
+                <a:latin typeface="Times New Roman" pitchFamily="18" charset="0"/>
+                <a:cs typeface="Times New Roman" pitchFamily="18" charset="0"/>
+              </a:rPr>
+              <a:t>Session </a:t>
+            </a:r>
+            <a:r>
+              <a:rPr lang="en-US" altLang="zh-TW" sz="2000" dirty="0" smtClean="0">
+                <a:latin typeface="Times New Roman" pitchFamily="18" charset="0"/>
+                <a:cs typeface="Times New Roman" pitchFamily="18" charset="0"/>
+              </a:rPr>
+              <a:t>Storage</a:t>
+            </a:r>
+            <a:r>
+              <a:rPr lang="zh-TW" altLang="en-US" sz="2000" dirty="0" smtClean="0">
+                <a:latin typeface="Times New Roman" pitchFamily="18" charset="0"/>
+                <a:cs typeface="Times New Roman" pitchFamily="18" charset="0"/>
+              </a:rPr>
+              <a:t> 相同，缺點是會存在 </a:t>
+            </a:r>
+            <a:r>
+              <a:rPr lang="en-US" altLang="zh-TW" sz="2000" dirty="0" smtClean="0">
+                <a:latin typeface="Times New Roman" pitchFamily="18" charset="0"/>
+                <a:cs typeface="Times New Roman" pitchFamily="18" charset="0"/>
+              </a:rPr>
+              <a:t>Client </a:t>
+            </a:r>
+            <a:r>
+              <a:rPr lang="zh-TW" altLang="en-US" sz="2000" dirty="0" smtClean="0">
+                <a:latin typeface="Times New Roman" pitchFamily="18" charset="0"/>
+                <a:cs typeface="Times New Roman" pitchFamily="18" charset="0"/>
+              </a:rPr>
+              <a:t>的環境，容易有資安的疑慮。</a:t>
+            </a:r>
+            <a:endParaRPr lang="en-US" altLang="zh-TW" sz="2000" dirty="0">
+              <a:latin typeface="Times New Roman" pitchFamily="18" charset="0"/>
+              <a:cs typeface="Times New Roman" pitchFamily="18" charset="0"/>
+            </a:endParaRPr>
+          </a:p>
+        </p:txBody>
+      </p:sp>
+    </p:spTree>
+    <p:extLst>
+      <p:ext uri="{BB962C8B-B14F-4D97-AF65-F5344CB8AC3E}">
+        <p14:creationId xmlns:p14="http://schemas.microsoft.com/office/powerpoint/2010/main" val="1187826063"/>
+      </p:ext>
+    </p:extLst>
+  </p:cSld>
+  <p:clrMapOvr>
+    <a:masterClrMapping/>
+  </p:clrMapOvr>
+</p:sld>
+</file>
+
+<file path=ppt/slides/slide17.xml><?xml version="1.0" encoding="utf-8"?>
+<p:sld xmlns:a="http://schemas.openxmlformats.org/drawingml/2006/main" xmlns:r="http://schemas.openxmlformats.org/officeDocument/2006/relationships" xmlns:p="http://schemas.openxmlformats.org/presentationml/2006/main">
+  <p:cSld>
+    <p:spTree>
+      <p:nvGrpSpPr>
+        <p:cNvPr id="1" name=""/>
+        <p:cNvGrpSpPr/>
+        <p:nvPr/>
+      </p:nvGrpSpPr>
+      <p:grpSpPr>
+        <a:xfrm>
+          <a:off x="0" y="0"/>
+          <a:ext cx="0" cy="0"/>
+          <a:chOff x="0" y="0"/>
+          <a:chExt cx="0" cy="0"/>
+        </a:xfrm>
+      </p:grpSpPr>
+      <p:sp>
+        <p:nvSpPr>
+          <p:cNvPr id="4" name="文字方塊 3"/>
+          <p:cNvSpPr txBox="1"/>
+          <p:nvPr/>
+        </p:nvSpPr>
+        <p:spPr>
+          <a:xfrm>
+            <a:off x="0" y="0"/>
+            <a:ext cx="9144000" cy="836712"/>
+          </a:xfrm>
+          <a:prstGeom prst="rect">
+            <a:avLst/>
+          </a:prstGeom>
+          <a:noFill/>
+        </p:spPr>
+        <p:txBody>
+          <a:bodyPr wrap="square" rtlCol="0" anchor="ctr">
+            <a:noAutofit/>
+          </a:bodyPr>
+          <a:lstStyle/>
+          <a:p>
+            <a:pPr algn="ctr"/>
+            <a:r>
+              <a:rPr lang="en-US" altLang="zh-TW" sz="2400" dirty="0">
+                <a:latin typeface="Times New Roman" pitchFamily="18" charset="0"/>
+                <a:cs typeface="Times New Roman" pitchFamily="18" charset="0"/>
+              </a:rPr>
+              <a:t>jQuery</a:t>
+            </a:r>
+            <a:endParaRPr lang="zh-TW" altLang="en-US" sz="2400" dirty="0">
+              <a:latin typeface="Times New Roman" pitchFamily="18" charset="0"/>
+              <a:cs typeface="Times New Roman" pitchFamily="18" charset="0"/>
+            </a:endParaRPr>
+          </a:p>
+        </p:txBody>
+      </p:sp>
+      <p:sp>
+        <p:nvSpPr>
+          <p:cNvPr id="5" name="文字方塊 4"/>
+          <p:cNvSpPr txBox="1"/>
+          <p:nvPr/>
+        </p:nvSpPr>
+        <p:spPr>
+          <a:xfrm>
+            <a:off x="8711952" y="6573902"/>
+            <a:ext cx="432048" cy="276999"/>
+          </a:xfrm>
+          <a:prstGeom prst="rect">
+            <a:avLst/>
+          </a:prstGeom>
+          <a:noFill/>
+        </p:spPr>
+        <p:txBody>
+          <a:bodyPr wrap="square" rtlCol="0" anchor="ctr">
+            <a:spAutoFit/>
+          </a:bodyPr>
+          <a:lstStyle/>
+          <a:p>
+            <a:pPr algn="ctr"/>
+            <a:r>
+              <a:rPr lang="en-US" altLang="zh-TW" sz="1200" dirty="0" smtClean="0">
+                <a:latin typeface="Times New Roman" pitchFamily="18" charset="0"/>
+                <a:cs typeface="Times New Roman" pitchFamily="18" charset="0"/>
+              </a:rPr>
+              <a:t>17</a:t>
+            </a:r>
+            <a:endParaRPr lang="zh-TW" altLang="en-US" sz="1200" dirty="0">
+              <a:latin typeface="Times New Roman" pitchFamily="18" charset="0"/>
+              <a:cs typeface="Times New Roman" pitchFamily="18" charset="0"/>
+            </a:endParaRPr>
+          </a:p>
+        </p:txBody>
+      </p:sp>
+      <p:sp>
+        <p:nvSpPr>
+          <p:cNvPr id="6" name="文字方塊 5"/>
+          <p:cNvSpPr txBox="1"/>
+          <p:nvPr/>
+        </p:nvSpPr>
+        <p:spPr>
+          <a:xfrm>
+            <a:off x="503548" y="1124744"/>
+            <a:ext cx="8136904" cy="5328592"/>
+          </a:xfrm>
+          <a:prstGeom prst="rect">
+            <a:avLst/>
+          </a:prstGeom>
+          <a:noFill/>
+        </p:spPr>
+        <p:txBody>
+          <a:bodyPr wrap="square" rtlCol="0" anchor="t">
+            <a:noAutofit/>
+          </a:bodyPr>
+          <a:lstStyle/>
+          <a:p>
+            <a:r>
               <a:rPr lang="en-US" altLang="zh-TW" sz="2000" dirty="0">
                 <a:latin typeface="Times New Roman" pitchFamily="18" charset="0"/>
                 <a:cs typeface="Times New Roman" pitchFamily="18" charset="0"/>
@@ -7032,7 +7623,7 @@
           <p:cNvPr id="3" name="圖片 2">
             <a:extLst>
               <a:ext uri="{FF2B5EF4-FFF2-40B4-BE49-F238E27FC236}">
-                <a16:creationId xmlns:a16="http://schemas.microsoft.com/office/drawing/2014/main" xmlns="" id="{09A6E7AA-689E-4A7A-AB61-91185B9D6D65}"/>
+                <a16:creationId xmlns="" xmlns:a16="http://schemas.microsoft.com/office/drawing/2014/main" id="{09A6E7AA-689E-4A7A-AB61-91185B9D6D65}"/>
               </a:ext>
             </a:extLst>
           </p:cNvPr>
@@ -7076,7 +7667,7 @@
 </p:sld>
 </file>
 
-<file path=ppt/slides/slide17.xml><?xml version="1.0" encoding="utf-8"?>
+<file path=ppt/slides/slide18.xml><?xml version="1.0" encoding="utf-8"?>
 <p:sld xmlns:a="http://schemas.openxmlformats.org/drawingml/2006/main" xmlns:r="http://schemas.openxmlformats.org/officeDocument/2006/relationships" xmlns:p="http://schemas.openxmlformats.org/presentationml/2006/main">
   <p:cSld>
     <p:spTree>
@@ -7161,11 +7752,11 @@
           <a:p>
             <a:pPr algn="ctr"/>
             <a:r>
-              <a:rPr lang="en-US" altLang="zh-TW" sz="1200" dirty="0">
-                <a:latin typeface="Times New Roman" pitchFamily="18" charset="0"/>
-                <a:cs typeface="Times New Roman" pitchFamily="18" charset="0"/>
-              </a:rPr>
-              <a:t>17</a:t>
+              <a:rPr lang="en-US" altLang="zh-TW" sz="1200" dirty="0" smtClean="0">
+                <a:latin typeface="Times New Roman" pitchFamily="18" charset="0"/>
+                <a:cs typeface="Times New Roman" pitchFamily="18" charset="0"/>
+              </a:rPr>
+              <a:t>18</a:t>
             </a:r>
             <a:endParaRPr lang="zh-TW" altLang="en-US" sz="1200" dirty="0">
               <a:latin typeface="Times New Roman" pitchFamily="18" charset="0"/>
@@ -7225,7 +7816,7 @@
           <p:cNvPr id="7" name="圖片 6" descr="一張含有 文字 的圖片&#10;&#10;自動產生的描述">
             <a:extLst>
               <a:ext uri="{FF2B5EF4-FFF2-40B4-BE49-F238E27FC236}">
-                <a16:creationId xmlns:a16="http://schemas.microsoft.com/office/drawing/2014/main" xmlns="" id="{4870EBFC-DE4A-40E9-9FC9-CD9672B6988E}"/>
+                <a16:creationId xmlns="" xmlns:a16="http://schemas.microsoft.com/office/drawing/2014/main" id="{4870EBFC-DE4A-40E9-9FC9-CD9672B6988E}"/>
               </a:ext>
             </a:extLst>
           </p:cNvPr>
@@ -7260,7 +7851,7 @@
           <p:cNvPr id="8" name="矩形 7">
             <a:extLst>
               <a:ext uri="{FF2B5EF4-FFF2-40B4-BE49-F238E27FC236}">
-                <a16:creationId xmlns:a16="http://schemas.microsoft.com/office/drawing/2014/main" xmlns="" id="{C635761B-2CAD-476F-ACE0-1B793B254F5D}"/>
+                <a16:creationId xmlns="" xmlns:a16="http://schemas.microsoft.com/office/drawing/2014/main" id="{C635761B-2CAD-476F-ACE0-1B793B254F5D}"/>
               </a:ext>
             </a:extLst>
           </p:cNvPr>
@@ -7312,7 +7903,7 @@
           <p:cNvPr id="9" name="文字方塊 8">
             <a:extLst>
               <a:ext uri="{FF2B5EF4-FFF2-40B4-BE49-F238E27FC236}">
-                <a16:creationId xmlns:a16="http://schemas.microsoft.com/office/drawing/2014/main" xmlns="" id="{B2506B1C-745E-4CDA-926C-2CFCF564319B}"/>
+                <a16:creationId xmlns="" xmlns:a16="http://schemas.microsoft.com/office/drawing/2014/main" id="{B2506B1C-745E-4CDA-926C-2CFCF564319B}"/>
               </a:ext>
             </a:extLst>
           </p:cNvPr>
@@ -7393,7 +7984,7 @@
           <p:cNvPr id="11" name="圖片 10" descr="一張含有 文字 的圖片&#10;&#10;自動產生的描述">
             <a:extLst>
               <a:ext uri="{FF2B5EF4-FFF2-40B4-BE49-F238E27FC236}">
-                <a16:creationId xmlns:a16="http://schemas.microsoft.com/office/drawing/2014/main" xmlns="" id="{E1596373-13C3-4632-A41E-A767288C6828}"/>
+                <a16:creationId xmlns="" xmlns:a16="http://schemas.microsoft.com/office/drawing/2014/main" id="{E1596373-13C3-4632-A41E-A767288C6828}"/>
               </a:ext>
             </a:extLst>
           </p:cNvPr>
@@ -7437,441 +8028,6 @@
 </p:sld>
 </file>
 
-<file path=ppt/slides/slide18.xml><?xml version="1.0" encoding="utf-8"?>
-<p:sld xmlns:a="http://schemas.openxmlformats.org/drawingml/2006/main" xmlns:r="http://schemas.openxmlformats.org/officeDocument/2006/relationships" xmlns:p="http://schemas.openxmlformats.org/presentationml/2006/main">
-  <p:cSld>
-    <p:spTree>
-      <p:nvGrpSpPr>
-        <p:cNvPr id="1" name=""/>
-        <p:cNvGrpSpPr/>
-        <p:nvPr/>
-      </p:nvGrpSpPr>
-      <p:grpSpPr>
-        <a:xfrm>
-          <a:off x="0" y="0"/>
-          <a:ext cx="0" cy="0"/>
-          <a:chOff x="0" y="0"/>
-          <a:chExt cx="0" cy="0"/>
-        </a:xfrm>
-      </p:grpSpPr>
-      <p:sp>
-        <p:nvSpPr>
-          <p:cNvPr id="4" name="文字方塊 3"/>
-          <p:cNvSpPr txBox="1"/>
-          <p:nvPr/>
-        </p:nvSpPr>
-        <p:spPr>
-          <a:xfrm>
-            <a:off x="0" y="0"/>
-            <a:ext cx="9144000" cy="836712"/>
-          </a:xfrm>
-          <a:prstGeom prst="rect">
-            <a:avLst/>
-          </a:prstGeom>
-          <a:noFill/>
-        </p:spPr>
-        <p:txBody>
-          <a:bodyPr wrap="square" rtlCol="0" anchor="ctr">
-            <a:noAutofit/>
-          </a:bodyPr>
-          <a:lstStyle/>
-          <a:p>
-            <a:pPr algn="ctr"/>
-            <a:r>
-              <a:rPr lang="en-US" altLang="zh-TW" sz="2400" dirty="0">
-                <a:latin typeface="Times New Roman" pitchFamily="18" charset="0"/>
-                <a:cs typeface="Times New Roman" pitchFamily="18" charset="0"/>
-              </a:rPr>
-              <a:t>jQuery</a:t>
-            </a:r>
-            <a:endParaRPr lang="zh-TW" altLang="en-US" sz="2400" dirty="0">
-              <a:latin typeface="Times New Roman" pitchFamily="18" charset="0"/>
-              <a:cs typeface="Times New Roman" pitchFamily="18" charset="0"/>
-            </a:endParaRPr>
-          </a:p>
-        </p:txBody>
-      </p:sp>
-      <p:sp>
-        <p:nvSpPr>
-          <p:cNvPr id="5" name="文字方塊 4"/>
-          <p:cNvSpPr txBox="1"/>
-          <p:nvPr/>
-        </p:nvSpPr>
-        <p:spPr>
-          <a:xfrm>
-            <a:off x="8711952" y="6573902"/>
-            <a:ext cx="432048" cy="276999"/>
-          </a:xfrm>
-          <a:prstGeom prst="rect">
-            <a:avLst/>
-          </a:prstGeom>
-          <a:noFill/>
-        </p:spPr>
-        <p:txBody>
-          <a:bodyPr wrap="square" rtlCol="0" anchor="ctr">
-            <a:spAutoFit/>
-          </a:bodyPr>
-          <a:lstStyle/>
-          <a:p>
-            <a:pPr algn="ctr"/>
-            <a:r>
-              <a:rPr lang="en-US" altLang="zh-TW" sz="1200" dirty="0">
-                <a:latin typeface="Times New Roman" pitchFamily="18" charset="0"/>
-                <a:cs typeface="Times New Roman" pitchFamily="18" charset="0"/>
-              </a:rPr>
-              <a:t>18</a:t>
-            </a:r>
-            <a:endParaRPr lang="zh-TW" altLang="en-US" sz="1200" dirty="0">
-              <a:latin typeface="Times New Roman" pitchFamily="18" charset="0"/>
-              <a:cs typeface="Times New Roman" pitchFamily="18" charset="0"/>
-            </a:endParaRPr>
-          </a:p>
-        </p:txBody>
-      </p:sp>
-      <p:sp>
-        <p:nvSpPr>
-          <p:cNvPr id="6" name="文字方塊 5"/>
-          <p:cNvSpPr txBox="1"/>
-          <p:nvPr/>
-        </p:nvSpPr>
-        <p:spPr>
-          <a:xfrm>
-            <a:off x="503548" y="1124744"/>
-            <a:ext cx="8136904" cy="5328592"/>
-          </a:xfrm>
-          <a:prstGeom prst="rect">
-            <a:avLst/>
-          </a:prstGeom>
-          <a:noFill/>
-        </p:spPr>
-        <p:txBody>
-          <a:bodyPr wrap="square" rtlCol="0" anchor="t">
-            <a:noAutofit/>
-          </a:bodyPr>
-          <a:lstStyle/>
-          <a:p>
-            <a:r>
-              <a:rPr lang="zh-TW" altLang="en-US" sz="2000" dirty="0">
-                <a:latin typeface="Times New Roman" pitchFamily="18" charset="0"/>
-                <a:cs typeface="Times New Roman" pitchFamily="18" charset="0"/>
-              </a:rPr>
-              <a:t>語法：</a:t>
-            </a:r>
-            <a:endParaRPr lang="en-US" altLang="zh-TW" sz="2000" dirty="0">
-              <a:latin typeface="Times New Roman" pitchFamily="18" charset="0"/>
-              <a:cs typeface="Times New Roman" pitchFamily="18" charset="0"/>
-            </a:endParaRPr>
-          </a:p>
-          <a:p>
-            <a:r>
-              <a:rPr lang="zh-TW" altLang="en-US" sz="2000" dirty="0">
-                <a:latin typeface="Times New Roman" pitchFamily="18" charset="0"/>
-                <a:cs typeface="Times New Roman" pitchFamily="18" charset="0"/>
-              </a:rPr>
-              <a:t>    </a:t>
-            </a:r>
-            <a:r>
-              <a:rPr lang="en-US" altLang="zh-TW" sz="2000" dirty="0">
-                <a:solidFill>
-                  <a:srgbClr val="FF0000"/>
-                </a:solidFill>
-                <a:latin typeface="Times New Roman" pitchFamily="18" charset="0"/>
-                <a:cs typeface="Times New Roman" pitchFamily="18" charset="0"/>
-              </a:rPr>
-              <a:t>$(</a:t>
-            </a:r>
-            <a:r>
-              <a:rPr lang="en-US" altLang="zh-TW" sz="2000" dirty="0">
-                <a:solidFill>
-                  <a:srgbClr val="00B050"/>
-                </a:solidFill>
-                <a:latin typeface="Times New Roman" pitchFamily="18" charset="0"/>
-                <a:cs typeface="Times New Roman" pitchFamily="18" charset="0"/>
-              </a:rPr>
-              <a:t>Selector</a:t>
-            </a:r>
-            <a:r>
-              <a:rPr lang="en-US" altLang="zh-TW" sz="2000" dirty="0">
-                <a:solidFill>
-                  <a:srgbClr val="FF0000"/>
-                </a:solidFill>
-                <a:latin typeface="Times New Roman" pitchFamily="18" charset="0"/>
-                <a:cs typeface="Times New Roman" pitchFamily="18" charset="0"/>
-              </a:rPr>
-              <a:t>).</a:t>
-            </a:r>
-            <a:r>
-              <a:rPr lang="en-US" altLang="zh-TW" sz="2000" dirty="0">
-                <a:solidFill>
-                  <a:srgbClr val="00B050"/>
-                </a:solidFill>
-                <a:latin typeface="Times New Roman" pitchFamily="18" charset="0"/>
-                <a:cs typeface="Times New Roman" pitchFamily="18" charset="0"/>
-              </a:rPr>
-              <a:t>Action</a:t>
-            </a:r>
-            <a:r>
-              <a:rPr lang="en-US" altLang="zh-TW" sz="2000" dirty="0">
-                <a:solidFill>
-                  <a:srgbClr val="FF0000"/>
-                </a:solidFill>
-                <a:latin typeface="Times New Roman" pitchFamily="18" charset="0"/>
-                <a:cs typeface="Times New Roman" pitchFamily="18" charset="0"/>
-              </a:rPr>
-              <a:t>();</a:t>
-            </a:r>
-          </a:p>
-          <a:p>
-            <a:endParaRPr lang="en-US" altLang="zh-TW" sz="2000" dirty="0">
-              <a:latin typeface="Times New Roman" pitchFamily="18" charset="0"/>
-              <a:cs typeface="Times New Roman" pitchFamily="18" charset="0"/>
-            </a:endParaRPr>
-          </a:p>
-          <a:p>
-            <a:r>
-              <a:rPr lang="en-US" altLang="zh-TW" sz="2000" dirty="0">
-                <a:latin typeface="Times New Roman" pitchFamily="18" charset="0"/>
-                <a:cs typeface="Times New Roman" pitchFamily="18" charset="0"/>
-              </a:rPr>
-              <a:t>Selector</a:t>
-            </a:r>
-            <a:r>
-              <a:rPr lang="zh-TW" altLang="en-US" sz="2000" dirty="0">
-                <a:latin typeface="Times New Roman" pitchFamily="18" charset="0"/>
-                <a:cs typeface="Times New Roman" pitchFamily="18" charset="0"/>
-              </a:rPr>
-              <a:t> 用途：</a:t>
-            </a:r>
-            <a:endParaRPr lang="en-US" altLang="zh-TW" sz="2000" dirty="0">
-              <a:latin typeface="Times New Roman" pitchFamily="18" charset="0"/>
-              <a:cs typeface="Times New Roman" pitchFamily="18" charset="0"/>
-            </a:endParaRPr>
-          </a:p>
-          <a:p>
-            <a:r>
-              <a:rPr lang="en-US" altLang="zh-TW" sz="2000" dirty="0">
-                <a:latin typeface="Times New Roman" pitchFamily="18" charset="0"/>
-                <a:cs typeface="Times New Roman" pitchFamily="18" charset="0"/>
-              </a:rPr>
-              <a:t>    $()</a:t>
-            </a:r>
-            <a:r>
-              <a:rPr lang="zh-TW" altLang="en-US" sz="2000" dirty="0">
-                <a:latin typeface="Times New Roman" pitchFamily="18" charset="0"/>
-                <a:cs typeface="Times New Roman" pitchFamily="18" charset="0"/>
-              </a:rPr>
-              <a:t> 是用來選取 </a:t>
-            </a:r>
-            <a:r>
-              <a:rPr lang="en-US" altLang="zh-TW" sz="2000" dirty="0">
-                <a:latin typeface="Times New Roman" pitchFamily="18" charset="0"/>
-                <a:cs typeface="Times New Roman" pitchFamily="18" charset="0"/>
-              </a:rPr>
-              <a:t>Element</a:t>
-            </a:r>
-            <a:r>
-              <a:rPr lang="zh-TW" altLang="en-US" sz="2000" dirty="0">
-                <a:latin typeface="Times New Roman" pitchFamily="18" charset="0"/>
-                <a:cs typeface="Times New Roman" pitchFamily="18" charset="0"/>
-              </a:rPr>
-              <a:t>，套用 </a:t>
-            </a:r>
-            <a:r>
-              <a:rPr lang="en-US" altLang="zh-TW" sz="2000" dirty="0">
-                <a:latin typeface="Times New Roman" pitchFamily="18" charset="0"/>
-                <a:cs typeface="Times New Roman" pitchFamily="18" charset="0"/>
-              </a:rPr>
-              <a:t>CSS</a:t>
-            </a:r>
-            <a:r>
-              <a:rPr lang="zh-TW" altLang="en-US" sz="2000" dirty="0">
-                <a:latin typeface="Times New Roman" pitchFamily="18" charset="0"/>
-                <a:cs typeface="Times New Roman" pitchFamily="18" charset="0"/>
-              </a:rPr>
-              <a:t> 選取的方式。</a:t>
-            </a:r>
-            <a:endParaRPr lang="en-US" altLang="zh-TW" sz="2000" dirty="0">
-              <a:latin typeface="Times New Roman" pitchFamily="18" charset="0"/>
-              <a:cs typeface="Times New Roman" pitchFamily="18" charset="0"/>
-            </a:endParaRPr>
-          </a:p>
-          <a:p>
-            <a:endParaRPr lang="en-US" altLang="zh-TW" sz="2000" dirty="0">
-              <a:latin typeface="Times New Roman" pitchFamily="18" charset="0"/>
-              <a:cs typeface="Times New Roman" pitchFamily="18" charset="0"/>
-            </a:endParaRPr>
-          </a:p>
-          <a:p>
-            <a:r>
-              <a:rPr lang="en-US" altLang="zh-TW" sz="2000" dirty="0">
-                <a:latin typeface="Times New Roman" pitchFamily="18" charset="0"/>
-                <a:cs typeface="Times New Roman" pitchFamily="18" charset="0"/>
-              </a:rPr>
-              <a:t>Action</a:t>
-            </a:r>
-            <a:r>
-              <a:rPr lang="zh-TW" altLang="en-US" sz="2000" dirty="0">
-                <a:latin typeface="Times New Roman" pitchFamily="18" charset="0"/>
-                <a:cs typeface="Times New Roman" pitchFamily="18" charset="0"/>
-              </a:rPr>
-              <a:t> 用途：</a:t>
-            </a:r>
-            <a:endParaRPr lang="en-US" altLang="zh-TW" sz="2000" dirty="0">
-              <a:latin typeface="Times New Roman" pitchFamily="18" charset="0"/>
-              <a:cs typeface="Times New Roman" pitchFamily="18" charset="0"/>
-            </a:endParaRPr>
-          </a:p>
-          <a:p>
-            <a:pPr marL="360363" indent="-184150">
-              <a:buFont typeface="+mj-lt"/>
-              <a:buAutoNum type="arabicPeriod"/>
-            </a:pPr>
-            <a:r>
-              <a:rPr lang="zh-TW" altLang="en-US" sz="2000" dirty="0">
-                <a:latin typeface="Times New Roman" pitchFamily="18" charset="0"/>
-                <a:cs typeface="Times New Roman" pitchFamily="18" charset="0"/>
-              </a:rPr>
-              <a:t>設定 </a:t>
-            </a:r>
-            <a:r>
-              <a:rPr lang="en-US" altLang="zh-TW" sz="2000" dirty="0">
-                <a:latin typeface="Times New Roman" pitchFamily="18" charset="0"/>
-                <a:cs typeface="Times New Roman" pitchFamily="18" charset="0"/>
-              </a:rPr>
-              <a:t>Element </a:t>
-            </a:r>
-            <a:r>
-              <a:rPr lang="zh-TW" altLang="en-US" sz="2000" dirty="0">
-                <a:latin typeface="Times New Roman" pitchFamily="18" charset="0"/>
-                <a:cs typeface="Times New Roman" pitchFamily="18" charset="0"/>
-              </a:rPr>
-              <a:t>的 </a:t>
-            </a:r>
-            <a:r>
-              <a:rPr lang="en-US" altLang="zh-TW" sz="2000" dirty="0">
-                <a:latin typeface="Times New Roman" pitchFamily="18" charset="0"/>
-                <a:cs typeface="Times New Roman" pitchFamily="18" charset="0"/>
-              </a:rPr>
-              <a:t>Attribute</a:t>
-            </a:r>
-          </a:p>
-          <a:p>
-            <a:pPr marL="360363" indent="-184150">
-              <a:buFont typeface="+mj-lt"/>
-              <a:buAutoNum type="arabicPeriod"/>
-            </a:pPr>
-            <a:r>
-              <a:rPr lang="zh-TW" altLang="en-US" sz="2000" dirty="0">
-                <a:latin typeface="Times New Roman" pitchFamily="18" charset="0"/>
-                <a:cs typeface="Times New Roman" pitchFamily="18" charset="0"/>
-              </a:rPr>
-              <a:t>事件聆聽功能</a:t>
-            </a:r>
-            <a:endParaRPr lang="en-US" altLang="zh-TW" sz="2000" dirty="0">
-              <a:latin typeface="Times New Roman" pitchFamily="18" charset="0"/>
-              <a:cs typeface="Times New Roman" pitchFamily="18" charset="0"/>
-            </a:endParaRPr>
-          </a:p>
-          <a:p>
-            <a:endParaRPr lang="en-US" altLang="zh-TW" sz="2000" dirty="0">
-              <a:latin typeface="Times New Roman" pitchFamily="18" charset="0"/>
-              <a:cs typeface="Times New Roman" pitchFamily="18" charset="0"/>
-            </a:endParaRPr>
-          </a:p>
-          <a:p>
-            <a:r>
-              <a:rPr lang="zh-TW" altLang="en-US" sz="2000" dirty="0">
-                <a:latin typeface="Times New Roman" pitchFamily="18" charset="0"/>
-                <a:cs typeface="Times New Roman" pitchFamily="18" charset="0"/>
-              </a:rPr>
-              <a:t>撰寫順序：</a:t>
-            </a:r>
-            <a:endParaRPr lang="en-US" altLang="zh-TW" sz="2000" dirty="0">
-              <a:latin typeface="Times New Roman" pitchFamily="18" charset="0"/>
-              <a:cs typeface="Times New Roman" pitchFamily="18" charset="0"/>
-            </a:endParaRPr>
-          </a:p>
-          <a:p>
-            <a:r>
-              <a:rPr lang="en-US" altLang="zh-TW" sz="2000" dirty="0">
-                <a:latin typeface="Times New Roman" pitchFamily="18" charset="0"/>
-                <a:cs typeface="Times New Roman" pitchFamily="18" charset="0"/>
-              </a:rPr>
-              <a:t>    jQuery </a:t>
-            </a:r>
-            <a:r>
-              <a:rPr lang="zh-TW" altLang="en-US" sz="2000" dirty="0">
-                <a:latin typeface="Times New Roman" pitchFamily="18" charset="0"/>
-                <a:cs typeface="Times New Roman" pitchFamily="18" charset="0"/>
-              </a:rPr>
-              <a:t>先寫出這樣的格式</a:t>
-            </a:r>
-            <a:endParaRPr lang="en-US" altLang="zh-TW" sz="2000" dirty="0">
-              <a:latin typeface="Times New Roman" pitchFamily="18" charset="0"/>
-              <a:cs typeface="Times New Roman" pitchFamily="18" charset="0"/>
-            </a:endParaRPr>
-          </a:p>
-          <a:p>
-            <a:r>
-              <a:rPr lang="en-US" altLang="zh-TW" sz="2000" dirty="0">
-                <a:latin typeface="Times New Roman" pitchFamily="18" charset="0"/>
-                <a:cs typeface="Times New Roman" pitchFamily="18" charset="0"/>
-              </a:rPr>
-              <a:t>    </a:t>
-            </a:r>
-            <a:r>
-              <a:rPr lang="en-US" altLang="zh-TW" sz="2000" dirty="0">
-                <a:solidFill>
-                  <a:srgbClr val="FF0000"/>
-                </a:solidFill>
-                <a:latin typeface="Times New Roman" pitchFamily="18" charset="0"/>
-                <a:cs typeface="Times New Roman" pitchFamily="18" charset="0"/>
-              </a:rPr>
-              <a:t>$().();</a:t>
-            </a:r>
-          </a:p>
-          <a:p>
-            <a:r>
-              <a:rPr lang="zh-TW" altLang="en-US" sz="2000" dirty="0">
-                <a:latin typeface="Times New Roman" pitchFamily="18" charset="0"/>
-                <a:cs typeface="Times New Roman" pitchFamily="18" charset="0"/>
-              </a:rPr>
-              <a:t>    在慢慢將 </a:t>
-            </a:r>
-            <a:r>
-              <a:rPr lang="en-US" altLang="zh-TW" sz="2000" dirty="0">
-                <a:latin typeface="Times New Roman" pitchFamily="18" charset="0"/>
-                <a:cs typeface="Times New Roman" pitchFamily="18" charset="0"/>
-              </a:rPr>
-              <a:t>Selector, Action </a:t>
-            </a:r>
-            <a:r>
-              <a:rPr lang="zh-TW" altLang="en-US" sz="2000" dirty="0">
-                <a:latin typeface="Times New Roman" pitchFamily="18" charset="0"/>
-                <a:cs typeface="Times New Roman" pitchFamily="18" charset="0"/>
-              </a:rPr>
-              <a:t>補上</a:t>
-            </a:r>
-            <a:endParaRPr lang="en-US" altLang="zh-TW" sz="2000" dirty="0">
-              <a:latin typeface="Times New Roman" pitchFamily="18" charset="0"/>
-              <a:cs typeface="Times New Roman" pitchFamily="18" charset="0"/>
-            </a:endParaRPr>
-          </a:p>
-        </p:txBody>
-      </p:sp>
-    </p:spTree>
-    <p:extLst>
-      <p:ext uri="{BB962C8B-B14F-4D97-AF65-F5344CB8AC3E}">
-        <p14:creationId xmlns:p14="http://schemas.microsoft.com/office/powerpoint/2010/main" val="3846988205"/>
-      </p:ext>
-    </p:extLst>
-  </p:cSld>
-  <p:clrMapOvr>
-    <a:masterClrMapping/>
-  </p:clrMapOvr>
-</p:sld>
-</file>
-
 <file path=ppt/slides/slide19.xml><?xml version="1.0" encoding="utf-8"?>
 <p:sld xmlns:a="http://schemas.openxmlformats.org/drawingml/2006/main" xmlns:r="http://schemas.openxmlformats.org/officeDocument/2006/relationships" xmlns:p="http://schemas.openxmlformats.org/presentationml/2006/main">
   <p:cSld>
@@ -8013,17 +8169,37 @@
                 <a:latin typeface="Times New Roman" pitchFamily="18" charset="0"/>
                 <a:cs typeface="Times New Roman" pitchFamily="18" charset="0"/>
               </a:rPr>
-              <a:t>$.</a:t>
-            </a:r>
-            <a:r>
-              <a:rPr lang="en-US" altLang="zh-TW" sz="2000" dirty="0" err="1">
+              <a:t>$(</a:t>
+            </a:r>
+            <a:r>
+              <a:rPr lang="en-US" altLang="zh-TW" sz="2000" dirty="0">
+                <a:solidFill>
+                  <a:srgbClr val="00B050"/>
+                </a:solidFill>
+                <a:latin typeface="Times New Roman" pitchFamily="18" charset="0"/>
+                <a:cs typeface="Times New Roman" pitchFamily="18" charset="0"/>
+              </a:rPr>
+              <a:t>Selector</a:t>
+            </a:r>
+            <a:r>
+              <a:rPr lang="en-US" altLang="zh-TW" sz="2000" dirty="0">
                 <a:solidFill>
                   <a:srgbClr val="FF0000"/>
                 </a:solidFill>
                 <a:latin typeface="Times New Roman" pitchFamily="18" charset="0"/>
                 <a:cs typeface="Times New Roman" pitchFamily="18" charset="0"/>
               </a:rPr>
-              <a:t>ajax</a:t>
+              <a:t>).</a:t>
+            </a:r>
+            <a:r>
+              <a:rPr lang="en-US" altLang="zh-TW" sz="2000" dirty="0">
+                <a:solidFill>
+                  <a:srgbClr val="00B050"/>
+                </a:solidFill>
+                <a:latin typeface="Times New Roman" pitchFamily="18" charset="0"/>
+                <a:cs typeface="Times New Roman" pitchFamily="18" charset="0"/>
+              </a:rPr>
+              <a:t>Action</a:t>
             </a:r>
             <a:r>
               <a:rPr lang="en-US" altLang="zh-TW" sz="2000" dirty="0">
@@ -8033,37 +8209,206 @@
                 <a:latin typeface="Times New Roman" pitchFamily="18" charset="0"/>
                 <a:cs typeface="Times New Roman" pitchFamily="18" charset="0"/>
               </a:rPr>
-              <a:t>(</a:t>
-            </a:r>
-            <a:r>
-              <a:rPr lang="en-US" altLang="zh-TW" sz="2000" dirty="0">
-                <a:solidFill>
-                  <a:srgbClr val="00B050"/>
-                </a:solidFill>
-                <a:latin typeface="Times New Roman" pitchFamily="18" charset="0"/>
-                <a:cs typeface="Times New Roman" pitchFamily="18" charset="0"/>
-              </a:rPr>
-              <a:t>"</a:t>
-            </a:r>
-            <a:r>
-              <a:rPr lang="en-US" altLang="zh-TW" sz="2000" dirty="0" err="1">
-                <a:solidFill>
-                  <a:srgbClr val="00B050"/>
-                </a:solidFill>
-                <a:latin typeface="Times New Roman" pitchFamily="18" charset="0"/>
-                <a:cs typeface="Times New Roman" pitchFamily="18" charset="0"/>
-              </a:rPr>
-              <a:t>url</a:t>
-            </a:r>
-            <a:r>
-              <a:rPr lang="en-US" altLang="zh-TW" sz="2000" dirty="0">
-                <a:solidFill>
-                  <a:srgbClr val="00B050"/>
-                </a:solidFill>
-                <a:latin typeface="Times New Roman" pitchFamily="18" charset="0"/>
-                <a:cs typeface="Times New Roman" pitchFamily="18" charset="0"/>
-              </a:rPr>
-              <a:t>"</a:t>
+              <a:t>();</a:t>
+            </a:r>
+          </a:p>
+          <a:p>
+            <a:endParaRPr lang="en-US" altLang="zh-TW" sz="2000" dirty="0">
+              <a:latin typeface="Times New Roman" pitchFamily="18" charset="0"/>
+              <a:cs typeface="Times New Roman" pitchFamily="18" charset="0"/>
+            </a:endParaRPr>
+          </a:p>
+          <a:p>
+            <a:r>
+              <a:rPr lang="en-US" altLang="zh-TW" sz="2000" dirty="0">
+                <a:latin typeface="Times New Roman" pitchFamily="18" charset="0"/>
+                <a:cs typeface="Times New Roman" pitchFamily="18" charset="0"/>
+              </a:rPr>
+              <a:t>Selector</a:t>
+            </a:r>
+            <a:r>
+              <a:rPr lang="zh-TW" altLang="en-US" sz="2000" dirty="0">
+                <a:latin typeface="Times New Roman" pitchFamily="18" charset="0"/>
+                <a:cs typeface="Times New Roman" pitchFamily="18" charset="0"/>
+              </a:rPr>
+              <a:t> 用途：</a:t>
+            </a:r>
+            <a:endParaRPr lang="en-US" altLang="zh-TW" sz="2000" dirty="0">
+              <a:latin typeface="Times New Roman" pitchFamily="18" charset="0"/>
+              <a:cs typeface="Times New Roman" pitchFamily="18" charset="0"/>
+            </a:endParaRPr>
+          </a:p>
+          <a:p>
+            <a:r>
+              <a:rPr lang="en-US" altLang="zh-TW" sz="2000" dirty="0">
+                <a:latin typeface="Times New Roman" pitchFamily="18" charset="0"/>
+                <a:cs typeface="Times New Roman" pitchFamily="18" charset="0"/>
+              </a:rPr>
+              <a:t>    $()</a:t>
+            </a:r>
+            <a:r>
+              <a:rPr lang="zh-TW" altLang="en-US" sz="2000" dirty="0">
+                <a:latin typeface="Times New Roman" pitchFamily="18" charset="0"/>
+                <a:cs typeface="Times New Roman" pitchFamily="18" charset="0"/>
+              </a:rPr>
+              <a:t> 是用來選取 </a:t>
+            </a:r>
+            <a:r>
+              <a:rPr lang="en-US" altLang="zh-TW" sz="2000" dirty="0">
+                <a:latin typeface="Times New Roman" pitchFamily="18" charset="0"/>
+                <a:cs typeface="Times New Roman" pitchFamily="18" charset="0"/>
+              </a:rPr>
+              <a:t>Element</a:t>
+            </a:r>
+            <a:r>
+              <a:rPr lang="zh-TW" altLang="en-US" sz="2000" dirty="0">
+                <a:latin typeface="Times New Roman" pitchFamily="18" charset="0"/>
+                <a:cs typeface="Times New Roman" pitchFamily="18" charset="0"/>
+              </a:rPr>
+              <a:t>，套用 </a:t>
+            </a:r>
+            <a:r>
+              <a:rPr lang="en-US" altLang="zh-TW" sz="2000" dirty="0">
+                <a:latin typeface="Times New Roman" pitchFamily="18" charset="0"/>
+                <a:cs typeface="Times New Roman" pitchFamily="18" charset="0"/>
+              </a:rPr>
+              <a:t>CSS</a:t>
+            </a:r>
+            <a:r>
+              <a:rPr lang="zh-TW" altLang="en-US" sz="2000" dirty="0">
+                <a:latin typeface="Times New Roman" pitchFamily="18" charset="0"/>
+                <a:cs typeface="Times New Roman" pitchFamily="18" charset="0"/>
+              </a:rPr>
+              <a:t> 選取的方式。</a:t>
+            </a:r>
+            <a:endParaRPr lang="en-US" altLang="zh-TW" sz="2000" dirty="0">
+              <a:latin typeface="Times New Roman" pitchFamily="18" charset="0"/>
+              <a:cs typeface="Times New Roman" pitchFamily="18" charset="0"/>
+            </a:endParaRPr>
+          </a:p>
+          <a:p>
+            <a:endParaRPr lang="en-US" altLang="zh-TW" sz="2000" dirty="0">
+              <a:latin typeface="Times New Roman" pitchFamily="18" charset="0"/>
+              <a:cs typeface="Times New Roman" pitchFamily="18" charset="0"/>
+            </a:endParaRPr>
+          </a:p>
+          <a:p>
+            <a:r>
+              <a:rPr lang="en-US" altLang="zh-TW" sz="2000" dirty="0">
+                <a:latin typeface="Times New Roman" pitchFamily="18" charset="0"/>
+                <a:cs typeface="Times New Roman" pitchFamily="18" charset="0"/>
+              </a:rPr>
+              <a:t>Action</a:t>
+            </a:r>
+            <a:r>
+              <a:rPr lang="zh-TW" altLang="en-US" sz="2000" dirty="0">
+                <a:latin typeface="Times New Roman" pitchFamily="18" charset="0"/>
+                <a:cs typeface="Times New Roman" pitchFamily="18" charset="0"/>
+              </a:rPr>
+              <a:t> 用途：</a:t>
+            </a:r>
+            <a:endParaRPr lang="en-US" altLang="zh-TW" sz="2000" dirty="0">
+              <a:latin typeface="Times New Roman" pitchFamily="18" charset="0"/>
+              <a:cs typeface="Times New Roman" pitchFamily="18" charset="0"/>
+            </a:endParaRPr>
+          </a:p>
+          <a:p>
+            <a:pPr marL="360363" indent="-184150">
+              <a:buFont typeface="+mj-lt"/>
+              <a:buAutoNum type="arabicPeriod"/>
+            </a:pPr>
+            <a:r>
+              <a:rPr lang="zh-TW" altLang="en-US" sz="2000" dirty="0">
+                <a:latin typeface="Times New Roman" pitchFamily="18" charset="0"/>
+                <a:cs typeface="Times New Roman" pitchFamily="18" charset="0"/>
+              </a:rPr>
+              <a:t>設定 </a:t>
+            </a:r>
+            <a:r>
+              <a:rPr lang="en-US" altLang="zh-TW" sz="2000" dirty="0">
+                <a:latin typeface="Times New Roman" pitchFamily="18" charset="0"/>
+                <a:cs typeface="Times New Roman" pitchFamily="18" charset="0"/>
+              </a:rPr>
+              <a:t>Element </a:t>
+            </a:r>
+            <a:r>
+              <a:rPr lang="zh-TW" altLang="en-US" sz="2000" dirty="0">
+                <a:latin typeface="Times New Roman" pitchFamily="18" charset="0"/>
+                <a:cs typeface="Times New Roman" pitchFamily="18" charset="0"/>
+              </a:rPr>
+              <a:t>的 </a:t>
+            </a:r>
+            <a:r>
+              <a:rPr lang="en-US" altLang="zh-TW" sz="2000" dirty="0">
+                <a:latin typeface="Times New Roman" pitchFamily="18" charset="0"/>
+                <a:cs typeface="Times New Roman" pitchFamily="18" charset="0"/>
+              </a:rPr>
+              <a:t>Attribute</a:t>
+            </a:r>
+          </a:p>
+          <a:p>
+            <a:pPr marL="360363" indent="-184150">
+              <a:buFont typeface="+mj-lt"/>
+              <a:buAutoNum type="arabicPeriod"/>
+            </a:pPr>
+            <a:r>
+              <a:rPr lang="zh-TW" altLang="en-US" sz="2000" dirty="0">
+                <a:latin typeface="Times New Roman" pitchFamily="18" charset="0"/>
+                <a:cs typeface="Times New Roman" pitchFamily="18" charset="0"/>
+              </a:rPr>
+              <a:t>事件聆聽功能</a:t>
+            </a:r>
+            <a:endParaRPr lang="en-US" altLang="zh-TW" sz="2000" dirty="0">
+              <a:latin typeface="Times New Roman" pitchFamily="18" charset="0"/>
+              <a:cs typeface="Times New Roman" pitchFamily="18" charset="0"/>
+            </a:endParaRPr>
+          </a:p>
+          <a:p>
+            <a:endParaRPr lang="en-US" altLang="zh-TW" sz="2000" dirty="0">
+              <a:latin typeface="Times New Roman" pitchFamily="18" charset="0"/>
+              <a:cs typeface="Times New Roman" pitchFamily="18" charset="0"/>
+            </a:endParaRPr>
+          </a:p>
+          <a:p>
+            <a:r>
+              <a:rPr lang="zh-TW" altLang="en-US" sz="2000" dirty="0">
+                <a:latin typeface="Times New Roman" pitchFamily="18" charset="0"/>
+                <a:cs typeface="Times New Roman" pitchFamily="18" charset="0"/>
+              </a:rPr>
+              <a:t>撰寫順序：</a:t>
+            </a:r>
+            <a:endParaRPr lang="en-US" altLang="zh-TW" sz="2000" dirty="0">
+              <a:latin typeface="Times New Roman" pitchFamily="18" charset="0"/>
+              <a:cs typeface="Times New Roman" pitchFamily="18" charset="0"/>
+            </a:endParaRPr>
+          </a:p>
+          <a:p>
+            <a:r>
+              <a:rPr lang="en-US" altLang="zh-TW" sz="2000" dirty="0">
+                <a:latin typeface="Times New Roman" pitchFamily="18" charset="0"/>
+                <a:cs typeface="Times New Roman" pitchFamily="18" charset="0"/>
+              </a:rPr>
+              <a:t>    jQuery </a:t>
+            </a:r>
+            <a:r>
+              <a:rPr lang="zh-TW" altLang="en-US" sz="2000" dirty="0">
+                <a:latin typeface="Times New Roman" pitchFamily="18" charset="0"/>
+                <a:cs typeface="Times New Roman" pitchFamily="18" charset="0"/>
+              </a:rPr>
+              <a:t>先寫出這樣的格式</a:t>
+            </a:r>
+            <a:endParaRPr lang="en-US" altLang="zh-TW" sz="2000" dirty="0">
+              <a:latin typeface="Times New Roman" pitchFamily="18" charset="0"/>
+              <a:cs typeface="Times New Roman" pitchFamily="18" charset="0"/>
+            </a:endParaRPr>
+          </a:p>
+          <a:p>
+            <a:r>
+              <a:rPr lang="en-US" altLang="zh-TW" sz="2000" dirty="0">
+                <a:latin typeface="Times New Roman" pitchFamily="18" charset="0"/>
+                <a:cs typeface="Times New Roman" pitchFamily="18" charset="0"/>
+              </a:rPr>
+              <a:t>    </a:t>
             </a:r>
             <a:r>
               <a:rPr lang="en-US" altLang="zh-TW" sz="2000" dirty="0">
@@ -8073,404 +8418,30 @@
                 <a:latin typeface="Times New Roman" pitchFamily="18" charset="0"/>
                 <a:cs typeface="Times New Roman" pitchFamily="18" charset="0"/>
               </a:rPr>
-              <a:t>, </a:t>
-            </a:r>
-            <a:r>
-              <a:rPr lang="en-US" altLang="zh-TW" sz="2000" dirty="0" err="1" smtClean="0">
-                <a:solidFill>
-                  <a:srgbClr val="00B0F0"/>
-                </a:solidFill>
-                <a:latin typeface="Times New Roman" pitchFamily="18" charset="0"/>
-                <a:cs typeface="Times New Roman" pitchFamily="18" charset="0"/>
-              </a:rPr>
-              <a:t>SettingObject</a:t>
-            </a:r>
-            <a:r>
-              <a:rPr lang="en-US" altLang="zh-TW" sz="2000" dirty="0" smtClean="0">
-                <a:solidFill>
-                  <a:srgbClr val="FF0000"/>
-                </a:solidFill>
-                <a:latin typeface="Times New Roman" pitchFamily="18" charset="0"/>
-                <a:cs typeface="Times New Roman" pitchFamily="18" charset="0"/>
-              </a:rPr>
-              <a:t>);</a:t>
-            </a:r>
-          </a:p>
-          <a:p>
-            <a:endParaRPr lang="en-US" altLang="zh-TW" sz="2000" dirty="0">
-              <a:latin typeface="Times New Roman" pitchFamily="18" charset="0"/>
-              <a:cs typeface="Times New Roman" pitchFamily="18" charset="0"/>
-            </a:endParaRPr>
-          </a:p>
-          <a:p>
-            <a:r>
-              <a:rPr lang="en-US" altLang="zh-TW" sz="2000" dirty="0" err="1" smtClean="0">
-                <a:latin typeface="Times New Roman" pitchFamily="18" charset="0"/>
-                <a:cs typeface="Times New Roman" pitchFamily="18" charset="0"/>
-              </a:rPr>
-              <a:t>SettingObject</a:t>
-            </a:r>
-            <a:r>
-              <a:rPr lang="zh-TW" altLang="en-US" sz="2000" dirty="0" smtClean="0">
-                <a:latin typeface="Times New Roman" pitchFamily="18" charset="0"/>
-                <a:cs typeface="Times New Roman" pitchFamily="18" charset="0"/>
-              </a:rPr>
-              <a:t>：</a:t>
-            </a:r>
-            <a:endParaRPr lang="en-US" altLang="zh-TW" sz="2000" dirty="0">
-              <a:latin typeface="Times New Roman" pitchFamily="18" charset="0"/>
-              <a:cs typeface="Times New Roman" pitchFamily="18" charset="0"/>
-            </a:endParaRPr>
-          </a:p>
-          <a:p>
-            <a:r>
-              <a:rPr lang="en-US" altLang="zh-TW" sz="2000" dirty="0" smtClean="0">
-                <a:latin typeface="Times New Roman" pitchFamily="18" charset="0"/>
-                <a:cs typeface="Times New Roman" pitchFamily="18" charset="0"/>
-              </a:rPr>
-              <a:t>        method</a:t>
-            </a:r>
-            <a:r>
-              <a:rPr lang="zh-TW" altLang="en-US" sz="2000" dirty="0" smtClean="0">
-                <a:latin typeface="Times New Roman" pitchFamily="18" charset="0"/>
-                <a:cs typeface="Times New Roman" pitchFamily="18" charset="0"/>
-              </a:rPr>
-              <a:t>：常見的方式為 </a:t>
-            </a:r>
-            <a:r>
-              <a:rPr lang="en-US" altLang="zh-TW" sz="2000" dirty="0" smtClean="0">
-                <a:latin typeface="Times New Roman" pitchFamily="18" charset="0"/>
-                <a:cs typeface="Times New Roman" pitchFamily="18" charset="0"/>
-              </a:rPr>
-              <a:t>GET</a:t>
-            </a:r>
-            <a:r>
-              <a:rPr lang="zh-TW" altLang="en-US" sz="2000" dirty="0" smtClean="0">
-                <a:latin typeface="Times New Roman" pitchFamily="18" charset="0"/>
-                <a:cs typeface="Times New Roman" pitchFamily="18" charset="0"/>
-              </a:rPr>
-              <a:t> 或 </a:t>
-            </a:r>
-            <a:r>
-              <a:rPr lang="en-US" altLang="zh-TW" sz="2000" dirty="0" smtClean="0">
-                <a:latin typeface="Times New Roman" pitchFamily="18" charset="0"/>
-                <a:cs typeface="Times New Roman" pitchFamily="18" charset="0"/>
-              </a:rPr>
-              <a:t>POST</a:t>
-            </a:r>
-            <a:endParaRPr lang="en-US" altLang="zh-TW" sz="2000" dirty="0">
-              <a:latin typeface="Times New Roman" pitchFamily="18" charset="0"/>
-              <a:cs typeface="Times New Roman" pitchFamily="18" charset="0"/>
-            </a:endParaRPr>
-          </a:p>
-          <a:p>
-            <a:r>
-              <a:rPr lang="en-US" altLang="zh-TW" sz="2000" dirty="0">
-                <a:latin typeface="Times New Roman" pitchFamily="18" charset="0"/>
-                <a:cs typeface="Times New Roman" pitchFamily="18" charset="0"/>
-              </a:rPr>
-              <a:t>        </a:t>
-            </a:r>
-            <a:r>
-              <a:rPr lang="en-US" altLang="zh-TW" sz="2000" dirty="0" err="1" smtClean="0">
-                <a:latin typeface="Times New Roman" pitchFamily="18" charset="0"/>
-                <a:cs typeface="Times New Roman" pitchFamily="18" charset="0"/>
-              </a:rPr>
-              <a:t>async</a:t>
-            </a:r>
-            <a:r>
-              <a:rPr lang="zh-TW" altLang="en-US" sz="2000" dirty="0" smtClean="0">
-                <a:latin typeface="Times New Roman" pitchFamily="18" charset="0"/>
-                <a:cs typeface="Times New Roman" pitchFamily="18" charset="0"/>
-              </a:rPr>
-              <a:t>：是否為 </a:t>
-            </a:r>
-            <a:r>
-              <a:rPr lang="en-US" altLang="zh-TW" sz="2000" dirty="0" smtClean="0">
-                <a:latin typeface="Times New Roman" pitchFamily="18" charset="0"/>
-                <a:cs typeface="Times New Roman" pitchFamily="18" charset="0"/>
-              </a:rPr>
-              <a:t>asynchronous</a:t>
-            </a:r>
-            <a:endParaRPr lang="en-US" altLang="zh-TW" sz="2000" dirty="0">
-              <a:latin typeface="Times New Roman" pitchFamily="18" charset="0"/>
-              <a:cs typeface="Times New Roman" pitchFamily="18" charset="0"/>
-            </a:endParaRPr>
-          </a:p>
-          <a:p>
-            <a:r>
-              <a:rPr lang="en-US" altLang="zh-TW" sz="2000" dirty="0">
-                <a:latin typeface="Times New Roman" pitchFamily="18" charset="0"/>
-                <a:cs typeface="Times New Roman" pitchFamily="18" charset="0"/>
-              </a:rPr>
-              <a:t>        </a:t>
-            </a:r>
-            <a:r>
-              <a:rPr lang="en-US" altLang="zh-TW" sz="2000" dirty="0" err="1" smtClean="0">
-                <a:latin typeface="Times New Roman" pitchFamily="18" charset="0"/>
-                <a:cs typeface="Times New Roman" pitchFamily="18" charset="0"/>
-              </a:rPr>
-              <a:t>contentType</a:t>
-            </a:r>
-            <a:r>
-              <a:rPr lang="zh-TW" altLang="en-US" sz="2000" dirty="0" smtClean="0">
-                <a:latin typeface="Times New Roman" pitchFamily="18" charset="0"/>
-                <a:cs typeface="Times New Roman" pitchFamily="18" charset="0"/>
-              </a:rPr>
-              <a:t>： </a:t>
-            </a:r>
-            <a:r>
-              <a:rPr lang="zh-TW" altLang="en-US" sz="2000" dirty="0">
-                <a:latin typeface="Times New Roman" pitchFamily="18" charset="0"/>
-                <a:cs typeface="Times New Roman" pitchFamily="18" charset="0"/>
-              </a:rPr>
-              <a:t>傳</a:t>
-            </a:r>
-            <a:r>
-              <a:rPr lang="zh-TW" altLang="en-US" sz="2000" dirty="0" smtClean="0">
-                <a:latin typeface="Times New Roman" pitchFamily="18" charset="0"/>
-                <a:cs typeface="Times New Roman" pitchFamily="18" charset="0"/>
-              </a:rPr>
-              <a:t>給</a:t>
-            </a:r>
-            <a:r>
-              <a:rPr lang="zh-TW" altLang="en-US" sz="2000" dirty="0">
-                <a:latin typeface="Times New Roman" pitchFamily="18" charset="0"/>
-                <a:cs typeface="Times New Roman" pitchFamily="18" charset="0"/>
-              </a:rPr>
-              <a:t> </a:t>
-            </a:r>
-            <a:r>
-              <a:rPr lang="en-US" altLang="zh-TW" sz="2000" dirty="0" err="1" smtClean="0">
-                <a:latin typeface="Times New Roman" pitchFamily="18" charset="0"/>
-                <a:cs typeface="Times New Roman" pitchFamily="18" charset="0"/>
-              </a:rPr>
-              <a:t>api</a:t>
-            </a:r>
-            <a:r>
-              <a:rPr lang="en-US" altLang="zh-TW" sz="2000" dirty="0" smtClean="0">
-                <a:latin typeface="Times New Roman" pitchFamily="18" charset="0"/>
-                <a:cs typeface="Times New Roman" pitchFamily="18" charset="0"/>
-              </a:rPr>
-              <a:t> </a:t>
-            </a:r>
-            <a:r>
-              <a:rPr lang="zh-TW" altLang="en-US" sz="2000" dirty="0" smtClean="0">
-                <a:latin typeface="Times New Roman" pitchFamily="18" charset="0"/>
-                <a:cs typeface="Times New Roman" pitchFamily="18" charset="0"/>
-              </a:rPr>
-              <a:t>的資料型式</a:t>
-            </a:r>
-            <a:endParaRPr lang="en-US" altLang="zh-TW" sz="2000" dirty="0">
-              <a:latin typeface="Times New Roman" pitchFamily="18" charset="0"/>
-              <a:cs typeface="Times New Roman" pitchFamily="18" charset="0"/>
-            </a:endParaRPr>
-          </a:p>
-          <a:p>
-            <a:r>
-              <a:rPr lang="en-US" altLang="zh-TW" sz="2000" dirty="0">
-                <a:latin typeface="Times New Roman" pitchFamily="18" charset="0"/>
-                <a:cs typeface="Times New Roman" pitchFamily="18" charset="0"/>
-              </a:rPr>
-              <a:t>        </a:t>
-            </a:r>
-            <a:r>
-              <a:rPr lang="en-US" altLang="zh-TW" sz="2000" dirty="0" smtClean="0">
-                <a:latin typeface="Times New Roman" pitchFamily="18" charset="0"/>
-                <a:cs typeface="Times New Roman" pitchFamily="18" charset="0"/>
-              </a:rPr>
-              <a:t>data</a:t>
-            </a:r>
-            <a:r>
-              <a:rPr lang="zh-TW" altLang="en-US" sz="2000" dirty="0" smtClean="0">
-                <a:latin typeface="Times New Roman" pitchFamily="18" charset="0"/>
-                <a:cs typeface="Times New Roman" pitchFamily="18" charset="0"/>
-              </a:rPr>
-              <a:t>：</a:t>
-            </a:r>
-            <a:r>
-              <a:rPr lang="zh-TW" altLang="en-US" sz="2000" dirty="0">
-                <a:latin typeface="Times New Roman" pitchFamily="18" charset="0"/>
-                <a:cs typeface="Times New Roman" pitchFamily="18" charset="0"/>
-              </a:rPr>
-              <a:t>傳給 </a:t>
-            </a:r>
-            <a:r>
-              <a:rPr lang="en-US" altLang="zh-TW" sz="2000" dirty="0" err="1">
-                <a:latin typeface="Times New Roman" pitchFamily="18" charset="0"/>
-                <a:cs typeface="Times New Roman" pitchFamily="18" charset="0"/>
-              </a:rPr>
-              <a:t>api</a:t>
-            </a:r>
-            <a:r>
-              <a:rPr lang="en-US" altLang="zh-TW" sz="2000" dirty="0">
-                <a:latin typeface="Times New Roman" pitchFamily="18" charset="0"/>
-                <a:cs typeface="Times New Roman" pitchFamily="18" charset="0"/>
-              </a:rPr>
-              <a:t> </a:t>
-            </a:r>
-            <a:r>
-              <a:rPr lang="zh-TW" altLang="en-US" sz="2000" dirty="0">
-                <a:latin typeface="Times New Roman" pitchFamily="18" charset="0"/>
-                <a:cs typeface="Times New Roman" pitchFamily="18" charset="0"/>
-              </a:rPr>
-              <a:t>的</a:t>
-            </a:r>
-            <a:r>
-              <a:rPr lang="zh-TW" altLang="en-US" sz="2000" dirty="0" smtClean="0">
-                <a:latin typeface="Times New Roman" pitchFamily="18" charset="0"/>
-                <a:cs typeface="Times New Roman" pitchFamily="18" charset="0"/>
-              </a:rPr>
-              <a:t>資料內容</a:t>
-            </a:r>
-            <a:endParaRPr lang="en-US" altLang="zh-TW" sz="2000" dirty="0" smtClean="0">
-              <a:latin typeface="Times New Roman" pitchFamily="18" charset="0"/>
-              <a:cs typeface="Times New Roman" pitchFamily="18" charset="0"/>
-            </a:endParaRPr>
-          </a:p>
-          <a:p>
-            <a:endParaRPr lang="en-US" altLang="zh-TW" sz="2000" dirty="0">
-              <a:latin typeface="Times New Roman" pitchFamily="18" charset="0"/>
-              <a:cs typeface="Times New Roman" pitchFamily="18" charset="0"/>
-            </a:endParaRPr>
-          </a:p>
-          <a:p>
-            <a:r>
-              <a:rPr lang="en-US" altLang="zh-TW" sz="2000" dirty="0" smtClean="0">
-                <a:latin typeface="Times New Roman" pitchFamily="18" charset="0"/>
-                <a:cs typeface="Times New Roman" pitchFamily="18" charset="0"/>
-              </a:rPr>
-              <a:t>$.</a:t>
-            </a:r>
-            <a:r>
-              <a:rPr lang="en-US" altLang="zh-TW" sz="2000" dirty="0" err="1" smtClean="0">
-                <a:latin typeface="Times New Roman" pitchFamily="18" charset="0"/>
-                <a:cs typeface="Times New Roman" pitchFamily="18" charset="0"/>
-              </a:rPr>
-              <a:t>ajax</a:t>
-            </a:r>
-            <a:r>
-              <a:rPr lang="en-US" altLang="zh-TW" sz="2000" dirty="0" smtClean="0">
-                <a:latin typeface="Times New Roman" pitchFamily="18" charset="0"/>
-                <a:cs typeface="Times New Roman" pitchFamily="18" charset="0"/>
-              </a:rPr>
-              <a:t>() </a:t>
-            </a:r>
-            <a:r>
-              <a:rPr lang="zh-TW" altLang="en-US" sz="2000" dirty="0" smtClean="0">
-                <a:latin typeface="Times New Roman" pitchFamily="18" charset="0"/>
-                <a:cs typeface="Times New Roman" pitchFamily="18" charset="0"/>
-              </a:rPr>
-              <a:t>後面通常會串接 </a:t>
-            </a:r>
-            <a:r>
-              <a:rPr lang="en-US" altLang="zh-TW" sz="2000" dirty="0" smtClean="0">
-                <a:latin typeface="Times New Roman" pitchFamily="18" charset="0"/>
-                <a:cs typeface="Times New Roman" pitchFamily="18" charset="0"/>
-              </a:rPr>
-              <a:t>.done()</a:t>
-            </a:r>
-            <a:r>
-              <a:rPr lang="zh-TW" altLang="en-US" sz="2000" dirty="0" smtClean="0">
-                <a:latin typeface="Times New Roman" pitchFamily="18" charset="0"/>
-                <a:cs typeface="Times New Roman" pitchFamily="18" charset="0"/>
-              </a:rPr>
-              <a:t>、</a:t>
-            </a:r>
-            <a:r>
-              <a:rPr lang="en-US" altLang="zh-TW" sz="2000" dirty="0" smtClean="0">
-                <a:latin typeface="Times New Roman" pitchFamily="18" charset="0"/>
-                <a:cs typeface="Times New Roman" pitchFamily="18" charset="0"/>
-              </a:rPr>
-              <a:t>,fail()</a:t>
-            </a:r>
-            <a:r>
-              <a:rPr lang="zh-TW" altLang="en-US" sz="2000" dirty="0" smtClean="0">
-                <a:latin typeface="Times New Roman" pitchFamily="18" charset="0"/>
-                <a:cs typeface="Times New Roman" pitchFamily="18" charset="0"/>
-              </a:rPr>
-              <a:t>、</a:t>
-            </a:r>
-            <a:r>
-              <a:rPr lang="en-US" altLang="zh-TW" sz="2000" dirty="0" smtClean="0">
-                <a:latin typeface="Times New Roman" pitchFamily="18" charset="0"/>
-                <a:cs typeface="Times New Roman" pitchFamily="18" charset="0"/>
-              </a:rPr>
-              <a:t>.then()</a:t>
-            </a:r>
-            <a:r>
-              <a:rPr lang="zh-TW" altLang="en-US" sz="2000" dirty="0">
-                <a:latin typeface="Times New Roman" pitchFamily="18" charset="0"/>
-                <a:cs typeface="Times New Roman" pitchFamily="18" charset="0"/>
-              </a:rPr>
-              <a:t> </a:t>
-            </a:r>
-            <a:r>
-              <a:rPr lang="zh-TW" altLang="en-US" sz="2000" dirty="0" smtClean="0">
-                <a:latin typeface="Times New Roman" pitchFamily="18" charset="0"/>
-                <a:cs typeface="Times New Roman" pitchFamily="18" charset="0"/>
-              </a:rPr>
-              <a:t>等來處理回傳的資料</a:t>
-            </a:r>
-            <a:endParaRPr lang="en-US" altLang="zh-TW" sz="2000" dirty="0" smtClean="0">
-              <a:latin typeface="Times New Roman" pitchFamily="18" charset="0"/>
-              <a:cs typeface="Times New Roman" pitchFamily="18" charset="0"/>
-            </a:endParaRPr>
-          </a:p>
-          <a:p>
-            <a:endParaRPr lang="en-US" altLang="zh-TW" sz="2000" dirty="0">
-              <a:latin typeface="Times New Roman" pitchFamily="18" charset="0"/>
-              <a:cs typeface="Times New Roman" pitchFamily="18" charset="0"/>
-            </a:endParaRPr>
-          </a:p>
-          <a:p>
-            <a:endParaRPr lang="en-US" altLang="zh-TW" sz="2000" dirty="0" smtClean="0">
-              <a:latin typeface="Times New Roman" pitchFamily="18" charset="0"/>
-              <a:cs typeface="Times New Roman" pitchFamily="18" charset="0"/>
-            </a:endParaRPr>
-          </a:p>
-          <a:p>
-            <a:r>
-              <a:rPr lang="en-US" altLang="zh-TW" sz="2000" dirty="0" smtClean="0">
-                <a:latin typeface="Times New Roman" pitchFamily="18" charset="0"/>
-                <a:cs typeface="Times New Roman" pitchFamily="18" charset="0"/>
-              </a:rPr>
-              <a:t>※GET </a:t>
-            </a:r>
-            <a:r>
-              <a:rPr lang="zh-TW" altLang="en-US" sz="2000" dirty="0">
-                <a:latin typeface="Times New Roman" pitchFamily="18" charset="0"/>
-                <a:cs typeface="Times New Roman" pitchFamily="18" charset="0"/>
-              </a:rPr>
-              <a:t>明碼傳輸會有安全</a:t>
-            </a:r>
-            <a:r>
-              <a:rPr lang="zh-TW" altLang="en-US" sz="2000" dirty="0" smtClean="0">
-                <a:latin typeface="Times New Roman" pitchFamily="18" charset="0"/>
-                <a:cs typeface="Times New Roman" pitchFamily="18" charset="0"/>
-              </a:rPr>
-              <a:t>問題</a:t>
-            </a:r>
-            <a:r>
-              <a:rPr lang="zh-TW" altLang="en-US" sz="2000" smtClean="0">
-                <a:latin typeface="Times New Roman" pitchFamily="18" charset="0"/>
-                <a:cs typeface="Times New Roman" pitchFamily="18" charset="0"/>
-              </a:rPr>
-              <a:t>，所以會改用 </a:t>
-            </a:r>
-            <a:r>
-              <a:rPr lang="en-US" altLang="zh-TW" sz="2000" dirty="0" smtClean="0">
-                <a:latin typeface="Times New Roman" pitchFamily="18" charset="0"/>
-                <a:cs typeface="Times New Roman" pitchFamily="18" charset="0"/>
-              </a:rPr>
-              <a:t>POST</a:t>
-            </a:r>
-            <a:r>
-              <a:rPr lang="zh-TW" altLang="en-US" sz="2000" dirty="0" smtClean="0">
-                <a:latin typeface="Times New Roman" pitchFamily="18" charset="0"/>
-                <a:cs typeface="Times New Roman" pitchFamily="18" charset="0"/>
-              </a:rPr>
-              <a:t> 避免這個問題</a:t>
+              <a:t>$().();</a:t>
+            </a:r>
+          </a:p>
+          <a:p>
+            <a:r>
+              <a:rPr lang="zh-TW" altLang="en-US" sz="2000" dirty="0">
+                <a:latin typeface="Times New Roman" pitchFamily="18" charset="0"/>
+                <a:cs typeface="Times New Roman" pitchFamily="18" charset="0"/>
+              </a:rPr>
+              <a:t>    在慢慢將 </a:t>
+            </a:r>
+            <a:r>
+              <a:rPr lang="en-US" altLang="zh-TW" sz="2000" dirty="0">
+                <a:latin typeface="Times New Roman" pitchFamily="18" charset="0"/>
+                <a:cs typeface="Times New Roman" pitchFamily="18" charset="0"/>
+              </a:rPr>
+              <a:t>Selector, Action </a:t>
+            </a:r>
+            <a:r>
+              <a:rPr lang="zh-TW" altLang="en-US" sz="2000" dirty="0">
+                <a:latin typeface="Times New Roman" pitchFamily="18" charset="0"/>
+                <a:cs typeface="Times New Roman" pitchFamily="18" charset="0"/>
+              </a:rPr>
+              <a:t>補上</a:t>
             </a:r>
             <a:endParaRPr lang="en-US" altLang="zh-TW" sz="2000" dirty="0">
               <a:latin typeface="Times New Roman" pitchFamily="18" charset="0"/>
@@ -8482,7 +8453,7 @@
     </p:spTree>
     <p:extLst>
       <p:ext uri="{BB962C8B-B14F-4D97-AF65-F5344CB8AC3E}">
-        <p14:creationId xmlns:p14="http://schemas.microsoft.com/office/powerpoint/2010/main" val="2744708792"/>
+        <p14:creationId xmlns:p14="http://schemas.microsoft.com/office/powerpoint/2010/main" val="3846988205"/>
       </p:ext>
     </p:extLst>
   </p:cSld>
@@ -8831,6 +8802,626 @@
     <p:extLst>
       <p:ext uri="{BB962C8B-B14F-4D97-AF65-F5344CB8AC3E}">
         <p14:creationId xmlns:p14="http://schemas.microsoft.com/office/powerpoint/2010/main" val="3078051740"/>
+      </p:ext>
+    </p:extLst>
+  </p:cSld>
+  <p:clrMapOvr>
+    <a:masterClrMapping/>
+  </p:clrMapOvr>
+</p:sld>
+</file>
+
+<file path=ppt/slides/slide20.xml><?xml version="1.0" encoding="utf-8"?>
+<p:sld xmlns:a="http://schemas.openxmlformats.org/drawingml/2006/main" xmlns:r="http://schemas.openxmlformats.org/officeDocument/2006/relationships" xmlns:p="http://schemas.openxmlformats.org/presentationml/2006/main">
+  <p:cSld>
+    <p:spTree>
+      <p:nvGrpSpPr>
+        <p:cNvPr id="1" name=""/>
+        <p:cNvGrpSpPr/>
+        <p:nvPr/>
+      </p:nvGrpSpPr>
+      <p:grpSpPr>
+        <a:xfrm>
+          <a:off x="0" y="0"/>
+          <a:ext cx="0" cy="0"/>
+          <a:chOff x="0" y="0"/>
+          <a:chExt cx="0" cy="0"/>
+        </a:xfrm>
+      </p:grpSpPr>
+      <p:sp>
+        <p:nvSpPr>
+          <p:cNvPr id="4" name="文字方塊 3"/>
+          <p:cNvSpPr txBox="1"/>
+          <p:nvPr/>
+        </p:nvSpPr>
+        <p:spPr>
+          <a:xfrm>
+            <a:off x="0" y="0"/>
+            <a:ext cx="9144000" cy="836712"/>
+          </a:xfrm>
+          <a:prstGeom prst="rect">
+            <a:avLst/>
+          </a:prstGeom>
+          <a:noFill/>
+        </p:spPr>
+        <p:txBody>
+          <a:bodyPr wrap="square" rtlCol="0" anchor="ctr">
+            <a:noAutofit/>
+          </a:bodyPr>
+          <a:lstStyle/>
+          <a:p>
+            <a:pPr algn="ctr"/>
+            <a:r>
+              <a:rPr lang="en-US" altLang="zh-TW" sz="2400" dirty="0">
+                <a:latin typeface="Times New Roman" pitchFamily="18" charset="0"/>
+                <a:cs typeface="Times New Roman" pitchFamily="18" charset="0"/>
+              </a:rPr>
+              <a:t>jQuery</a:t>
+            </a:r>
+            <a:endParaRPr lang="zh-TW" altLang="en-US" sz="2400" dirty="0">
+              <a:latin typeface="Times New Roman" pitchFamily="18" charset="0"/>
+              <a:cs typeface="Times New Roman" pitchFamily="18" charset="0"/>
+            </a:endParaRPr>
+          </a:p>
+        </p:txBody>
+      </p:sp>
+      <p:sp>
+        <p:nvSpPr>
+          <p:cNvPr id="5" name="文字方塊 4"/>
+          <p:cNvSpPr txBox="1"/>
+          <p:nvPr/>
+        </p:nvSpPr>
+        <p:spPr>
+          <a:xfrm>
+            <a:off x="8711952" y="6573902"/>
+            <a:ext cx="432048" cy="276999"/>
+          </a:xfrm>
+          <a:prstGeom prst="rect">
+            <a:avLst/>
+          </a:prstGeom>
+          <a:noFill/>
+        </p:spPr>
+        <p:txBody>
+          <a:bodyPr wrap="square" rtlCol="0" anchor="ctr">
+            <a:spAutoFit/>
+          </a:bodyPr>
+          <a:lstStyle/>
+          <a:p>
+            <a:pPr algn="ctr"/>
+            <a:r>
+              <a:rPr lang="en-US" altLang="zh-TW" sz="1200" dirty="0" smtClean="0">
+                <a:latin typeface="Times New Roman" pitchFamily="18" charset="0"/>
+                <a:cs typeface="Times New Roman" pitchFamily="18" charset="0"/>
+              </a:rPr>
+              <a:t>20</a:t>
+            </a:r>
+            <a:endParaRPr lang="zh-TW" altLang="en-US" sz="1200" dirty="0">
+              <a:latin typeface="Times New Roman" pitchFamily="18" charset="0"/>
+              <a:cs typeface="Times New Roman" pitchFamily="18" charset="0"/>
+            </a:endParaRPr>
+          </a:p>
+        </p:txBody>
+      </p:sp>
+      <p:sp>
+        <p:nvSpPr>
+          <p:cNvPr id="6" name="文字方塊 5"/>
+          <p:cNvSpPr txBox="1"/>
+          <p:nvPr/>
+        </p:nvSpPr>
+        <p:spPr>
+          <a:xfrm>
+            <a:off x="503548" y="1124744"/>
+            <a:ext cx="8136904" cy="5328592"/>
+          </a:xfrm>
+          <a:prstGeom prst="rect">
+            <a:avLst/>
+          </a:prstGeom>
+          <a:noFill/>
+        </p:spPr>
+        <p:txBody>
+          <a:bodyPr wrap="square" rtlCol="0" anchor="t">
+            <a:noAutofit/>
+          </a:bodyPr>
+          <a:lstStyle/>
+          <a:p>
+            <a:r>
+              <a:rPr lang="zh-TW" altLang="en-US" sz="2000" dirty="0">
+                <a:latin typeface="Times New Roman" pitchFamily="18" charset="0"/>
+                <a:cs typeface="Times New Roman" pitchFamily="18" charset="0"/>
+              </a:rPr>
+              <a:t>語法：</a:t>
+            </a:r>
+            <a:endParaRPr lang="en-US" altLang="zh-TW" sz="2000" dirty="0">
+              <a:latin typeface="Times New Roman" pitchFamily="18" charset="0"/>
+              <a:cs typeface="Times New Roman" pitchFamily="18" charset="0"/>
+            </a:endParaRPr>
+          </a:p>
+          <a:p>
+            <a:r>
+              <a:rPr lang="zh-TW" altLang="en-US" sz="2000" dirty="0">
+                <a:latin typeface="Times New Roman" pitchFamily="18" charset="0"/>
+                <a:cs typeface="Times New Roman" pitchFamily="18" charset="0"/>
+              </a:rPr>
+              <a:t>    </a:t>
+            </a:r>
+            <a:r>
+              <a:rPr lang="en-US" altLang="zh-TW" sz="2000" dirty="0">
+                <a:solidFill>
+                  <a:srgbClr val="FF0000"/>
+                </a:solidFill>
+                <a:latin typeface="Times New Roman" pitchFamily="18" charset="0"/>
+                <a:cs typeface="Times New Roman" pitchFamily="18" charset="0"/>
+              </a:rPr>
+              <a:t>$.</a:t>
+            </a:r>
+            <a:r>
+              <a:rPr lang="en-US" altLang="zh-TW" sz="2000" dirty="0" err="1">
+                <a:solidFill>
+                  <a:srgbClr val="FF0000"/>
+                </a:solidFill>
+                <a:latin typeface="Times New Roman" pitchFamily="18" charset="0"/>
+                <a:cs typeface="Times New Roman" pitchFamily="18" charset="0"/>
+              </a:rPr>
+              <a:t>ajax</a:t>
+            </a:r>
+            <a:r>
+              <a:rPr lang="en-US" altLang="zh-TW" sz="2000" dirty="0">
+                <a:solidFill>
+                  <a:srgbClr val="FF0000"/>
+                </a:solidFill>
+                <a:latin typeface="Times New Roman" pitchFamily="18" charset="0"/>
+                <a:cs typeface="Times New Roman" pitchFamily="18" charset="0"/>
+              </a:rPr>
+              <a:t>(</a:t>
+            </a:r>
+            <a:r>
+              <a:rPr lang="en-US" altLang="zh-TW" sz="2000" dirty="0">
+                <a:solidFill>
+                  <a:srgbClr val="00B050"/>
+                </a:solidFill>
+                <a:latin typeface="Times New Roman" pitchFamily="18" charset="0"/>
+                <a:cs typeface="Times New Roman" pitchFamily="18" charset="0"/>
+              </a:rPr>
+              <a:t>"</a:t>
+            </a:r>
+            <a:r>
+              <a:rPr lang="en-US" altLang="zh-TW" sz="2000" dirty="0" err="1">
+                <a:solidFill>
+                  <a:srgbClr val="00B050"/>
+                </a:solidFill>
+                <a:latin typeface="Times New Roman" pitchFamily="18" charset="0"/>
+                <a:cs typeface="Times New Roman" pitchFamily="18" charset="0"/>
+              </a:rPr>
+              <a:t>url</a:t>
+            </a:r>
+            <a:r>
+              <a:rPr lang="en-US" altLang="zh-TW" sz="2000" dirty="0">
+                <a:solidFill>
+                  <a:srgbClr val="00B050"/>
+                </a:solidFill>
+                <a:latin typeface="Times New Roman" pitchFamily="18" charset="0"/>
+                <a:cs typeface="Times New Roman" pitchFamily="18" charset="0"/>
+              </a:rPr>
+              <a:t>"</a:t>
+            </a:r>
+            <a:r>
+              <a:rPr lang="en-US" altLang="zh-TW" sz="2000" dirty="0">
+                <a:solidFill>
+                  <a:srgbClr val="FF0000"/>
+                </a:solidFill>
+                <a:latin typeface="Times New Roman" pitchFamily="18" charset="0"/>
+                <a:cs typeface="Times New Roman" pitchFamily="18" charset="0"/>
+              </a:rPr>
+              <a:t>, </a:t>
+            </a:r>
+            <a:r>
+              <a:rPr lang="en-US" altLang="zh-TW" sz="2000" dirty="0" err="1" smtClean="0">
+                <a:solidFill>
+                  <a:srgbClr val="00B0F0"/>
+                </a:solidFill>
+                <a:latin typeface="Times New Roman" pitchFamily="18" charset="0"/>
+                <a:cs typeface="Times New Roman" pitchFamily="18" charset="0"/>
+              </a:rPr>
+              <a:t>SettingObject</a:t>
+            </a:r>
+            <a:r>
+              <a:rPr lang="en-US" altLang="zh-TW" sz="2000" dirty="0" smtClean="0">
+                <a:solidFill>
+                  <a:srgbClr val="FF0000"/>
+                </a:solidFill>
+                <a:latin typeface="Times New Roman" pitchFamily="18" charset="0"/>
+                <a:cs typeface="Times New Roman" pitchFamily="18" charset="0"/>
+              </a:rPr>
+              <a:t>);</a:t>
+            </a:r>
+          </a:p>
+          <a:p>
+            <a:endParaRPr lang="en-US" altLang="zh-TW" sz="2000" dirty="0">
+              <a:latin typeface="Times New Roman" pitchFamily="18" charset="0"/>
+              <a:cs typeface="Times New Roman" pitchFamily="18" charset="0"/>
+            </a:endParaRPr>
+          </a:p>
+          <a:p>
+            <a:r>
+              <a:rPr lang="en-US" altLang="zh-TW" sz="2000" dirty="0" err="1" smtClean="0">
+                <a:latin typeface="Times New Roman" pitchFamily="18" charset="0"/>
+                <a:cs typeface="Times New Roman" pitchFamily="18" charset="0"/>
+              </a:rPr>
+              <a:t>SettingObject</a:t>
+            </a:r>
+            <a:r>
+              <a:rPr lang="zh-TW" altLang="en-US" sz="2000" dirty="0" smtClean="0">
+                <a:latin typeface="Times New Roman" pitchFamily="18" charset="0"/>
+                <a:cs typeface="Times New Roman" pitchFamily="18" charset="0"/>
+              </a:rPr>
+              <a:t>：</a:t>
+            </a:r>
+            <a:endParaRPr lang="en-US" altLang="zh-TW" sz="2000" dirty="0">
+              <a:latin typeface="Times New Roman" pitchFamily="18" charset="0"/>
+              <a:cs typeface="Times New Roman" pitchFamily="18" charset="0"/>
+            </a:endParaRPr>
+          </a:p>
+          <a:p>
+            <a:r>
+              <a:rPr lang="en-US" altLang="zh-TW" sz="2000" dirty="0" smtClean="0">
+                <a:latin typeface="Times New Roman" pitchFamily="18" charset="0"/>
+                <a:cs typeface="Times New Roman" pitchFamily="18" charset="0"/>
+              </a:rPr>
+              <a:t>        method</a:t>
+            </a:r>
+            <a:r>
+              <a:rPr lang="zh-TW" altLang="en-US" sz="2000" dirty="0" smtClean="0">
+                <a:latin typeface="Times New Roman" pitchFamily="18" charset="0"/>
+                <a:cs typeface="Times New Roman" pitchFamily="18" charset="0"/>
+              </a:rPr>
+              <a:t>：常見的方式為 </a:t>
+            </a:r>
+            <a:r>
+              <a:rPr lang="en-US" altLang="zh-TW" sz="2000" dirty="0" smtClean="0">
+                <a:latin typeface="Times New Roman" pitchFamily="18" charset="0"/>
+                <a:cs typeface="Times New Roman" pitchFamily="18" charset="0"/>
+              </a:rPr>
+              <a:t>GET</a:t>
+            </a:r>
+            <a:r>
+              <a:rPr lang="zh-TW" altLang="en-US" sz="2000" dirty="0" smtClean="0">
+                <a:latin typeface="Times New Roman" pitchFamily="18" charset="0"/>
+                <a:cs typeface="Times New Roman" pitchFamily="18" charset="0"/>
+              </a:rPr>
+              <a:t> 或 </a:t>
+            </a:r>
+            <a:r>
+              <a:rPr lang="en-US" altLang="zh-TW" sz="2000" dirty="0" smtClean="0">
+                <a:latin typeface="Times New Roman" pitchFamily="18" charset="0"/>
+                <a:cs typeface="Times New Roman" pitchFamily="18" charset="0"/>
+              </a:rPr>
+              <a:t>POST</a:t>
+            </a:r>
+            <a:endParaRPr lang="en-US" altLang="zh-TW" sz="2000" dirty="0">
+              <a:latin typeface="Times New Roman" pitchFamily="18" charset="0"/>
+              <a:cs typeface="Times New Roman" pitchFamily="18" charset="0"/>
+            </a:endParaRPr>
+          </a:p>
+          <a:p>
+            <a:r>
+              <a:rPr lang="en-US" altLang="zh-TW" sz="2000" dirty="0">
+                <a:latin typeface="Times New Roman" pitchFamily="18" charset="0"/>
+                <a:cs typeface="Times New Roman" pitchFamily="18" charset="0"/>
+              </a:rPr>
+              <a:t>        </a:t>
+            </a:r>
+            <a:r>
+              <a:rPr lang="en-US" altLang="zh-TW" sz="2000" dirty="0" err="1" smtClean="0">
+                <a:latin typeface="Times New Roman" pitchFamily="18" charset="0"/>
+                <a:cs typeface="Times New Roman" pitchFamily="18" charset="0"/>
+              </a:rPr>
+              <a:t>async</a:t>
+            </a:r>
+            <a:r>
+              <a:rPr lang="zh-TW" altLang="en-US" sz="2000" dirty="0" smtClean="0">
+                <a:latin typeface="Times New Roman" pitchFamily="18" charset="0"/>
+                <a:cs typeface="Times New Roman" pitchFamily="18" charset="0"/>
+              </a:rPr>
+              <a:t>：是否為 </a:t>
+            </a:r>
+            <a:r>
+              <a:rPr lang="en-US" altLang="zh-TW" sz="2000" dirty="0" smtClean="0">
+                <a:latin typeface="Times New Roman" pitchFamily="18" charset="0"/>
+                <a:cs typeface="Times New Roman" pitchFamily="18" charset="0"/>
+              </a:rPr>
+              <a:t>asynchronous</a:t>
+            </a:r>
+            <a:endParaRPr lang="en-US" altLang="zh-TW" sz="2000" dirty="0">
+              <a:latin typeface="Times New Roman" pitchFamily="18" charset="0"/>
+              <a:cs typeface="Times New Roman" pitchFamily="18" charset="0"/>
+            </a:endParaRPr>
+          </a:p>
+          <a:p>
+            <a:r>
+              <a:rPr lang="en-US" altLang="zh-TW" sz="2000" dirty="0">
+                <a:latin typeface="Times New Roman" pitchFamily="18" charset="0"/>
+                <a:cs typeface="Times New Roman" pitchFamily="18" charset="0"/>
+              </a:rPr>
+              <a:t>        </a:t>
+            </a:r>
+            <a:r>
+              <a:rPr lang="en-US" altLang="zh-TW" sz="2000" dirty="0" err="1" smtClean="0">
+                <a:latin typeface="Times New Roman" pitchFamily="18" charset="0"/>
+                <a:cs typeface="Times New Roman" pitchFamily="18" charset="0"/>
+              </a:rPr>
+              <a:t>contentType</a:t>
+            </a:r>
+            <a:r>
+              <a:rPr lang="zh-TW" altLang="en-US" sz="2000" dirty="0" smtClean="0">
+                <a:latin typeface="Times New Roman" pitchFamily="18" charset="0"/>
+                <a:cs typeface="Times New Roman" pitchFamily="18" charset="0"/>
+              </a:rPr>
+              <a:t>： </a:t>
+            </a:r>
+            <a:r>
+              <a:rPr lang="zh-TW" altLang="en-US" sz="2000" dirty="0">
+                <a:latin typeface="Times New Roman" pitchFamily="18" charset="0"/>
+                <a:cs typeface="Times New Roman" pitchFamily="18" charset="0"/>
+              </a:rPr>
+              <a:t>傳</a:t>
+            </a:r>
+            <a:r>
+              <a:rPr lang="zh-TW" altLang="en-US" sz="2000" dirty="0" smtClean="0">
+                <a:latin typeface="Times New Roman" pitchFamily="18" charset="0"/>
+                <a:cs typeface="Times New Roman" pitchFamily="18" charset="0"/>
+              </a:rPr>
+              <a:t>給</a:t>
+            </a:r>
+            <a:r>
+              <a:rPr lang="zh-TW" altLang="en-US" sz="2000" dirty="0">
+                <a:latin typeface="Times New Roman" pitchFamily="18" charset="0"/>
+                <a:cs typeface="Times New Roman" pitchFamily="18" charset="0"/>
+              </a:rPr>
+              <a:t> </a:t>
+            </a:r>
+            <a:r>
+              <a:rPr lang="en-US" altLang="zh-TW" sz="2000" dirty="0" err="1" smtClean="0">
+                <a:latin typeface="Times New Roman" pitchFamily="18" charset="0"/>
+                <a:cs typeface="Times New Roman" pitchFamily="18" charset="0"/>
+              </a:rPr>
+              <a:t>api</a:t>
+            </a:r>
+            <a:r>
+              <a:rPr lang="en-US" altLang="zh-TW" sz="2000" dirty="0" smtClean="0">
+                <a:latin typeface="Times New Roman" pitchFamily="18" charset="0"/>
+                <a:cs typeface="Times New Roman" pitchFamily="18" charset="0"/>
+              </a:rPr>
+              <a:t> </a:t>
+            </a:r>
+            <a:r>
+              <a:rPr lang="zh-TW" altLang="en-US" sz="2000" dirty="0" smtClean="0">
+                <a:latin typeface="Times New Roman" pitchFamily="18" charset="0"/>
+                <a:cs typeface="Times New Roman" pitchFamily="18" charset="0"/>
+              </a:rPr>
+              <a:t>的資料型式</a:t>
+            </a:r>
+            <a:endParaRPr lang="en-US" altLang="zh-TW" sz="2000" dirty="0">
+              <a:latin typeface="Times New Roman" pitchFamily="18" charset="0"/>
+              <a:cs typeface="Times New Roman" pitchFamily="18" charset="0"/>
+            </a:endParaRPr>
+          </a:p>
+          <a:p>
+            <a:r>
+              <a:rPr lang="en-US" altLang="zh-TW" sz="2000" dirty="0">
+                <a:latin typeface="Times New Roman" pitchFamily="18" charset="0"/>
+                <a:cs typeface="Times New Roman" pitchFamily="18" charset="0"/>
+              </a:rPr>
+              <a:t>        </a:t>
+            </a:r>
+            <a:r>
+              <a:rPr lang="en-US" altLang="zh-TW" sz="2000" dirty="0" smtClean="0">
+                <a:latin typeface="Times New Roman" pitchFamily="18" charset="0"/>
+                <a:cs typeface="Times New Roman" pitchFamily="18" charset="0"/>
+              </a:rPr>
+              <a:t>data</a:t>
+            </a:r>
+            <a:r>
+              <a:rPr lang="zh-TW" altLang="en-US" sz="2000" dirty="0" smtClean="0">
+                <a:latin typeface="Times New Roman" pitchFamily="18" charset="0"/>
+                <a:cs typeface="Times New Roman" pitchFamily="18" charset="0"/>
+              </a:rPr>
+              <a:t>：</a:t>
+            </a:r>
+            <a:r>
+              <a:rPr lang="zh-TW" altLang="en-US" sz="2000" dirty="0">
+                <a:latin typeface="Times New Roman" pitchFamily="18" charset="0"/>
+                <a:cs typeface="Times New Roman" pitchFamily="18" charset="0"/>
+              </a:rPr>
+              <a:t>傳給 </a:t>
+            </a:r>
+            <a:r>
+              <a:rPr lang="en-US" altLang="zh-TW" sz="2000" dirty="0" err="1">
+                <a:latin typeface="Times New Roman" pitchFamily="18" charset="0"/>
+                <a:cs typeface="Times New Roman" pitchFamily="18" charset="0"/>
+              </a:rPr>
+              <a:t>api</a:t>
+            </a:r>
+            <a:r>
+              <a:rPr lang="en-US" altLang="zh-TW" sz="2000" dirty="0">
+                <a:latin typeface="Times New Roman" pitchFamily="18" charset="0"/>
+                <a:cs typeface="Times New Roman" pitchFamily="18" charset="0"/>
+              </a:rPr>
+              <a:t> </a:t>
+            </a:r>
+            <a:r>
+              <a:rPr lang="zh-TW" altLang="en-US" sz="2000" dirty="0">
+                <a:latin typeface="Times New Roman" pitchFamily="18" charset="0"/>
+                <a:cs typeface="Times New Roman" pitchFamily="18" charset="0"/>
+              </a:rPr>
+              <a:t>的</a:t>
+            </a:r>
+            <a:r>
+              <a:rPr lang="zh-TW" altLang="en-US" sz="2000" dirty="0" smtClean="0">
+                <a:latin typeface="Times New Roman" pitchFamily="18" charset="0"/>
+                <a:cs typeface="Times New Roman" pitchFamily="18" charset="0"/>
+              </a:rPr>
+              <a:t>資料內容</a:t>
+            </a:r>
+            <a:endParaRPr lang="en-US" altLang="zh-TW" sz="2000" dirty="0" smtClean="0">
+              <a:latin typeface="Times New Roman" pitchFamily="18" charset="0"/>
+              <a:cs typeface="Times New Roman" pitchFamily="18" charset="0"/>
+            </a:endParaRPr>
+          </a:p>
+          <a:p>
+            <a:endParaRPr lang="en-US" altLang="zh-TW" sz="2000" dirty="0">
+              <a:latin typeface="Times New Roman" pitchFamily="18" charset="0"/>
+              <a:cs typeface="Times New Roman" pitchFamily="18" charset="0"/>
+            </a:endParaRPr>
+          </a:p>
+          <a:p>
+            <a:r>
+              <a:rPr lang="en-US" altLang="zh-TW" sz="2000" dirty="0" smtClean="0">
+                <a:latin typeface="Times New Roman" pitchFamily="18" charset="0"/>
+                <a:cs typeface="Times New Roman" pitchFamily="18" charset="0"/>
+              </a:rPr>
+              <a:t>$.</a:t>
+            </a:r>
+            <a:r>
+              <a:rPr lang="en-US" altLang="zh-TW" sz="2000" dirty="0" err="1" smtClean="0">
+                <a:latin typeface="Times New Roman" pitchFamily="18" charset="0"/>
+                <a:cs typeface="Times New Roman" pitchFamily="18" charset="0"/>
+              </a:rPr>
+              <a:t>ajax</a:t>
+            </a:r>
+            <a:r>
+              <a:rPr lang="en-US" altLang="zh-TW" sz="2000" dirty="0" smtClean="0">
+                <a:latin typeface="Times New Roman" pitchFamily="18" charset="0"/>
+                <a:cs typeface="Times New Roman" pitchFamily="18" charset="0"/>
+              </a:rPr>
+              <a:t>() </a:t>
+            </a:r>
+            <a:r>
+              <a:rPr lang="zh-TW" altLang="en-US" sz="2000" dirty="0" smtClean="0">
+                <a:latin typeface="Times New Roman" pitchFamily="18" charset="0"/>
+                <a:cs typeface="Times New Roman" pitchFamily="18" charset="0"/>
+              </a:rPr>
+              <a:t>後面通常會串接 </a:t>
+            </a:r>
+            <a:r>
+              <a:rPr lang="en-US" altLang="zh-TW" sz="2000" dirty="0" smtClean="0">
+                <a:latin typeface="Times New Roman" pitchFamily="18" charset="0"/>
+                <a:cs typeface="Times New Roman" pitchFamily="18" charset="0"/>
+              </a:rPr>
+              <a:t>.done()</a:t>
+            </a:r>
+            <a:r>
+              <a:rPr lang="zh-TW" altLang="en-US" sz="2000" dirty="0" smtClean="0">
+                <a:latin typeface="Times New Roman" pitchFamily="18" charset="0"/>
+                <a:cs typeface="Times New Roman" pitchFamily="18" charset="0"/>
+              </a:rPr>
+              <a:t>、</a:t>
+            </a:r>
+            <a:r>
+              <a:rPr lang="en-US" altLang="zh-TW" sz="2000" dirty="0" smtClean="0">
+                <a:latin typeface="Times New Roman" pitchFamily="18" charset="0"/>
+                <a:cs typeface="Times New Roman" pitchFamily="18" charset="0"/>
+              </a:rPr>
+              <a:t>,fail()</a:t>
+            </a:r>
+            <a:r>
+              <a:rPr lang="zh-TW" altLang="en-US" sz="2000" dirty="0" smtClean="0">
+                <a:latin typeface="Times New Roman" pitchFamily="18" charset="0"/>
+                <a:cs typeface="Times New Roman" pitchFamily="18" charset="0"/>
+              </a:rPr>
+              <a:t>、</a:t>
+            </a:r>
+            <a:r>
+              <a:rPr lang="en-US" altLang="zh-TW" sz="2000" dirty="0" smtClean="0">
+                <a:latin typeface="Times New Roman" pitchFamily="18" charset="0"/>
+                <a:cs typeface="Times New Roman" pitchFamily="18" charset="0"/>
+              </a:rPr>
+              <a:t>.then()</a:t>
+            </a:r>
+            <a:r>
+              <a:rPr lang="zh-TW" altLang="en-US" sz="2000" dirty="0">
+                <a:latin typeface="Times New Roman" pitchFamily="18" charset="0"/>
+                <a:cs typeface="Times New Roman" pitchFamily="18" charset="0"/>
+              </a:rPr>
+              <a:t> </a:t>
+            </a:r>
+            <a:r>
+              <a:rPr lang="zh-TW" altLang="en-US" sz="2000" dirty="0" smtClean="0">
+                <a:latin typeface="Times New Roman" pitchFamily="18" charset="0"/>
+                <a:cs typeface="Times New Roman" pitchFamily="18" charset="0"/>
+              </a:rPr>
+              <a:t>等來處理回傳的資料</a:t>
+            </a:r>
+            <a:endParaRPr lang="en-US" altLang="zh-TW" sz="2000" dirty="0" smtClean="0">
+              <a:latin typeface="Times New Roman" pitchFamily="18" charset="0"/>
+              <a:cs typeface="Times New Roman" pitchFamily="18" charset="0"/>
+            </a:endParaRPr>
+          </a:p>
+          <a:p>
+            <a:endParaRPr lang="en-US" altLang="zh-TW" sz="2000" dirty="0">
+              <a:latin typeface="Times New Roman" pitchFamily="18" charset="0"/>
+              <a:cs typeface="Times New Roman" pitchFamily="18" charset="0"/>
+            </a:endParaRPr>
+          </a:p>
+          <a:p>
+            <a:endParaRPr lang="en-US" altLang="zh-TW" sz="2000" dirty="0" smtClean="0">
+              <a:latin typeface="Times New Roman" pitchFamily="18" charset="0"/>
+              <a:cs typeface="Times New Roman" pitchFamily="18" charset="0"/>
+            </a:endParaRPr>
+          </a:p>
+          <a:p>
+            <a:r>
+              <a:rPr lang="en-US" altLang="zh-TW" sz="2000" dirty="0" smtClean="0">
+                <a:latin typeface="Times New Roman" pitchFamily="18" charset="0"/>
+                <a:cs typeface="Times New Roman" pitchFamily="18" charset="0"/>
+              </a:rPr>
+              <a:t>※GET </a:t>
+            </a:r>
+            <a:r>
+              <a:rPr lang="zh-TW" altLang="en-US" sz="2000" dirty="0">
+                <a:latin typeface="Times New Roman" pitchFamily="18" charset="0"/>
+                <a:cs typeface="Times New Roman" pitchFamily="18" charset="0"/>
+              </a:rPr>
+              <a:t>明碼傳輸會有安全</a:t>
+            </a:r>
+            <a:r>
+              <a:rPr lang="zh-TW" altLang="en-US" sz="2000" dirty="0" smtClean="0">
+                <a:latin typeface="Times New Roman" pitchFamily="18" charset="0"/>
+                <a:cs typeface="Times New Roman" pitchFamily="18" charset="0"/>
+              </a:rPr>
+              <a:t>問題</a:t>
+            </a:r>
+            <a:r>
+              <a:rPr lang="zh-TW" altLang="en-US" sz="2000" smtClean="0">
+                <a:latin typeface="Times New Roman" pitchFamily="18" charset="0"/>
+                <a:cs typeface="Times New Roman" pitchFamily="18" charset="0"/>
+              </a:rPr>
+              <a:t>，所以會改用 </a:t>
+            </a:r>
+            <a:r>
+              <a:rPr lang="en-US" altLang="zh-TW" sz="2000" dirty="0" smtClean="0">
+                <a:latin typeface="Times New Roman" pitchFamily="18" charset="0"/>
+                <a:cs typeface="Times New Roman" pitchFamily="18" charset="0"/>
+              </a:rPr>
+              <a:t>POST</a:t>
+            </a:r>
+            <a:r>
+              <a:rPr lang="zh-TW" altLang="en-US" sz="2000" dirty="0" smtClean="0">
+                <a:latin typeface="Times New Roman" pitchFamily="18" charset="0"/>
+                <a:cs typeface="Times New Roman" pitchFamily="18" charset="0"/>
+              </a:rPr>
+              <a:t> 避免這個問題</a:t>
+            </a:r>
+            <a:endParaRPr lang="en-US" altLang="zh-TW" sz="2000" dirty="0">
+              <a:latin typeface="Times New Roman" pitchFamily="18" charset="0"/>
+              <a:cs typeface="Times New Roman" pitchFamily="18" charset="0"/>
+            </a:endParaRPr>
+          </a:p>
+        </p:txBody>
+      </p:sp>
+    </p:spTree>
+    <p:extLst>
+      <p:ext uri="{BB962C8B-B14F-4D97-AF65-F5344CB8AC3E}">
+        <p14:creationId xmlns:p14="http://schemas.microsoft.com/office/powerpoint/2010/main" val="2744708792"/>
       </p:ext>
     </p:extLst>
   </p:cSld>

--- a/動態網頁.pptx
+++ b/動態網頁.pptx
@@ -125,7 +125,7 @@
   </p:defaultTextStyle>
   <p:extLst>
     <p:ext uri="{EFAFB233-063F-42B5-8137-9DF3F51BA10A}">
-      <p15:sldGuideLst xmlns="" xmlns:p15="http://schemas.microsoft.com/office/powerpoint/2012/main">
+      <p15:sldGuideLst xmlns:p15="http://schemas.microsoft.com/office/powerpoint/2012/main" xmlns="">
         <p15:guide id="1" orient="horz" pos="2160">
           <p15:clr>
             <a:srgbClr val="A4A3A4"/>
@@ -4611,7 +4611,7 @@
               <a:t>內容必須是 </a:t>
             </a:r>
             <a:r>
-              <a:rPr lang="en-US" altLang="zh-TW" sz="2000" smtClean="0">
+              <a:rPr lang="en-US" altLang="zh-TW" sz="2000" dirty="0" smtClean="0">
                 <a:solidFill>
                   <a:srgbClr val="FF0000"/>
                 </a:solidFill>
@@ -4853,25 +4853,39 @@
           <a:p>
             <a:pPr marL="180975" indent="-180975"/>
             <a:r>
-              <a:rPr lang="zh-TW" altLang="en-US" sz="2000" dirty="0">
-                <a:latin typeface="Times New Roman" pitchFamily="18" charset="0"/>
-                <a:cs typeface="Times New Roman" pitchFamily="18" charset="0"/>
-              </a:rPr>
-              <a:t>字串轉</a:t>
-            </a:r>
-            <a:r>
-              <a:rPr lang="en-US" altLang="zh-TW" sz="2000" dirty="0">
+              <a:rPr lang="zh-TW" altLang="en-US" sz="2000">
+                <a:latin typeface="Times New Roman" pitchFamily="18" charset="0"/>
+                <a:cs typeface="Times New Roman" pitchFamily="18" charset="0"/>
+              </a:rPr>
+              <a:t>字串</a:t>
+            </a:r>
+            <a:r>
+              <a:rPr lang="zh-TW" altLang="en-US" sz="2000" smtClean="0">
+                <a:latin typeface="Times New Roman" pitchFamily="18" charset="0"/>
+                <a:cs typeface="Times New Roman" pitchFamily="18" charset="0"/>
+              </a:rPr>
+              <a:t>轉 </a:t>
+            </a:r>
+            <a:r>
+              <a:rPr lang="en-US" altLang="zh-TW" sz="2000" smtClean="0">
                 <a:latin typeface="Times New Roman" pitchFamily="18" charset="0"/>
                 <a:cs typeface="Times New Roman" pitchFamily="18" charset="0"/>
               </a:rPr>
               <a:t>JSON</a:t>
             </a:r>
             <a:r>
-              <a:rPr lang="zh-TW" altLang="en-US" sz="2000" dirty="0">
-                <a:latin typeface="Times New Roman" pitchFamily="18" charset="0"/>
-                <a:cs typeface="Times New Roman" pitchFamily="18" charset="0"/>
-              </a:rPr>
-              <a:t> 物件</a:t>
+              <a:rPr lang="zh-TW" altLang="en-US" sz="2000" dirty="0" smtClean="0">
+                <a:latin typeface="Times New Roman" pitchFamily="18" charset="0"/>
+                <a:cs typeface="Times New Roman" pitchFamily="18" charset="0"/>
+              </a:rPr>
+              <a:t> </a:t>
+            </a:r>
+            <a:r>
+              <a:rPr lang="zh-TW" altLang="en-US" sz="2000" dirty="0">
+                <a:latin typeface="Times New Roman" pitchFamily="18" charset="0"/>
+                <a:cs typeface="Times New Roman" pitchFamily="18" charset="0"/>
+              </a:rPr>
+              <a:t>物件</a:t>
             </a:r>
             <a:endParaRPr lang="en-US" altLang="zh-TW" sz="2000" dirty="0">
               <a:latin typeface="Times New Roman" pitchFamily="18" charset="0"/>
@@ -7011,14 +7025,7 @@
                 <a:latin typeface="Times New Roman" pitchFamily="18" charset="0"/>
                 <a:cs typeface="Times New Roman" pitchFamily="18" charset="0"/>
               </a:rPr>
-              <a:t> </a:t>
-            </a:r>
-            <a:r>
-              <a:rPr lang="zh-TW" altLang="en-US" sz="2000" dirty="0" smtClean="0">
-                <a:latin typeface="Times New Roman" pitchFamily="18" charset="0"/>
-                <a:cs typeface="Times New Roman" pitchFamily="18" charset="0"/>
-              </a:rPr>
-              <a:t>通常用於暫時儲存 </a:t>
+              <a:t> 通常用於暫時儲存 </a:t>
             </a:r>
             <a:r>
               <a:rPr lang="en-US" altLang="zh-TW" sz="2000" dirty="0" smtClean="0">
@@ -7623,7 +7630,7 @@
           <p:cNvPr id="3" name="圖片 2">
             <a:extLst>
               <a:ext uri="{FF2B5EF4-FFF2-40B4-BE49-F238E27FC236}">
-                <a16:creationId xmlns="" xmlns:a16="http://schemas.microsoft.com/office/drawing/2014/main" id="{09A6E7AA-689E-4A7A-AB61-91185B9D6D65}"/>
+                <a16:creationId xmlns:a16="http://schemas.microsoft.com/office/drawing/2014/main" xmlns="" id="{09A6E7AA-689E-4A7A-AB61-91185B9D6D65}"/>
               </a:ext>
             </a:extLst>
           </p:cNvPr>
@@ -7816,7 +7823,7 @@
           <p:cNvPr id="7" name="圖片 6" descr="一張含有 文字 的圖片&#10;&#10;自動產生的描述">
             <a:extLst>
               <a:ext uri="{FF2B5EF4-FFF2-40B4-BE49-F238E27FC236}">
-                <a16:creationId xmlns="" xmlns:a16="http://schemas.microsoft.com/office/drawing/2014/main" id="{4870EBFC-DE4A-40E9-9FC9-CD9672B6988E}"/>
+                <a16:creationId xmlns:a16="http://schemas.microsoft.com/office/drawing/2014/main" xmlns="" id="{4870EBFC-DE4A-40E9-9FC9-CD9672B6988E}"/>
               </a:ext>
             </a:extLst>
           </p:cNvPr>
@@ -7851,7 +7858,7 @@
           <p:cNvPr id="8" name="矩形 7">
             <a:extLst>
               <a:ext uri="{FF2B5EF4-FFF2-40B4-BE49-F238E27FC236}">
-                <a16:creationId xmlns="" xmlns:a16="http://schemas.microsoft.com/office/drawing/2014/main" id="{C635761B-2CAD-476F-ACE0-1B793B254F5D}"/>
+                <a16:creationId xmlns:a16="http://schemas.microsoft.com/office/drawing/2014/main" xmlns="" id="{C635761B-2CAD-476F-ACE0-1B793B254F5D}"/>
               </a:ext>
             </a:extLst>
           </p:cNvPr>
@@ -7903,7 +7910,7 @@
           <p:cNvPr id="9" name="文字方塊 8">
             <a:extLst>
               <a:ext uri="{FF2B5EF4-FFF2-40B4-BE49-F238E27FC236}">
-                <a16:creationId xmlns="" xmlns:a16="http://schemas.microsoft.com/office/drawing/2014/main" id="{B2506B1C-745E-4CDA-926C-2CFCF564319B}"/>
+                <a16:creationId xmlns:a16="http://schemas.microsoft.com/office/drawing/2014/main" xmlns="" id="{B2506B1C-745E-4CDA-926C-2CFCF564319B}"/>
               </a:ext>
             </a:extLst>
           </p:cNvPr>
@@ -7984,7 +7991,7 @@
           <p:cNvPr id="11" name="圖片 10" descr="一張含有 文字 的圖片&#10;&#10;自動產生的描述">
             <a:extLst>
               <a:ext uri="{FF2B5EF4-FFF2-40B4-BE49-F238E27FC236}">
-                <a16:creationId xmlns="" xmlns:a16="http://schemas.microsoft.com/office/drawing/2014/main" id="{E1596373-13C3-4632-A41E-A767288C6828}"/>
+                <a16:creationId xmlns:a16="http://schemas.microsoft.com/office/drawing/2014/main" xmlns="" id="{E1596373-13C3-4632-A41E-A767288C6828}"/>
               </a:ext>
             </a:extLst>
           </p:cNvPr>

--- a/動態網頁.pptx
+++ b/動態網頁.pptx
@@ -25,6 +25,12 @@
     <p:sldId id="272" r:id="rId19"/>
     <p:sldId id="273" r:id="rId20"/>
     <p:sldId id="274" r:id="rId21"/>
+    <p:sldId id="276" r:id="rId22"/>
+    <p:sldId id="277" r:id="rId23"/>
+    <p:sldId id="279" r:id="rId24"/>
+    <p:sldId id="281" r:id="rId25"/>
+    <p:sldId id="280" r:id="rId26"/>
+    <p:sldId id="282" r:id="rId27"/>
   </p:sldIdLst>
   <p:sldSz cx="9144000" cy="6858000" type="screen4x3"/>
   <p:notesSz cx="6858000" cy="9144000"/>
@@ -125,7 +131,7 @@
   </p:defaultTextStyle>
   <p:extLst>
     <p:ext uri="{EFAFB233-063F-42B5-8137-9DF3F51BA10A}">
-      <p15:sldGuideLst xmlns:p15="http://schemas.microsoft.com/office/powerpoint/2012/main" xmlns="">
+      <p15:sldGuideLst xmlns="" xmlns:p15="http://schemas.microsoft.com/office/powerpoint/2012/main">
         <p15:guide id="1" orient="horz" pos="2160">
           <p15:clr>
             <a:srgbClr val="A4A3A4"/>
@@ -7630,7 +7636,7 @@
           <p:cNvPr id="3" name="圖片 2">
             <a:extLst>
               <a:ext uri="{FF2B5EF4-FFF2-40B4-BE49-F238E27FC236}">
-                <a16:creationId xmlns:a16="http://schemas.microsoft.com/office/drawing/2014/main" xmlns="" id="{09A6E7AA-689E-4A7A-AB61-91185B9D6D65}"/>
+                <a16:creationId xmlns="" xmlns:a16="http://schemas.microsoft.com/office/drawing/2014/main" id="{09A6E7AA-689E-4A7A-AB61-91185B9D6D65}"/>
               </a:ext>
             </a:extLst>
           </p:cNvPr>
@@ -7823,7 +7829,7 @@
           <p:cNvPr id="7" name="圖片 6" descr="一張含有 文字 的圖片&#10;&#10;自動產生的描述">
             <a:extLst>
               <a:ext uri="{FF2B5EF4-FFF2-40B4-BE49-F238E27FC236}">
-                <a16:creationId xmlns:a16="http://schemas.microsoft.com/office/drawing/2014/main" xmlns="" id="{4870EBFC-DE4A-40E9-9FC9-CD9672B6988E}"/>
+                <a16:creationId xmlns="" xmlns:a16="http://schemas.microsoft.com/office/drawing/2014/main" id="{4870EBFC-DE4A-40E9-9FC9-CD9672B6988E}"/>
               </a:ext>
             </a:extLst>
           </p:cNvPr>
@@ -7858,7 +7864,7 @@
           <p:cNvPr id="8" name="矩形 7">
             <a:extLst>
               <a:ext uri="{FF2B5EF4-FFF2-40B4-BE49-F238E27FC236}">
-                <a16:creationId xmlns:a16="http://schemas.microsoft.com/office/drawing/2014/main" xmlns="" id="{C635761B-2CAD-476F-ACE0-1B793B254F5D}"/>
+                <a16:creationId xmlns="" xmlns:a16="http://schemas.microsoft.com/office/drawing/2014/main" id="{C635761B-2CAD-476F-ACE0-1B793B254F5D}"/>
               </a:ext>
             </a:extLst>
           </p:cNvPr>
@@ -7910,7 +7916,7 @@
           <p:cNvPr id="9" name="文字方塊 8">
             <a:extLst>
               <a:ext uri="{FF2B5EF4-FFF2-40B4-BE49-F238E27FC236}">
-                <a16:creationId xmlns:a16="http://schemas.microsoft.com/office/drawing/2014/main" xmlns="" id="{B2506B1C-745E-4CDA-926C-2CFCF564319B}"/>
+                <a16:creationId xmlns="" xmlns:a16="http://schemas.microsoft.com/office/drawing/2014/main" id="{B2506B1C-745E-4CDA-926C-2CFCF564319B}"/>
               </a:ext>
             </a:extLst>
           </p:cNvPr>
@@ -7991,7 +7997,7 @@
           <p:cNvPr id="11" name="圖片 10" descr="一張含有 文字 的圖片&#10;&#10;自動產生的描述">
             <a:extLst>
               <a:ext uri="{FF2B5EF4-FFF2-40B4-BE49-F238E27FC236}">
-                <a16:creationId xmlns:a16="http://schemas.microsoft.com/office/drawing/2014/main" xmlns="" id="{E1596373-13C3-4632-A41E-A767288C6828}"/>
+                <a16:creationId xmlns="" xmlns:a16="http://schemas.microsoft.com/office/drawing/2014/main" id="{E1596373-13C3-4632-A41E-A767288C6828}"/>
               </a:ext>
             </a:extLst>
           </p:cNvPr>
@@ -9429,6 +9435,2335 @@
     <p:extLst>
       <p:ext uri="{BB962C8B-B14F-4D97-AF65-F5344CB8AC3E}">
         <p14:creationId xmlns:p14="http://schemas.microsoft.com/office/powerpoint/2010/main" val="2744708792"/>
+      </p:ext>
+    </p:extLst>
+  </p:cSld>
+  <p:clrMapOvr>
+    <a:masterClrMapping/>
+  </p:clrMapOvr>
+</p:sld>
+</file>
+
+<file path=ppt/slides/slide21.xml><?xml version="1.0" encoding="utf-8"?>
+<p:sld xmlns:a="http://schemas.openxmlformats.org/drawingml/2006/main" xmlns:r="http://schemas.openxmlformats.org/officeDocument/2006/relationships" xmlns:p="http://schemas.openxmlformats.org/presentationml/2006/main">
+  <p:cSld>
+    <p:spTree>
+      <p:nvGrpSpPr>
+        <p:cNvPr id="1" name=""/>
+        <p:cNvGrpSpPr/>
+        <p:nvPr/>
+      </p:nvGrpSpPr>
+      <p:grpSpPr>
+        <a:xfrm>
+          <a:off x="0" y="0"/>
+          <a:ext cx="0" cy="0"/>
+          <a:chOff x="0" y="0"/>
+          <a:chExt cx="0" cy="0"/>
+        </a:xfrm>
+      </p:grpSpPr>
+      <p:sp>
+        <p:nvSpPr>
+          <p:cNvPr id="4" name="文字方塊 3"/>
+          <p:cNvSpPr txBox="1"/>
+          <p:nvPr/>
+        </p:nvSpPr>
+        <p:spPr>
+          <a:xfrm>
+            <a:off x="0" y="0"/>
+            <a:ext cx="9144000" cy="836712"/>
+          </a:xfrm>
+          <a:prstGeom prst="rect">
+            <a:avLst/>
+          </a:prstGeom>
+          <a:noFill/>
+        </p:spPr>
+        <p:txBody>
+          <a:bodyPr wrap="square" rtlCol="0" anchor="ctr">
+            <a:noAutofit/>
+          </a:bodyPr>
+          <a:lstStyle/>
+          <a:p>
+            <a:pPr algn="ctr"/>
+            <a:r>
+              <a:rPr lang="en-US" altLang="zh-TW" sz="2400" dirty="0" smtClean="0">
+                <a:latin typeface="Times New Roman" pitchFamily="18" charset="0"/>
+                <a:cs typeface="Times New Roman" pitchFamily="18" charset="0"/>
+              </a:rPr>
+              <a:t>Flask</a:t>
+            </a:r>
+            <a:endParaRPr lang="zh-TW" altLang="en-US" sz="2400" dirty="0">
+              <a:latin typeface="Times New Roman" pitchFamily="18" charset="0"/>
+              <a:cs typeface="Times New Roman" pitchFamily="18" charset="0"/>
+            </a:endParaRPr>
+          </a:p>
+        </p:txBody>
+      </p:sp>
+      <p:sp>
+        <p:nvSpPr>
+          <p:cNvPr id="5" name="文字方塊 4"/>
+          <p:cNvSpPr txBox="1"/>
+          <p:nvPr/>
+        </p:nvSpPr>
+        <p:spPr>
+          <a:xfrm>
+            <a:off x="8711952" y="6573902"/>
+            <a:ext cx="432048" cy="276999"/>
+          </a:xfrm>
+          <a:prstGeom prst="rect">
+            <a:avLst/>
+          </a:prstGeom>
+          <a:noFill/>
+        </p:spPr>
+        <p:txBody>
+          <a:bodyPr wrap="square" rtlCol="0" anchor="ctr">
+            <a:spAutoFit/>
+          </a:bodyPr>
+          <a:lstStyle/>
+          <a:p>
+            <a:pPr algn="ctr"/>
+            <a:r>
+              <a:rPr lang="en-US" altLang="zh-TW" sz="1200" dirty="0" smtClean="0">
+                <a:latin typeface="Times New Roman" pitchFamily="18" charset="0"/>
+                <a:cs typeface="Times New Roman" pitchFamily="18" charset="0"/>
+              </a:rPr>
+              <a:t>21</a:t>
+            </a:r>
+            <a:endParaRPr lang="zh-TW" altLang="en-US" sz="1200" dirty="0">
+              <a:latin typeface="Times New Roman" pitchFamily="18" charset="0"/>
+              <a:cs typeface="Times New Roman" pitchFamily="18" charset="0"/>
+            </a:endParaRPr>
+          </a:p>
+        </p:txBody>
+      </p:sp>
+      <p:sp>
+        <p:nvSpPr>
+          <p:cNvPr id="6" name="文字方塊 5"/>
+          <p:cNvSpPr txBox="1"/>
+          <p:nvPr/>
+        </p:nvSpPr>
+        <p:spPr>
+          <a:xfrm>
+            <a:off x="503548" y="1124744"/>
+            <a:ext cx="8136904" cy="5328592"/>
+          </a:xfrm>
+          <a:prstGeom prst="rect">
+            <a:avLst/>
+          </a:prstGeom>
+          <a:noFill/>
+        </p:spPr>
+        <p:txBody>
+          <a:bodyPr wrap="square" rtlCol="0" anchor="t">
+            <a:noAutofit/>
+          </a:bodyPr>
+          <a:lstStyle/>
+          <a:p>
+            <a:r>
+              <a:rPr lang="zh-TW" altLang="en-US" sz="2000" dirty="0" smtClean="0">
+                <a:latin typeface="Times New Roman" pitchFamily="18" charset="0"/>
+                <a:cs typeface="Times New Roman" pitchFamily="18" charset="0"/>
+              </a:rPr>
+              <a:t>輕量的 </a:t>
+            </a:r>
+            <a:r>
+              <a:rPr lang="en-US" altLang="zh-TW" sz="2000" dirty="0" smtClean="0">
+                <a:latin typeface="Times New Roman" pitchFamily="18" charset="0"/>
+                <a:cs typeface="Times New Roman" pitchFamily="18" charset="0"/>
+              </a:rPr>
+              <a:t>Python </a:t>
+            </a:r>
+            <a:r>
+              <a:rPr lang="zh-TW" altLang="en-US" sz="2000" dirty="0" smtClean="0">
+                <a:latin typeface="Times New Roman" pitchFamily="18" charset="0"/>
+                <a:cs typeface="Times New Roman" pitchFamily="18" charset="0"/>
+              </a:rPr>
+              <a:t>網頁後端框架，可用於建立簡單的 </a:t>
+            </a:r>
+            <a:r>
+              <a:rPr lang="en-US" altLang="zh-TW" sz="2000" dirty="0" smtClean="0">
+                <a:latin typeface="Times New Roman" pitchFamily="18" charset="0"/>
+                <a:cs typeface="Times New Roman" pitchFamily="18" charset="0"/>
+              </a:rPr>
+              <a:t>Web</a:t>
+            </a:r>
+            <a:r>
+              <a:rPr lang="zh-TW" altLang="en-US" sz="2000" dirty="0" smtClean="0">
+                <a:latin typeface="Times New Roman" pitchFamily="18" charset="0"/>
+                <a:cs typeface="Times New Roman" pitchFamily="18" charset="0"/>
+              </a:rPr>
+              <a:t> </a:t>
+            </a:r>
+            <a:r>
+              <a:rPr lang="en-US" altLang="zh-TW" sz="2000" dirty="0">
+                <a:latin typeface="Times New Roman" pitchFamily="18" charset="0"/>
+                <a:cs typeface="Times New Roman" pitchFamily="18" charset="0"/>
+              </a:rPr>
+              <a:t>API(Application Programming Interface</a:t>
+            </a:r>
+            <a:r>
+              <a:rPr lang="en-US" altLang="zh-TW" sz="2000" dirty="0" smtClean="0">
+                <a:latin typeface="Times New Roman" pitchFamily="18" charset="0"/>
+                <a:cs typeface="Times New Roman" pitchFamily="18" charset="0"/>
+              </a:rPr>
+              <a:t>)</a:t>
+            </a:r>
+          </a:p>
+          <a:p>
+            <a:endParaRPr lang="en-US" altLang="zh-TW" sz="2000" dirty="0">
+              <a:latin typeface="Times New Roman" pitchFamily="18" charset="0"/>
+              <a:cs typeface="Times New Roman" pitchFamily="18" charset="0"/>
+            </a:endParaRPr>
+          </a:p>
+          <a:p>
+            <a:r>
+              <a:rPr lang="zh-TW" altLang="en-US" sz="2000" dirty="0" smtClean="0">
+                <a:latin typeface="Times New Roman" pitchFamily="18" charset="0"/>
+                <a:cs typeface="Times New Roman" pitchFamily="18" charset="0"/>
+              </a:rPr>
+              <a:t>安裝方式：</a:t>
+            </a:r>
+            <a:endParaRPr lang="en-US" altLang="zh-TW" sz="2000" dirty="0" smtClean="0">
+              <a:latin typeface="Times New Roman" pitchFamily="18" charset="0"/>
+              <a:cs typeface="Times New Roman" pitchFamily="18" charset="0"/>
+            </a:endParaRPr>
+          </a:p>
+          <a:p>
+            <a:r>
+              <a:rPr lang="zh-TW" altLang="en-US" sz="2000" dirty="0" smtClean="0">
+                <a:latin typeface="Times New Roman" pitchFamily="18" charset="0"/>
+                <a:cs typeface="Times New Roman" pitchFamily="18" charset="0"/>
+              </a:rPr>
+              <a:t>    在 </a:t>
+            </a:r>
+            <a:r>
+              <a:rPr lang="en-US" altLang="zh-TW" sz="2000" dirty="0" smtClean="0">
+                <a:latin typeface="Times New Roman" pitchFamily="18" charset="0"/>
+                <a:cs typeface="Times New Roman" pitchFamily="18" charset="0"/>
+              </a:rPr>
+              <a:t>Python </a:t>
+            </a:r>
+            <a:r>
+              <a:rPr lang="zh-TW" altLang="en-US" sz="2000" dirty="0" smtClean="0">
+                <a:latin typeface="Times New Roman" pitchFamily="18" charset="0"/>
+                <a:cs typeface="Times New Roman" pitchFamily="18" charset="0"/>
+              </a:rPr>
+              <a:t>的環境下，執行 </a:t>
+            </a:r>
+            <a:r>
+              <a:rPr lang="en-US" altLang="zh-TW" sz="2000" dirty="0" smtClean="0">
+                <a:solidFill>
+                  <a:srgbClr val="FF0000"/>
+                </a:solidFill>
+                <a:latin typeface="Times New Roman" pitchFamily="18" charset="0"/>
+                <a:cs typeface="Times New Roman" pitchFamily="18" charset="0"/>
+              </a:rPr>
+              <a:t>pip install flask</a:t>
+            </a:r>
+            <a:r>
+              <a:rPr lang="zh-TW" altLang="en-US" sz="2000" dirty="0" smtClean="0">
+                <a:latin typeface="Times New Roman" pitchFamily="18" charset="0"/>
+                <a:cs typeface="Times New Roman" pitchFamily="18" charset="0"/>
+              </a:rPr>
+              <a:t>，將 </a:t>
+            </a:r>
+            <a:r>
+              <a:rPr lang="en-US" altLang="zh-TW" sz="2000" dirty="0" smtClean="0">
+                <a:latin typeface="Times New Roman" pitchFamily="18" charset="0"/>
+                <a:cs typeface="Times New Roman" pitchFamily="18" charset="0"/>
+              </a:rPr>
+              <a:t>Flask </a:t>
+            </a:r>
+            <a:r>
+              <a:rPr lang="zh-TW" altLang="en-US" sz="2000" dirty="0" smtClean="0">
+                <a:latin typeface="Times New Roman" pitchFamily="18" charset="0"/>
+                <a:cs typeface="Times New Roman" pitchFamily="18" charset="0"/>
+              </a:rPr>
+              <a:t>套件安裝完畢</a:t>
+            </a:r>
+            <a:endParaRPr lang="en-US" altLang="zh-TW" sz="2000" dirty="0" smtClean="0">
+              <a:latin typeface="Times New Roman" pitchFamily="18" charset="0"/>
+              <a:cs typeface="Times New Roman" pitchFamily="18" charset="0"/>
+            </a:endParaRPr>
+          </a:p>
+        </p:txBody>
+      </p:sp>
+      <p:pic>
+        <p:nvPicPr>
+          <p:cNvPr id="2050" name="Picture 2" descr="C:\Users\boss\Desktop\flask-logo.png"/>
+          <p:cNvPicPr>
+            <a:picLocks noChangeAspect="1" noChangeArrowheads="1"/>
+          </p:cNvPicPr>
+          <p:nvPr/>
+        </p:nvPicPr>
+        <p:blipFill>
+          <a:blip r:embed="rId2">
+            <a:extLst>
+              <a:ext uri="{28A0092B-C50C-407E-A947-70E740481C1C}">
+                <a14:useLocalDpi xmlns:a14="http://schemas.microsoft.com/office/drawing/2010/main" val="0"/>
+              </a:ext>
+            </a:extLst>
+          </a:blip>
+          <a:srcRect/>
+          <a:stretch>
+            <a:fillRect/>
+          </a:stretch>
+        </p:blipFill>
+        <p:spPr bwMode="auto">
+          <a:xfrm>
+            <a:off x="2576512" y="3573016"/>
+            <a:ext cx="3990975" cy="1562100"/>
+          </a:xfrm>
+          <a:prstGeom prst="rect">
+            <a:avLst/>
+          </a:prstGeom>
+          <a:noFill/>
+          <a:extLst>
+            <a:ext uri="{909E8E84-426E-40DD-AFC4-6F175D3DCCD1}">
+              <a14:hiddenFill xmlns:a14="http://schemas.microsoft.com/office/drawing/2010/main">
+                <a:solidFill>
+                  <a:srgbClr val="FFFFFF"/>
+                </a:solidFill>
+              </a14:hiddenFill>
+            </a:ext>
+          </a:extLst>
+        </p:spPr>
+      </p:pic>
+    </p:spTree>
+    <p:extLst>
+      <p:ext uri="{BB962C8B-B14F-4D97-AF65-F5344CB8AC3E}">
+        <p14:creationId xmlns:p14="http://schemas.microsoft.com/office/powerpoint/2010/main" val="4066781359"/>
+      </p:ext>
+    </p:extLst>
+  </p:cSld>
+  <p:clrMapOvr>
+    <a:masterClrMapping/>
+  </p:clrMapOvr>
+</p:sld>
+</file>
+
+<file path=ppt/slides/slide22.xml><?xml version="1.0" encoding="utf-8"?>
+<p:sld xmlns:a="http://schemas.openxmlformats.org/drawingml/2006/main" xmlns:r="http://schemas.openxmlformats.org/officeDocument/2006/relationships" xmlns:p="http://schemas.openxmlformats.org/presentationml/2006/main">
+  <p:cSld>
+    <p:spTree>
+      <p:nvGrpSpPr>
+        <p:cNvPr id="1" name=""/>
+        <p:cNvGrpSpPr/>
+        <p:nvPr/>
+      </p:nvGrpSpPr>
+      <p:grpSpPr>
+        <a:xfrm>
+          <a:off x="0" y="0"/>
+          <a:ext cx="0" cy="0"/>
+          <a:chOff x="0" y="0"/>
+          <a:chExt cx="0" cy="0"/>
+        </a:xfrm>
+      </p:grpSpPr>
+      <p:sp>
+        <p:nvSpPr>
+          <p:cNvPr id="4" name="文字方塊 3"/>
+          <p:cNvSpPr txBox="1"/>
+          <p:nvPr/>
+        </p:nvSpPr>
+        <p:spPr>
+          <a:xfrm>
+            <a:off x="0" y="0"/>
+            <a:ext cx="9144000" cy="836712"/>
+          </a:xfrm>
+          <a:prstGeom prst="rect">
+            <a:avLst/>
+          </a:prstGeom>
+          <a:noFill/>
+        </p:spPr>
+        <p:txBody>
+          <a:bodyPr wrap="square" rtlCol="0" anchor="ctr">
+            <a:noAutofit/>
+          </a:bodyPr>
+          <a:lstStyle/>
+          <a:p>
+            <a:pPr algn="ctr"/>
+            <a:r>
+              <a:rPr lang="en-US" altLang="zh-TW" sz="2400" dirty="0" smtClean="0">
+                <a:latin typeface="Times New Roman" pitchFamily="18" charset="0"/>
+                <a:cs typeface="Times New Roman" pitchFamily="18" charset="0"/>
+              </a:rPr>
+              <a:t>Flask</a:t>
+            </a:r>
+            <a:r>
+              <a:rPr lang="zh-TW" altLang="en-US" sz="2400" dirty="0" smtClean="0">
+                <a:latin typeface="Times New Roman" pitchFamily="18" charset="0"/>
+                <a:cs typeface="Times New Roman" pitchFamily="18" charset="0"/>
+              </a:rPr>
+              <a:t> 專案的資料夾結構</a:t>
+            </a:r>
+            <a:endParaRPr lang="zh-TW" altLang="en-US" sz="2400" dirty="0">
+              <a:latin typeface="Times New Roman" pitchFamily="18" charset="0"/>
+              <a:cs typeface="Times New Roman" pitchFamily="18" charset="0"/>
+            </a:endParaRPr>
+          </a:p>
+        </p:txBody>
+      </p:sp>
+      <p:sp>
+        <p:nvSpPr>
+          <p:cNvPr id="5" name="文字方塊 4"/>
+          <p:cNvSpPr txBox="1"/>
+          <p:nvPr/>
+        </p:nvSpPr>
+        <p:spPr>
+          <a:xfrm>
+            <a:off x="8711952" y="6573902"/>
+            <a:ext cx="432048" cy="276999"/>
+          </a:xfrm>
+          <a:prstGeom prst="rect">
+            <a:avLst/>
+          </a:prstGeom>
+          <a:noFill/>
+        </p:spPr>
+        <p:txBody>
+          <a:bodyPr wrap="square" rtlCol="0" anchor="ctr">
+            <a:spAutoFit/>
+          </a:bodyPr>
+          <a:lstStyle/>
+          <a:p>
+            <a:pPr algn="ctr"/>
+            <a:r>
+              <a:rPr lang="en-US" altLang="zh-TW" sz="1200" dirty="0" smtClean="0">
+                <a:latin typeface="Times New Roman" pitchFamily="18" charset="0"/>
+                <a:cs typeface="Times New Roman" pitchFamily="18" charset="0"/>
+              </a:rPr>
+              <a:t>22</a:t>
+            </a:r>
+            <a:endParaRPr lang="zh-TW" altLang="en-US" sz="1200" dirty="0">
+              <a:latin typeface="Times New Roman" pitchFamily="18" charset="0"/>
+              <a:cs typeface="Times New Roman" pitchFamily="18" charset="0"/>
+            </a:endParaRPr>
+          </a:p>
+        </p:txBody>
+      </p:sp>
+      <p:sp>
+        <p:nvSpPr>
+          <p:cNvPr id="6" name="文字方塊 5"/>
+          <p:cNvSpPr txBox="1"/>
+          <p:nvPr/>
+        </p:nvSpPr>
+        <p:spPr>
+          <a:xfrm>
+            <a:off x="503548" y="1124744"/>
+            <a:ext cx="8136904" cy="5328592"/>
+          </a:xfrm>
+          <a:prstGeom prst="rect">
+            <a:avLst/>
+          </a:prstGeom>
+          <a:noFill/>
+        </p:spPr>
+        <p:txBody>
+          <a:bodyPr wrap="square" rtlCol="0" anchor="t">
+            <a:noAutofit/>
+          </a:bodyPr>
+          <a:lstStyle/>
+          <a:p>
+            <a:endParaRPr lang="en-US" altLang="zh-TW" sz="2000" dirty="0" smtClean="0">
+              <a:latin typeface="Times New Roman" pitchFamily="18" charset="0"/>
+              <a:cs typeface="Times New Roman" pitchFamily="18" charset="0"/>
+            </a:endParaRPr>
+          </a:p>
+          <a:p>
+            <a:endParaRPr lang="en-US" altLang="zh-TW" sz="2000" dirty="0">
+              <a:latin typeface="Times New Roman" pitchFamily="18" charset="0"/>
+              <a:cs typeface="Times New Roman" pitchFamily="18" charset="0"/>
+            </a:endParaRPr>
+          </a:p>
+          <a:p>
+            <a:endParaRPr lang="en-US" altLang="zh-TW" sz="2000" dirty="0" smtClean="0">
+              <a:latin typeface="Times New Roman" pitchFamily="18" charset="0"/>
+              <a:cs typeface="Times New Roman" pitchFamily="18" charset="0"/>
+            </a:endParaRPr>
+          </a:p>
+          <a:p>
+            <a:endParaRPr lang="en-US" altLang="zh-TW" sz="2000" dirty="0">
+              <a:latin typeface="Times New Roman" pitchFamily="18" charset="0"/>
+              <a:cs typeface="Times New Roman" pitchFamily="18" charset="0"/>
+            </a:endParaRPr>
+          </a:p>
+          <a:p>
+            <a:endParaRPr lang="en-US" altLang="zh-TW" sz="2000" dirty="0" smtClean="0">
+              <a:latin typeface="Times New Roman" pitchFamily="18" charset="0"/>
+              <a:cs typeface="Times New Roman" pitchFamily="18" charset="0"/>
+            </a:endParaRPr>
+          </a:p>
+          <a:p>
+            <a:endParaRPr lang="en-US" altLang="zh-TW" sz="2000" dirty="0">
+              <a:latin typeface="Times New Roman" pitchFamily="18" charset="0"/>
+              <a:cs typeface="Times New Roman" pitchFamily="18" charset="0"/>
+            </a:endParaRPr>
+          </a:p>
+          <a:p>
+            <a:endParaRPr lang="en-US" altLang="zh-TW" sz="2000" dirty="0" smtClean="0">
+              <a:latin typeface="Times New Roman" pitchFamily="18" charset="0"/>
+              <a:cs typeface="Times New Roman" pitchFamily="18" charset="0"/>
+            </a:endParaRPr>
+          </a:p>
+          <a:p>
+            <a:endParaRPr lang="en-US" altLang="zh-TW" sz="2000" dirty="0">
+              <a:latin typeface="Times New Roman" pitchFamily="18" charset="0"/>
+              <a:cs typeface="Times New Roman" pitchFamily="18" charset="0"/>
+            </a:endParaRPr>
+          </a:p>
+          <a:p>
+            <a:endParaRPr lang="en-US" altLang="zh-TW" sz="2000" dirty="0" smtClean="0">
+              <a:latin typeface="Times New Roman" pitchFamily="18" charset="0"/>
+              <a:cs typeface="Times New Roman" pitchFamily="18" charset="0"/>
+            </a:endParaRPr>
+          </a:p>
+          <a:p>
+            <a:r>
+              <a:rPr lang="en-US" altLang="zh-TW" sz="2000" dirty="0" smtClean="0">
+                <a:solidFill>
+                  <a:srgbClr val="FF0000"/>
+                </a:solidFill>
+                <a:latin typeface="Times New Roman" pitchFamily="18" charset="0"/>
+                <a:cs typeface="Times New Roman" pitchFamily="18" charset="0"/>
+              </a:rPr>
+              <a:t>templates</a:t>
+            </a:r>
+            <a:r>
+              <a:rPr lang="en-US" altLang="zh-TW" sz="2000" dirty="0" smtClean="0">
+                <a:latin typeface="Times New Roman" pitchFamily="18" charset="0"/>
+                <a:cs typeface="Times New Roman" pitchFamily="18" charset="0"/>
+              </a:rPr>
+              <a:t> </a:t>
+            </a:r>
+            <a:r>
+              <a:rPr lang="zh-TW" altLang="en-US" sz="2000" dirty="0" smtClean="0">
+                <a:latin typeface="Times New Roman" pitchFamily="18" charset="0"/>
+                <a:cs typeface="Times New Roman" pitchFamily="18" charset="0"/>
+              </a:rPr>
+              <a:t>用來放 </a:t>
+            </a:r>
+            <a:r>
+              <a:rPr lang="en-US" altLang="zh-TW" sz="2000" dirty="0" smtClean="0">
+                <a:solidFill>
+                  <a:srgbClr val="FF0000"/>
+                </a:solidFill>
+                <a:latin typeface="Times New Roman" pitchFamily="18" charset="0"/>
+                <a:cs typeface="Times New Roman" pitchFamily="18" charset="0"/>
+              </a:rPr>
+              <a:t>html</a:t>
+            </a:r>
+            <a:r>
+              <a:rPr lang="en-US" altLang="zh-TW" sz="2000" dirty="0" smtClean="0">
+                <a:latin typeface="Times New Roman" pitchFamily="18" charset="0"/>
+                <a:cs typeface="Times New Roman" pitchFamily="18" charset="0"/>
+              </a:rPr>
+              <a:t> </a:t>
+            </a:r>
+            <a:r>
+              <a:rPr lang="zh-TW" altLang="en-US" sz="2000" dirty="0" smtClean="0">
+                <a:latin typeface="Times New Roman" pitchFamily="18" charset="0"/>
+                <a:cs typeface="Times New Roman" pitchFamily="18" charset="0"/>
+              </a:rPr>
+              <a:t>文件，作為網頁的分頁內容</a:t>
+            </a:r>
+            <a:endParaRPr lang="en-US" altLang="zh-TW" sz="2000" dirty="0" smtClean="0">
+              <a:latin typeface="Times New Roman" pitchFamily="18" charset="0"/>
+              <a:cs typeface="Times New Roman" pitchFamily="18" charset="0"/>
+            </a:endParaRPr>
+          </a:p>
+          <a:p>
+            <a:endParaRPr lang="en-US" altLang="zh-TW" sz="2000" dirty="0">
+              <a:latin typeface="Times New Roman" pitchFamily="18" charset="0"/>
+              <a:cs typeface="Times New Roman" pitchFamily="18" charset="0"/>
+            </a:endParaRPr>
+          </a:p>
+          <a:p>
+            <a:r>
+              <a:rPr lang="en-US" altLang="zh-TW" sz="2000" dirty="0" smtClean="0">
+                <a:solidFill>
+                  <a:srgbClr val="FF0000"/>
+                </a:solidFill>
+                <a:latin typeface="Times New Roman" pitchFamily="18" charset="0"/>
+                <a:cs typeface="Times New Roman" pitchFamily="18" charset="0"/>
+              </a:rPr>
+              <a:t>static</a:t>
+            </a:r>
+            <a:r>
+              <a:rPr lang="en-US" altLang="zh-TW" sz="2000" dirty="0" smtClean="0">
+                <a:latin typeface="Times New Roman" pitchFamily="18" charset="0"/>
+                <a:cs typeface="Times New Roman" pitchFamily="18" charset="0"/>
+              </a:rPr>
+              <a:t> </a:t>
+            </a:r>
+            <a:r>
+              <a:rPr lang="zh-TW" altLang="en-US" sz="2000" dirty="0" smtClean="0">
+                <a:latin typeface="Times New Roman" pitchFamily="18" charset="0"/>
+                <a:cs typeface="Times New Roman" pitchFamily="18" charset="0"/>
+              </a:rPr>
+              <a:t>用來放一些 </a:t>
+            </a:r>
+            <a:r>
+              <a:rPr lang="en-US" altLang="zh-TW" sz="2000" dirty="0" smtClean="0">
+                <a:latin typeface="Times New Roman" pitchFamily="18" charset="0"/>
+                <a:cs typeface="Times New Roman" pitchFamily="18" charset="0"/>
+              </a:rPr>
+              <a:t>html </a:t>
+            </a:r>
+            <a:r>
+              <a:rPr lang="zh-TW" altLang="en-US" sz="2000" dirty="0" smtClean="0">
+                <a:latin typeface="Times New Roman" pitchFamily="18" charset="0"/>
+                <a:cs typeface="Times New Roman" pitchFamily="18" charset="0"/>
+              </a:rPr>
+              <a:t>文件會套用的內容，例如 </a:t>
+            </a:r>
+            <a:r>
+              <a:rPr lang="en-US" altLang="zh-TW" sz="2000" dirty="0" err="1" smtClean="0">
+                <a:solidFill>
+                  <a:srgbClr val="00B050"/>
+                </a:solidFill>
+                <a:latin typeface="Times New Roman" pitchFamily="18" charset="0"/>
+                <a:cs typeface="Times New Roman" pitchFamily="18" charset="0"/>
+              </a:rPr>
+              <a:t>css</a:t>
+            </a:r>
+            <a:r>
+              <a:rPr lang="en-US" altLang="zh-TW" sz="2000" dirty="0" smtClean="0">
+                <a:solidFill>
+                  <a:srgbClr val="00B050"/>
+                </a:solidFill>
+                <a:latin typeface="Times New Roman" pitchFamily="18" charset="0"/>
+                <a:cs typeface="Times New Roman" pitchFamily="18" charset="0"/>
+              </a:rPr>
+              <a:t>, </a:t>
+            </a:r>
+            <a:r>
+              <a:rPr lang="en-US" altLang="zh-TW" sz="2000" dirty="0" err="1" smtClean="0">
+                <a:solidFill>
+                  <a:srgbClr val="00B050"/>
+                </a:solidFill>
+                <a:latin typeface="Times New Roman" pitchFamily="18" charset="0"/>
+                <a:cs typeface="Times New Roman" pitchFamily="18" charset="0"/>
+              </a:rPr>
+              <a:t>js</a:t>
+            </a:r>
+            <a:r>
+              <a:rPr lang="en-US" altLang="zh-TW" sz="2000" dirty="0" smtClean="0">
+                <a:solidFill>
+                  <a:srgbClr val="00B050"/>
+                </a:solidFill>
+                <a:latin typeface="Times New Roman" pitchFamily="18" charset="0"/>
+                <a:cs typeface="Times New Roman" pitchFamily="18" charset="0"/>
+              </a:rPr>
+              <a:t>, </a:t>
+            </a:r>
+            <a:r>
+              <a:rPr lang="zh-TW" altLang="en-US" sz="2000" dirty="0" smtClean="0">
+                <a:solidFill>
+                  <a:srgbClr val="00B050"/>
+                </a:solidFill>
+                <a:latin typeface="Times New Roman" pitchFamily="18" charset="0"/>
+                <a:cs typeface="Times New Roman" pitchFamily="18" charset="0"/>
+              </a:rPr>
+              <a:t>圖片</a:t>
+            </a:r>
+            <a:r>
+              <a:rPr lang="en-US" altLang="zh-TW" sz="2000" dirty="0" smtClean="0">
+                <a:solidFill>
+                  <a:srgbClr val="00B050"/>
+                </a:solidFill>
+                <a:latin typeface="Times New Roman" pitchFamily="18" charset="0"/>
+                <a:cs typeface="Times New Roman" pitchFamily="18" charset="0"/>
+              </a:rPr>
+              <a:t>, </a:t>
+            </a:r>
+            <a:r>
+              <a:rPr lang="zh-TW" altLang="en-US" sz="2000" dirty="0" smtClean="0">
+                <a:solidFill>
+                  <a:srgbClr val="00B050"/>
+                </a:solidFill>
+                <a:latin typeface="Times New Roman" pitchFamily="18" charset="0"/>
+                <a:cs typeface="Times New Roman" pitchFamily="18" charset="0"/>
+              </a:rPr>
+              <a:t>影音檔</a:t>
+            </a:r>
+            <a:r>
+              <a:rPr lang="en-US" altLang="zh-TW" sz="2000" dirty="0" smtClean="0">
+                <a:solidFill>
+                  <a:srgbClr val="00B050"/>
+                </a:solidFill>
+                <a:latin typeface="Times New Roman" pitchFamily="18" charset="0"/>
+                <a:cs typeface="Times New Roman" pitchFamily="18" charset="0"/>
+              </a:rPr>
+              <a:t>……</a:t>
+            </a:r>
+          </a:p>
+          <a:p>
+            <a:endParaRPr lang="en-US" altLang="zh-TW" sz="2000" dirty="0">
+              <a:latin typeface="Times New Roman" pitchFamily="18" charset="0"/>
+              <a:cs typeface="Times New Roman" pitchFamily="18" charset="0"/>
+            </a:endParaRPr>
+          </a:p>
+          <a:p>
+            <a:r>
+              <a:rPr lang="zh-TW" altLang="en-US" sz="2000" dirty="0" smtClean="0">
+                <a:latin typeface="Times New Roman" pitchFamily="18" charset="0"/>
+                <a:cs typeface="Times New Roman" pitchFamily="18" charset="0"/>
+              </a:rPr>
+              <a:t>如果 </a:t>
+            </a:r>
+            <a:r>
+              <a:rPr lang="en-US" altLang="zh-TW" sz="2000" dirty="0" smtClean="0">
+                <a:latin typeface="Times New Roman" pitchFamily="18" charset="0"/>
+                <a:cs typeface="Times New Roman" pitchFamily="18" charset="0"/>
+              </a:rPr>
+              <a:t>Flask app </a:t>
+            </a:r>
+            <a:r>
+              <a:rPr lang="zh-TW" altLang="en-US" sz="2000" dirty="0" smtClean="0">
+                <a:latin typeface="Times New Roman" pitchFamily="18" charset="0"/>
+                <a:cs typeface="Times New Roman" pitchFamily="18" charset="0"/>
+              </a:rPr>
+              <a:t>只</a:t>
+            </a:r>
+            <a:r>
+              <a:rPr lang="zh-TW" altLang="en-US" sz="2000" dirty="0">
+                <a:latin typeface="Times New Roman" pitchFamily="18" charset="0"/>
+                <a:cs typeface="Times New Roman" pitchFamily="18" charset="0"/>
+              </a:rPr>
+              <a:t>純粹</a:t>
+            </a:r>
+            <a:r>
+              <a:rPr lang="zh-TW" altLang="en-US" sz="2000" dirty="0" smtClean="0">
+                <a:latin typeface="Times New Roman" pitchFamily="18" charset="0"/>
+                <a:cs typeface="Times New Roman" pitchFamily="18" charset="0"/>
+              </a:rPr>
+              <a:t>用做 </a:t>
+            </a:r>
+            <a:r>
+              <a:rPr lang="en-US" altLang="zh-TW" sz="2000" dirty="0" err="1" smtClean="0">
+                <a:latin typeface="Times New Roman" pitchFamily="18" charset="0"/>
+                <a:cs typeface="Times New Roman" pitchFamily="18" charset="0"/>
+              </a:rPr>
+              <a:t>api</a:t>
+            </a:r>
+            <a:r>
+              <a:rPr lang="zh-TW" altLang="en-US" sz="2000" dirty="0" smtClean="0">
+                <a:latin typeface="Times New Roman" pitchFamily="18" charset="0"/>
+                <a:cs typeface="Times New Roman" pitchFamily="18" charset="0"/>
+              </a:rPr>
+              <a:t>，則 </a:t>
+            </a:r>
+            <a:r>
+              <a:rPr lang="en-US" altLang="zh-TW" sz="2000" dirty="0" smtClean="0">
+                <a:latin typeface="Times New Roman" pitchFamily="18" charset="0"/>
+                <a:cs typeface="Times New Roman" pitchFamily="18" charset="0"/>
+              </a:rPr>
+              <a:t>templates, static </a:t>
+            </a:r>
+            <a:r>
+              <a:rPr lang="zh-TW" altLang="en-US" sz="2000" dirty="0" smtClean="0">
+                <a:latin typeface="Times New Roman" pitchFamily="18" charset="0"/>
+                <a:cs typeface="Times New Roman" pitchFamily="18" charset="0"/>
+              </a:rPr>
+              <a:t>可以完全省略</a:t>
+            </a:r>
+            <a:endParaRPr lang="en-US" altLang="zh-TW" sz="2000" dirty="0">
+              <a:latin typeface="Times New Roman" pitchFamily="18" charset="0"/>
+              <a:cs typeface="Times New Roman" pitchFamily="18" charset="0"/>
+            </a:endParaRPr>
+          </a:p>
+        </p:txBody>
+      </p:sp>
+      <p:pic>
+        <p:nvPicPr>
+          <p:cNvPr id="1027" name="Picture 3" descr="D:\2021_web_tutor\folder-contents.JPG"/>
+          <p:cNvPicPr>
+            <a:picLocks noChangeAspect="1" noChangeArrowheads="1"/>
+          </p:cNvPicPr>
+          <p:nvPr/>
+        </p:nvPicPr>
+        <p:blipFill>
+          <a:blip r:embed="rId2">
+            <a:extLst>
+              <a:ext uri="{28A0092B-C50C-407E-A947-70E740481C1C}">
+                <a14:useLocalDpi xmlns:a14="http://schemas.microsoft.com/office/drawing/2010/main" val="0"/>
+              </a:ext>
+            </a:extLst>
+          </a:blip>
+          <a:srcRect/>
+          <a:stretch>
+            <a:fillRect/>
+          </a:stretch>
+        </p:blipFill>
+        <p:spPr bwMode="auto">
+          <a:xfrm>
+            <a:off x="3185160" y="1117073"/>
+            <a:ext cx="2773680" cy="2567940"/>
+          </a:xfrm>
+          <a:prstGeom prst="rect">
+            <a:avLst/>
+          </a:prstGeom>
+          <a:noFill/>
+          <a:extLst>
+            <a:ext uri="{909E8E84-426E-40DD-AFC4-6F175D3DCCD1}">
+              <a14:hiddenFill xmlns:a14="http://schemas.microsoft.com/office/drawing/2010/main">
+                <a:solidFill>
+                  <a:srgbClr val="FFFFFF"/>
+                </a:solidFill>
+              </a14:hiddenFill>
+            </a:ext>
+          </a:extLst>
+        </p:spPr>
+      </p:pic>
+    </p:spTree>
+    <p:extLst>
+      <p:ext uri="{BB962C8B-B14F-4D97-AF65-F5344CB8AC3E}">
+        <p14:creationId xmlns:p14="http://schemas.microsoft.com/office/powerpoint/2010/main" val="3585405774"/>
+      </p:ext>
+    </p:extLst>
+  </p:cSld>
+  <p:clrMapOvr>
+    <a:masterClrMapping/>
+  </p:clrMapOvr>
+</p:sld>
+</file>
+
+<file path=ppt/slides/slide23.xml><?xml version="1.0" encoding="utf-8"?>
+<p:sld xmlns:a="http://schemas.openxmlformats.org/drawingml/2006/main" xmlns:r="http://schemas.openxmlformats.org/officeDocument/2006/relationships" xmlns:p="http://schemas.openxmlformats.org/presentationml/2006/main">
+  <p:cSld>
+    <p:spTree>
+      <p:nvGrpSpPr>
+        <p:cNvPr id="1" name=""/>
+        <p:cNvGrpSpPr/>
+        <p:nvPr/>
+      </p:nvGrpSpPr>
+      <p:grpSpPr>
+        <a:xfrm>
+          <a:off x="0" y="0"/>
+          <a:ext cx="0" cy="0"/>
+          <a:chOff x="0" y="0"/>
+          <a:chExt cx="0" cy="0"/>
+        </a:xfrm>
+      </p:grpSpPr>
+      <p:sp>
+        <p:nvSpPr>
+          <p:cNvPr id="4" name="文字方塊 3"/>
+          <p:cNvSpPr txBox="1"/>
+          <p:nvPr/>
+        </p:nvSpPr>
+        <p:spPr>
+          <a:xfrm>
+            <a:off x="0" y="0"/>
+            <a:ext cx="9144000" cy="836712"/>
+          </a:xfrm>
+          <a:prstGeom prst="rect">
+            <a:avLst/>
+          </a:prstGeom>
+          <a:noFill/>
+        </p:spPr>
+        <p:txBody>
+          <a:bodyPr wrap="square" rtlCol="0" anchor="ctr">
+            <a:noAutofit/>
+          </a:bodyPr>
+          <a:lstStyle/>
+          <a:p>
+            <a:pPr algn="ctr"/>
+            <a:r>
+              <a:rPr lang="en-US" altLang="zh-TW" sz="2400" dirty="0" smtClean="0">
+                <a:latin typeface="Times New Roman" pitchFamily="18" charset="0"/>
+                <a:cs typeface="Times New Roman" pitchFamily="18" charset="0"/>
+              </a:rPr>
+              <a:t>app.py </a:t>
+            </a:r>
+            <a:r>
+              <a:rPr lang="zh-TW" altLang="en-US" sz="2400" dirty="0" smtClean="0">
+                <a:latin typeface="Times New Roman" pitchFamily="18" charset="0"/>
+                <a:cs typeface="Times New Roman" pitchFamily="18" charset="0"/>
+              </a:rPr>
+              <a:t>內容</a:t>
+            </a:r>
+            <a:endParaRPr lang="zh-TW" altLang="en-US" sz="2400" dirty="0">
+              <a:latin typeface="Times New Roman" pitchFamily="18" charset="0"/>
+              <a:cs typeface="Times New Roman" pitchFamily="18" charset="0"/>
+            </a:endParaRPr>
+          </a:p>
+        </p:txBody>
+      </p:sp>
+      <p:sp>
+        <p:nvSpPr>
+          <p:cNvPr id="5" name="文字方塊 4"/>
+          <p:cNvSpPr txBox="1"/>
+          <p:nvPr/>
+        </p:nvSpPr>
+        <p:spPr>
+          <a:xfrm>
+            <a:off x="8711952" y="6573902"/>
+            <a:ext cx="432048" cy="276999"/>
+          </a:xfrm>
+          <a:prstGeom prst="rect">
+            <a:avLst/>
+          </a:prstGeom>
+          <a:noFill/>
+        </p:spPr>
+        <p:txBody>
+          <a:bodyPr wrap="square" rtlCol="0" anchor="ctr">
+            <a:spAutoFit/>
+          </a:bodyPr>
+          <a:lstStyle/>
+          <a:p>
+            <a:pPr algn="ctr"/>
+            <a:r>
+              <a:rPr lang="en-US" altLang="zh-TW" sz="1200" dirty="0" smtClean="0">
+                <a:latin typeface="Times New Roman" pitchFamily="18" charset="0"/>
+                <a:cs typeface="Times New Roman" pitchFamily="18" charset="0"/>
+              </a:rPr>
+              <a:t>23</a:t>
+            </a:r>
+            <a:endParaRPr lang="zh-TW" altLang="en-US" sz="1200" dirty="0">
+              <a:latin typeface="Times New Roman" pitchFamily="18" charset="0"/>
+              <a:cs typeface="Times New Roman" pitchFamily="18" charset="0"/>
+            </a:endParaRPr>
+          </a:p>
+        </p:txBody>
+      </p:sp>
+      <p:sp>
+        <p:nvSpPr>
+          <p:cNvPr id="6" name="文字方塊 5"/>
+          <p:cNvSpPr txBox="1"/>
+          <p:nvPr/>
+        </p:nvSpPr>
+        <p:spPr>
+          <a:xfrm>
+            <a:off x="503548" y="1124744"/>
+            <a:ext cx="8136904" cy="5328592"/>
+          </a:xfrm>
+          <a:prstGeom prst="rect">
+            <a:avLst/>
+          </a:prstGeom>
+          <a:noFill/>
+        </p:spPr>
+        <p:txBody>
+          <a:bodyPr wrap="square" rtlCol="0" anchor="t">
+            <a:noAutofit/>
+          </a:bodyPr>
+          <a:lstStyle/>
+          <a:p>
+            <a:r>
+              <a:rPr lang="zh-TW" altLang="en-US" sz="2000" dirty="0" smtClean="0">
+                <a:latin typeface="Times New Roman" pitchFamily="18" charset="0"/>
+                <a:cs typeface="Times New Roman" pitchFamily="18" charset="0"/>
+              </a:rPr>
+              <a:t>建好之後，我們會執行 </a:t>
+            </a:r>
+            <a:r>
+              <a:rPr lang="en-US" altLang="zh-TW" sz="2000" dirty="0" smtClean="0">
+                <a:latin typeface="Times New Roman" pitchFamily="18" charset="0"/>
+                <a:cs typeface="Times New Roman" pitchFamily="18" charset="0"/>
+              </a:rPr>
+              <a:t>app.py </a:t>
+            </a:r>
+            <a:r>
+              <a:rPr lang="zh-TW" altLang="en-US" sz="2000" dirty="0" smtClean="0">
+                <a:latin typeface="Times New Roman" pitchFamily="18" charset="0"/>
+                <a:cs typeface="Times New Roman" pitchFamily="18" charset="0"/>
+              </a:rPr>
+              <a:t>這個檔案，建立一個 </a:t>
+            </a:r>
+            <a:r>
+              <a:rPr lang="en-US" altLang="zh-TW" sz="2000" dirty="0" smtClean="0">
+                <a:latin typeface="Times New Roman" pitchFamily="18" charset="0"/>
+                <a:cs typeface="Times New Roman" pitchFamily="18" charset="0"/>
+              </a:rPr>
+              <a:t>Flask </a:t>
+            </a:r>
+            <a:r>
+              <a:rPr lang="zh-TW" altLang="en-US" sz="2000" dirty="0" smtClean="0">
+                <a:latin typeface="Times New Roman" pitchFamily="18" charset="0"/>
+                <a:cs typeface="Times New Roman" pitchFamily="18" charset="0"/>
+              </a:rPr>
+              <a:t>的 </a:t>
+            </a:r>
+            <a:r>
+              <a:rPr lang="en-US" altLang="zh-TW" sz="2000" dirty="0" smtClean="0">
+                <a:latin typeface="Times New Roman" pitchFamily="18" charset="0"/>
+                <a:cs typeface="Times New Roman" pitchFamily="18" charset="0"/>
+              </a:rPr>
+              <a:t>Web Service</a:t>
+            </a:r>
+          </a:p>
+          <a:p>
+            <a:endParaRPr lang="en-US" altLang="zh-TW" sz="2000" dirty="0" smtClean="0">
+              <a:latin typeface="Times New Roman" pitchFamily="18" charset="0"/>
+              <a:cs typeface="Times New Roman" pitchFamily="18" charset="0"/>
+            </a:endParaRPr>
+          </a:p>
+          <a:p>
+            <a:r>
+              <a:rPr lang="en-US" altLang="zh-TW" sz="2000" dirty="0" smtClean="0">
+                <a:latin typeface="Times New Roman" pitchFamily="18" charset="0"/>
+                <a:cs typeface="Times New Roman" pitchFamily="18" charset="0"/>
+              </a:rPr>
+              <a:t>app.py</a:t>
+            </a:r>
+            <a:r>
+              <a:rPr lang="zh-TW" altLang="en-US" sz="2000" dirty="0" smtClean="0">
+                <a:latin typeface="Times New Roman" pitchFamily="18" charset="0"/>
+                <a:cs typeface="Times New Roman" pitchFamily="18" charset="0"/>
+              </a:rPr>
+              <a:t> 的初始內容：</a:t>
+            </a:r>
+            <a:endParaRPr lang="en-US" altLang="zh-TW" sz="2000" dirty="0" smtClean="0">
+              <a:latin typeface="Times New Roman" pitchFamily="18" charset="0"/>
+              <a:cs typeface="Times New Roman" pitchFamily="18" charset="0"/>
+            </a:endParaRPr>
+          </a:p>
+          <a:p>
+            <a:endParaRPr lang="en-US" altLang="zh-TW" sz="2000" dirty="0">
+              <a:latin typeface="Times New Roman" pitchFamily="18" charset="0"/>
+              <a:cs typeface="Times New Roman" pitchFamily="18" charset="0"/>
+            </a:endParaRPr>
+          </a:p>
+          <a:p>
+            <a:r>
+              <a:rPr lang="en-US" altLang="zh-TW" sz="2000" dirty="0" smtClean="0">
+                <a:latin typeface="Times New Roman" pitchFamily="18" charset="0"/>
+                <a:cs typeface="Times New Roman" pitchFamily="18" charset="0"/>
+              </a:rPr>
+              <a:t>from </a:t>
+            </a:r>
+            <a:r>
+              <a:rPr lang="en-US" altLang="zh-TW" sz="2000" dirty="0">
+                <a:latin typeface="Times New Roman" pitchFamily="18" charset="0"/>
+                <a:cs typeface="Times New Roman" pitchFamily="18" charset="0"/>
+              </a:rPr>
+              <a:t>flask import Flask, </a:t>
+            </a:r>
+            <a:r>
+              <a:rPr lang="en-US" altLang="zh-TW" sz="2000" dirty="0" err="1">
+                <a:latin typeface="Times New Roman" pitchFamily="18" charset="0"/>
+                <a:cs typeface="Times New Roman" pitchFamily="18" charset="0"/>
+              </a:rPr>
+              <a:t>render_template</a:t>
+            </a:r>
+            <a:r>
+              <a:rPr lang="en-US" altLang="zh-TW" sz="2000" dirty="0">
+                <a:latin typeface="Times New Roman" pitchFamily="18" charset="0"/>
+                <a:cs typeface="Times New Roman" pitchFamily="18" charset="0"/>
+              </a:rPr>
+              <a:t>, request</a:t>
+            </a:r>
+          </a:p>
+          <a:p>
+            <a:endParaRPr lang="en-US" altLang="zh-TW" sz="2000" dirty="0">
+              <a:latin typeface="Times New Roman" pitchFamily="18" charset="0"/>
+              <a:cs typeface="Times New Roman" pitchFamily="18" charset="0"/>
+            </a:endParaRPr>
+          </a:p>
+          <a:p>
+            <a:r>
+              <a:rPr lang="en-US" altLang="zh-TW" sz="2000" dirty="0">
+                <a:latin typeface="Times New Roman" pitchFamily="18" charset="0"/>
+                <a:cs typeface="Times New Roman" pitchFamily="18" charset="0"/>
+              </a:rPr>
+              <a:t>app = Flask(__name__)</a:t>
+            </a:r>
+          </a:p>
+          <a:p>
+            <a:endParaRPr lang="en-US" altLang="zh-TW" sz="2000" dirty="0">
+              <a:latin typeface="Times New Roman" pitchFamily="18" charset="0"/>
+              <a:cs typeface="Times New Roman" pitchFamily="18" charset="0"/>
+            </a:endParaRPr>
+          </a:p>
+          <a:p>
+            <a:r>
+              <a:rPr lang="en-US" altLang="zh-TW" sz="2000" dirty="0">
+                <a:latin typeface="Times New Roman" pitchFamily="18" charset="0"/>
+                <a:cs typeface="Times New Roman" pitchFamily="18" charset="0"/>
+              </a:rPr>
+              <a:t>@</a:t>
+            </a:r>
+            <a:r>
+              <a:rPr lang="en-US" altLang="zh-TW" sz="2000" dirty="0" err="1">
+                <a:latin typeface="Times New Roman" pitchFamily="18" charset="0"/>
+                <a:cs typeface="Times New Roman" pitchFamily="18" charset="0"/>
+              </a:rPr>
+              <a:t>app.route</a:t>
+            </a:r>
+            <a:r>
+              <a:rPr lang="en-US" altLang="zh-TW" sz="2000" dirty="0">
+                <a:latin typeface="Times New Roman" pitchFamily="18" charset="0"/>
+                <a:cs typeface="Times New Roman" pitchFamily="18" charset="0"/>
+              </a:rPr>
+              <a:t>("/")</a:t>
+            </a:r>
+          </a:p>
+          <a:p>
+            <a:r>
+              <a:rPr lang="en-US" altLang="zh-TW" sz="2000" dirty="0" err="1">
+                <a:latin typeface="Times New Roman" pitchFamily="18" charset="0"/>
+                <a:cs typeface="Times New Roman" pitchFamily="18" charset="0"/>
+              </a:rPr>
+              <a:t>def</a:t>
+            </a:r>
+            <a:r>
+              <a:rPr lang="en-US" altLang="zh-TW" sz="2000" dirty="0">
+                <a:latin typeface="Times New Roman" pitchFamily="18" charset="0"/>
+                <a:cs typeface="Times New Roman" pitchFamily="18" charset="0"/>
+              </a:rPr>
+              <a:t> index():</a:t>
+            </a:r>
+          </a:p>
+          <a:p>
+            <a:r>
+              <a:rPr lang="en-US" altLang="zh-TW" sz="2000" dirty="0">
+                <a:latin typeface="Times New Roman" pitchFamily="18" charset="0"/>
+                <a:cs typeface="Times New Roman" pitchFamily="18" charset="0"/>
+              </a:rPr>
+              <a:t>    return </a:t>
+            </a:r>
+            <a:r>
+              <a:rPr lang="en-US" altLang="zh-TW" sz="2000" dirty="0" err="1">
+                <a:latin typeface="Times New Roman" pitchFamily="18" charset="0"/>
+                <a:cs typeface="Times New Roman" pitchFamily="18" charset="0"/>
+              </a:rPr>
+              <a:t>render_template</a:t>
+            </a:r>
+            <a:r>
+              <a:rPr lang="en-US" altLang="zh-TW" sz="2000" dirty="0">
+                <a:latin typeface="Times New Roman" pitchFamily="18" charset="0"/>
+                <a:cs typeface="Times New Roman" pitchFamily="18" charset="0"/>
+              </a:rPr>
+              <a:t>("index.html")</a:t>
+            </a:r>
+          </a:p>
+          <a:p>
+            <a:endParaRPr lang="en-US" altLang="zh-TW" sz="2000" dirty="0">
+              <a:latin typeface="Times New Roman" pitchFamily="18" charset="0"/>
+              <a:cs typeface="Times New Roman" pitchFamily="18" charset="0"/>
+            </a:endParaRPr>
+          </a:p>
+          <a:p>
+            <a:r>
+              <a:rPr lang="en-US" altLang="zh-TW" sz="2000" dirty="0">
+                <a:latin typeface="Times New Roman" pitchFamily="18" charset="0"/>
+                <a:cs typeface="Times New Roman" pitchFamily="18" charset="0"/>
+              </a:rPr>
+              <a:t>if __name__ == "__main__":</a:t>
+            </a:r>
+          </a:p>
+          <a:p>
+            <a:r>
+              <a:rPr lang="en-US" altLang="zh-TW" sz="2000" dirty="0">
+                <a:latin typeface="Times New Roman" pitchFamily="18" charset="0"/>
+                <a:cs typeface="Times New Roman" pitchFamily="18" charset="0"/>
+              </a:rPr>
+              <a:t>    </a:t>
+            </a:r>
+            <a:r>
+              <a:rPr lang="en-US" altLang="zh-TW" sz="2000" dirty="0" err="1">
+                <a:latin typeface="Times New Roman" pitchFamily="18" charset="0"/>
+                <a:cs typeface="Times New Roman" pitchFamily="18" charset="0"/>
+              </a:rPr>
+              <a:t>app.run</a:t>
+            </a:r>
+            <a:r>
+              <a:rPr lang="en-US" altLang="zh-TW" sz="2000" dirty="0">
+                <a:latin typeface="Times New Roman" pitchFamily="18" charset="0"/>
+                <a:cs typeface="Times New Roman" pitchFamily="18" charset="0"/>
+              </a:rPr>
+              <a:t>(host="</a:t>
+            </a:r>
+            <a:r>
+              <a:rPr lang="en-US" altLang="zh-TW" sz="2000" dirty="0" err="1">
+                <a:latin typeface="Times New Roman" pitchFamily="18" charset="0"/>
+                <a:cs typeface="Times New Roman" pitchFamily="18" charset="0"/>
+              </a:rPr>
+              <a:t>localhost</a:t>
+            </a:r>
+            <a:r>
+              <a:rPr lang="en-US" altLang="zh-TW" sz="2000" dirty="0">
+                <a:latin typeface="Times New Roman" pitchFamily="18" charset="0"/>
+                <a:cs typeface="Times New Roman" pitchFamily="18" charset="0"/>
+              </a:rPr>
+              <a:t>", port="5000", debug=True)</a:t>
+            </a:r>
+          </a:p>
+        </p:txBody>
+      </p:sp>
+    </p:spTree>
+    <p:extLst>
+      <p:ext uri="{BB962C8B-B14F-4D97-AF65-F5344CB8AC3E}">
+        <p14:creationId xmlns:p14="http://schemas.microsoft.com/office/powerpoint/2010/main" val="4176542504"/>
+      </p:ext>
+    </p:extLst>
+  </p:cSld>
+  <p:clrMapOvr>
+    <a:masterClrMapping/>
+  </p:clrMapOvr>
+</p:sld>
+</file>
+
+<file path=ppt/slides/slide24.xml><?xml version="1.0" encoding="utf-8"?>
+<p:sld xmlns:a="http://schemas.openxmlformats.org/drawingml/2006/main" xmlns:r="http://schemas.openxmlformats.org/officeDocument/2006/relationships" xmlns:p="http://schemas.openxmlformats.org/presentationml/2006/main">
+  <p:cSld>
+    <p:spTree>
+      <p:nvGrpSpPr>
+        <p:cNvPr id="1" name=""/>
+        <p:cNvGrpSpPr/>
+        <p:nvPr/>
+      </p:nvGrpSpPr>
+      <p:grpSpPr>
+        <a:xfrm>
+          <a:off x="0" y="0"/>
+          <a:ext cx="0" cy="0"/>
+          <a:chOff x="0" y="0"/>
+          <a:chExt cx="0" cy="0"/>
+        </a:xfrm>
+      </p:grpSpPr>
+      <p:sp>
+        <p:nvSpPr>
+          <p:cNvPr id="4" name="文字方塊 3"/>
+          <p:cNvSpPr txBox="1"/>
+          <p:nvPr/>
+        </p:nvSpPr>
+        <p:spPr>
+          <a:xfrm>
+            <a:off x="0" y="0"/>
+            <a:ext cx="9144000" cy="836712"/>
+          </a:xfrm>
+          <a:prstGeom prst="rect">
+            <a:avLst/>
+          </a:prstGeom>
+          <a:noFill/>
+        </p:spPr>
+        <p:txBody>
+          <a:bodyPr wrap="square" rtlCol="0" anchor="ctr">
+            <a:noAutofit/>
+          </a:bodyPr>
+          <a:lstStyle/>
+          <a:p>
+            <a:pPr algn="ctr"/>
+            <a:r>
+              <a:rPr lang="en-US" altLang="zh-TW" sz="2400" dirty="0" smtClean="0">
+                <a:latin typeface="Times New Roman" pitchFamily="18" charset="0"/>
+                <a:cs typeface="Times New Roman" pitchFamily="18" charset="0"/>
+              </a:rPr>
+              <a:t>app.py </a:t>
+            </a:r>
+            <a:r>
+              <a:rPr lang="zh-TW" altLang="en-US" sz="2400" dirty="0" smtClean="0">
+                <a:latin typeface="Times New Roman" pitchFamily="18" charset="0"/>
+                <a:cs typeface="Times New Roman" pitchFamily="18" charset="0"/>
+              </a:rPr>
+              <a:t>執行結果</a:t>
+            </a:r>
+            <a:endParaRPr lang="zh-TW" altLang="en-US" sz="2400" dirty="0">
+              <a:latin typeface="Times New Roman" pitchFamily="18" charset="0"/>
+              <a:cs typeface="Times New Roman" pitchFamily="18" charset="0"/>
+            </a:endParaRPr>
+          </a:p>
+        </p:txBody>
+      </p:sp>
+      <p:sp>
+        <p:nvSpPr>
+          <p:cNvPr id="5" name="文字方塊 4"/>
+          <p:cNvSpPr txBox="1"/>
+          <p:nvPr/>
+        </p:nvSpPr>
+        <p:spPr>
+          <a:xfrm>
+            <a:off x="8711952" y="6573902"/>
+            <a:ext cx="432048" cy="276999"/>
+          </a:xfrm>
+          <a:prstGeom prst="rect">
+            <a:avLst/>
+          </a:prstGeom>
+          <a:noFill/>
+        </p:spPr>
+        <p:txBody>
+          <a:bodyPr wrap="square" rtlCol="0" anchor="ctr">
+            <a:spAutoFit/>
+          </a:bodyPr>
+          <a:lstStyle/>
+          <a:p>
+            <a:pPr algn="ctr"/>
+            <a:r>
+              <a:rPr lang="en-US" altLang="zh-TW" sz="1200" dirty="0" smtClean="0">
+                <a:latin typeface="Times New Roman" pitchFamily="18" charset="0"/>
+                <a:cs typeface="Times New Roman" pitchFamily="18" charset="0"/>
+              </a:rPr>
+              <a:t>24</a:t>
+            </a:r>
+            <a:endParaRPr lang="zh-TW" altLang="en-US" sz="1200" dirty="0">
+              <a:latin typeface="Times New Roman" pitchFamily="18" charset="0"/>
+              <a:cs typeface="Times New Roman" pitchFamily="18" charset="0"/>
+            </a:endParaRPr>
+          </a:p>
+        </p:txBody>
+      </p:sp>
+      <p:sp>
+        <p:nvSpPr>
+          <p:cNvPr id="6" name="文字方塊 5"/>
+          <p:cNvSpPr txBox="1"/>
+          <p:nvPr/>
+        </p:nvSpPr>
+        <p:spPr>
+          <a:xfrm>
+            <a:off x="503548" y="1124744"/>
+            <a:ext cx="8136904" cy="5328592"/>
+          </a:xfrm>
+          <a:prstGeom prst="rect">
+            <a:avLst/>
+          </a:prstGeom>
+          <a:noFill/>
+        </p:spPr>
+        <p:txBody>
+          <a:bodyPr wrap="square" rtlCol="0" anchor="t">
+            <a:noAutofit/>
+          </a:bodyPr>
+          <a:lstStyle/>
+          <a:p>
+            <a:r>
+              <a:rPr lang="en-US" altLang="zh-TW" sz="2000" dirty="0" smtClean="0">
+                <a:latin typeface="Times New Roman" pitchFamily="18" charset="0"/>
+                <a:cs typeface="Times New Roman" pitchFamily="18" charset="0"/>
+              </a:rPr>
+              <a:t>app.py </a:t>
+            </a:r>
+            <a:r>
+              <a:rPr lang="zh-TW" altLang="en-US" sz="2000" dirty="0" smtClean="0">
+                <a:latin typeface="Times New Roman" pitchFamily="18" charset="0"/>
+                <a:cs typeface="Times New Roman" pitchFamily="18" charset="0"/>
+              </a:rPr>
+              <a:t>在設定完成並執行後，會在 </a:t>
+            </a:r>
+            <a:r>
+              <a:rPr lang="en-US" altLang="zh-TW" sz="2000" dirty="0" err="1" smtClean="0">
+                <a:latin typeface="Times New Roman" pitchFamily="18" charset="0"/>
+                <a:cs typeface="Times New Roman" pitchFamily="18" charset="0"/>
+              </a:rPr>
+              <a:t>localhost</a:t>
+            </a:r>
+            <a:r>
+              <a:rPr lang="en-US" altLang="zh-TW" sz="2000" dirty="0" smtClean="0">
+                <a:latin typeface="Times New Roman" pitchFamily="18" charset="0"/>
+                <a:cs typeface="Times New Roman" pitchFamily="18" charset="0"/>
+              </a:rPr>
+              <a:t> port</a:t>
+            </a:r>
+            <a:r>
+              <a:rPr lang="en-US" altLang="zh-TW" sz="2000" dirty="0">
+                <a:latin typeface="Times New Roman" pitchFamily="18" charset="0"/>
+                <a:cs typeface="Times New Roman" pitchFamily="18" charset="0"/>
+              </a:rPr>
+              <a:t> </a:t>
+            </a:r>
+            <a:r>
+              <a:rPr lang="en-US" altLang="zh-TW" sz="2000" dirty="0" smtClean="0">
+                <a:latin typeface="Times New Roman" pitchFamily="18" charset="0"/>
+                <a:cs typeface="Times New Roman" pitchFamily="18" charset="0"/>
+              </a:rPr>
+              <a:t>5000 </a:t>
+            </a:r>
+            <a:r>
+              <a:rPr lang="zh-TW" altLang="en-US" sz="2000" dirty="0" smtClean="0">
+                <a:latin typeface="Times New Roman" pitchFamily="18" charset="0"/>
+                <a:cs typeface="Times New Roman" pitchFamily="18" charset="0"/>
+              </a:rPr>
+              <a:t>建立 </a:t>
+            </a:r>
+            <a:r>
+              <a:rPr lang="en-US" altLang="zh-TW" sz="2000" dirty="0" smtClean="0">
+                <a:latin typeface="Times New Roman" pitchFamily="18" charset="0"/>
+                <a:cs typeface="Times New Roman" pitchFamily="18" charset="0"/>
+              </a:rPr>
+              <a:t>Web Service</a:t>
+            </a:r>
+            <a:r>
+              <a:rPr lang="zh-TW" altLang="en-US" sz="2000" dirty="0" smtClean="0">
+                <a:latin typeface="Times New Roman" pitchFamily="18" charset="0"/>
+                <a:cs typeface="Times New Roman" pitchFamily="18" charset="0"/>
+              </a:rPr>
+              <a:t>。當我們連上 </a:t>
+            </a:r>
+            <a:r>
+              <a:rPr lang="en-US" altLang="zh-TW" sz="2000" dirty="0" smtClean="0">
+                <a:latin typeface="Times New Roman" pitchFamily="18" charset="0"/>
+                <a:cs typeface="Times New Roman" pitchFamily="18" charset="0"/>
+              </a:rPr>
+              <a:t>localhost:5000 </a:t>
+            </a:r>
+            <a:r>
+              <a:rPr lang="zh-TW" altLang="en-US" sz="2000" dirty="0" smtClean="0">
+                <a:latin typeface="Times New Roman" pitchFamily="18" charset="0"/>
+                <a:cs typeface="Times New Roman" pitchFamily="18" charset="0"/>
+              </a:rPr>
+              <a:t>會</a:t>
+            </a:r>
+            <a:r>
+              <a:rPr lang="zh-TW" altLang="en-US" sz="2000" dirty="0">
+                <a:latin typeface="Times New Roman" pitchFamily="18" charset="0"/>
+                <a:cs typeface="Times New Roman" pitchFamily="18" charset="0"/>
+              </a:rPr>
+              <a:t>看</a:t>
+            </a:r>
+            <a:r>
+              <a:rPr lang="zh-TW" altLang="en-US" sz="2000" dirty="0" smtClean="0">
+                <a:latin typeface="Times New Roman" pitchFamily="18" charset="0"/>
+                <a:cs typeface="Times New Roman" pitchFamily="18" charset="0"/>
+              </a:rPr>
+              <a:t>到預設的 </a:t>
+            </a:r>
+            <a:r>
+              <a:rPr lang="en-US" altLang="zh-TW" sz="2000" dirty="0" smtClean="0">
+                <a:latin typeface="Times New Roman" pitchFamily="18" charset="0"/>
+                <a:cs typeface="Times New Roman" pitchFamily="18" charset="0"/>
+              </a:rPr>
+              <a:t>index.html</a:t>
+            </a:r>
+            <a:r>
+              <a:rPr lang="zh-TW" altLang="en-US" sz="2000" dirty="0" smtClean="0">
+                <a:latin typeface="Times New Roman" pitchFamily="18" charset="0"/>
+                <a:cs typeface="Times New Roman" pitchFamily="18" charset="0"/>
+              </a:rPr>
+              <a:t> 內容</a:t>
+            </a:r>
+            <a:endParaRPr lang="en-US" altLang="zh-TW" sz="2000" dirty="0">
+              <a:latin typeface="Times New Roman" pitchFamily="18" charset="0"/>
+              <a:cs typeface="Times New Roman" pitchFamily="18" charset="0"/>
+            </a:endParaRPr>
+          </a:p>
+        </p:txBody>
+      </p:sp>
+      <p:pic>
+        <p:nvPicPr>
+          <p:cNvPr id="3074" name="Picture 2" descr="C:\Users\boss\Desktop\001.JPG"/>
+          <p:cNvPicPr>
+            <a:picLocks noChangeAspect="1" noChangeArrowheads="1"/>
+          </p:cNvPicPr>
+          <p:nvPr/>
+        </p:nvPicPr>
+        <p:blipFill>
+          <a:blip r:embed="rId2">
+            <a:extLst>
+              <a:ext uri="{28A0092B-C50C-407E-A947-70E740481C1C}">
+                <a14:useLocalDpi xmlns:a14="http://schemas.microsoft.com/office/drawing/2010/main" val="0"/>
+              </a:ext>
+            </a:extLst>
+          </a:blip>
+          <a:srcRect/>
+          <a:stretch>
+            <a:fillRect/>
+          </a:stretch>
+        </p:blipFill>
+        <p:spPr bwMode="auto">
+          <a:xfrm>
+            <a:off x="3167062" y="3356992"/>
+            <a:ext cx="2809875" cy="1619250"/>
+          </a:xfrm>
+          <a:prstGeom prst="rect">
+            <a:avLst/>
+          </a:prstGeom>
+          <a:noFill/>
+          <a:extLst>
+            <a:ext uri="{909E8E84-426E-40DD-AFC4-6F175D3DCCD1}">
+              <a14:hiddenFill xmlns:a14="http://schemas.microsoft.com/office/drawing/2010/main">
+                <a:solidFill>
+                  <a:srgbClr val="FFFFFF"/>
+                </a:solidFill>
+              </a14:hiddenFill>
+            </a:ext>
+          </a:extLst>
+        </p:spPr>
+      </p:pic>
+    </p:spTree>
+    <p:extLst>
+      <p:ext uri="{BB962C8B-B14F-4D97-AF65-F5344CB8AC3E}">
+        <p14:creationId xmlns:p14="http://schemas.microsoft.com/office/powerpoint/2010/main" val="2500278633"/>
+      </p:ext>
+    </p:extLst>
+  </p:cSld>
+  <p:clrMapOvr>
+    <a:masterClrMapping/>
+  </p:clrMapOvr>
+</p:sld>
+</file>
+
+<file path=ppt/slides/slide25.xml><?xml version="1.0" encoding="utf-8"?>
+<p:sld xmlns:a="http://schemas.openxmlformats.org/drawingml/2006/main" xmlns:r="http://schemas.openxmlformats.org/officeDocument/2006/relationships" xmlns:p="http://schemas.openxmlformats.org/presentationml/2006/main">
+  <p:cSld>
+    <p:spTree>
+      <p:nvGrpSpPr>
+        <p:cNvPr id="1" name=""/>
+        <p:cNvGrpSpPr/>
+        <p:nvPr/>
+      </p:nvGrpSpPr>
+      <p:grpSpPr>
+        <a:xfrm>
+          <a:off x="0" y="0"/>
+          <a:ext cx="0" cy="0"/>
+          <a:chOff x="0" y="0"/>
+          <a:chExt cx="0" cy="0"/>
+        </a:xfrm>
+      </p:grpSpPr>
+      <p:sp>
+        <p:nvSpPr>
+          <p:cNvPr id="4" name="文字方塊 3"/>
+          <p:cNvSpPr txBox="1"/>
+          <p:nvPr/>
+        </p:nvSpPr>
+        <p:spPr>
+          <a:xfrm>
+            <a:off x="0" y="0"/>
+            <a:ext cx="9144000" cy="836712"/>
+          </a:xfrm>
+          <a:prstGeom prst="rect">
+            <a:avLst/>
+          </a:prstGeom>
+          <a:noFill/>
+        </p:spPr>
+        <p:txBody>
+          <a:bodyPr wrap="square" rtlCol="0" anchor="ctr">
+            <a:noAutofit/>
+          </a:bodyPr>
+          <a:lstStyle/>
+          <a:p>
+            <a:pPr algn="ctr"/>
+            <a:r>
+              <a:rPr lang="zh-TW" altLang="en-US" sz="2400" dirty="0" smtClean="0">
+                <a:latin typeface="Times New Roman" pitchFamily="18" charset="0"/>
+                <a:cs typeface="Times New Roman" pitchFamily="18" charset="0"/>
+              </a:rPr>
+              <a:t>利用 </a:t>
+            </a:r>
+            <a:r>
+              <a:rPr lang="en-US" altLang="zh-TW" sz="2400" dirty="0" smtClean="0">
+                <a:latin typeface="Times New Roman" pitchFamily="18" charset="0"/>
+                <a:cs typeface="Times New Roman" pitchFamily="18" charset="0"/>
+              </a:rPr>
+              <a:t>Flask </a:t>
+            </a:r>
+            <a:r>
+              <a:rPr lang="zh-TW" altLang="en-US" sz="2400" dirty="0" smtClean="0">
+                <a:latin typeface="Times New Roman" pitchFamily="18" charset="0"/>
+                <a:cs typeface="Times New Roman" pitchFamily="18" charset="0"/>
+              </a:rPr>
+              <a:t>建立 </a:t>
+            </a:r>
+            <a:r>
+              <a:rPr lang="en-US" altLang="zh-TW" sz="2400" dirty="0" smtClean="0">
+                <a:latin typeface="Times New Roman" pitchFamily="18" charset="0"/>
+                <a:cs typeface="Times New Roman" pitchFamily="18" charset="0"/>
+              </a:rPr>
+              <a:t>Web API</a:t>
+            </a:r>
+            <a:endParaRPr lang="zh-TW" altLang="en-US" sz="2400" dirty="0">
+              <a:latin typeface="Times New Roman" pitchFamily="18" charset="0"/>
+              <a:cs typeface="Times New Roman" pitchFamily="18" charset="0"/>
+            </a:endParaRPr>
+          </a:p>
+        </p:txBody>
+      </p:sp>
+      <p:sp>
+        <p:nvSpPr>
+          <p:cNvPr id="5" name="文字方塊 4"/>
+          <p:cNvSpPr txBox="1"/>
+          <p:nvPr/>
+        </p:nvSpPr>
+        <p:spPr>
+          <a:xfrm>
+            <a:off x="8711952" y="6573902"/>
+            <a:ext cx="432048" cy="276999"/>
+          </a:xfrm>
+          <a:prstGeom prst="rect">
+            <a:avLst/>
+          </a:prstGeom>
+          <a:noFill/>
+        </p:spPr>
+        <p:txBody>
+          <a:bodyPr wrap="square" rtlCol="0" anchor="ctr">
+            <a:spAutoFit/>
+          </a:bodyPr>
+          <a:lstStyle/>
+          <a:p>
+            <a:pPr algn="ctr"/>
+            <a:r>
+              <a:rPr lang="en-US" altLang="zh-TW" sz="1200" dirty="0" smtClean="0">
+                <a:latin typeface="Times New Roman" pitchFamily="18" charset="0"/>
+                <a:cs typeface="Times New Roman" pitchFamily="18" charset="0"/>
+              </a:rPr>
+              <a:t>25</a:t>
+            </a:r>
+            <a:endParaRPr lang="zh-TW" altLang="en-US" sz="1200" dirty="0">
+              <a:latin typeface="Times New Roman" pitchFamily="18" charset="0"/>
+              <a:cs typeface="Times New Roman" pitchFamily="18" charset="0"/>
+            </a:endParaRPr>
+          </a:p>
+        </p:txBody>
+      </p:sp>
+      <p:sp>
+        <p:nvSpPr>
+          <p:cNvPr id="6" name="文字方塊 5"/>
+          <p:cNvSpPr txBox="1"/>
+          <p:nvPr/>
+        </p:nvSpPr>
+        <p:spPr>
+          <a:xfrm>
+            <a:off x="503548" y="1124744"/>
+            <a:ext cx="8136904" cy="5328592"/>
+          </a:xfrm>
+          <a:prstGeom prst="rect">
+            <a:avLst/>
+          </a:prstGeom>
+          <a:noFill/>
+        </p:spPr>
+        <p:txBody>
+          <a:bodyPr wrap="square" rtlCol="0" anchor="t">
+            <a:noAutofit/>
+          </a:bodyPr>
+          <a:lstStyle/>
+          <a:p>
+            <a:r>
+              <a:rPr lang="zh-TW" altLang="en-US" sz="2000" dirty="0" smtClean="0">
+                <a:latin typeface="Times New Roman" pitchFamily="18" charset="0"/>
+                <a:cs typeface="Times New Roman" pitchFamily="18" charset="0"/>
+              </a:rPr>
+              <a:t>前面介紹過 </a:t>
+            </a:r>
+            <a:r>
+              <a:rPr lang="en-US" altLang="zh-TW" sz="2000" dirty="0" smtClean="0">
+                <a:latin typeface="Times New Roman" pitchFamily="18" charset="0"/>
+                <a:cs typeface="Times New Roman" pitchFamily="18" charset="0"/>
+              </a:rPr>
+              <a:t>GET</a:t>
+            </a:r>
+            <a:r>
+              <a:rPr lang="zh-TW" altLang="en-US" sz="2000" dirty="0" smtClean="0">
+                <a:latin typeface="Times New Roman" pitchFamily="18" charset="0"/>
+                <a:cs typeface="Times New Roman" pitchFamily="18" charset="0"/>
+              </a:rPr>
+              <a:t> 的 </a:t>
+            </a:r>
+            <a:r>
+              <a:rPr lang="en-US" altLang="zh-TW" sz="2000" dirty="0" smtClean="0">
+                <a:latin typeface="Times New Roman" pitchFamily="18" charset="0"/>
+                <a:cs typeface="Times New Roman" pitchFamily="18" charset="0"/>
+              </a:rPr>
+              <a:t>Http Request </a:t>
+            </a:r>
+            <a:r>
+              <a:rPr lang="zh-TW" altLang="en-US" sz="2000" dirty="0" smtClean="0">
+                <a:latin typeface="Times New Roman" pitchFamily="18" charset="0"/>
+                <a:cs typeface="Times New Roman" pitchFamily="18" charset="0"/>
+              </a:rPr>
+              <a:t>請求方式</a:t>
+            </a:r>
+            <a:endParaRPr lang="en-US" altLang="zh-TW" sz="2000" dirty="0" smtClean="0">
+              <a:latin typeface="Times New Roman" pitchFamily="18" charset="0"/>
+              <a:cs typeface="Times New Roman" pitchFamily="18" charset="0"/>
+            </a:endParaRPr>
+          </a:p>
+          <a:p>
+            <a:endParaRPr lang="en-US" altLang="zh-TW" sz="2000" dirty="0">
+              <a:latin typeface="Times New Roman" pitchFamily="18" charset="0"/>
+              <a:cs typeface="Times New Roman" pitchFamily="18" charset="0"/>
+            </a:endParaRPr>
+          </a:p>
+          <a:p>
+            <a:r>
+              <a:rPr lang="zh-TW" altLang="en-US" sz="2000" dirty="0" smtClean="0">
+                <a:latin typeface="Times New Roman" pitchFamily="18" charset="0"/>
+                <a:cs typeface="Times New Roman" pitchFamily="18" charset="0"/>
+              </a:rPr>
+              <a:t>接下來要介紹如何使用 </a:t>
+            </a:r>
+            <a:r>
+              <a:rPr lang="en-US" altLang="zh-TW" sz="2000" dirty="0" smtClean="0">
+                <a:latin typeface="Times New Roman" pitchFamily="18" charset="0"/>
+                <a:cs typeface="Times New Roman" pitchFamily="18" charset="0"/>
+              </a:rPr>
+              <a:t>POST</a:t>
+            </a:r>
+            <a:r>
+              <a:rPr lang="zh-TW" altLang="en-US" sz="2000" dirty="0" smtClean="0">
+                <a:latin typeface="Times New Roman" pitchFamily="18" charset="0"/>
+                <a:cs typeface="Times New Roman" pitchFamily="18" charset="0"/>
+              </a:rPr>
+              <a:t> 方式向 </a:t>
+            </a:r>
+            <a:r>
+              <a:rPr lang="en-US" altLang="zh-TW" sz="2000" dirty="0" smtClean="0">
+                <a:latin typeface="Times New Roman" pitchFamily="18" charset="0"/>
+                <a:cs typeface="Times New Roman" pitchFamily="18" charset="0"/>
+              </a:rPr>
+              <a:t>Flask API </a:t>
+            </a:r>
+            <a:r>
+              <a:rPr lang="zh-TW" altLang="en-US" sz="2000" dirty="0" smtClean="0">
+                <a:latin typeface="Times New Roman" pitchFamily="18" charset="0"/>
+                <a:cs typeface="Times New Roman" pitchFamily="18" charset="0"/>
+              </a:rPr>
+              <a:t>進行請求</a:t>
+            </a:r>
+            <a:endParaRPr lang="en-US" altLang="zh-TW" sz="2000" dirty="0" smtClean="0">
+              <a:latin typeface="Times New Roman" pitchFamily="18" charset="0"/>
+              <a:cs typeface="Times New Roman" pitchFamily="18" charset="0"/>
+            </a:endParaRPr>
+          </a:p>
+          <a:p>
+            <a:r>
+              <a:rPr lang="zh-TW" altLang="en-US" sz="2000" dirty="0" smtClean="0">
+                <a:latin typeface="Times New Roman" pitchFamily="18" charset="0"/>
+                <a:cs typeface="Times New Roman" pitchFamily="18" charset="0"/>
+              </a:rPr>
+              <a:t>詳細的 </a:t>
+            </a:r>
+            <a:r>
+              <a:rPr lang="en-US" altLang="zh-TW" sz="2000" dirty="0" smtClean="0">
+                <a:latin typeface="Times New Roman" pitchFamily="18" charset="0"/>
+                <a:cs typeface="Times New Roman" pitchFamily="18" charset="0"/>
+              </a:rPr>
+              <a:t>POST</a:t>
+            </a:r>
+            <a:r>
+              <a:rPr lang="zh-TW" altLang="en-US" sz="2000" dirty="0" smtClean="0">
+                <a:latin typeface="Times New Roman" pitchFamily="18" charset="0"/>
+                <a:cs typeface="Times New Roman" pitchFamily="18" charset="0"/>
+              </a:rPr>
+              <a:t> 寫法可以參考 </a:t>
+            </a:r>
+            <a:r>
+              <a:rPr lang="en-US" altLang="zh-TW" sz="2000" dirty="0" smtClean="0">
+                <a:latin typeface="Times New Roman" pitchFamily="18" charset="0"/>
+                <a:cs typeface="Times New Roman" pitchFamily="18" charset="0"/>
+              </a:rPr>
+              <a:t>app-flask-</a:t>
+            </a:r>
+            <a:r>
+              <a:rPr lang="en-US" altLang="zh-TW" sz="2000" dirty="0" err="1" smtClean="0">
+                <a:latin typeface="Times New Roman" pitchFamily="18" charset="0"/>
+                <a:cs typeface="Times New Roman" pitchFamily="18" charset="0"/>
+              </a:rPr>
+              <a:t>pokemon</a:t>
+            </a:r>
+            <a:r>
+              <a:rPr lang="zh-TW" altLang="en-US" sz="2000" dirty="0" smtClean="0">
+                <a:latin typeface="Times New Roman" pitchFamily="18" charset="0"/>
+                <a:cs typeface="Times New Roman" pitchFamily="18" charset="0"/>
+              </a:rPr>
+              <a:t> </a:t>
+            </a:r>
+            <a:r>
+              <a:rPr lang="zh-TW" altLang="en-US" sz="2000" dirty="0">
+                <a:latin typeface="Times New Roman" pitchFamily="18" charset="0"/>
+                <a:cs typeface="Times New Roman" pitchFamily="18" charset="0"/>
+              </a:rPr>
+              <a:t>這個範例</a:t>
+            </a:r>
+            <a:endParaRPr lang="en-US" altLang="zh-TW" sz="2000" dirty="0" smtClean="0">
+              <a:latin typeface="Times New Roman" pitchFamily="18" charset="0"/>
+              <a:cs typeface="Times New Roman" pitchFamily="18" charset="0"/>
+            </a:endParaRPr>
+          </a:p>
+          <a:p>
+            <a:endParaRPr lang="en-US" altLang="zh-TW" sz="2000" dirty="0" smtClean="0">
+              <a:latin typeface="Times New Roman" pitchFamily="18" charset="0"/>
+              <a:cs typeface="Times New Roman" pitchFamily="18" charset="0"/>
+            </a:endParaRPr>
+          </a:p>
+          <a:p>
+            <a:endParaRPr lang="en-US" altLang="zh-TW" sz="2000" dirty="0">
+              <a:latin typeface="Times New Roman" pitchFamily="18" charset="0"/>
+              <a:cs typeface="Times New Roman" pitchFamily="18" charset="0"/>
+            </a:endParaRPr>
+          </a:p>
+          <a:p>
+            <a:r>
+              <a:rPr lang="en-US" altLang="zh-TW" sz="2000" dirty="0" smtClean="0">
+                <a:latin typeface="Times New Roman" pitchFamily="18" charset="0"/>
+                <a:cs typeface="Times New Roman" pitchFamily="18" charset="0"/>
+              </a:rPr>
+              <a:t>app-flask-</a:t>
+            </a:r>
+            <a:r>
+              <a:rPr lang="en-US" altLang="zh-TW" sz="2000" dirty="0" err="1" smtClean="0">
+                <a:latin typeface="Times New Roman" pitchFamily="18" charset="0"/>
+                <a:cs typeface="Times New Roman" pitchFamily="18" charset="0"/>
+              </a:rPr>
+              <a:t>pokemon</a:t>
+            </a:r>
+            <a:r>
+              <a:rPr lang="en-US" altLang="zh-TW" sz="2000" dirty="0" smtClean="0">
+                <a:latin typeface="Times New Roman" pitchFamily="18" charset="0"/>
+                <a:cs typeface="Times New Roman" pitchFamily="18" charset="0"/>
+              </a:rPr>
+              <a:t> </a:t>
+            </a:r>
+            <a:r>
+              <a:rPr lang="zh-TW" altLang="en-US" sz="2000" dirty="0" smtClean="0">
+                <a:latin typeface="Times New Roman" pitchFamily="18" charset="0"/>
+                <a:cs typeface="Times New Roman" pitchFamily="18" charset="0"/>
+              </a:rPr>
+              <a:t>範例內容：</a:t>
+            </a:r>
+            <a:endParaRPr lang="en-US" altLang="zh-TW" sz="2000" dirty="0" smtClean="0">
+              <a:latin typeface="Times New Roman" pitchFamily="18" charset="0"/>
+              <a:cs typeface="Times New Roman" pitchFamily="18" charset="0"/>
+            </a:endParaRPr>
+          </a:p>
+          <a:p>
+            <a:endParaRPr lang="en-US" altLang="zh-TW" sz="2000" dirty="0" smtClean="0">
+              <a:latin typeface="Times New Roman" pitchFamily="18" charset="0"/>
+              <a:cs typeface="Times New Roman" pitchFamily="18" charset="0"/>
+            </a:endParaRPr>
+          </a:p>
+          <a:p>
+            <a:r>
+              <a:rPr lang="zh-TW" altLang="en-US" sz="2000" dirty="0" smtClean="0">
+                <a:latin typeface="Times New Roman" pitchFamily="18" charset="0"/>
+                <a:cs typeface="Times New Roman" pitchFamily="18" charset="0"/>
+              </a:rPr>
+              <a:t>    </a:t>
+            </a:r>
+            <a:r>
+              <a:rPr lang="en-US" altLang="zh-TW" sz="2000" dirty="0" smtClean="0">
+                <a:latin typeface="Times New Roman" pitchFamily="18" charset="0"/>
+                <a:cs typeface="Times New Roman" pitchFamily="18" charset="0"/>
+              </a:rPr>
+              <a:t>1.app.py </a:t>
+            </a:r>
+            <a:r>
+              <a:rPr lang="zh-TW" altLang="en-US" sz="2000" dirty="0" smtClean="0">
+                <a:latin typeface="Times New Roman" pitchFamily="18" charset="0"/>
+                <a:cs typeface="Times New Roman" pitchFamily="18" charset="0"/>
+              </a:rPr>
+              <a:t>中會寫一個 </a:t>
+            </a:r>
+            <a:r>
+              <a:rPr lang="en-US" altLang="zh-TW" sz="2000" dirty="0" smtClean="0">
+                <a:latin typeface="Times New Roman" pitchFamily="18" charset="0"/>
+                <a:cs typeface="Times New Roman" pitchFamily="18" charset="0"/>
+              </a:rPr>
+              <a:t>API</a:t>
+            </a:r>
+            <a:r>
+              <a:rPr lang="zh-TW" altLang="en-US" sz="2000" dirty="0" smtClean="0">
+                <a:latin typeface="Times New Roman" pitchFamily="18" charset="0"/>
+                <a:cs typeface="Times New Roman" pitchFamily="18" charset="0"/>
+              </a:rPr>
+              <a:t>，</a:t>
+            </a:r>
+            <a:r>
+              <a:rPr lang="zh-TW" altLang="en-US" sz="2000" dirty="0">
+                <a:latin typeface="Times New Roman" pitchFamily="18" charset="0"/>
+                <a:cs typeface="Times New Roman" pitchFamily="18" charset="0"/>
+              </a:rPr>
+              <a:t>他會</a:t>
+            </a:r>
+            <a:r>
+              <a:rPr lang="zh-TW" altLang="en-US" sz="2000" dirty="0" smtClean="0">
+                <a:latin typeface="Times New Roman" pitchFamily="18" charset="0"/>
+                <a:cs typeface="Times New Roman" pitchFamily="18" charset="0"/>
+              </a:rPr>
+              <a:t>負責接收由 </a:t>
+            </a:r>
+            <a:r>
+              <a:rPr lang="en-US" altLang="zh-TW" sz="2000" dirty="0" smtClean="0">
+                <a:latin typeface="Times New Roman" pitchFamily="18" charset="0"/>
+                <a:cs typeface="Times New Roman" pitchFamily="18" charset="0"/>
+              </a:rPr>
+              <a:t>Web </a:t>
+            </a:r>
+            <a:r>
+              <a:rPr lang="zh-TW" altLang="en-US" sz="2000" dirty="0" smtClean="0">
+                <a:latin typeface="Times New Roman" pitchFamily="18" charset="0"/>
+                <a:cs typeface="Times New Roman" pitchFamily="18" charset="0"/>
+              </a:rPr>
+              <a:t>發送的 </a:t>
+            </a:r>
+            <a:r>
+              <a:rPr lang="en-US" altLang="zh-TW" sz="2000" dirty="0" smtClean="0">
+                <a:latin typeface="Times New Roman" pitchFamily="18" charset="0"/>
+                <a:cs typeface="Times New Roman" pitchFamily="18" charset="0"/>
+              </a:rPr>
+              <a:t>Request</a:t>
+            </a:r>
+          </a:p>
+          <a:p>
+            <a:r>
+              <a:rPr lang="en-US" altLang="zh-TW" sz="2000" dirty="0">
+                <a:latin typeface="Times New Roman" pitchFamily="18" charset="0"/>
+                <a:cs typeface="Times New Roman" pitchFamily="18" charset="0"/>
+              </a:rPr>
+              <a:t> </a:t>
+            </a:r>
+            <a:r>
+              <a:rPr lang="en-US" altLang="zh-TW" sz="2000" dirty="0" smtClean="0">
+                <a:latin typeface="Times New Roman" pitchFamily="18" charset="0"/>
+                <a:cs typeface="Times New Roman" pitchFamily="18" charset="0"/>
+              </a:rPr>
+              <a:t>   2.API </a:t>
+            </a:r>
+            <a:r>
+              <a:rPr lang="zh-TW" altLang="en-US" sz="2000" dirty="0" smtClean="0">
+                <a:latin typeface="Times New Roman" pitchFamily="18" charset="0"/>
+                <a:cs typeface="Times New Roman" pitchFamily="18" charset="0"/>
+              </a:rPr>
+              <a:t>收到後，會經過計算，把結果傳回 </a:t>
+            </a:r>
+            <a:r>
+              <a:rPr lang="en-US" altLang="zh-TW" sz="2000" dirty="0" smtClean="0">
+                <a:latin typeface="Times New Roman" pitchFamily="18" charset="0"/>
+                <a:cs typeface="Times New Roman" pitchFamily="18" charset="0"/>
+              </a:rPr>
+              <a:t>Web</a:t>
+            </a:r>
+          </a:p>
+          <a:p>
+            <a:endParaRPr lang="en-US" altLang="zh-TW" sz="2000" dirty="0">
+              <a:latin typeface="Times New Roman" pitchFamily="18" charset="0"/>
+              <a:cs typeface="Times New Roman" pitchFamily="18" charset="0"/>
+            </a:endParaRPr>
+          </a:p>
+          <a:p>
+            <a:r>
+              <a:rPr lang="en-US" altLang="zh-TW" sz="2000" dirty="0" smtClean="0">
+                <a:latin typeface="Times New Roman" pitchFamily="18" charset="0"/>
+                <a:cs typeface="Times New Roman" pitchFamily="18" charset="0"/>
+              </a:rPr>
+              <a:t>    ※</a:t>
+            </a:r>
+            <a:r>
+              <a:rPr lang="zh-TW" altLang="en-US" sz="2000" dirty="0">
+                <a:latin typeface="Times New Roman" pitchFamily="18" charset="0"/>
+                <a:cs typeface="Times New Roman" pitchFamily="18" charset="0"/>
+              </a:rPr>
+              <a:t>我寫</a:t>
+            </a:r>
+            <a:r>
+              <a:rPr lang="zh-TW" altLang="en-US" sz="2000" dirty="0" smtClean="0">
+                <a:latin typeface="Times New Roman" pitchFamily="18" charset="0"/>
+                <a:cs typeface="Times New Roman" pitchFamily="18" charset="0"/>
+              </a:rPr>
+              <a:t>了一個 </a:t>
+            </a:r>
+            <a:r>
+              <a:rPr lang="en-US" altLang="zh-TW" sz="2000" dirty="0" smtClean="0">
+                <a:latin typeface="Times New Roman" pitchFamily="18" charset="0"/>
+                <a:cs typeface="Times New Roman" pitchFamily="18" charset="0"/>
+              </a:rPr>
+              <a:t>API</a:t>
+            </a:r>
+            <a:r>
+              <a:rPr lang="zh-TW" altLang="en-US" sz="2000" dirty="0" smtClean="0">
+                <a:latin typeface="Times New Roman" pitchFamily="18" charset="0"/>
+                <a:cs typeface="Times New Roman" pitchFamily="18" charset="0"/>
+              </a:rPr>
+              <a:t>，負責判斷皮卡丘能不能進化</a:t>
+            </a:r>
+            <a:endParaRPr lang="en-US" altLang="zh-TW" sz="2000" dirty="0" smtClean="0">
+              <a:latin typeface="Times New Roman" pitchFamily="18" charset="0"/>
+              <a:cs typeface="Times New Roman" pitchFamily="18" charset="0"/>
+            </a:endParaRPr>
+          </a:p>
+          <a:p>
+            <a:r>
+              <a:rPr lang="zh-TW" altLang="en-US" sz="2000" dirty="0">
+                <a:latin typeface="Times New Roman" pitchFamily="18" charset="0"/>
+                <a:cs typeface="Times New Roman" pitchFamily="18" charset="0"/>
+              </a:rPr>
+              <a:t> </a:t>
+            </a:r>
+            <a:r>
+              <a:rPr lang="zh-TW" altLang="en-US" sz="2000" dirty="0" smtClean="0">
+                <a:latin typeface="Times New Roman" pitchFamily="18" charset="0"/>
+                <a:cs typeface="Times New Roman" pitchFamily="18" charset="0"/>
+              </a:rPr>
+              <a:t>   </a:t>
+            </a:r>
+            <a:r>
+              <a:rPr lang="en-US" altLang="zh-TW" sz="2000" dirty="0" smtClean="0">
+                <a:latin typeface="Times New Roman" pitchFamily="18" charset="0"/>
+                <a:cs typeface="Times New Roman" pitchFamily="18" charset="0"/>
+              </a:rPr>
+              <a:t>p.s. </a:t>
+            </a:r>
+            <a:r>
+              <a:rPr lang="zh-TW" altLang="en-US" sz="2000" dirty="0" smtClean="0">
+                <a:latin typeface="Times New Roman" pitchFamily="18" charset="0"/>
+                <a:cs typeface="Times New Roman" pitchFamily="18" charset="0"/>
+              </a:rPr>
+              <a:t>皮卡丘需要雷之石才能進化，進化後成為雷丘</a:t>
+            </a:r>
+            <a:endParaRPr lang="en-US" altLang="zh-TW" sz="2000" dirty="0" smtClean="0">
+              <a:latin typeface="Times New Roman" pitchFamily="18" charset="0"/>
+              <a:cs typeface="Times New Roman" pitchFamily="18" charset="0"/>
+            </a:endParaRPr>
+          </a:p>
+        </p:txBody>
+      </p:sp>
+    </p:spTree>
+    <p:extLst>
+      <p:ext uri="{BB962C8B-B14F-4D97-AF65-F5344CB8AC3E}">
+        <p14:creationId xmlns:p14="http://schemas.microsoft.com/office/powerpoint/2010/main" val="1232140260"/>
+      </p:ext>
+    </p:extLst>
+  </p:cSld>
+  <p:clrMapOvr>
+    <a:masterClrMapping/>
+  </p:clrMapOvr>
+</p:sld>
+</file>
+
+<file path=ppt/slides/slide26.xml><?xml version="1.0" encoding="utf-8"?>
+<p:sld xmlns:a="http://schemas.openxmlformats.org/drawingml/2006/main" xmlns:r="http://schemas.openxmlformats.org/officeDocument/2006/relationships" xmlns:p="http://schemas.openxmlformats.org/presentationml/2006/main">
+  <p:cSld>
+    <p:spTree>
+      <p:nvGrpSpPr>
+        <p:cNvPr id="1" name=""/>
+        <p:cNvGrpSpPr/>
+        <p:nvPr/>
+      </p:nvGrpSpPr>
+      <p:grpSpPr>
+        <a:xfrm>
+          <a:off x="0" y="0"/>
+          <a:ext cx="0" cy="0"/>
+          <a:chOff x="0" y="0"/>
+          <a:chExt cx="0" cy="0"/>
+        </a:xfrm>
+      </p:grpSpPr>
+      <p:sp>
+        <p:nvSpPr>
+          <p:cNvPr id="4" name="文字方塊 3"/>
+          <p:cNvSpPr txBox="1"/>
+          <p:nvPr/>
+        </p:nvSpPr>
+        <p:spPr>
+          <a:xfrm>
+            <a:off x="0" y="0"/>
+            <a:ext cx="9144000" cy="836712"/>
+          </a:xfrm>
+          <a:prstGeom prst="rect">
+            <a:avLst/>
+          </a:prstGeom>
+          <a:noFill/>
+        </p:spPr>
+        <p:txBody>
+          <a:bodyPr wrap="square" rtlCol="0" anchor="ctr">
+            <a:noAutofit/>
+          </a:bodyPr>
+          <a:lstStyle/>
+          <a:p>
+            <a:pPr algn="ctr"/>
+            <a:r>
+              <a:rPr lang="en-US" altLang="zh-TW" sz="2400" dirty="0" smtClean="0">
+                <a:latin typeface="Times New Roman" pitchFamily="18" charset="0"/>
+                <a:cs typeface="Times New Roman" pitchFamily="18" charset="0"/>
+              </a:rPr>
+              <a:t>NLP</a:t>
+            </a:r>
+            <a:r>
+              <a:rPr lang="zh-TW" altLang="en-US" sz="2400" dirty="0" smtClean="0">
+                <a:latin typeface="Times New Roman" pitchFamily="18" charset="0"/>
+                <a:cs typeface="Times New Roman" pitchFamily="18" charset="0"/>
+              </a:rPr>
+              <a:t> </a:t>
+            </a:r>
+            <a:r>
+              <a:rPr lang="en-US" altLang="zh-TW" sz="2400" dirty="0" smtClean="0">
+                <a:latin typeface="Times New Roman" pitchFamily="18" charset="0"/>
+                <a:cs typeface="Times New Roman" pitchFamily="18" charset="0"/>
+              </a:rPr>
+              <a:t>API</a:t>
+            </a:r>
+            <a:r>
+              <a:rPr lang="zh-TW" altLang="en-US" sz="2400" dirty="0" smtClean="0">
+                <a:latin typeface="Times New Roman" pitchFamily="18" charset="0"/>
+                <a:cs typeface="Times New Roman" pitchFamily="18" charset="0"/>
+              </a:rPr>
+              <a:t> </a:t>
+            </a:r>
+            <a:r>
+              <a:rPr lang="zh-TW" altLang="en-US" sz="2400" dirty="0">
+                <a:latin typeface="Times New Roman" pitchFamily="18" charset="0"/>
+                <a:cs typeface="Times New Roman" pitchFamily="18" charset="0"/>
+              </a:rPr>
+              <a:t>作業</a:t>
+            </a:r>
+            <a:endParaRPr lang="zh-TW" altLang="en-US" sz="2400" dirty="0">
+              <a:latin typeface="Times New Roman" pitchFamily="18" charset="0"/>
+              <a:cs typeface="Times New Roman" pitchFamily="18" charset="0"/>
+            </a:endParaRPr>
+          </a:p>
+        </p:txBody>
+      </p:sp>
+      <p:sp>
+        <p:nvSpPr>
+          <p:cNvPr id="5" name="文字方塊 4"/>
+          <p:cNvSpPr txBox="1"/>
+          <p:nvPr/>
+        </p:nvSpPr>
+        <p:spPr>
+          <a:xfrm>
+            <a:off x="8711952" y="6573902"/>
+            <a:ext cx="432048" cy="276999"/>
+          </a:xfrm>
+          <a:prstGeom prst="rect">
+            <a:avLst/>
+          </a:prstGeom>
+          <a:noFill/>
+        </p:spPr>
+        <p:txBody>
+          <a:bodyPr wrap="square" rtlCol="0" anchor="ctr">
+            <a:spAutoFit/>
+          </a:bodyPr>
+          <a:lstStyle/>
+          <a:p>
+            <a:pPr algn="ctr"/>
+            <a:r>
+              <a:rPr lang="en-US" altLang="zh-TW" sz="1200" dirty="0" smtClean="0">
+                <a:latin typeface="Times New Roman" pitchFamily="18" charset="0"/>
+                <a:cs typeface="Times New Roman" pitchFamily="18" charset="0"/>
+              </a:rPr>
+              <a:t>26</a:t>
+            </a:r>
+            <a:endParaRPr lang="zh-TW" altLang="en-US" sz="1200" dirty="0">
+              <a:latin typeface="Times New Roman" pitchFamily="18" charset="0"/>
+              <a:cs typeface="Times New Roman" pitchFamily="18" charset="0"/>
+            </a:endParaRPr>
+          </a:p>
+        </p:txBody>
+      </p:sp>
+      <p:sp>
+        <p:nvSpPr>
+          <p:cNvPr id="6" name="文字方塊 5"/>
+          <p:cNvSpPr txBox="1"/>
+          <p:nvPr/>
+        </p:nvSpPr>
+        <p:spPr>
+          <a:xfrm>
+            <a:off x="503548" y="1124744"/>
+            <a:ext cx="8136904" cy="5328592"/>
+          </a:xfrm>
+          <a:prstGeom prst="rect">
+            <a:avLst/>
+          </a:prstGeom>
+          <a:noFill/>
+        </p:spPr>
+        <p:txBody>
+          <a:bodyPr wrap="square" rtlCol="0" anchor="t">
+            <a:noAutofit/>
+          </a:bodyPr>
+          <a:lstStyle/>
+          <a:p>
+            <a:r>
+              <a:rPr lang="en-US" altLang="zh-TW" sz="2000" dirty="0" smtClean="0">
+                <a:latin typeface="Times New Roman" pitchFamily="18" charset="0"/>
+                <a:cs typeface="Times New Roman" pitchFamily="18" charset="0"/>
+              </a:rPr>
+              <a:t>1.</a:t>
+            </a:r>
+            <a:r>
+              <a:rPr lang="zh-TW" altLang="en-US" sz="2000" dirty="0" smtClean="0">
+                <a:latin typeface="Times New Roman" pitchFamily="18" charset="0"/>
+                <a:cs typeface="Times New Roman" pitchFamily="18" charset="0"/>
+              </a:rPr>
+              <a:t>設計一個 </a:t>
+            </a:r>
+            <a:r>
+              <a:rPr lang="en-US" altLang="zh-TW" sz="2000" dirty="0" smtClean="0">
+                <a:latin typeface="Times New Roman" pitchFamily="18" charset="0"/>
+                <a:cs typeface="Times New Roman" pitchFamily="18" charset="0"/>
+              </a:rPr>
+              <a:t>Web GUI </a:t>
+            </a:r>
+            <a:r>
+              <a:rPr lang="zh-TW" altLang="en-US" sz="2000" dirty="0" smtClean="0">
+                <a:latin typeface="Times New Roman" pitchFamily="18" charset="0"/>
+                <a:cs typeface="Times New Roman" pitchFamily="18" charset="0"/>
+              </a:rPr>
+              <a:t>介面，要有</a:t>
+            </a:r>
+            <a:r>
+              <a:rPr lang="zh-TW" altLang="en-US" sz="2000" dirty="0" smtClean="0">
+                <a:solidFill>
+                  <a:srgbClr val="FF0000"/>
+                </a:solidFill>
+                <a:latin typeface="Times New Roman" pitchFamily="18" charset="0"/>
+                <a:cs typeface="Times New Roman" pitchFamily="18" charset="0"/>
+              </a:rPr>
+              <a:t>文字輸入區</a:t>
+            </a:r>
+            <a:r>
+              <a:rPr lang="zh-TW" altLang="en-US" sz="2000" dirty="0" smtClean="0">
+                <a:latin typeface="Times New Roman" pitchFamily="18" charset="0"/>
+                <a:cs typeface="Times New Roman" pitchFamily="18" charset="0"/>
+              </a:rPr>
+              <a:t>、</a:t>
+            </a:r>
+            <a:r>
+              <a:rPr lang="zh-TW" altLang="en-US" sz="2000" dirty="0" smtClean="0">
+                <a:solidFill>
+                  <a:srgbClr val="FF0000"/>
+                </a:solidFill>
+                <a:latin typeface="Times New Roman" pitchFamily="18" charset="0"/>
+                <a:cs typeface="Times New Roman" pitchFamily="18" charset="0"/>
+              </a:rPr>
+              <a:t>送出按鈕</a:t>
+            </a:r>
+            <a:r>
+              <a:rPr lang="zh-TW" altLang="en-US" sz="2000" dirty="0" smtClean="0">
+                <a:latin typeface="Times New Roman" pitchFamily="18" charset="0"/>
+                <a:cs typeface="Times New Roman" pitchFamily="18" charset="0"/>
+              </a:rPr>
+              <a:t>及</a:t>
+            </a:r>
+            <a:r>
+              <a:rPr lang="zh-TW" altLang="en-US" sz="2000" dirty="0" smtClean="0">
+                <a:solidFill>
+                  <a:srgbClr val="FF0000"/>
+                </a:solidFill>
+                <a:latin typeface="Times New Roman" pitchFamily="18" charset="0"/>
+                <a:cs typeface="Times New Roman" pitchFamily="18" charset="0"/>
+              </a:rPr>
+              <a:t>結果顯示區</a:t>
+            </a:r>
+            <a:endParaRPr lang="en-US" altLang="zh-TW" sz="2000" dirty="0" smtClean="0">
+              <a:solidFill>
+                <a:srgbClr val="FF0000"/>
+              </a:solidFill>
+              <a:latin typeface="Times New Roman" pitchFamily="18" charset="0"/>
+              <a:cs typeface="Times New Roman" pitchFamily="18" charset="0"/>
+            </a:endParaRPr>
+          </a:p>
+          <a:p>
+            <a:endParaRPr lang="en-US" altLang="zh-TW" sz="2000" dirty="0" smtClean="0">
+              <a:latin typeface="Times New Roman" pitchFamily="18" charset="0"/>
+              <a:cs typeface="Times New Roman" pitchFamily="18" charset="0"/>
+            </a:endParaRPr>
+          </a:p>
+          <a:p>
+            <a:r>
+              <a:rPr lang="en-US" altLang="zh-TW" sz="2000" dirty="0" smtClean="0">
+                <a:latin typeface="Times New Roman" pitchFamily="18" charset="0"/>
+                <a:cs typeface="Times New Roman" pitchFamily="18" charset="0"/>
+              </a:rPr>
+              <a:t>2.</a:t>
+            </a:r>
+            <a:r>
+              <a:rPr lang="zh-TW" altLang="en-US" sz="2000" dirty="0" smtClean="0">
+                <a:latin typeface="Times New Roman" pitchFamily="18" charset="0"/>
+                <a:cs typeface="Times New Roman" pitchFamily="18" charset="0"/>
+              </a:rPr>
+              <a:t>請利用 </a:t>
+            </a:r>
+            <a:r>
+              <a:rPr lang="en-US" altLang="zh-TW" sz="2000" dirty="0" smtClean="0">
+                <a:latin typeface="Times New Roman" pitchFamily="18" charset="0"/>
+                <a:cs typeface="Times New Roman" pitchFamily="18" charset="0"/>
+              </a:rPr>
+              <a:t>Flask </a:t>
+            </a:r>
+            <a:r>
+              <a:rPr lang="zh-TW" altLang="en-US" sz="2000" dirty="0" smtClean="0">
+                <a:latin typeface="Times New Roman" pitchFamily="18" charset="0"/>
+                <a:cs typeface="Times New Roman" pitchFamily="18" charset="0"/>
+              </a:rPr>
+              <a:t>設計</a:t>
+            </a:r>
+            <a:r>
+              <a:rPr lang="zh-TW" altLang="en-US" sz="2000" dirty="0">
+                <a:latin typeface="Times New Roman" pitchFamily="18" charset="0"/>
+                <a:cs typeface="Times New Roman" pitchFamily="18" charset="0"/>
+              </a:rPr>
+              <a:t>一個 </a:t>
+            </a:r>
+            <a:r>
+              <a:rPr lang="en-US" altLang="zh-TW" sz="2000" dirty="0" smtClean="0">
+                <a:solidFill>
+                  <a:srgbClr val="FF0000"/>
+                </a:solidFill>
+                <a:latin typeface="Times New Roman" pitchFamily="18" charset="0"/>
+                <a:cs typeface="Times New Roman" pitchFamily="18" charset="0"/>
+              </a:rPr>
+              <a:t>NLP </a:t>
+            </a:r>
+            <a:r>
+              <a:rPr lang="zh-TW" altLang="en-US" sz="2000" dirty="0" smtClean="0">
+                <a:solidFill>
+                  <a:srgbClr val="FF0000"/>
+                </a:solidFill>
+                <a:latin typeface="Times New Roman" pitchFamily="18" charset="0"/>
+                <a:cs typeface="Times New Roman" pitchFamily="18" charset="0"/>
+              </a:rPr>
+              <a:t>的</a:t>
+            </a:r>
+            <a:r>
+              <a:rPr lang="en-US" altLang="zh-TW" sz="2000" dirty="0" smtClean="0">
+                <a:solidFill>
+                  <a:srgbClr val="FF0000"/>
+                </a:solidFill>
+                <a:latin typeface="Times New Roman" pitchFamily="18" charset="0"/>
+                <a:cs typeface="Times New Roman" pitchFamily="18" charset="0"/>
+              </a:rPr>
+              <a:t> API</a:t>
+            </a:r>
+            <a:r>
+              <a:rPr lang="zh-TW" altLang="en-US" sz="2000" dirty="0" smtClean="0">
+                <a:latin typeface="Times New Roman" pitchFamily="18" charset="0"/>
+                <a:cs typeface="Times New Roman" pitchFamily="18" charset="0"/>
+              </a:rPr>
+              <a:t>，處理從 </a:t>
+            </a:r>
+            <a:r>
+              <a:rPr lang="en-US" altLang="zh-TW" sz="2000" dirty="0" smtClean="0">
+                <a:latin typeface="Times New Roman" pitchFamily="18" charset="0"/>
+                <a:cs typeface="Times New Roman" pitchFamily="18" charset="0"/>
+              </a:rPr>
+              <a:t>Web </a:t>
+            </a:r>
+            <a:r>
+              <a:rPr lang="zh-TW" altLang="en-US" sz="2000" dirty="0" smtClean="0">
+                <a:latin typeface="Times New Roman" pitchFamily="18" charset="0"/>
+                <a:cs typeface="Times New Roman" pitchFamily="18" charset="0"/>
+              </a:rPr>
+              <a:t>送過來的請求，並把</a:t>
+            </a:r>
+            <a:r>
+              <a:rPr lang="en-US" altLang="zh-TW" sz="2000" dirty="0" smtClean="0">
+                <a:latin typeface="Times New Roman" pitchFamily="18" charset="0"/>
+                <a:cs typeface="Times New Roman" pitchFamily="18" charset="0"/>
+              </a:rPr>
+              <a:t>NLP</a:t>
+            </a:r>
+            <a:r>
+              <a:rPr lang="zh-TW" altLang="en-US" sz="2000" dirty="0" smtClean="0">
+                <a:latin typeface="Times New Roman" pitchFamily="18" charset="0"/>
+                <a:cs typeface="Times New Roman" pitchFamily="18" charset="0"/>
+              </a:rPr>
+              <a:t> 演算的結果回傳給 </a:t>
+            </a:r>
+            <a:r>
+              <a:rPr lang="en-US" altLang="zh-TW" sz="2000" dirty="0" smtClean="0">
+                <a:latin typeface="Times New Roman" pitchFamily="18" charset="0"/>
+                <a:cs typeface="Times New Roman" pitchFamily="18" charset="0"/>
+              </a:rPr>
+              <a:t>Web</a:t>
+            </a:r>
+            <a:r>
+              <a:rPr lang="zh-TW" altLang="en-US" sz="2000" dirty="0" smtClean="0">
+                <a:latin typeface="Times New Roman" pitchFamily="18" charset="0"/>
+                <a:cs typeface="Times New Roman" pitchFamily="18" charset="0"/>
+              </a:rPr>
+              <a:t>。</a:t>
+            </a:r>
+            <a:endParaRPr lang="en-US" altLang="zh-TW" sz="2000" dirty="0">
+              <a:latin typeface="Times New Roman" pitchFamily="18" charset="0"/>
+              <a:cs typeface="Times New Roman" pitchFamily="18" charset="0"/>
+            </a:endParaRPr>
+          </a:p>
+        </p:txBody>
+      </p:sp>
+    </p:spTree>
+    <p:extLst>
+      <p:ext uri="{BB962C8B-B14F-4D97-AF65-F5344CB8AC3E}">
+        <p14:creationId xmlns:p14="http://schemas.microsoft.com/office/powerpoint/2010/main" val="3440842676"/>
       </p:ext>
     </p:extLst>
   </p:cSld>
